--- a/蓝桥杯初级辅导资料/蓝桥杯基础班第二天/蓝桥杯基础班第三课+第四课.pptx
+++ b/蓝桥杯初级辅导资料/蓝桥杯基础班第二天/蓝桥杯基础班第三课+第四课.pptx
@@ -20520,7 +20520,7 @@
                 </a:solidFill>
                 <a:sym typeface="+mn-ea"/>
               </a:rPr>
-              <a:t>（）函数不会计算未被初始化的</a:t>
+              <a:t>（）函数会计算未被初始化的</a:t>
             </a:r>
             <a:r>
               <a:rPr lang="zh-CN" altLang="en-US" sz="2400">
@@ -24008,7 +24008,7 @@
                 <a:cs typeface="宋体" charset="0"/>
                 <a:sym typeface="+mn-ea"/>
               </a:rPr>
-              <a:t>偶数：能被 22 整除的数。</a:t>
+              <a:t>偶数：能被 2 整除的数。</a:t>
             </a:r>
             <a:endParaRPr sz="2400">
               <a:latin typeface="宋体" charset="0"/>

--- a/蓝桥杯初级辅导资料/蓝桥杯基础班第二天/蓝桥杯基础班第三课+第四课.pptx
+++ b/蓝桥杯初级辅导资料/蓝桥杯基础班第二天/蓝桥杯基础班第三课+第四课.pptx
@@ -3051,7 +3051,7 @@
         <a:spcBef>
           <a:spcPts val="1000"/>
         </a:spcBef>
-        <a:buFont typeface="Arial" panose="020B0604020202090204" pitchFamily="34" charset="0"/>
+        <a:buFont typeface="Arial" panose="020B0704020202020204" pitchFamily="34" charset="0"/>
         <a:buChar char="•"/>
         <a:defRPr sz="2800" kern="1200">
           <a:solidFill>
@@ -3069,7 +3069,7 @@
         <a:spcBef>
           <a:spcPts val="500"/>
         </a:spcBef>
-        <a:buFont typeface="Arial" panose="020B0604020202090204" pitchFamily="34" charset="0"/>
+        <a:buFont typeface="Arial" panose="020B0704020202020204" pitchFamily="34" charset="0"/>
         <a:buChar char="•"/>
         <a:defRPr sz="2400" kern="1200">
           <a:solidFill>
@@ -3087,7 +3087,7 @@
         <a:spcBef>
           <a:spcPts val="500"/>
         </a:spcBef>
-        <a:buFont typeface="Arial" panose="020B0604020202090204" pitchFamily="34" charset="0"/>
+        <a:buFont typeface="Arial" panose="020B0704020202020204" pitchFamily="34" charset="0"/>
         <a:buChar char="•"/>
         <a:defRPr sz="2000" kern="1200">
           <a:solidFill>
@@ -3105,7 +3105,7 @@
         <a:spcBef>
           <a:spcPts val="500"/>
         </a:spcBef>
-        <a:buFont typeface="Arial" panose="020B0604020202090204" pitchFamily="34" charset="0"/>
+        <a:buFont typeface="Arial" panose="020B0704020202020204" pitchFamily="34" charset="0"/>
         <a:buChar char="•"/>
         <a:defRPr sz="1800" kern="1200">
           <a:solidFill>
@@ -3123,7 +3123,7 @@
         <a:spcBef>
           <a:spcPts val="500"/>
         </a:spcBef>
-        <a:buFont typeface="Arial" panose="020B0604020202090204" pitchFamily="34" charset="0"/>
+        <a:buFont typeface="Arial" panose="020B0704020202020204" pitchFamily="34" charset="0"/>
         <a:buChar char="•"/>
         <a:defRPr sz="1800" kern="1200">
           <a:solidFill>
@@ -3141,7 +3141,7 @@
         <a:spcBef>
           <a:spcPts val="500"/>
         </a:spcBef>
-        <a:buFont typeface="Arial" panose="020B0604020202090204" pitchFamily="34" charset="0"/>
+        <a:buFont typeface="Arial" panose="020B0704020202020204" pitchFamily="34" charset="0"/>
         <a:buChar char="•"/>
         <a:defRPr sz="1800" kern="1200">
           <a:solidFill>
@@ -3159,7 +3159,7 @@
         <a:spcBef>
           <a:spcPts val="500"/>
         </a:spcBef>
-        <a:buFont typeface="Arial" panose="020B0604020202090204" pitchFamily="34" charset="0"/>
+        <a:buFont typeface="Arial" panose="020B0704020202020204" pitchFamily="34" charset="0"/>
         <a:buChar char="•"/>
         <a:defRPr sz="1800" kern="1200">
           <a:solidFill>
@@ -3177,7 +3177,7 @@
         <a:spcBef>
           <a:spcPts val="500"/>
         </a:spcBef>
-        <a:buFont typeface="Arial" panose="020B0604020202090204" pitchFamily="34" charset="0"/>
+        <a:buFont typeface="Arial" panose="020B0704020202020204" pitchFamily="34" charset="0"/>
         <a:buChar char="•"/>
         <a:defRPr sz="1800" kern="1200">
           <a:solidFill>
@@ -3195,7 +3195,7 @@
         <a:spcBef>
           <a:spcPts val="500"/>
         </a:spcBef>
-        <a:buFont typeface="Arial" panose="020B0604020202090204" pitchFamily="34" charset="0"/>
+        <a:buFont typeface="Arial" panose="020B0704020202020204" pitchFamily="34" charset="0"/>
         <a:buChar char="•"/>
         <a:defRPr sz="1800" kern="1200">
           <a:solidFill>
@@ -3693,7 +3693,7 @@
                 <a:solidFill>
                   <a:schemeClr val="tx1"/>
                 </a:solidFill>
-                <a:latin typeface="Arial" panose="020B0604020202090204" pitchFamily="34" charset="0"/>
+                <a:latin typeface="Arial" panose="020B0704020202020204" pitchFamily="34" charset="0"/>
                 <a:ea typeface="宋体" pitchFamily="2" charset="-122"/>
               </a:defRPr>
             </a:lvl1pPr>
@@ -3711,7 +3711,7 @@
                 <a:solidFill>
                   <a:schemeClr val="tx1"/>
                 </a:solidFill>
-                <a:latin typeface="Arial" panose="020B0604020202090204" pitchFamily="34" charset="0"/>
+                <a:latin typeface="Arial" panose="020B0704020202020204" pitchFamily="34" charset="0"/>
                 <a:ea typeface="宋体" pitchFamily="2" charset="-122"/>
               </a:defRPr>
             </a:lvl2pPr>
@@ -3728,7 +3728,7 @@
                 <a:solidFill>
                   <a:schemeClr val="tx1"/>
                 </a:solidFill>
-                <a:latin typeface="Arial" panose="020B0604020202090204" pitchFamily="34" charset="0"/>
+                <a:latin typeface="Arial" panose="020B0704020202020204" pitchFamily="34" charset="0"/>
                 <a:ea typeface="宋体" pitchFamily="2" charset="-122"/>
               </a:defRPr>
             </a:lvl3pPr>
@@ -3745,7 +3745,7 @@
                 <a:solidFill>
                   <a:schemeClr val="tx1"/>
                 </a:solidFill>
-                <a:latin typeface="Arial" panose="020B0604020202090204" pitchFamily="34" charset="0"/>
+                <a:latin typeface="Arial" panose="020B0704020202020204" pitchFamily="34" charset="0"/>
                 <a:ea typeface="宋体" pitchFamily="2" charset="-122"/>
               </a:defRPr>
             </a:lvl4pPr>
@@ -3762,7 +3762,7 @@
                 <a:solidFill>
                   <a:schemeClr val="tx1"/>
                 </a:solidFill>
-                <a:latin typeface="Arial" panose="020B0604020202090204" pitchFamily="34" charset="0"/>
+                <a:latin typeface="Arial" panose="020B0704020202020204" pitchFamily="34" charset="0"/>
                 <a:ea typeface="宋体" pitchFamily="2" charset="-122"/>
               </a:defRPr>
             </a:lvl5pPr>
@@ -3782,7 +3782,7 @@
                 <a:solidFill>
                   <a:schemeClr val="tx1"/>
                 </a:solidFill>
-                <a:latin typeface="Arial" panose="020B0604020202090204" pitchFamily="34" charset="0"/>
+                <a:latin typeface="Arial" panose="020B0704020202020204" pitchFamily="34" charset="0"/>
                 <a:ea typeface="宋体" pitchFamily="2" charset="-122"/>
               </a:defRPr>
             </a:lvl6pPr>
@@ -3802,7 +3802,7 @@
                 <a:solidFill>
                   <a:schemeClr val="tx1"/>
                 </a:solidFill>
-                <a:latin typeface="Arial" panose="020B0604020202090204" pitchFamily="34" charset="0"/>
+                <a:latin typeface="Arial" panose="020B0704020202020204" pitchFamily="34" charset="0"/>
                 <a:ea typeface="宋体" pitchFamily="2" charset="-122"/>
               </a:defRPr>
             </a:lvl7pPr>
@@ -3822,7 +3822,7 @@
                 <a:solidFill>
                   <a:schemeClr val="tx1"/>
                 </a:solidFill>
-                <a:latin typeface="Arial" panose="020B0604020202090204" pitchFamily="34" charset="0"/>
+                <a:latin typeface="Arial" panose="020B0704020202020204" pitchFamily="34" charset="0"/>
                 <a:ea typeface="宋体" pitchFamily="2" charset="-122"/>
               </a:defRPr>
             </a:lvl8pPr>
@@ -3842,7 +3842,7 @@
                 <a:solidFill>
                   <a:schemeClr val="tx1"/>
                 </a:solidFill>
-                <a:latin typeface="Arial" panose="020B0604020202090204" pitchFamily="34" charset="0"/>
+                <a:latin typeface="Arial" panose="020B0704020202020204" pitchFamily="34" charset="0"/>
                 <a:ea typeface="宋体" pitchFamily="2" charset="-122"/>
               </a:defRPr>
             </a:lvl9pPr>
@@ -3927,7 +3927,7 @@
                     <a:srgbClr val="000000"/>
                   </a:outerShdw>
                 </a:effectLst>
-                <a:latin typeface="Times New Roman" panose="02020503050405090304" pitchFamily="18" charset="0"/>
+                <a:latin typeface="Times New Roman" panose="02020603050405020304" pitchFamily="18" charset="0"/>
               </a:rPr>
               <a:t>十进制</a:t>
             </a:r>
@@ -3940,7 +3940,7 @@
                   <a:srgbClr val="000000"/>
                 </a:outerShdw>
               </a:effectLst>
-              <a:latin typeface="Times New Roman" panose="02020503050405090304" pitchFamily="18" charset="0"/>
+              <a:latin typeface="Times New Roman" panose="02020603050405020304" pitchFamily="18" charset="0"/>
             </a:endParaRPr>
           </a:p>
         </p:txBody>
@@ -4001,7 +4001,7 @@
                     <a:srgbClr val="000000"/>
                   </a:outerShdw>
                 </a:effectLst>
-                <a:latin typeface="Times New Roman" panose="02020503050405090304" pitchFamily="18" charset="0"/>
+                <a:latin typeface="Times New Roman" panose="02020603050405020304" pitchFamily="18" charset="0"/>
               </a:rPr>
               <a:t>十六进制</a:t>
             </a:r>
@@ -4014,7 +4014,7 @@
                   <a:srgbClr val="000000"/>
                 </a:outerShdw>
               </a:effectLst>
-              <a:latin typeface="Times New Roman" panose="02020503050405090304" pitchFamily="18" charset="0"/>
+              <a:latin typeface="Times New Roman" panose="02020603050405020304" pitchFamily="18" charset="0"/>
             </a:endParaRPr>
           </a:p>
         </p:txBody>
@@ -4086,7 +4086,7 @@
                     <a:srgbClr val="C0C0C0"/>
                   </a:outerShdw>
                 </a:effectLst>
-                <a:latin typeface="Times New Roman" panose="02020503050405090304" pitchFamily="18" charset="0"/>
+                <a:latin typeface="Times New Roman" panose="02020603050405020304" pitchFamily="18" charset="0"/>
               </a:rPr>
               <a:t>788.07031</a:t>
             </a:r>
@@ -4096,7 +4096,7 @@
                   <a:srgbClr val="C0C0C0"/>
                 </a:outerShdw>
               </a:effectLst>
-              <a:latin typeface="Times New Roman" panose="02020503050405090304" pitchFamily="18" charset="0"/>
+              <a:latin typeface="Times New Roman" panose="02020603050405020304" pitchFamily="18" charset="0"/>
             </a:endParaRPr>
           </a:p>
         </p:txBody>
@@ -4189,7 +4189,7 @@
                       <a:srgbClr val="C0C0C0"/>
                     </a:outerShdw>
                   </a:effectLst>
-                  <a:latin typeface="Times New Roman" panose="02020503050405090304" pitchFamily="18" charset="0"/>
+                  <a:latin typeface="Times New Roman" panose="02020603050405020304" pitchFamily="18" charset="0"/>
                 </a:rPr>
                 <a:t>十六进制                 十进制</a:t>
               </a:r>
@@ -4202,7 +4202,7 @@
                     <a:srgbClr val="C0C0C0"/>
                   </a:outerShdw>
                 </a:effectLst>
-                <a:latin typeface="Times New Roman" panose="02020503050405090304" pitchFamily="18" charset="0"/>
+                <a:latin typeface="Times New Roman" panose="02020603050405020304" pitchFamily="18" charset="0"/>
               </a:endParaRPr>
             </a:p>
             <a:p>
@@ -4221,7 +4221,7 @@
                       <a:srgbClr val="C0C0C0"/>
                     </a:outerShdw>
                   </a:effectLst>
-                  <a:latin typeface="Times New Roman" panose="02020503050405090304" pitchFamily="18" charset="0"/>
+                  <a:latin typeface="Times New Roman" panose="02020603050405020304" pitchFamily="18" charset="0"/>
                 </a:rPr>
                 <a:t>314.12        3</a:t>
               </a:r>
@@ -4235,7 +4235,7 @@
                       <a:srgbClr val="C0C0C0"/>
                     </a:outerShdw>
                   </a:effectLst>
-                  <a:latin typeface="Times New Roman" panose="02020503050405090304" pitchFamily="18" charset="0"/>
+                  <a:latin typeface="Times New Roman" panose="02020603050405020304" pitchFamily="18" charset="0"/>
                 </a:rPr>
                 <a:t>                1               4                  1                 2</a:t>
               </a:r>
@@ -4248,7 +4248,7 @@
                     <a:srgbClr val="C0C0C0"/>
                   </a:outerShdw>
                 </a:effectLst>
-                <a:latin typeface="Times New Roman" panose="02020503050405090304" pitchFamily="18" charset="0"/>
+                <a:latin typeface="Times New Roman" panose="02020603050405020304" pitchFamily="18" charset="0"/>
               </a:endParaRPr>
             </a:p>
           </p:txBody>
@@ -4489,7 +4489,7 @@
                         <a:srgbClr val="C0C0C0"/>
                       </a:outerShdw>
                     </a:effectLst>
-                    <a:latin typeface="Times New Roman" panose="02020503050405090304" pitchFamily="18" charset="0"/>
+                    <a:latin typeface="Times New Roman" panose="02020603050405020304" pitchFamily="18" charset="0"/>
                   </a:rPr>
                   <a:t>个位</a:t>
                 </a:r>
@@ -4499,7 +4499,7 @@
                       <a:srgbClr val="C0C0C0"/>
                     </a:outerShdw>
                   </a:effectLst>
-                  <a:latin typeface="Times New Roman" panose="02020503050405090304" pitchFamily="18" charset="0"/>
+                  <a:latin typeface="Times New Roman" panose="02020603050405020304" pitchFamily="18" charset="0"/>
                 </a:endParaRPr>
               </a:p>
             </p:txBody>
@@ -4632,7 +4632,7 @@
                     <a:srgbClr val="C0C0C0"/>
                   </a:outerShdw>
                 </a:effectLst>
-                <a:latin typeface="Times New Roman" panose="02020503050405090304" pitchFamily="18" charset="0"/>
+                <a:latin typeface="Times New Roman" panose="02020603050405020304" pitchFamily="18" charset="0"/>
               </a:rPr>
               <a:t>×16</a:t>
             </a:r>
@@ -4646,7 +4646,7 @@
                     <a:srgbClr val="C0C0C0"/>
                   </a:outerShdw>
                 </a:effectLst>
-                <a:latin typeface="Times New Roman" panose="02020503050405090304" pitchFamily="18" charset="0"/>
+                <a:latin typeface="Times New Roman" panose="02020603050405020304" pitchFamily="18" charset="0"/>
               </a:rPr>
               <a:t>2</a:t>
             </a:r>
@@ -4660,7 +4660,7 @@
                     <a:srgbClr val="C0C0C0"/>
                   </a:outerShdw>
                 </a:effectLst>
-                <a:latin typeface="Times New Roman" panose="02020503050405090304" pitchFamily="18" charset="0"/>
+                <a:latin typeface="Times New Roman" panose="02020603050405020304" pitchFamily="18" charset="0"/>
               </a:rPr>
               <a:t>       ×16</a:t>
             </a:r>
@@ -4674,7 +4674,7 @@
                     <a:srgbClr val="C0C0C0"/>
                   </a:outerShdw>
                 </a:effectLst>
-                <a:latin typeface="Times New Roman" panose="02020503050405090304" pitchFamily="18" charset="0"/>
+                <a:latin typeface="Times New Roman" panose="02020603050405020304" pitchFamily="18" charset="0"/>
               </a:rPr>
               <a:t>1  </a:t>
             </a:r>
@@ -4688,7 +4688,7 @@
                     <a:srgbClr val="C0C0C0"/>
                   </a:outerShdw>
                 </a:effectLst>
-                <a:latin typeface="Times New Roman" panose="02020503050405090304" pitchFamily="18" charset="0"/>
+                <a:latin typeface="Times New Roman" panose="02020603050405020304" pitchFamily="18" charset="0"/>
               </a:rPr>
               <a:t>        ×16</a:t>
             </a:r>
@@ -4702,7 +4702,7 @@
                     <a:srgbClr val="C0C0C0"/>
                   </a:outerShdw>
                 </a:effectLst>
-                <a:latin typeface="Times New Roman" panose="02020503050405090304" pitchFamily="18" charset="0"/>
+                <a:latin typeface="Times New Roman" panose="02020603050405020304" pitchFamily="18" charset="0"/>
               </a:rPr>
               <a:t>0   </a:t>
             </a:r>
@@ -4716,7 +4716,7 @@
                     <a:srgbClr val="C0C0C0"/>
                   </a:outerShdw>
                 </a:effectLst>
-                <a:latin typeface="Times New Roman" panose="02020503050405090304" pitchFamily="18" charset="0"/>
+                <a:latin typeface="Times New Roman" panose="02020603050405020304" pitchFamily="18" charset="0"/>
               </a:rPr>
               <a:t>        ×16</a:t>
             </a:r>
@@ -4730,7 +4730,7 @@
                     <a:srgbClr val="C0C0C0"/>
                   </a:outerShdw>
                 </a:effectLst>
-                <a:latin typeface="Times New Roman" panose="02020503050405090304" pitchFamily="18" charset="0"/>
+                <a:latin typeface="Times New Roman" panose="02020603050405020304" pitchFamily="18" charset="0"/>
               </a:rPr>
               <a:t>-1</a:t>
             </a:r>
@@ -4744,7 +4744,7 @@
                     <a:srgbClr val="C0C0C0"/>
                   </a:outerShdw>
                 </a:effectLst>
-                <a:latin typeface="Times New Roman" panose="02020503050405090304" pitchFamily="18" charset="0"/>
+                <a:latin typeface="Times New Roman" panose="02020603050405020304" pitchFamily="18" charset="0"/>
               </a:rPr>
               <a:t>       ×16</a:t>
             </a:r>
@@ -4758,7 +4758,7 @@
                     <a:srgbClr val="C0C0C0"/>
                   </a:outerShdw>
                 </a:effectLst>
-                <a:latin typeface="Times New Roman" panose="02020503050405090304" pitchFamily="18" charset="0"/>
+                <a:latin typeface="Times New Roman" panose="02020603050405020304" pitchFamily="18" charset="0"/>
               </a:rPr>
               <a:t>-2</a:t>
             </a:r>
@@ -4771,7 +4771,7 @@
                   <a:srgbClr val="C0C0C0"/>
                 </a:outerShdw>
               </a:effectLst>
-              <a:latin typeface="Times New Roman" panose="02020503050405090304" pitchFamily="18" charset="0"/>
+              <a:latin typeface="Times New Roman" panose="02020603050405020304" pitchFamily="18" charset="0"/>
             </a:endParaRPr>
           </a:p>
         </p:txBody>
@@ -4850,7 +4850,7 @@
                     <a:srgbClr val="C0C0C0"/>
                   </a:outerShdw>
                 </a:effectLst>
-                <a:latin typeface="Times New Roman" panose="02020503050405090304" pitchFamily="18" charset="0"/>
+                <a:latin typeface="Times New Roman" panose="02020603050405020304" pitchFamily="18" charset="0"/>
               </a:rPr>
               <a:t>+               +                 +                  +</a:t>
             </a:r>
@@ -4863,7 +4863,7 @@
                   <a:srgbClr val="C0C0C0"/>
                 </a:outerShdw>
               </a:effectLst>
-              <a:latin typeface="Times New Roman" panose="02020503050405090304" pitchFamily="18" charset="0"/>
+              <a:latin typeface="Times New Roman" panose="02020603050405020304" pitchFamily="18" charset="0"/>
             </a:endParaRPr>
           </a:p>
         </p:txBody>
@@ -4939,7 +4939,7 @@
                     <a:srgbClr val="C0C0C0"/>
                   </a:outerShdw>
                 </a:effectLst>
-                <a:latin typeface="Times New Roman" panose="02020503050405090304" pitchFamily="18" charset="0"/>
+                <a:latin typeface="Times New Roman" panose="02020603050405020304" pitchFamily="18" charset="0"/>
               </a:rPr>
               <a:t>[</a:t>
             </a:r>
@@ -4950,7 +4950,7 @@
                     <a:srgbClr val="C0C0C0"/>
                   </a:outerShdw>
                 </a:effectLst>
-                <a:latin typeface="Times New Roman" panose="02020503050405090304" pitchFamily="18" charset="0"/>
+                <a:latin typeface="Times New Roman" panose="02020603050405020304" pitchFamily="18" charset="0"/>
               </a:rPr>
               <a:t>例</a:t>
             </a:r>
@@ -4961,7 +4961,7 @@
                     <a:srgbClr val="C0C0C0"/>
                   </a:outerShdw>
                 </a:effectLst>
-                <a:latin typeface="Times New Roman" panose="02020503050405090304" pitchFamily="18" charset="0"/>
+                <a:latin typeface="Times New Roman" panose="02020603050405020304" pitchFamily="18" charset="0"/>
               </a:rPr>
               <a:t>]  </a:t>
             </a:r>
@@ -4972,7 +4972,7 @@
                     <a:srgbClr val="C0C0C0"/>
                   </a:outerShdw>
                 </a:effectLst>
-                <a:latin typeface="Times New Roman" panose="02020503050405090304" pitchFamily="18" charset="0"/>
+                <a:latin typeface="Times New Roman" panose="02020603050405020304" pitchFamily="18" charset="0"/>
               </a:rPr>
               <a:t>（</a:t>
             </a:r>
@@ -4983,7 +4983,7 @@
                     <a:srgbClr val="C0C0C0"/>
                   </a:outerShdw>
                 </a:effectLst>
-                <a:latin typeface="Times New Roman" panose="02020503050405090304" pitchFamily="18" charset="0"/>
+                <a:latin typeface="Times New Roman" panose="02020603050405020304" pitchFamily="18" charset="0"/>
               </a:rPr>
               <a:t>314.12</a:t>
             </a:r>
@@ -4994,7 +4994,7 @@
                     <a:srgbClr val="C0C0C0"/>
                   </a:outerShdw>
                 </a:effectLst>
-                <a:latin typeface="Times New Roman" panose="02020503050405090304" pitchFamily="18" charset="0"/>
+                <a:latin typeface="Times New Roman" panose="02020603050405020304" pitchFamily="18" charset="0"/>
               </a:rPr>
               <a:t>）</a:t>
             </a:r>
@@ -5005,7 +5005,7 @@
                     <a:srgbClr val="C0C0C0"/>
                   </a:outerShdw>
                 </a:effectLst>
-                <a:latin typeface="Times New Roman" panose="02020503050405090304" pitchFamily="18" charset="0"/>
+                <a:latin typeface="Times New Roman" panose="02020603050405020304" pitchFamily="18" charset="0"/>
               </a:rPr>
               <a:t>16 </a:t>
             </a:r>
@@ -5016,7 +5016,7 @@
                     <a:srgbClr val="C0C0C0"/>
                   </a:outerShdw>
                 </a:effectLst>
-                <a:latin typeface="Times New Roman" panose="02020503050405090304" pitchFamily="18" charset="0"/>
+                <a:latin typeface="Times New Roman" panose="02020603050405020304" pitchFamily="18" charset="0"/>
               </a:rPr>
               <a:t>=</a:t>
             </a:r>
@@ -5026,7 +5026,7 @@
                   <a:srgbClr val="C0C0C0"/>
                 </a:outerShdw>
               </a:effectLst>
-              <a:latin typeface="Times New Roman" panose="02020503050405090304" pitchFamily="18" charset="0"/>
+              <a:latin typeface="Times New Roman" panose="02020603050405020304" pitchFamily="18" charset="0"/>
             </a:endParaRPr>
           </a:p>
         </p:txBody>
@@ -5220,7 +5220,7 @@
                 <a:solidFill>
                   <a:schemeClr val="tx1"/>
                 </a:solidFill>
-                <a:latin typeface="Arial" panose="020B0604020202090204" pitchFamily="34" charset="0"/>
+                <a:latin typeface="Arial" panose="020B0704020202020204" pitchFamily="34" charset="0"/>
                 <a:ea typeface="宋体" pitchFamily="2" charset="-122"/>
               </a:defRPr>
             </a:lvl1pPr>
@@ -5238,7 +5238,7 @@
                 <a:solidFill>
                   <a:schemeClr val="tx1"/>
                 </a:solidFill>
-                <a:latin typeface="Arial" panose="020B0604020202090204" pitchFamily="34" charset="0"/>
+                <a:latin typeface="Arial" panose="020B0704020202020204" pitchFamily="34" charset="0"/>
                 <a:ea typeface="宋体" pitchFamily="2" charset="-122"/>
               </a:defRPr>
             </a:lvl2pPr>
@@ -5255,7 +5255,7 @@
                 <a:solidFill>
                   <a:schemeClr val="tx1"/>
                 </a:solidFill>
-                <a:latin typeface="Arial" panose="020B0604020202090204" pitchFamily="34" charset="0"/>
+                <a:latin typeface="Arial" panose="020B0704020202020204" pitchFamily="34" charset="0"/>
                 <a:ea typeface="宋体" pitchFamily="2" charset="-122"/>
               </a:defRPr>
             </a:lvl3pPr>
@@ -5272,7 +5272,7 @@
                 <a:solidFill>
                   <a:schemeClr val="tx1"/>
                 </a:solidFill>
-                <a:latin typeface="Arial" panose="020B0604020202090204" pitchFamily="34" charset="0"/>
+                <a:latin typeface="Arial" panose="020B0704020202020204" pitchFamily="34" charset="0"/>
                 <a:ea typeface="宋体" pitchFamily="2" charset="-122"/>
               </a:defRPr>
             </a:lvl4pPr>
@@ -5289,7 +5289,7 @@
                 <a:solidFill>
                   <a:schemeClr val="tx1"/>
                 </a:solidFill>
-                <a:latin typeface="Arial" panose="020B0604020202090204" pitchFamily="34" charset="0"/>
+                <a:latin typeface="Arial" panose="020B0704020202020204" pitchFamily="34" charset="0"/>
                 <a:ea typeface="宋体" pitchFamily="2" charset="-122"/>
               </a:defRPr>
             </a:lvl5pPr>
@@ -5309,7 +5309,7 @@
                 <a:solidFill>
                   <a:schemeClr val="tx1"/>
                 </a:solidFill>
-                <a:latin typeface="Arial" panose="020B0604020202090204" pitchFamily="34" charset="0"/>
+                <a:latin typeface="Arial" panose="020B0704020202020204" pitchFamily="34" charset="0"/>
                 <a:ea typeface="宋体" pitchFamily="2" charset="-122"/>
               </a:defRPr>
             </a:lvl6pPr>
@@ -5329,7 +5329,7 @@
                 <a:solidFill>
                   <a:schemeClr val="tx1"/>
                 </a:solidFill>
-                <a:latin typeface="Arial" panose="020B0604020202090204" pitchFamily="34" charset="0"/>
+                <a:latin typeface="Arial" panose="020B0704020202020204" pitchFamily="34" charset="0"/>
                 <a:ea typeface="宋体" pitchFamily="2" charset="-122"/>
               </a:defRPr>
             </a:lvl7pPr>
@@ -5349,7 +5349,7 @@
                 <a:solidFill>
                   <a:schemeClr val="tx1"/>
                 </a:solidFill>
-                <a:latin typeface="Arial" panose="020B0604020202090204" pitchFamily="34" charset="0"/>
+                <a:latin typeface="Arial" panose="020B0704020202020204" pitchFamily="34" charset="0"/>
                 <a:ea typeface="宋体" pitchFamily="2" charset="-122"/>
               </a:defRPr>
             </a:lvl8pPr>
@@ -5369,7 +5369,7 @@
                 <a:solidFill>
                   <a:schemeClr val="tx1"/>
                 </a:solidFill>
-                <a:latin typeface="Arial" panose="020B0604020202090204" pitchFamily="34" charset="0"/>
+                <a:latin typeface="Arial" panose="020B0704020202020204" pitchFamily="34" charset="0"/>
                 <a:ea typeface="宋体" pitchFamily="2" charset="-122"/>
               </a:defRPr>
             </a:lvl9pPr>
@@ -7021,7 +7021,7 @@
                 <a:solidFill>
                   <a:schemeClr val="tx1"/>
                 </a:solidFill>
-                <a:latin typeface="Arial" panose="020B0604020202090204" pitchFamily="34" charset="0"/>
+                <a:latin typeface="Arial" panose="020B0704020202020204" pitchFamily="34" charset="0"/>
                 <a:ea typeface="宋体" pitchFamily="2" charset="-122"/>
               </a:defRPr>
             </a:lvl1pPr>
@@ -7039,7 +7039,7 @@
                 <a:solidFill>
                   <a:schemeClr val="tx1"/>
                 </a:solidFill>
-                <a:latin typeface="Arial" panose="020B0604020202090204" pitchFamily="34" charset="0"/>
+                <a:latin typeface="Arial" panose="020B0704020202020204" pitchFamily="34" charset="0"/>
                 <a:ea typeface="宋体" pitchFamily="2" charset="-122"/>
               </a:defRPr>
             </a:lvl2pPr>
@@ -7056,7 +7056,7 @@
                 <a:solidFill>
                   <a:schemeClr val="tx1"/>
                 </a:solidFill>
-                <a:latin typeface="Arial" panose="020B0604020202090204" pitchFamily="34" charset="0"/>
+                <a:latin typeface="Arial" panose="020B0704020202020204" pitchFamily="34" charset="0"/>
                 <a:ea typeface="宋体" pitchFamily="2" charset="-122"/>
               </a:defRPr>
             </a:lvl3pPr>
@@ -7073,7 +7073,7 @@
                 <a:solidFill>
                   <a:schemeClr val="tx1"/>
                 </a:solidFill>
-                <a:latin typeface="Arial" panose="020B0604020202090204" pitchFamily="34" charset="0"/>
+                <a:latin typeface="Arial" panose="020B0704020202020204" pitchFamily="34" charset="0"/>
                 <a:ea typeface="宋体" pitchFamily="2" charset="-122"/>
               </a:defRPr>
             </a:lvl4pPr>
@@ -7090,7 +7090,7 @@
                 <a:solidFill>
                   <a:schemeClr val="tx1"/>
                 </a:solidFill>
-                <a:latin typeface="Arial" panose="020B0604020202090204" pitchFamily="34" charset="0"/>
+                <a:latin typeface="Arial" panose="020B0704020202020204" pitchFamily="34" charset="0"/>
                 <a:ea typeface="宋体" pitchFamily="2" charset="-122"/>
               </a:defRPr>
             </a:lvl5pPr>
@@ -7110,7 +7110,7 @@
                 <a:solidFill>
                   <a:schemeClr val="tx1"/>
                 </a:solidFill>
-                <a:latin typeface="Arial" panose="020B0604020202090204" pitchFamily="34" charset="0"/>
+                <a:latin typeface="Arial" panose="020B0704020202020204" pitchFamily="34" charset="0"/>
                 <a:ea typeface="宋体" pitchFamily="2" charset="-122"/>
               </a:defRPr>
             </a:lvl6pPr>
@@ -7130,7 +7130,7 @@
                 <a:solidFill>
                   <a:schemeClr val="tx1"/>
                 </a:solidFill>
-                <a:latin typeface="Arial" panose="020B0604020202090204" pitchFamily="34" charset="0"/>
+                <a:latin typeface="Arial" panose="020B0704020202020204" pitchFamily="34" charset="0"/>
                 <a:ea typeface="宋体" pitchFamily="2" charset="-122"/>
               </a:defRPr>
             </a:lvl7pPr>
@@ -7150,7 +7150,7 @@
                 <a:solidFill>
                   <a:schemeClr val="tx1"/>
                 </a:solidFill>
-                <a:latin typeface="Arial" panose="020B0604020202090204" pitchFamily="34" charset="0"/>
+                <a:latin typeface="Arial" panose="020B0704020202020204" pitchFamily="34" charset="0"/>
                 <a:ea typeface="宋体" pitchFamily="2" charset="-122"/>
               </a:defRPr>
             </a:lvl8pPr>
@@ -7170,7 +7170,7 @@
                 <a:solidFill>
                   <a:schemeClr val="tx1"/>
                 </a:solidFill>
-                <a:latin typeface="Arial" panose="020B0604020202090204" pitchFamily="34" charset="0"/>
+                <a:latin typeface="Arial" panose="020B0704020202020204" pitchFamily="34" charset="0"/>
                 <a:ea typeface="宋体" pitchFamily="2" charset="-122"/>
               </a:defRPr>
             </a:lvl9pPr>
@@ -7709,7 +7709,7 @@
                 <a:solidFill>
                   <a:schemeClr val="tx1"/>
                 </a:solidFill>
-                <a:latin typeface="Arial" panose="020B0604020202090204" pitchFamily="34" charset="0"/>
+                <a:latin typeface="Arial" panose="020B0704020202020204" pitchFamily="34" charset="0"/>
                 <a:ea typeface="宋体" pitchFamily="2" charset="-122"/>
               </a:defRPr>
             </a:lvl1pPr>
@@ -7727,7 +7727,7 @@
                 <a:solidFill>
                   <a:schemeClr val="tx1"/>
                 </a:solidFill>
-                <a:latin typeface="Arial" panose="020B0604020202090204" pitchFamily="34" charset="0"/>
+                <a:latin typeface="Arial" panose="020B0704020202020204" pitchFamily="34" charset="0"/>
                 <a:ea typeface="宋体" pitchFamily="2" charset="-122"/>
               </a:defRPr>
             </a:lvl2pPr>
@@ -7744,7 +7744,7 @@
                 <a:solidFill>
                   <a:schemeClr val="tx1"/>
                 </a:solidFill>
-                <a:latin typeface="Arial" panose="020B0604020202090204" pitchFamily="34" charset="0"/>
+                <a:latin typeface="Arial" panose="020B0704020202020204" pitchFamily="34" charset="0"/>
                 <a:ea typeface="宋体" pitchFamily="2" charset="-122"/>
               </a:defRPr>
             </a:lvl3pPr>
@@ -7761,7 +7761,7 @@
                 <a:solidFill>
                   <a:schemeClr val="tx1"/>
                 </a:solidFill>
-                <a:latin typeface="Arial" panose="020B0604020202090204" pitchFamily="34" charset="0"/>
+                <a:latin typeface="Arial" panose="020B0704020202020204" pitchFamily="34" charset="0"/>
                 <a:ea typeface="宋体" pitchFamily="2" charset="-122"/>
               </a:defRPr>
             </a:lvl4pPr>
@@ -7778,7 +7778,7 @@
                 <a:solidFill>
                   <a:schemeClr val="tx1"/>
                 </a:solidFill>
-                <a:latin typeface="Arial" panose="020B0604020202090204" pitchFamily="34" charset="0"/>
+                <a:latin typeface="Arial" panose="020B0704020202020204" pitchFamily="34" charset="0"/>
                 <a:ea typeface="宋体" pitchFamily="2" charset="-122"/>
               </a:defRPr>
             </a:lvl5pPr>
@@ -7798,7 +7798,7 @@
                 <a:solidFill>
                   <a:schemeClr val="tx1"/>
                 </a:solidFill>
-                <a:latin typeface="Arial" panose="020B0604020202090204" pitchFamily="34" charset="0"/>
+                <a:latin typeface="Arial" panose="020B0704020202020204" pitchFamily="34" charset="0"/>
                 <a:ea typeface="宋体" pitchFamily="2" charset="-122"/>
               </a:defRPr>
             </a:lvl6pPr>
@@ -7818,7 +7818,7 @@
                 <a:solidFill>
                   <a:schemeClr val="tx1"/>
                 </a:solidFill>
-                <a:latin typeface="Arial" panose="020B0604020202090204" pitchFamily="34" charset="0"/>
+                <a:latin typeface="Arial" panose="020B0704020202020204" pitchFamily="34" charset="0"/>
                 <a:ea typeface="宋体" pitchFamily="2" charset="-122"/>
               </a:defRPr>
             </a:lvl7pPr>
@@ -7838,7 +7838,7 @@
                 <a:solidFill>
                   <a:schemeClr val="tx1"/>
                 </a:solidFill>
-                <a:latin typeface="Arial" panose="020B0604020202090204" pitchFamily="34" charset="0"/>
+                <a:latin typeface="Arial" panose="020B0704020202020204" pitchFamily="34" charset="0"/>
                 <a:ea typeface="宋体" pitchFamily="2" charset="-122"/>
               </a:defRPr>
             </a:lvl8pPr>
@@ -7858,7 +7858,7 @@
                 <a:solidFill>
                   <a:schemeClr val="tx1"/>
                 </a:solidFill>
-                <a:latin typeface="Arial" panose="020B0604020202090204" pitchFamily="34" charset="0"/>
+                <a:latin typeface="Arial" panose="020B0704020202020204" pitchFamily="34" charset="0"/>
                 <a:ea typeface="宋体" pitchFamily="2" charset="-122"/>
               </a:defRPr>
             </a:lvl9pPr>
@@ -7931,7 +7931,7 @@
                           <a:solidFill>
                             <a:schemeClr val="tx1"/>
                           </a:solidFill>
-                          <a:latin typeface="Arial" panose="020B0604020202090204" pitchFamily="34" charset="0"/>
+                          <a:latin typeface="Arial" panose="020B0704020202020204" pitchFamily="34" charset="0"/>
                           <a:ea typeface="宋体" pitchFamily="2" charset="-122"/>
                         </a:defRPr>
                       </a:lvl1pPr>
@@ -7948,7 +7948,7 @@
                           <a:solidFill>
                             <a:schemeClr val="tx1"/>
                           </a:solidFill>
-                          <a:latin typeface="Arial" panose="020B0604020202090204" pitchFamily="34" charset="0"/>
+                          <a:latin typeface="Arial" panose="020B0704020202020204" pitchFamily="34" charset="0"/>
                           <a:ea typeface="宋体" pitchFamily="2" charset="-122"/>
                         </a:defRPr>
                       </a:lvl2pPr>
@@ -7964,7 +7964,7 @@
                           <a:solidFill>
                             <a:schemeClr val="tx1"/>
                           </a:solidFill>
-                          <a:latin typeface="Arial" panose="020B0604020202090204" pitchFamily="34" charset="0"/>
+                          <a:latin typeface="Arial" panose="020B0704020202020204" pitchFamily="34" charset="0"/>
                           <a:ea typeface="宋体" pitchFamily="2" charset="-122"/>
                         </a:defRPr>
                       </a:lvl3pPr>
@@ -7980,7 +7980,7 @@
                           <a:solidFill>
                             <a:schemeClr val="tx1"/>
                           </a:solidFill>
-                          <a:latin typeface="Arial" panose="020B0604020202090204" pitchFamily="34" charset="0"/>
+                          <a:latin typeface="Arial" panose="020B0704020202020204" pitchFamily="34" charset="0"/>
                           <a:ea typeface="宋体" pitchFamily="2" charset="-122"/>
                         </a:defRPr>
                       </a:lvl4pPr>
@@ -7996,7 +7996,7 @@
                           <a:solidFill>
                             <a:schemeClr val="tx1"/>
                           </a:solidFill>
-                          <a:latin typeface="Arial" panose="020B0604020202090204" pitchFamily="34" charset="0"/>
+                          <a:latin typeface="Arial" panose="020B0704020202020204" pitchFamily="34" charset="0"/>
                           <a:ea typeface="宋体" pitchFamily="2" charset="-122"/>
                         </a:defRPr>
                       </a:lvl5pPr>
@@ -8015,7 +8015,7 @@
                           <a:solidFill>
                             <a:schemeClr val="tx1"/>
                           </a:solidFill>
-                          <a:latin typeface="Arial" panose="020B0604020202090204" pitchFamily="34" charset="0"/>
+                          <a:latin typeface="Arial" panose="020B0704020202020204" pitchFamily="34" charset="0"/>
                           <a:ea typeface="宋体" pitchFamily="2" charset="-122"/>
                         </a:defRPr>
                       </a:lvl6pPr>
@@ -8034,7 +8034,7 @@
                           <a:solidFill>
                             <a:schemeClr val="tx1"/>
                           </a:solidFill>
-                          <a:latin typeface="Arial" panose="020B0604020202090204" pitchFamily="34" charset="0"/>
+                          <a:latin typeface="Arial" panose="020B0704020202020204" pitchFamily="34" charset="0"/>
                           <a:ea typeface="宋体" pitchFamily="2" charset="-122"/>
                         </a:defRPr>
                       </a:lvl7pPr>
@@ -8053,7 +8053,7 @@
                           <a:solidFill>
                             <a:schemeClr val="tx1"/>
                           </a:solidFill>
-                          <a:latin typeface="Arial" panose="020B0604020202090204" pitchFamily="34" charset="0"/>
+                          <a:latin typeface="Arial" panose="020B0704020202020204" pitchFamily="34" charset="0"/>
                           <a:ea typeface="宋体" pitchFamily="2" charset="-122"/>
                         </a:defRPr>
                       </a:lvl8pPr>
@@ -8072,7 +8072,7 @@
                           <a:solidFill>
                             <a:schemeClr val="tx1"/>
                           </a:solidFill>
-                          <a:latin typeface="Arial" panose="020B0604020202090204" pitchFamily="34" charset="0"/>
+                          <a:latin typeface="Arial" panose="020B0704020202020204" pitchFamily="34" charset="0"/>
                           <a:ea typeface="宋体" pitchFamily="2" charset="-122"/>
                         </a:defRPr>
                       </a:lvl9pPr>
@@ -8189,7 +8189,7 @@
                           <a:solidFill>
                             <a:schemeClr val="tx1"/>
                           </a:solidFill>
-                          <a:latin typeface="Arial" panose="020B0604020202090204" pitchFamily="34" charset="0"/>
+                          <a:latin typeface="Arial" panose="020B0704020202020204" pitchFamily="34" charset="0"/>
                           <a:ea typeface="宋体" pitchFamily="2" charset="-122"/>
                         </a:defRPr>
                       </a:lvl1pPr>
@@ -8206,7 +8206,7 @@
                           <a:solidFill>
                             <a:schemeClr val="tx1"/>
                           </a:solidFill>
-                          <a:latin typeface="Arial" panose="020B0604020202090204" pitchFamily="34" charset="0"/>
+                          <a:latin typeface="Arial" panose="020B0704020202020204" pitchFamily="34" charset="0"/>
                           <a:ea typeface="宋体" pitchFamily="2" charset="-122"/>
                         </a:defRPr>
                       </a:lvl2pPr>
@@ -8222,7 +8222,7 @@
                           <a:solidFill>
                             <a:schemeClr val="tx1"/>
                           </a:solidFill>
-                          <a:latin typeface="Arial" panose="020B0604020202090204" pitchFamily="34" charset="0"/>
+                          <a:latin typeface="Arial" panose="020B0704020202020204" pitchFamily="34" charset="0"/>
                           <a:ea typeface="宋体" pitchFamily="2" charset="-122"/>
                         </a:defRPr>
                       </a:lvl3pPr>
@@ -8238,7 +8238,7 @@
                           <a:solidFill>
                             <a:schemeClr val="tx1"/>
                           </a:solidFill>
-                          <a:latin typeface="Arial" panose="020B0604020202090204" pitchFamily="34" charset="0"/>
+                          <a:latin typeface="Arial" panose="020B0704020202020204" pitchFamily="34" charset="0"/>
                           <a:ea typeface="宋体" pitchFamily="2" charset="-122"/>
                         </a:defRPr>
                       </a:lvl4pPr>
@@ -8254,7 +8254,7 @@
                           <a:solidFill>
                             <a:schemeClr val="tx1"/>
                           </a:solidFill>
-                          <a:latin typeface="Arial" panose="020B0604020202090204" pitchFamily="34" charset="0"/>
+                          <a:latin typeface="Arial" panose="020B0704020202020204" pitchFamily="34" charset="0"/>
                           <a:ea typeface="宋体" pitchFamily="2" charset="-122"/>
                         </a:defRPr>
                       </a:lvl5pPr>
@@ -8273,7 +8273,7 @@
                           <a:solidFill>
                             <a:schemeClr val="tx1"/>
                           </a:solidFill>
-                          <a:latin typeface="Arial" panose="020B0604020202090204" pitchFamily="34" charset="0"/>
+                          <a:latin typeface="Arial" panose="020B0704020202020204" pitchFamily="34" charset="0"/>
                           <a:ea typeface="宋体" pitchFamily="2" charset="-122"/>
                         </a:defRPr>
                       </a:lvl6pPr>
@@ -8292,7 +8292,7 @@
                           <a:solidFill>
                             <a:schemeClr val="tx1"/>
                           </a:solidFill>
-                          <a:latin typeface="Arial" panose="020B0604020202090204" pitchFamily="34" charset="0"/>
+                          <a:latin typeface="Arial" panose="020B0704020202020204" pitchFamily="34" charset="0"/>
                           <a:ea typeface="宋体" pitchFamily="2" charset="-122"/>
                         </a:defRPr>
                       </a:lvl7pPr>
@@ -8311,7 +8311,7 @@
                           <a:solidFill>
                             <a:schemeClr val="tx1"/>
                           </a:solidFill>
-                          <a:latin typeface="Arial" panose="020B0604020202090204" pitchFamily="34" charset="0"/>
+                          <a:latin typeface="Arial" panose="020B0704020202020204" pitchFamily="34" charset="0"/>
                           <a:ea typeface="宋体" pitchFamily="2" charset="-122"/>
                         </a:defRPr>
                       </a:lvl8pPr>
@@ -8330,7 +8330,7 @@
                           <a:solidFill>
                             <a:schemeClr val="tx1"/>
                           </a:solidFill>
-                          <a:latin typeface="Arial" panose="020B0604020202090204" pitchFamily="34" charset="0"/>
+                          <a:latin typeface="Arial" panose="020B0704020202020204" pitchFamily="34" charset="0"/>
                           <a:ea typeface="宋体" pitchFamily="2" charset="-122"/>
                         </a:defRPr>
                       </a:lvl9pPr>
@@ -8447,7 +8447,7 @@
                           <a:solidFill>
                             <a:schemeClr val="tx1"/>
                           </a:solidFill>
-                          <a:latin typeface="Arial" panose="020B0604020202090204" pitchFamily="34" charset="0"/>
+                          <a:latin typeface="Arial" panose="020B0704020202020204" pitchFamily="34" charset="0"/>
                           <a:ea typeface="宋体" pitchFamily="2" charset="-122"/>
                         </a:defRPr>
                       </a:lvl1pPr>
@@ -8464,7 +8464,7 @@
                           <a:solidFill>
                             <a:schemeClr val="tx1"/>
                           </a:solidFill>
-                          <a:latin typeface="Arial" panose="020B0604020202090204" pitchFamily="34" charset="0"/>
+                          <a:latin typeface="Arial" panose="020B0704020202020204" pitchFamily="34" charset="0"/>
                           <a:ea typeface="宋体" pitchFamily="2" charset="-122"/>
                         </a:defRPr>
                       </a:lvl2pPr>
@@ -8480,7 +8480,7 @@
                           <a:solidFill>
                             <a:schemeClr val="tx1"/>
                           </a:solidFill>
-                          <a:latin typeface="Arial" panose="020B0604020202090204" pitchFamily="34" charset="0"/>
+                          <a:latin typeface="Arial" panose="020B0704020202020204" pitchFamily="34" charset="0"/>
                           <a:ea typeface="宋体" pitchFamily="2" charset="-122"/>
                         </a:defRPr>
                       </a:lvl3pPr>
@@ -8496,7 +8496,7 @@
                           <a:solidFill>
                             <a:schemeClr val="tx1"/>
                           </a:solidFill>
-                          <a:latin typeface="Arial" panose="020B0604020202090204" pitchFamily="34" charset="0"/>
+                          <a:latin typeface="Arial" panose="020B0704020202020204" pitchFamily="34" charset="0"/>
                           <a:ea typeface="宋体" pitchFamily="2" charset="-122"/>
                         </a:defRPr>
                       </a:lvl4pPr>
@@ -8512,7 +8512,7 @@
                           <a:solidFill>
                             <a:schemeClr val="tx1"/>
                           </a:solidFill>
-                          <a:latin typeface="Arial" panose="020B0604020202090204" pitchFamily="34" charset="0"/>
+                          <a:latin typeface="Arial" panose="020B0704020202020204" pitchFamily="34" charset="0"/>
                           <a:ea typeface="宋体" pitchFamily="2" charset="-122"/>
                         </a:defRPr>
                       </a:lvl5pPr>
@@ -8531,7 +8531,7 @@
                           <a:solidFill>
                             <a:schemeClr val="tx1"/>
                           </a:solidFill>
-                          <a:latin typeface="Arial" panose="020B0604020202090204" pitchFamily="34" charset="0"/>
+                          <a:latin typeface="Arial" panose="020B0704020202020204" pitchFamily="34" charset="0"/>
                           <a:ea typeface="宋体" pitchFamily="2" charset="-122"/>
                         </a:defRPr>
                       </a:lvl6pPr>
@@ -8550,7 +8550,7 @@
                           <a:solidFill>
                             <a:schemeClr val="tx1"/>
                           </a:solidFill>
-                          <a:latin typeface="Arial" panose="020B0604020202090204" pitchFamily="34" charset="0"/>
+                          <a:latin typeface="Arial" panose="020B0704020202020204" pitchFamily="34" charset="0"/>
                           <a:ea typeface="宋体" pitchFamily="2" charset="-122"/>
                         </a:defRPr>
                       </a:lvl7pPr>
@@ -8569,7 +8569,7 @@
                           <a:solidFill>
                             <a:schemeClr val="tx1"/>
                           </a:solidFill>
-                          <a:latin typeface="Arial" panose="020B0604020202090204" pitchFamily="34" charset="0"/>
+                          <a:latin typeface="Arial" panose="020B0704020202020204" pitchFamily="34" charset="0"/>
                           <a:ea typeface="宋体" pitchFamily="2" charset="-122"/>
                         </a:defRPr>
                       </a:lvl8pPr>
@@ -8588,7 +8588,7 @@
                           <a:solidFill>
                             <a:schemeClr val="tx1"/>
                           </a:solidFill>
-                          <a:latin typeface="Arial" panose="020B0604020202090204" pitchFamily="34" charset="0"/>
+                          <a:latin typeface="Arial" panose="020B0704020202020204" pitchFamily="34" charset="0"/>
                           <a:ea typeface="宋体" pitchFamily="2" charset="-122"/>
                         </a:defRPr>
                       </a:lvl9pPr>
@@ -8705,7 +8705,7 @@
                           <a:solidFill>
                             <a:schemeClr val="tx1"/>
                           </a:solidFill>
-                          <a:latin typeface="Arial" panose="020B0604020202090204" pitchFamily="34" charset="0"/>
+                          <a:latin typeface="Arial" panose="020B0704020202020204" pitchFamily="34" charset="0"/>
                           <a:ea typeface="宋体" pitchFamily="2" charset="-122"/>
                         </a:defRPr>
                       </a:lvl1pPr>
@@ -8722,7 +8722,7 @@
                           <a:solidFill>
                             <a:schemeClr val="tx1"/>
                           </a:solidFill>
-                          <a:latin typeface="Arial" panose="020B0604020202090204" pitchFamily="34" charset="0"/>
+                          <a:latin typeface="Arial" panose="020B0704020202020204" pitchFamily="34" charset="0"/>
                           <a:ea typeface="宋体" pitchFamily="2" charset="-122"/>
                         </a:defRPr>
                       </a:lvl2pPr>
@@ -8738,7 +8738,7 @@
                           <a:solidFill>
                             <a:schemeClr val="tx1"/>
                           </a:solidFill>
-                          <a:latin typeface="Arial" panose="020B0604020202090204" pitchFamily="34" charset="0"/>
+                          <a:latin typeface="Arial" panose="020B0704020202020204" pitchFamily="34" charset="0"/>
                           <a:ea typeface="宋体" pitchFamily="2" charset="-122"/>
                         </a:defRPr>
                       </a:lvl3pPr>
@@ -8754,7 +8754,7 @@
                           <a:solidFill>
                             <a:schemeClr val="tx1"/>
                           </a:solidFill>
-                          <a:latin typeface="Arial" panose="020B0604020202090204" pitchFamily="34" charset="0"/>
+                          <a:latin typeface="Arial" panose="020B0704020202020204" pitchFamily="34" charset="0"/>
                           <a:ea typeface="宋体" pitchFamily="2" charset="-122"/>
                         </a:defRPr>
                       </a:lvl4pPr>
@@ -8770,7 +8770,7 @@
                           <a:solidFill>
                             <a:schemeClr val="tx1"/>
                           </a:solidFill>
-                          <a:latin typeface="Arial" panose="020B0604020202090204" pitchFamily="34" charset="0"/>
+                          <a:latin typeface="Arial" panose="020B0704020202020204" pitchFamily="34" charset="0"/>
                           <a:ea typeface="宋体" pitchFamily="2" charset="-122"/>
                         </a:defRPr>
                       </a:lvl5pPr>
@@ -8789,7 +8789,7 @@
                           <a:solidFill>
                             <a:schemeClr val="tx1"/>
                           </a:solidFill>
-                          <a:latin typeface="Arial" panose="020B0604020202090204" pitchFamily="34" charset="0"/>
+                          <a:latin typeface="Arial" panose="020B0704020202020204" pitchFamily="34" charset="0"/>
                           <a:ea typeface="宋体" pitchFamily="2" charset="-122"/>
                         </a:defRPr>
                       </a:lvl6pPr>
@@ -8808,7 +8808,7 @@
                           <a:solidFill>
                             <a:schemeClr val="tx1"/>
                           </a:solidFill>
-                          <a:latin typeface="Arial" panose="020B0604020202090204" pitchFamily="34" charset="0"/>
+                          <a:latin typeface="Arial" panose="020B0704020202020204" pitchFamily="34" charset="0"/>
                           <a:ea typeface="宋体" pitchFamily="2" charset="-122"/>
                         </a:defRPr>
                       </a:lvl7pPr>
@@ -8827,7 +8827,7 @@
                           <a:solidFill>
                             <a:schemeClr val="tx1"/>
                           </a:solidFill>
-                          <a:latin typeface="Arial" panose="020B0604020202090204" pitchFamily="34" charset="0"/>
+                          <a:latin typeface="Arial" panose="020B0704020202020204" pitchFamily="34" charset="0"/>
                           <a:ea typeface="宋体" pitchFamily="2" charset="-122"/>
                         </a:defRPr>
                       </a:lvl8pPr>
@@ -8846,7 +8846,7 @@
                           <a:solidFill>
                             <a:schemeClr val="tx1"/>
                           </a:solidFill>
-                          <a:latin typeface="Arial" panose="020B0604020202090204" pitchFamily="34" charset="0"/>
+                          <a:latin typeface="Arial" panose="020B0704020202020204" pitchFamily="34" charset="0"/>
                           <a:ea typeface="宋体" pitchFamily="2" charset="-122"/>
                         </a:defRPr>
                       </a:lvl9pPr>
@@ -8965,7 +8965,7 @@
                           <a:solidFill>
                             <a:schemeClr val="tx1"/>
                           </a:solidFill>
-                          <a:latin typeface="Arial" panose="020B0604020202090204" pitchFamily="34" charset="0"/>
+                          <a:latin typeface="Arial" panose="020B0704020202020204" pitchFamily="34" charset="0"/>
                           <a:ea typeface="宋体" pitchFamily="2" charset="-122"/>
                         </a:defRPr>
                       </a:lvl1pPr>
@@ -8982,7 +8982,7 @@
                           <a:solidFill>
                             <a:schemeClr val="tx1"/>
                           </a:solidFill>
-                          <a:latin typeface="Arial" panose="020B0604020202090204" pitchFamily="34" charset="0"/>
+                          <a:latin typeface="Arial" panose="020B0704020202020204" pitchFamily="34" charset="0"/>
                           <a:ea typeface="宋体" pitchFamily="2" charset="-122"/>
                         </a:defRPr>
                       </a:lvl2pPr>
@@ -8998,7 +8998,7 @@
                           <a:solidFill>
                             <a:schemeClr val="tx1"/>
                           </a:solidFill>
-                          <a:latin typeface="Arial" panose="020B0604020202090204" pitchFamily="34" charset="0"/>
+                          <a:latin typeface="Arial" panose="020B0704020202020204" pitchFamily="34" charset="0"/>
                           <a:ea typeface="宋体" pitchFamily="2" charset="-122"/>
                         </a:defRPr>
                       </a:lvl3pPr>
@@ -9014,7 +9014,7 @@
                           <a:solidFill>
                             <a:schemeClr val="tx1"/>
                           </a:solidFill>
-                          <a:latin typeface="Arial" panose="020B0604020202090204" pitchFamily="34" charset="0"/>
+                          <a:latin typeface="Arial" panose="020B0704020202020204" pitchFamily="34" charset="0"/>
                           <a:ea typeface="宋体" pitchFamily="2" charset="-122"/>
                         </a:defRPr>
                       </a:lvl4pPr>
@@ -9030,7 +9030,7 @@
                           <a:solidFill>
                             <a:schemeClr val="tx1"/>
                           </a:solidFill>
-                          <a:latin typeface="Arial" panose="020B0604020202090204" pitchFamily="34" charset="0"/>
+                          <a:latin typeface="Arial" panose="020B0704020202020204" pitchFamily="34" charset="0"/>
                           <a:ea typeface="宋体" pitchFamily="2" charset="-122"/>
                         </a:defRPr>
                       </a:lvl5pPr>
@@ -9049,7 +9049,7 @@
                           <a:solidFill>
                             <a:schemeClr val="tx1"/>
                           </a:solidFill>
-                          <a:latin typeface="Arial" panose="020B0604020202090204" pitchFamily="34" charset="0"/>
+                          <a:latin typeface="Arial" panose="020B0704020202020204" pitchFamily="34" charset="0"/>
                           <a:ea typeface="宋体" pitchFamily="2" charset="-122"/>
                         </a:defRPr>
                       </a:lvl6pPr>
@@ -9068,7 +9068,7 @@
                           <a:solidFill>
                             <a:schemeClr val="tx1"/>
                           </a:solidFill>
-                          <a:latin typeface="Arial" panose="020B0604020202090204" pitchFamily="34" charset="0"/>
+                          <a:latin typeface="Arial" panose="020B0704020202020204" pitchFamily="34" charset="0"/>
                           <a:ea typeface="宋体" pitchFamily="2" charset="-122"/>
                         </a:defRPr>
                       </a:lvl7pPr>
@@ -9087,7 +9087,7 @@
                           <a:solidFill>
                             <a:schemeClr val="tx1"/>
                           </a:solidFill>
-                          <a:latin typeface="Arial" panose="020B0604020202090204" pitchFamily="34" charset="0"/>
+                          <a:latin typeface="Arial" panose="020B0704020202020204" pitchFamily="34" charset="0"/>
                           <a:ea typeface="宋体" pitchFamily="2" charset="-122"/>
                         </a:defRPr>
                       </a:lvl8pPr>
@@ -9106,7 +9106,7 @@
                           <a:solidFill>
                             <a:schemeClr val="tx1"/>
                           </a:solidFill>
-                          <a:latin typeface="Arial" panose="020B0604020202090204" pitchFamily="34" charset="0"/>
+                          <a:latin typeface="Arial" panose="020B0704020202020204" pitchFamily="34" charset="0"/>
                           <a:ea typeface="宋体" pitchFamily="2" charset="-122"/>
                         </a:defRPr>
                       </a:lvl9pPr>
@@ -9223,7 +9223,7 @@
                           <a:solidFill>
                             <a:schemeClr val="tx1"/>
                           </a:solidFill>
-                          <a:latin typeface="Arial" panose="020B0604020202090204" pitchFamily="34" charset="0"/>
+                          <a:latin typeface="Arial" panose="020B0704020202020204" pitchFamily="34" charset="0"/>
                           <a:ea typeface="宋体" pitchFamily="2" charset="-122"/>
                         </a:defRPr>
                       </a:lvl1pPr>
@@ -9240,7 +9240,7 @@
                           <a:solidFill>
                             <a:schemeClr val="tx1"/>
                           </a:solidFill>
-                          <a:latin typeface="Arial" panose="020B0604020202090204" pitchFamily="34" charset="0"/>
+                          <a:latin typeface="Arial" panose="020B0704020202020204" pitchFamily="34" charset="0"/>
                           <a:ea typeface="宋体" pitchFamily="2" charset="-122"/>
                         </a:defRPr>
                       </a:lvl2pPr>
@@ -9256,7 +9256,7 @@
                           <a:solidFill>
                             <a:schemeClr val="tx1"/>
                           </a:solidFill>
-                          <a:latin typeface="Arial" panose="020B0604020202090204" pitchFamily="34" charset="0"/>
+                          <a:latin typeface="Arial" panose="020B0704020202020204" pitchFamily="34" charset="0"/>
                           <a:ea typeface="宋体" pitchFamily="2" charset="-122"/>
                         </a:defRPr>
                       </a:lvl3pPr>
@@ -9272,7 +9272,7 @@
                           <a:solidFill>
                             <a:schemeClr val="tx1"/>
                           </a:solidFill>
-                          <a:latin typeface="Arial" panose="020B0604020202090204" pitchFamily="34" charset="0"/>
+                          <a:latin typeface="Arial" panose="020B0704020202020204" pitchFamily="34" charset="0"/>
                           <a:ea typeface="宋体" pitchFamily="2" charset="-122"/>
                         </a:defRPr>
                       </a:lvl4pPr>
@@ -9288,7 +9288,7 @@
                           <a:solidFill>
                             <a:schemeClr val="tx1"/>
                           </a:solidFill>
-                          <a:latin typeface="Arial" panose="020B0604020202090204" pitchFamily="34" charset="0"/>
+                          <a:latin typeface="Arial" panose="020B0704020202020204" pitchFamily="34" charset="0"/>
                           <a:ea typeface="宋体" pitchFamily="2" charset="-122"/>
                         </a:defRPr>
                       </a:lvl5pPr>
@@ -9307,7 +9307,7 @@
                           <a:solidFill>
                             <a:schemeClr val="tx1"/>
                           </a:solidFill>
-                          <a:latin typeface="Arial" panose="020B0604020202090204" pitchFamily="34" charset="0"/>
+                          <a:latin typeface="Arial" panose="020B0704020202020204" pitchFamily="34" charset="0"/>
                           <a:ea typeface="宋体" pitchFamily="2" charset="-122"/>
                         </a:defRPr>
                       </a:lvl6pPr>
@@ -9326,7 +9326,7 @@
                           <a:solidFill>
                             <a:schemeClr val="tx1"/>
                           </a:solidFill>
-                          <a:latin typeface="Arial" panose="020B0604020202090204" pitchFamily="34" charset="0"/>
+                          <a:latin typeface="Arial" panose="020B0704020202020204" pitchFamily="34" charset="0"/>
                           <a:ea typeface="宋体" pitchFamily="2" charset="-122"/>
                         </a:defRPr>
                       </a:lvl7pPr>
@@ -9345,7 +9345,7 @@
                           <a:solidFill>
                             <a:schemeClr val="tx1"/>
                           </a:solidFill>
-                          <a:latin typeface="Arial" panose="020B0604020202090204" pitchFamily="34" charset="0"/>
+                          <a:latin typeface="Arial" panose="020B0704020202020204" pitchFamily="34" charset="0"/>
                           <a:ea typeface="宋体" pitchFamily="2" charset="-122"/>
                         </a:defRPr>
                       </a:lvl8pPr>
@@ -9364,7 +9364,7 @@
                           <a:solidFill>
                             <a:schemeClr val="tx1"/>
                           </a:solidFill>
-                          <a:latin typeface="Arial" panose="020B0604020202090204" pitchFamily="34" charset="0"/>
+                          <a:latin typeface="Arial" panose="020B0704020202020204" pitchFamily="34" charset="0"/>
                           <a:ea typeface="宋体" pitchFamily="2" charset="-122"/>
                         </a:defRPr>
                       </a:lvl9pPr>
@@ -9481,7 +9481,7 @@
                           <a:solidFill>
                             <a:schemeClr val="tx1"/>
                           </a:solidFill>
-                          <a:latin typeface="Arial" panose="020B0604020202090204" pitchFamily="34" charset="0"/>
+                          <a:latin typeface="Arial" panose="020B0704020202020204" pitchFamily="34" charset="0"/>
                           <a:ea typeface="宋体" pitchFamily="2" charset="-122"/>
                         </a:defRPr>
                       </a:lvl1pPr>
@@ -9498,7 +9498,7 @@
                           <a:solidFill>
                             <a:schemeClr val="tx1"/>
                           </a:solidFill>
-                          <a:latin typeface="Arial" panose="020B0604020202090204" pitchFamily="34" charset="0"/>
+                          <a:latin typeface="Arial" panose="020B0704020202020204" pitchFamily="34" charset="0"/>
                           <a:ea typeface="宋体" pitchFamily="2" charset="-122"/>
                         </a:defRPr>
                       </a:lvl2pPr>
@@ -9514,7 +9514,7 @@
                           <a:solidFill>
                             <a:schemeClr val="tx1"/>
                           </a:solidFill>
-                          <a:latin typeface="Arial" panose="020B0604020202090204" pitchFamily="34" charset="0"/>
+                          <a:latin typeface="Arial" panose="020B0704020202020204" pitchFamily="34" charset="0"/>
                           <a:ea typeface="宋体" pitchFamily="2" charset="-122"/>
                         </a:defRPr>
                       </a:lvl3pPr>
@@ -9530,7 +9530,7 @@
                           <a:solidFill>
                             <a:schemeClr val="tx1"/>
                           </a:solidFill>
-                          <a:latin typeface="Arial" panose="020B0604020202090204" pitchFamily="34" charset="0"/>
+                          <a:latin typeface="Arial" panose="020B0704020202020204" pitchFamily="34" charset="0"/>
                           <a:ea typeface="宋体" pitchFamily="2" charset="-122"/>
                         </a:defRPr>
                       </a:lvl4pPr>
@@ -9546,7 +9546,7 @@
                           <a:solidFill>
                             <a:schemeClr val="tx1"/>
                           </a:solidFill>
-                          <a:latin typeface="Arial" panose="020B0604020202090204" pitchFamily="34" charset="0"/>
+                          <a:latin typeface="Arial" panose="020B0704020202020204" pitchFamily="34" charset="0"/>
                           <a:ea typeface="宋体" pitchFamily="2" charset="-122"/>
                         </a:defRPr>
                       </a:lvl5pPr>
@@ -9565,7 +9565,7 @@
                           <a:solidFill>
                             <a:schemeClr val="tx1"/>
                           </a:solidFill>
-                          <a:latin typeface="Arial" panose="020B0604020202090204" pitchFamily="34" charset="0"/>
+                          <a:latin typeface="Arial" panose="020B0704020202020204" pitchFamily="34" charset="0"/>
                           <a:ea typeface="宋体" pitchFamily="2" charset="-122"/>
                         </a:defRPr>
                       </a:lvl6pPr>
@@ -9584,7 +9584,7 @@
                           <a:solidFill>
                             <a:schemeClr val="tx1"/>
                           </a:solidFill>
-                          <a:latin typeface="Arial" panose="020B0604020202090204" pitchFamily="34" charset="0"/>
+                          <a:latin typeface="Arial" panose="020B0704020202020204" pitchFamily="34" charset="0"/>
                           <a:ea typeface="宋体" pitchFamily="2" charset="-122"/>
                         </a:defRPr>
                       </a:lvl7pPr>
@@ -9603,7 +9603,7 @@
                           <a:solidFill>
                             <a:schemeClr val="tx1"/>
                           </a:solidFill>
-                          <a:latin typeface="Arial" panose="020B0604020202090204" pitchFamily="34" charset="0"/>
+                          <a:latin typeface="Arial" panose="020B0704020202020204" pitchFamily="34" charset="0"/>
                           <a:ea typeface="宋体" pitchFamily="2" charset="-122"/>
                         </a:defRPr>
                       </a:lvl8pPr>
@@ -9622,7 +9622,7 @@
                           <a:solidFill>
                             <a:schemeClr val="tx1"/>
                           </a:solidFill>
-                          <a:latin typeface="Arial" panose="020B0604020202090204" pitchFamily="34" charset="0"/>
+                          <a:latin typeface="Arial" panose="020B0704020202020204" pitchFamily="34" charset="0"/>
                           <a:ea typeface="宋体" pitchFamily="2" charset="-122"/>
                         </a:defRPr>
                       </a:lvl9pPr>
@@ -9769,7 +9769,7 @@
                           <a:solidFill>
                             <a:schemeClr val="tx1"/>
                           </a:solidFill>
-                          <a:latin typeface="Arial" panose="020B0604020202090204" pitchFamily="34" charset="0"/>
+                          <a:latin typeface="Arial" panose="020B0704020202020204" pitchFamily="34" charset="0"/>
                           <a:ea typeface="宋体" pitchFamily="2" charset="-122"/>
                         </a:defRPr>
                       </a:lvl1pPr>
@@ -9786,7 +9786,7 @@
                           <a:solidFill>
                             <a:schemeClr val="tx1"/>
                           </a:solidFill>
-                          <a:latin typeface="Arial" panose="020B0604020202090204" pitchFamily="34" charset="0"/>
+                          <a:latin typeface="Arial" panose="020B0704020202020204" pitchFamily="34" charset="0"/>
                           <a:ea typeface="宋体" pitchFamily="2" charset="-122"/>
                         </a:defRPr>
                       </a:lvl2pPr>
@@ -9802,7 +9802,7 @@
                           <a:solidFill>
                             <a:schemeClr val="tx1"/>
                           </a:solidFill>
-                          <a:latin typeface="Arial" panose="020B0604020202090204" pitchFamily="34" charset="0"/>
+                          <a:latin typeface="Arial" panose="020B0704020202020204" pitchFamily="34" charset="0"/>
                           <a:ea typeface="宋体" pitchFamily="2" charset="-122"/>
                         </a:defRPr>
                       </a:lvl3pPr>
@@ -9818,7 +9818,7 @@
                           <a:solidFill>
                             <a:schemeClr val="tx1"/>
                           </a:solidFill>
-                          <a:latin typeface="Arial" panose="020B0604020202090204" pitchFamily="34" charset="0"/>
+                          <a:latin typeface="Arial" panose="020B0704020202020204" pitchFamily="34" charset="0"/>
                           <a:ea typeface="宋体" pitchFamily="2" charset="-122"/>
                         </a:defRPr>
                       </a:lvl4pPr>
@@ -9834,7 +9834,7 @@
                           <a:solidFill>
                             <a:schemeClr val="tx1"/>
                           </a:solidFill>
-                          <a:latin typeface="Arial" panose="020B0604020202090204" pitchFamily="34" charset="0"/>
+                          <a:latin typeface="Arial" panose="020B0704020202020204" pitchFamily="34" charset="0"/>
                           <a:ea typeface="宋体" pitchFamily="2" charset="-122"/>
                         </a:defRPr>
                       </a:lvl5pPr>
@@ -9853,7 +9853,7 @@
                           <a:solidFill>
                             <a:schemeClr val="tx1"/>
                           </a:solidFill>
-                          <a:latin typeface="Arial" panose="020B0604020202090204" pitchFamily="34" charset="0"/>
+                          <a:latin typeface="Arial" panose="020B0704020202020204" pitchFamily="34" charset="0"/>
                           <a:ea typeface="宋体" pitchFamily="2" charset="-122"/>
                         </a:defRPr>
                       </a:lvl6pPr>
@@ -9872,7 +9872,7 @@
                           <a:solidFill>
                             <a:schemeClr val="tx1"/>
                           </a:solidFill>
-                          <a:latin typeface="Arial" panose="020B0604020202090204" pitchFamily="34" charset="0"/>
+                          <a:latin typeface="Arial" panose="020B0704020202020204" pitchFamily="34" charset="0"/>
                           <a:ea typeface="宋体" pitchFamily="2" charset="-122"/>
                         </a:defRPr>
                       </a:lvl7pPr>
@@ -9891,7 +9891,7 @@
                           <a:solidFill>
                             <a:schemeClr val="tx1"/>
                           </a:solidFill>
-                          <a:latin typeface="Arial" panose="020B0604020202090204" pitchFamily="34" charset="0"/>
+                          <a:latin typeface="Arial" panose="020B0704020202020204" pitchFamily="34" charset="0"/>
                           <a:ea typeface="宋体" pitchFamily="2" charset="-122"/>
                         </a:defRPr>
                       </a:lvl8pPr>
@@ -9910,7 +9910,7 @@
                           <a:solidFill>
                             <a:schemeClr val="tx1"/>
                           </a:solidFill>
-                          <a:latin typeface="Arial" panose="020B0604020202090204" pitchFamily="34" charset="0"/>
+                          <a:latin typeface="Arial" panose="020B0704020202020204" pitchFamily="34" charset="0"/>
                           <a:ea typeface="宋体" pitchFamily="2" charset="-122"/>
                         </a:defRPr>
                       </a:lvl9pPr>
@@ -10029,7 +10029,7 @@
                           <a:solidFill>
                             <a:schemeClr val="tx1"/>
                           </a:solidFill>
-                          <a:latin typeface="Arial" panose="020B0604020202090204" pitchFamily="34" charset="0"/>
+                          <a:latin typeface="Arial" panose="020B0704020202020204" pitchFamily="34" charset="0"/>
                           <a:ea typeface="宋体" pitchFamily="2" charset="-122"/>
                         </a:defRPr>
                       </a:lvl1pPr>
@@ -10046,7 +10046,7 @@
                           <a:solidFill>
                             <a:schemeClr val="tx1"/>
                           </a:solidFill>
-                          <a:latin typeface="Arial" panose="020B0604020202090204" pitchFamily="34" charset="0"/>
+                          <a:latin typeface="Arial" panose="020B0704020202020204" pitchFamily="34" charset="0"/>
                           <a:ea typeface="宋体" pitchFamily="2" charset="-122"/>
                         </a:defRPr>
                       </a:lvl2pPr>
@@ -10062,7 +10062,7 @@
                           <a:solidFill>
                             <a:schemeClr val="tx1"/>
                           </a:solidFill>
-                          <a:latin typeface="Arial" panose="020B0604020202090204" pitchFamily="34" charset="0"/>
+                          <a:latin typeface="Arial" panose="020B0704020202020204" pitchFamily="34" charset="0"/>
                           <a:ea typeface="宋体" pitchFamily="2" charset="-122"/>
                         </a:defRPr>
                       </a:lvl3pPr>
@@ -10078,7 +10078,7 @@
                           <a:solidFill>
                             <a:schemeClr val="tx1"/>
                           </a:solidFill>
-                          <a:latin typeface="Arial" panose="020B0604020202090204" pitchFamily="34" charset="0"/>
+                          <a:latin typeface="Arial" panose="020B0704020202020204" pitchFamily="34" charset="0"/>
                           <a:ea typeface="宋体" pitchFamily="2" charset="-122"/>
                         </a:defRPr>
                       </a:lvl4pPr>
@@ -10094,7 +10094,7 @@
                           <a:solidFill>
                             <a:schemeClr val="tx1"/>
                           </a:solidFill>
-                          <a:latin typeface="Arial" panose="020B0604020202090204" pitchFamily="34" charset="0"/>
+                          <a:latin typeface="Arial" panose="020B0704020202020204" pitchFamily="34" charset="0"/>
                           <a:ea typeface="宋体" pitchFamily="2" charset="-122"/>
                         </a:defRPr>
                       </a:lvl5pPr>
@@ -10113,7 +10113,7 @@
                           <a:solidFill>
                             <a:schemeClr val="tx1"/>
                           </a:solidFill>
-                          <a:latin typeface="Arial" panose="020B0604020202090204" pitchFamily="34" charset="0"/>
+                          <a:latin typeface="Arial" panose="020B0704020202020204" pitchFamily="34" charset="0"/>
                           <a:ea typeface="宋体" pitchFamily="2" charset="-122"/>
                         </a:defRPr>
                       </a:lvl6pPr>
@@ -10132,7 +10132,7 @@
                           <a:solidFill>
                             <a:schemeClr val="tx1"/>
                           </a:solidFill>
-                          <a:latin typeface="Arial" panose="020B0604020202090204" pitchFamily="34" charset="0"/>
+                          <a:latin typeface="Arial" panose="020B0704020202020204" pitchFamily="34" charset="0"/>
                           <a:ea typeface="宋体" pitchFamily="2" charset="-122"/>
                         </a:defRPr>
                       </a:lvl7pPr>
@@ -10151,7 +10151,7 @@
                           <a:solidFill>
                             <a:schemeClr val="tx1"/>
                           </a:solidFill>
-                          <a:latin typeface="Arial" panose="020B0604020202090204" pitchFamily="34" charset="0"/>
+                          <a:latin typeface="Arial" panose="020B0704020202020204" pitchFamily="34" charset="0"/>
                           <a:ea typeface="宋体" pitchFamily="2" charset="-122"/>
                         </a:defRPr>
                       </a:lvl8pPr>
@@ -10170,7 +10170,7 @@
                           <a:solidFill>
                             <a:schemeClr val="tx1"/>
                           </a:solidFill>
-                          <a:latin typeface="Arial" panose="020B0604020202090204" pitchFamily="34" charset="0"/>
+                          <a:latin typeface="Arial" panose="020B0704020202020204" pitchFamily="34" charset="0"/>
                           <a:ea typeface="宋体" pitchFamily="2" charset="-122"/>
                         </a:defRPr>
                       </a:lvl9pPr>
@@ -10287,7 +10287,7 @@
                           <a:solidFill>
                             <a:schemeClr val="tx1"/>
                           </a:solidFill>
-                          <a:latin typeface="Arial" panose="020B0604020202090204" pitchFamily="34" charset="0"/>
+                          <a:latin typeface="Arial" panose="020B0704020202020204" pitchFamily="34" charset="0"/>
                           <a:ea typeface="宋体" pitchFamily="2" charset="-122"/>
                         </a:defRPr>
                       </a:lvl1pPr>
@@ -10304,7 +10304,7 @@
                           <a:solidFill>
                             <a:schemeClr val="tx1"/>
                           </a:solidFill>
-                          <a:latin typeface="Arial" panose="020B0604020202090204" pitchFamily="34" charset="0"/>
+                          <a:latin typeface="Arial" panose="020B0704020202020204" pitchFamily="34" charset="0"/>
                           <a:ea typeface="宋体" pitchFamily="2" charset="-122"/>
                         </a:defRPr>
                       </a:lvl2pPr>
@@ -10320,7 +10320,7 @@
                           <a:solidFill>
                             <a:schemeClr val="tx1"/>
                           </a:solidFill>
-                          <a:latin typeface="Arial" panose="020B0604020202090204" pitchFamily="34" charset="0"/>
+                          <a:latin typeface="Arial" panose="020B0704020202020204" pitchFamily="34" charset="0"/>
                           <a:ea typeface="宋体" pitchFamily="2" charset="-122"/>
                         </a:defRPr>
                       </a:lvl3pPr>
@@ -10336,7 +10336,7 @@
                           <a:solidFill>
                             <a:schemeClr val="tx1"/>
                           </a:solidFill>
-                          <a:latin typeface="Arial" panose="020B0604020202090204" pitchFamily="34" charset="0"/>
+                          <a:latin typeface="Arial" panose="020B0704020202020204" pitchFamily="34" charset="0"/>
                           <a:ea typeface="宋体" pitchFamily="2" charset="-122"/>
                         </a:defRPr>
                       </a:lvl4pPr>
@@ -10352,7 +10352,7 @@
                           <a:solidFill>
                             <a:schemeClr val="tx1"/>
                           </a:solidFill>
-                          <a:latin typeface="Arial" panose="020B0604020202090204" pitchFamily="34" charset="0"/>
+                          <a:latin typeface="Arial" panose="020B0704020202020204" pitchFamily="34" charset="0"/>
                           <a:ea typeface="宋体" pitchFamily="2" charset="-122"/>
                         </a:defRPr>
                       </a:lvl5pPr>
@@ -10371,7 +10371,7 @@
                           <a:solidFill>
                             <a:schemeClr val="tx1"/>
                           </a:solidFill>
-                          <a:latin typeface="Arial" panose="020B0604020202090204" pitchFamily="34" charset="0"/>
+                          <a:latin typeface="Arial" panose="020B0704020202020204" pitchFamily="34" charset="0"/>
                           <a:ea typeface="宋体" pitchFamily="2" charset="-122"/>
                         </a:defRPr>
                       </a:lvl6pPr>
@@ -10390,7 +10390,7 @@
                           <a:solidFill>
                             <a:schemeClr val="tx1"/>
                           </a:solidFill>
-                          <a:latin typeface="Arial" panose="020B0604020202090204" pitchFamily="34" charset="0"/>
+                          <a:latin typeface="Arial" panose="020B0704020202020204" pitchFamily="34" charset="0"/>
                           <a:ea typeface="宋体" pitchFamily="2" charset="-122"/>
                         </a:defRPr>
                       </a:lvl7pPr>
@@ -10409,7 +10409,7 @@
                           <a:solidFill>
                             <a:schemeClr val="tx1"/>
                           </a:solidFill>
-                          <a:latin typeface="Arial" panose="020B0604020202090204" pitchFamily="34" charset="0"/>
+                          <a:latin typeface="Arial" panose="020B0704020202020204" pitchFamily="34" charset="0"/>
                           <a:ea typeface="宋体" pitchFamily="2" charset="-122"/>
                         </a:defRPr>
                       </a:lvl8pPr>
@@ -10428,7 +10428,7 @@
                           <a:solidFill>
                             <a:schemeClr val="tx1"/>
                           </a:solidFill>
-                          <a:latin typeface="Arial" panose="020B0604020202090204" pitchFamily="34" charset="0"/>
+                          <a:latin typeface="Arial" panose="020B0704020202020204" pitchFamily="34" charset="0"/>
                           <a:ea typeface="宋体" pitchFamily="2" charset="-122"/>
                         </a:defRPr>
                       </a:lvl9pPr>
@@ -10560,7 +10560,7 @@
                           <a:solidFill>
                             <a:schemeClr val="tx1"/>
                           </a:solidFill>
-                          <a:latin typeface="Arial" panose="020B0604020202090204" pitchFamily="34" charset="0"/>
+                          <a:latin typeface="Arial" panose="020B0704020202020204" pitchFamily="34" charset="0"/>
                           <a:ea typeface="宋体" pitchFamily="2" charset="-122"/>
                         </a:defRPr>
                       </a:lvl1pPr>
@@ -10577,7 +10577,7 @@
                           <a:solidFill>
                             <a:schemeClr val="tx1"/>
                           </a:solidFill>
-                          <a:latin typeface="Arial" panose="020B0604020202090204" pitchFamily="34" charset="0"/>
+                          <a:latin typeface="Arial" panose="020B0704020202020204" pitchFamily="34" charset="0"/>
                           <a:ea typeface="宋体" pitchFamily="2" charset="-122"/>
                         </a:defRPr>
                       </a:lvl2pPr>
@@ -10593,7 +10593,7 @@
                           <a:solidFill>
                             <a:schemeClr val="tx1"/>
                           </a:solidFill>
-                          <a:latin typeface="Arial" panose="020B0604020202090204" pitchFamily="34" charset="0"/>
+                          <a:latin typeface="Arial" panose="020B0704020202020204" pitchFamily="34" charset="0"/>
                           <a:ea typeface="宋体" pitchFamily="2" charset="-122"/>
                         </a:defRPr>
                       </a:lvl3pPr>
@@ -10609,7 +10609,7 @@
                           <a:solidFill>
                             <a:schemeClr val="tx1"/>
                           </a:solidFill>
-                          <a:latin typeface="Arial" panose="020B0604020202090204" pitchFamily="34" charset="0"/>
+                          <a:latin typeface="Arial" panose="020B0704020202020204" pitchFamily="34" charset="0"/>
                           <a:ea typeface="宋体" pitchFamily="2" charset="-122"/>
                         </a:defRPr>
                       </a:lvl4pPr>
@@ -10625,7 +10625,7 @@
                           <a:solidFill>
                             <a:schemeClr val="tx1"/>
                           </a:solidFill>
-                          <a:latin typeface="Arial" panose="020B0604020202090204" pitchFamily="34" charset="0"/>
+                          <a:latin typeface="Arial" panose="020B0704020202020204" pitchFamily="34" charset="0"/>
                           <a:ea typeface="宋体" pitchFamily="2" charset="-122"/>
                         </a:defRPr>
                       </a:lvl5pPr>
@@ -10644,7 +10644,7 @@
                           <a:solidFill>
                             <a:schemeClr val="tx1"/>
                           </a:solidFill>
-                          <a:latin typeface="Arial" panose="020B0604020202090204" pitchFamily="34" charset="0"/>
+                          <a:latin typeface="Arial" panose="020B0704020202020204" pitchFamily="34" charset="0"/>
                           <a:ea typeface="宋体" pitchFamily="2" charset="-122"/>
                         </a:defRPr>
                       </a:lvl6pPr>
@@ -10663,7 +10663,7 @@
                           <a:solidFill>
                             <a:schemeClr val="tx1"/>
                           </a:solidFill>
-                          <a:latin typeface="Arial" panose="020B0604020202090204" pitchFamily="34" charset="0"/>
+                          <a:latin typeface="Arial" panose="020B0704020202020204" pitchFamily="34" charset="0"/>
                           <a:ea typeface="宋体" pitchFamily="2" charset="-122"/>
                         </a:defRPr>
                       </a:lvl7pPr>
@@ -10682,7 +10682,7 @@
                           <a:solidFill>
                             <a:schemeClr val="tx1"/>
                           </a:solidFill>
-                          <a:latin typeface="Arial" panose="020B0604020202090204" pitchFamily="34" charset="0"/>
+                          <a:latin typeface="Arial" panose="020B0704020202020204" pitchFamily="34" charset="0"/>
                           <a:ea typeface="宋体" pitchFamily="2" charset="-122"/>
                         </a:defRPr>
                       </a:lvl8pPr>
@@ -10701,7 +10701,7 @@
                           <a:solidFill>
                             <a:schemeClr val="tx1"/>
                           </a:solidFill>
-                          <a:latin typeface="Arial" panose="020B0604020202090204" pitchFamily="34" charset="0"/>
+                          <a:latin typeface="Arial" panose="020B0704020202020204" pitchFamily="34" charset="0"/>
                           <a:ea typeface="宋体" pitchFamily="2" charset="-122"/>
                         </a:defRPr>
                       </a:lvl9pPr>
@@ -10848,7 +10848,7 @@
                           <a:solidFill>
                             <a:schemeClr val="tx1"/>
                           </a:solidFill>
-                          <a:latin typeface="Arial" panose="020B0604020202090204" pitchFamily="34" charset="0"/>
+                          <a:latin typeface="Arial" panose="020B0704020202020204" pitchFamily="34" charset="0"/>
                           <a:ea typeface="宋体" pitchFamily="2" charset="-122"/>
                         </a:defRPr>
                       </a:lvl1pPr>
@@ -10865,7 +10865,7 @@
                           <a:solidFill>
                             <a:schemeClr val="tx1"/>
                           </a:solidFill>
-                          <a:latin typeface="Arial" panose="020B0604020202090204" pitchFamily="34" charset="0"/>
+                          <a:latin typeface="Arial" panose="020B0704020202020204" pitchFamily="34" charset="0"/>
                           <a:ea typeface="宋体" pitchFamily="2" charset="-122"/>
                         </a:defRPr>
                       </a:lvl2pPr>
@@ -10881,7 +10881,7 @@
                           <a:solidFill>
                             <a:schemeClr val="tx1"/>
                           </a:solidFill>
-                          <a:latin typeface="Arial" panose="020B0604020202090204" pitchFamily="34" charset="0"/>
+                          <a:latin typeface="Arial" panose="020B0704020202020204" pitchFamily="34" charset="0"/>
                           <a:ea typeface="宋体" pitchFamily="2" charset="-122"/>
                         </a:defRPr>
                       </a:lvl3pPr>
@@ -10897,7 +10897,7 @@
                           <a:solidFill>
                             <a:schemeClr val="tx1"/>
                           </a:solidFill>
-                          <a:latin typeface="Arial" panose="020B0604020202090204" pitchFamily="34" charset="0"/>
+                          <a:latin typeface="Arial" panose="020B0704020202020204" pitchFamily="34" charset="0"/>
                           <a:ea typeface="宋体" pitchFamily="2" charset="-122"/>
                         </a:defRPr>
                       </a:lvl4pPr>
@@ -10913,7 +10913,7 @@
                           <a:solidFill>
                             <a:schemeClr val="tx1"/>
                           </a:solidFill>
-                          <a:latin typeface="Arial" panose="020B0604020202090204" pitchFamily="34" charset="0"/>
+                          <a:latin typeface="Arial" panose="020B0704020202020204" pitchFamily="34" charset="0"/>
                           <a:ea typeface="宋体" pitchFamily="2" charset="-122"/>
                         </a:defRPr>
                       </a:lvl5pPr>
@@ -10932,7 +10932,7 @@
                           <a:solidFill>
                             <a:schemeClr val="tx1"/>
                           </a:solidFill>
-                          <a:latin typeface="Arial" panose="020B0604020202090204" pitchFamily="34" charset="0"/>
+                          <a:latin typeface="Arial" panose="020B0704020202020204" pitchFamily="34" charset="0"/>
                           <a:ea typeface="宋体" pitchFamily="2" charset="-122"/>
                         </a:defRPr>
                       </a:lvl6pPr>
@@ -10951,7 +10951,7 @@
                           <a:solidFill>
                             <a:schemeClr val="tx1"/>
                           </a:solidFill>
-                          <a:latin typeface="Arial" panose="020B0604020202090204" pitchFamily="34" charset="0"/>
+                          <a:latin typeface="Arial" panose="020B0704020202020204" pitchFamily="34" charset="0"/>
                           <a:ea typeface="宋体" pitchFamily="2" charset="-122"/>
                         </a:defRPr>
                       </a:lvl7pPr>
@@ -10970,7 +10970,7 @@
                           <a:solidFill>
                             <a:schemeClr val="tx1"/>
                           </a:solidFill>
-                          <a:latin typeface="Arial" panose="020B0604020202090204" pitchFamily="34" charset="0"/>
+                          <a:latin typeface="Arial" panose="020B0704020202020204" pitchFamily="34" charset="0"/>
                           <a:ea typeface="宋体" pitchFamily="2" charset="-122"/>
                         </a:defRPr>
                       </a:lvl8pPr>
@@ -10989,7 +10989,7 @@
                           <a:solidFill>
                             <a:schemeClr val="tx1"/>
                           </a:solidFill>
-                          <a:latin typeface="Arial" panose="020B0604020202090204" pitchFamily="34" charset="0"/>
+                          <a:latin typeface="Arial" panose="020B0704020202020204" pitchFamily="34" charset="0"/>
                           <a:ea typeface="宋体" pitchFamily="2" charset="-122"/>
                         </a:defRPr>
                       </a:lvl9pPr>
@@ -11123,7 +11123,7 @@
                           <a:solidFill>
                             <a:schemeClr val="tx1"/>
                           </a:solidFill>
-                          <a:latin typeface="Arial" panose="020B0604020202090204" pitchFamily="34" charset="0"/>
+                          <a:latin typeface="Arial" panose="020B0704020202020204" pitchFamily="34" charset="0"/>
                           <a:ea typeface="宋体" pitchFamily="2" charset="-122"/>
                         </a:defRPr>
                       </a:lvl1pPr>
@@ -11140,7 +11140,7 @@
                           <a:solidFill>
                             <a:schemeClr val="tx1"/>
                           </a:solidFill>
-                          <a:latin typeface="Arial" panose="020B0604020202090204" pitchFamily="34" charset="0"/>
+                          <a:latin typeface="Arial" panose="020B0704020202020204" pitchFamily="34" charset="0"/>
                           <a:ea typeface="宋体" pitchFamily="2" charset="-122"/>
                         </a:defRPr>
                       </a:lvl2pPr>
@@ -11156,7 +11156,7 @@
                           <a:solidFill>
                             <a:schemeClr val="tx1"/>
                           </a:solidFill>
-                          <a:latin typeface="Arial" panose="020B0604020202090204" pitchFamily="34" charset="0"/>
+                          <a:latin typeface="Arial" panose="020B0704020202020204" pitchFamily="34" charset="0"/>
                           <a:ea typeface="宋体" pitchFamily="2" charset="-122"/>
                         </a:defRPr>
                       </a:lvl3pPr>
@@ -11172,7 +11172,7 @@
                           <a:solidFill>
                             <a:schemeClr val="tx1"/>
                           </a:solidFill>
-                          <a:latin typeface="Arial" panose="020B0604020202090204" pitchFamily="34" charset="0"/>
+                          <a:latin typeface="Arial" panose="020B0704020202020204" pitchFamily="34" charset="0"/>
                           <a:ea typeface="宋体" pitchFamily="2" charset="-122"/>
                         </a:defRPr>
                       </a:lvl4pPr>
@@ -11188,7 +11188,7 @@
                           <a:solidFill>
                             <a:schemeClr val="tx1"/>
                           </a:solidFill>
-                          <a:latin typeface="Arial" panose="020B0604020202090204" pitchFamily="34" charset="0"/>
+                          <a:latin typeface="Arial" panose="020B0704020202020204" pitchFamily="34" charset="0"/>
                           <a:ea typeface="宋体" pitchFamily="2" charset="-122"/>
                         </a:defRPr>
                       </a:lvl5pPr>
@@ -11207,7 +11207,7 @@
                           <a:solidFill>
                             <a:schemeClr val="tx1"/>
                           </a:solidFill>
-                          <a:latin typeface="Arial" panose="020B0604020202090204" pitchFamily="34" charset="0"/>
+                          <a:latin typeface="Arial" panose="020B0704020202020204" pitchFamily="34" charset="0"/>
                           <a:ea typeface="宋体" pitchFamily="2" charset="-122"/>
                         </a:defRPr>
                       </a:lvl6pPr>
@@ -11226,7 +11226,7 @@
                           <a:solidFill>
                             <a:schemeClr val="tx1"/>
                           </a:solidFill>
-                          <a:latin typeface="Arial" panose="020B0604020202090204" pitchFamily="34" charset="0"/>
+                          <a:latin typeface="Arial" panose="020B0704020202020204" pitchFamily="34" charset="0"/>
                           <a:ea typeface="宋体" pitchFamily="2" charset="-122"/>
                         </a:defRPr>
                       </a:lvl7pPr>
@@ -11245,7 +11245,7 @@
                           <a:solidFill>
                             <a:schemeClr val="tx1"/>
                           </a:solidFill>
-                          <a:latin typeface="Arial" panose="020B0604020202090204" pitchFamily="34" charset="0"/>
+                          <a:latin typeface="Arial" panose="020B0704020202020204" pitchFamily="34" charset="0"/>
                           <a:ea typeface="宋体" pitchFamily="2" charset="-122"/>
                         </a:defRPr>
                       </a:lvl8pPr>
@@ -11264,7 +11264,7 @@
                           <a:solidFill>
                             <a:schemeClr val="tx1"/>
                           </a:solidFill>
-                          <a:latin typeface="Arial" panose="020B0604020202090204" pitchFamily="34" charset="0"/>
+                          <a:latin typeface="Arial" panose="020B0704020202020204" pitchFamily="34" charset="0"/>
                           <a:ea typeface="宋体" pitchFamily="2" charset="-122"/>
                         </a:defRPr>
                       </a:lvl9pPr>
@@ -11381,7 +11381,7 @@
                           <a:solidFill>
                             <a:schemeClr val="tx1"/>
                           </a:solidFill>
-                          <a:latin typeface="Arial" panose="020B0604020202090204" pitchFamily="34" charset="0"/>
+                          <a:latin typeface="Arial" panose="020B0704020202020204" pitchFamily="34" charset="0"/>
                           <a:ea typeface="宋体" pitchFamily="2" charset="-122"/>
                         </a:defRPr>
                       </a:lvl1pPr>
@@ -11398,7 +11398,7 @@
                           <a:solidFill>
                             <a:schemeClr val="tx1"/>
                           </a:solidFill>
-                          <a:latin typeface="Arial" panose="020B0604020202090204" pitchFamily="34" charset="0"/>
+                          <a:latin typeface="Arial" panose="020B0704020202020204" pitchFamily="34" charset="0"/>
                           <a:ea typeface="宋体" pitchFamily="2" charset="-122"/>
                         </a:defRPr>
                       </a:lvl2pPr>
@@ -11414,7 +11414,7 @@
                           <a:solidFill>
                             <a:schemeClr val="tx1"/>
                           </a:solidFill>
-                          <a:latin typeface="Arial" panose="020B0604020202090204" pitchFamily="34" charset="0"/>
+                          <a:latin typeface="Arial" panose="020B0704020202020204" pitchFamily="34" charset="0"/>
                           <a:ea typeface="宋体" pitchFamily="2" charset="-122"/>
                         </a:defRPr>
                       </a:lvl3pPr>
@@ -11430,7 +11430,7 @@
                           <a:solidFill>
                             <a:schemeClr val="tx1"/>
                           </a:solidFill>
-                          <a:latin typeface="Arial" panose="020B0604020202090204" pitchFamily="34" charset="0"/>
+                          <a:latin typeface="Arial" panose="020B0704020202020204" pitchFamily="34" charset="0"/>
                           <a:ea typeface="宋体" pitchFamily="2" charset="-122"/>
                         </a:defRPr>
                       </a:lvl4pPr>
@@ -11446,7 +11446,7 @@
                           <a:solidFill>
                             <a:schemeClr val="tx1"/>
                           </a:solidFill>
-                          <a:latin typeface="Arial" panose="020B0604020202090204" pitchFamily="34" charset="0"/>
+                          <a:latin typeface="Arial" panose="020B0704020202020204" pitchFamily="34" charset="0"/>
                           <a:ea typeface="宋体" pitchFamily="2" charset="-122"/>
                         </a:defRPr>
                       </a:lvl5pPr>
@@ -11465,7 +11465,7 @@
                           <a:solidFill>
                             <a:schemeClr val="tx1"/>
                           </a:solidFill>
-                          <a:latin typeface="Arial" panose="020B0604020202090204" pitchFamily="34" charset="0"/>
+                          <a:latin typeface="Arial" panose="020B0704020202020204" pitchFamily="34" charset="0"/>
                           <a:ea typeface="宋体" pitchFamily="2" charset="-122"/>
                         </a:defRPr>
                       </a:lvl6pPr>
@@ -11484,7 +11484,7 @@
                           <a:solidFill>
                             <a:schemeClr val="tx1"/>
                           </a:solidFill>
-                          <a:latin typeface="Arial" panose="020B0604020202090204" pitchFamily="34" charset="0"/>
+                          <a:latin typeface="Arial" panose="020B0704020202020204" pitchFamily="34" charset="0"/>
                           <a:ea typeface="宋体" pitchFamily="2" charset="-122"/>
                         </a:defRPr>
                       </a:lvl7pPr>
@@ -11503,7 +11503,7 @@
                           <a:solidFill>
                             <a:schemeClr val="tx1"/>
                           </a:solidFill>
-                          <a:latin typeface="Arial" panose="020B0604020202090204" pitchFamily="34" charset="0"/>
+                          <a:latin typeface="Arial" panose="020B0704020202020204" pitchFamily="34" charset="0"/>
                           <a:ea typeface="宋体" pitchFamily="2" charset="-122"/>
                         </a:defRPr>
                       </a:lvl8pPr>
@@ -11522,7 +11522,7 @@
                           <a:solidFill>
                             <a:schemeClr val="tx1"/>
                           </a:solidFill>
-                          <a:latin typeface="Arial" panose="020B0604020202090204" pitchFamily="34" charset="0"/>
+                          <a:latin typeface="Arial" panose="020B0704020202020204" pitchFamily="34" charset="0"/>
                           <a:ea typeface="宋体" pitchFamily="2" charset="-122"/>
                         </a:defRPr>
                       </a:lvl9pPr>
@@ -11654,7 +11654,7 @@
                           <a:solidFill>
                             <a:schemeClr val="tx1"/>
                           </a:solidFill>
-                          <a:latin typeface="Arial" panose="020B0604020202090204" pitchFamily="34" charset="0"/>
+                          <a:latin typeface="Arial" panose="020B0704020202020204" pitchFamily="34" charset="0"/>
                           <a:ea typeface="宋体" pitchFamily="2" charset="-122"/>
                         </a:defRPr>
                       </a:lvl1pPr>
@@ -11671,7 +11671,7 @@
                           <a:solidFill>
                             <a:schemeClr val="tx1"/>
                           </a:solidFill>
-                          <a:latin typeface="Arial" panose="020B0604020202090204" pitchFamily="34" charset="0"/>
+                          <a:latin typeface="Arial" panose="020B0704020202020204" pitchFamily="34" charset="0"/>
                           <a:ea typeface="宋体" pitchFamily="2" charset="-122"/>
                         </a:defRPr>
                       </a:lvl2pPr>
@@ -11687,7 +11687,7 @@
                           <a:solidFill>
                             <a:schemeClr val="tx1"/>
                           </a:solidFill>
-                          <a:latin typeface="Arial" panose="020B0604020202090204" pitchFamily="34" charset="0"/>
+                          <a:latin typeface="Arial" panose="020B0704020202020204" pitchFamily="34" charset="0"/>
                           <a:ea typeface="宋体" pitchFamily="2" charset="-122"/>
                         </a:defRPr>
                       </a:lvl3pPr>
@@ -11703,7 +11703,7 @@
                           <a:solidFill>
                             <a:schemeClr val="tx1"/>
                           </a:solidFill>
-                          <a:latin typeface="Arial" panose="020B0604020202090204" pitchFamily="34" charset="0"/>
+                          <a:latin typeface="Arial" panose="020B0704020202020204" pitchFamily="34" charset="0"/>
                           <a:ea typeface="宋体" pitchFamily="2" charset="-122"/>
                         </a:defRPr>
                       </a:lvl4pPr>
@@ -11719,7 +11719,7 @@
                           <a:solidFill>
                             <a:schemeClr val="tx1"/>
                           </a:solidFill>
-                          <a:latin typeface="Arial" panose="020B0604020202090204" pitchFamily="34" charset="0"/>
+                          <a:latin typeface="Arial" panose="020B0704020202020204" pitchFamily="34" charset="0"/>
                           <a:ea typeface="宋体" pitchFamily="2" charset="-122"/>
                         </a:defRPr>
                       </a:lvl5pPr>
@@ -11738,7 +11738,7 @@
                           <a:solidFill>
                             <a:schemeClr val="tx1"/>
                           </a:solidFill>
-                          <a:latin typeface="Arial" panose="020B0604020202090204" pitchFamily="34" charset="0"/>
+                          <a:latin typeface="Arial" panose="020B0704020202020204" pitchFamily="34" charset="0"/>
                           <a:ea typeface="宋体" pitchFamily="2" charset="-122"/>
                         </a:defRPr>
                       </a:lvl6pPr>
@@ -11757,7 +11757,7 @@
                           <a:solidFill>
                             <a:schemeClr val="tx1"/>
                           </a:solidFill>
-                          <a:latin typeface="Arial" panose="020B0604020202090204" pitchFamily="34" charset="0"/>
+                          <a:latin typeface="Arial" panose="020B0704020202020204" pitchFamily="34" charset="0"/>
                           <a:ea typeface="宋体" pitchFamily="2" charset="-122"/>
                         </a:defRPr>
                       </a:lvl7pPr>
@@ -11776,7 +11776,7 @@
                           <a:solidFill>
                             <a:schemeClr val="tx1"/>
                           </a:solidFill>
-                          <a:latin typeface="Arial" panose="020B0604020202090204" pitchFamily="34" charset="0"/>
+                          <a:latin typeface="Arial" panose="020B0704020202020204" pitchFamily="34" charset="0"/>
                           <a:ea typeface="宋体" pitchFamily="2" charset="-122"/>
                         </a:defRPr>
                       </a:lvl8pPr>
@@ -11795,7 +11795,7 @@
                           <a:solidFill>
                             <a:schemeClr val="tx1"/>
                           </a:solidFill>
-                          <a:latin typeface="Arial" panose="020B0604020202090204" pitchFamily="34" charset="0"/>
+                          <a:latin typeface="Arial" panose="020B0704020202020204" pitchFamily="34" charset="0"/>
                           <a:ea typeface="宋体" pitchFamily="2" charset="-122"/>
                         </a:defRPr>
                       </a:lvl9pPr>
@@ -11972,7 +11972,7 @@
                           <a:solidFill>
                             <a:schemeClr val="tx1"/>
                           </a:solidFill>
-                          <a:latin typeface="Arial" panose="020B0604020202090204" pitchFamily="34" charset="0"/>
+                          <a:latin typeface="Arial" panose="020B0704020202020204" pitchFamily="34" charset="0"/>
                           <a:ea typeface="宋体" pitchFamily="2" charset="-122"/>
                         </a:defRPr>
                       </a:lvl1pPr>
@@ -11989,7 +11989,7 @@
                           <a:solidFill>
                             <a:schemeClr val="tx1"/>
                           </a:solidFill>
-                          <a:latin typeface="Arial" panose="020B0604020202090204" pitchFamily="34" charset="0"/>
+                          <a:latin typeface="Arial" panose="020B0704020202020204" pitchFamily="34" charset="0"/>
                           <a:ea typeface="宋体" pitchFamily="2" charset="-122"/>
                         </a:defRPr>
                       </a:lvl2pPr>
@@ -12005,7 +12005,7 @@
                           <a:solidFill>
                             <a:schemeClr val="tx1"/>
                           </a:solidFill>
-                          <a:latin typeface="Arial" panose="020B0604020202090204" pitchFamily="34" charset="0"/>
+                          <a:latin typeface="Arial" panose="020B0704020202020204" pitchFamily="34" charset="0"/>
                           <a:ea typeface="宋体" pitchFamily="2" charset="-122"/>
                         </a:defRPr>
                       </a:lvl3pPr>
@@ -12021,7 +12021,7 @@
                           <a:solidFill>
                             <a:schemeClr val="tx1"/>
                           </a:solidFill>
-                          <a:latin typeface="Arial" panose="020B0604020202090204" pitchFamily="34" charset="0"/>
+                          <a:latin typeface="Arial" panose="020B0704020202020204" pitchFamily="34" charset="0"/>
                           <a:ea typeface="宋体" pitchFamily="2" charset="-122"/>
                         </a:defRPr>
                       </a:lvl4pPr>
@@ -12037,7 +12037,7 @@
                           <a:solidFill>
                             <a:schemeClr val="tx1"/>
                           </a:solidFill>
-                          <a:latin typeface="Arial" panose="020B0604020202090204" pitchFamily="34" charset="0"/>
+                          <a:latin typeface="Arial" panose="020B0704020202020204" pitchFamily="34" charset="0"/>
                           <a:ea typeface="宋体" pitchFamily="2" charset="-122"/>
                         </a:defRPr>
                       </a:lvl5pPr>
@@ -12056,7 +12056,7 @@
                           <a:solidFill>
                             <a:schemeClr val="tx1"/>
                           </a:solidFill>
-                          <a:latin typeface="Arial" panose="020B0604020202090204" pitchFamily="34" charset="0"/>
+                          <a:latin typeface="Arial" panose="020B0704020202020204" pitchFamily="34" charset="0"/>
                           <a:ea typeface="宋体" pitchFamily="2" charset="-122"/>
                         </a:defRPr>
                       </a:lvl6pPr>
@@ -12075,7 +12075,7 @@
                           <a:solidFill>
                             <a:schemeClr val="tx1"/>
                           </a:solidFill>
-                          <a:latin typeface="Arial" panose="020B0604020202090204" pitchFamily="34" charset="0"/>
+                          <a:latin typeface="Arial" panose="020B0704020202020204" pitchFamily="34" charset="0"/>
                           <a:ea typeface="宋体" pitchFamily="2" charset="-122"/>
                         </a:defRPr>
                       </a:lvl7pPr>
@@ -12094,7 +12094,7 @@
                           <a:solidFill>
                             <a:schemeClr val="tx1"/>
                           </a:solidFill>
-                          <a:latin typeface="Arial" panose="020B0604020202090204" pitchFamily="34" charset="0"/>
+                          <a:latin typeface="Arial" panose="020B0704020202020204" pitchFamily="34" charset="0"/>
                           <a:ea typeface="宋体" pitchFamily="2" charset="-122"/>
                         </a:defRPr>
                       </a:lvl8pPr>
@@ -12113,7 +12113,7 @@
                           <a:solidFill>
                             <a:schemeClr val="tx1"/>
                           </a:solidFill>
-                          <a:latin typeface="Arial" panose="020B0604020202090204" pitchFamily="34" charset="0"/>
+                          <a:latin typeface="Arial" panose="020B0704020202020204" pitchFamily="34" charset="0"/>
                           <a:ea typeface="宋体" pitchFamily="2" charset="-122"/>
                         </a:defRPr>
                       </a:lvl9pPr>
@@ -12232,7 +12232,7 @@
                           <a:solidFill>
                             <a:schemeClr val="tx1"/>
                           </a:solidFill>
-                          <a:latin typeface="Arial" panose="020B0604020202090204" pitchFamily="34" charset="0"/>
+                          <a:latin typeface="Arial" panose="020B0704020202020204" pitchFamily="34" charset="0"/>
                           <a:ea typeface="宋体" pitchFamily="2" charset="-122"/>
                         </a:defRPr>
                       </a:lvl1pPr>
@@ -12249,7 +12249,7 @@
                           <a:solidFill>
                             <a:schemeClr val="tx1"/>
                           </a:solidFill>
-                          <a:latin typeface="Arial" panose="020B0604020202090204" pitchFamily="34" charset="0"/>
+                          <a:latin typeface="Arial" panose="020B0704020202020204" pitchFamily="34" charset="0"/>
                           <a:ea typeface="宋体" pitchFamily="2" charset="-122"/>
                         </a:defRPr>
                       </a:lvl2pPr>
@@ -12265,7 +12265,7 @@
                           <a:solidFill>
                             <a:schemeClr val="tx1"/>
                           </a:solidFill>
-                          <a:latin typeface="Arial" panose="020B0604020202090204" pitchFamily="34" charset="0"/>
+                          <a:latin typeface="Arial" panose="020B0704020202020204" pitchFamily="34" charset="0"/>
                           <a:ea typeface="宋体" pitchFamily="2" charset="-122"/>
                         </a:defRPr>
                       </a:lvl3pPr>
@@ -12281,7 +12281,7 @@
                           <a:solidFill>
                             <a:schemeClr val="tx1"/>
                           </a:solidFill>
-                          <a:latin typeface="Arial" panose="020B0604020202090204" pitchFamily="34" charset="0"/>
+                          <a:latin typeface="Arial" panose="020B0704020202020204" pitchFamily="34" charset="0"/>
                           <a:ea typeface="宋体" pitchFamily="2" charset="-122"/>
                         </a:defRPr>
                       </a:lvl4pPr>
@@ -12297,7 +12297,7 @@
                           <a:solidFill>
                             <a:schemeClr val="tx1"/>
                           </a:solidFill>
-                          <a:latin typeface="Arial" panose="020B0604020202090204" pitchFamily="34" charset="0"/>
+                          <a:latin typeface="Arial" panose="020B0704020202020204" pitchFamily="34" charset="0"/>
                           <a:ea typeface="宋体" pitchFamily="2" charset="-122"/>
                         </a:defRPr>
                       </a:lvl5pPr>
@@ -12316,7 +12316,7 @@
                           <a:solidFill>
                             <a:schemeClr val="tx1"/>
                           </a:solidFill>
-                          <a:latin typeface="Arial" panose="020B0604020202090204" pitchFamily="34" charset="0"/>
+                          <a:latin typeface="Arial" panose="020B0704020202020204" pitchFamily="34" charset="0"/>
                           <a:ea typeface="宋体" pitchFamily="2" charset="-122"/>
                         </a:defRPr>
                       </a:lvl6pPr>
@@ -12335,7 +12335,7 @@
                           <a:solidFill>
                             <a:schemeClr val="tx1"/>
                           </a:solidFill>
-                          <a:latin typeface="Arial" panose="020B0604020202090204" pitchFamily="34" charset="0"/>
+                          <a:latin typeface="Arial" panose="020B0704020202020204" pitchFamily="34" charset="0"/>
                           <a:ea typeface="宋体" pitchFamily="2" charset="-122"/>
                         </a:defRPr>
                       </a:lvl7pPr>
@@ -12354,7 +12354,7 @@
                           <a:solidFill>
                             <a:schemeClr val="tx1"/>
                           </a:solidFill>
-                          <a:latin typeface="Arial" panose="020B0604020202090204" pitchFamily="34" charset="0"/>
+                          <a:latin typeface="Arial" panose="020B0704020202020204" pitchFamily="34" charset="0"/>
                           <a:ea typeface="宋体" pitchFamily="2" charset="-122"/>
                         </a:defRPr>
                       </a:lvl8pPr>
@@ -12373,7 +12373,7 @@
                           <a:solidFill>
                             <a:schemeClr val="tx1"/>
                           </a:solidFill>
-                          <a:latin typeface="Arial" panose="020B0604020202090204" pitchFamily="34" charset="0"/>
+                          <a:latin typeface="Arial" panose="020B0704020202020204" pitchFamily="34" charset="0"/>
                           <a:ea typeface="宋体" pitchFamily="2" charset="-122"/>
                         </a:defRPr>
                       </a:lvl9pPr>
@@ -12490,7 +12490,7 @@
                           <a:solidFill>
                             <a:schemeClr val="tx1"/>
                           </a:solidFill>
-                          <a:latin typeface="Arial" panose="020B0604020202090204" pitchFamily="34" charset="0"/>
+                          <a:latin typeface="Arial" panose="020B0704020202020204" pitchFamily="34" charset="0"/>
                           <a:ea typeface="宋体" pitchFamily="2" charset="-122"/>
                         </a:defRPr>
                       </a:lvl1pPr>
@@ -12507,7 +12507,7 @@
                           <a:solidFill>
                             <a:schemeClr val="tx1"/>
                           </a:solidFill>
-                          <a:latin typeface="Arial" panose="020B0604020202090204" pitchFamily="34" charset="0"/>
+                          <a:latin typeface="Arial" panose="020B0704020202020204" pitchFamily="34" charset="0"/>
                           <a:ea typeface="宋体" pitchFamily="2" charset="-122"/>
                         </a:defRPr>
                       </a:lvl2pPr>
@@ -12523,7 +12523,7 @@
                           <a:solidFill>
                             <a:schemeClr val="tx1"/>
                           </a:solidFill>
-                          <a:latin typeface="Arial" panose="020B0604020202090204" pitchFamily="34" charset="0"/>
+                          <a:latin typeface="Arial" panose="020B0704020202020204" pitchFamily="34" charset="0"/>
                           <a:ea typeface="宋体" pitchFamily="2" charset="-122"/>
                         </a:defRPr>
                       </a:lvl3pPr>
@@ -12539,7 +12539,7 @@
                           <a:solidFill>
                             <a:schemeClr val="tx1"/>
                           </a:solidFill>
-                          <a:latin typeface="Arial" panose="020B0604020202090204" pitchFamily="34" charset="0"/>
+                          <a:latin typeface="Arial" panose="020B0704020202020204" pitchFamily="34" charset="0"/>
                           <a:ea typeface="宋体" pitchFamily="2" charset="-122"/>
                         </a:defRPr>
                       </a:lvl4pPr>
@@ -12555,7 +12555,7 @@
                           <a:solidFill>
                             <a:schemeClr val="tx1"/>
                           </a:solidFill>
-                          <a:latin typeface="Arial" panose="020B0604020202090204" pitchFamily="34" charset="0"/>
+                          <a:latin typeface="Arial" panose="020B0704020202020204" pitchFamily="34" charset="0"/>
                           <a:ea typeface="宋体" pitchFamily="2" charset="-122"/>
                         </a:defRPr>
                       </a:lvl5pPr>
@@ -12574,7 +12574,7 @@
                           <a:solidFill>
                             <a:schemeClr val="tx1"/>
                           </a:solidFill>
-                          <a:latin typeface="Arial" panose="020B0604020202090204" pitchFamily="34" charset="0"/>
+                          <a:latin typeface="Arial" panose="020B0704020202020204" pitchFamily="34" charset="0"/>
                           <a:ea typeface="宋体" pitchFamily="2" charset="-122"/>
                         </a:defRPr>
                       </a:lvl6pPr>
@@ -12593,7 +12593,7 @@
                           <a:solidFill>
                             <a:schemeClr val="tx1"/>
                           </a:solidFill>
-                          <a:latin typeface="Arial" panose="020B0604020202090204" pitchFamily="34" charset="0"/>
+                          <a:latin typeface="Arial" panose="020B0704020202020204" pitchFamily="34" charset="0"/>
                           <a:ea typeface="宋体" pitchFamily="2" charset="-122"/>
                         </a:defRPr>
                       </a:lvl7pPr>
@@ -12612,7 +12612,7 @@
                           <a:solidFill>
                             <a:schemeClr val="tx1"/>
                           </a:solidFill>
-                          <a:latin typeface="Arial" panose="020B0604020202090204" pitchFamily="34" charset="0"/>
+                          <a:latin typeface="Arial" panose="020B0704020202020204" pitchFamily="34" charset="0"/>
                           <a:ea typeface="宋体" pitchFamily="2" charset="-122"/>
                         </a:defRPr>
                       </a:lvl8pPr>
@@ -12631,7 +12631,7 @@
                           <a:solidFill>
                             <a:schemeClr val="tx1"/>
                           </a:solidFill>
-                          <a:latin typeface="Arial" panose="020B0604020202090204" pitchFamily="34" charset="0"/>
+                          <a:latin typeface="Arial" panose="020B0704020202020204" pitchFamily="34" charset="0"/>
                           <a:ea typeface="宋体" pitchFamily="2" charset="-122"/>
                         </a:defRPr>
                       </a:lvl9pPr>
@@ -12748,7 +12748,7 @@
                           <a:solidFill>
                             <a:schemeClr val="tx1"/>
                           </a:solidFill>
-                          <a:latin typeface="Arial" panose="020B0604020202090204" pitchFamily="34" charset="0"/>
+                          <a:latin typeface="Arial" panose="020B0704020202020204" pitchFamily="34" charset="0"/>
                           <a:ea typeface="宋体" pitchFamily="2" charset="-122"/>
                         </a:defRPr>
                       </a:lvl1pPr>
@@ -12765,7 +12765,7 @@
                           <a:solidFill>
                             <a:schemeClr val="tx1"/>
                           </a:solidFill>
-                          <a:latin typeface="Arial" panose="020B0604020202090204" pitchFamily="34" charset="0"/>
+                          <a:latin typeface="Arial" panose="020B0704020202020204" pitchFamily="34" charset="0"/>
                           <a:ea typeface="宋体" pitchFamily="2" charset="-122"/>
                         </a:defRPr>
                       </a:lvl2pPr>
@@ -12781,7 +12781,7 @@
                           <a:solidFill>
                             <a:schemeClr val="tx1"/>
                           </a:solidFill>
-                          <a:latin typeface="Arial" panose="020B0604020202090204" pitchFamily="34" charset="0"/>
+                          <a:latin typeface="Arial" panose="020B0704020202020204" pitchFamily="34" charset="0"/>
                           <a:ea typeface="宋体" pitchFamily="2" charset="-122"/>
                         </a:defRPr>
                       </a:lvl3pPr>
@@ -12797,7 +12797,7 @@
                           <a:solidFill>
                             <a:schemeClr val="tx1"/>
                           </a:solidFill>
-                          <a:latin typeface="Arial" panose="020B0604020202090204" pitchFamily="34" charset="0"/>
+                          <a:latin typeface="Arial" panose="020B0704020202020204" pitchFamily="34" charset="0"/>
                           <a:ea typeface="宋体" pitchFamily="2" charset="-122"/>
                         </a:defRPr>
                       </a:lvl4pPr>
@@ -12813,7 +12813,7 @@
                           <a:solidFill>
                             <a:schemeClr val="tx1"/>
                           </a:solidFill>
-                          <a:latin typeface="Arial" panose="020B0604020202090204" pitchFamily="34" charset="0"/>
+                          <a:latin typeface="Arial" panose="020B0704020202020204" pitchFamily="34" charset="0"/>
                           <a:ea typeface="宋体" pitchFamily="2" charset="-122"/>
                         </a:defRPr>
                       </a:lvl5pPr>
@@ -12832,7 +12832,7 @@
                           <a:solidFill>
                             <a:schemeClr val="tx1"/>
                           </a:solidFill>
-                          <a:latin typeface="Arial" panose="020B0604020202090204" pitchFamily="34" charset="0"/>
+                          <a:latin typeface="Arial" panose="020B0704020202020204" pitchFamily="34" charset="0"/>
                           <a:ea typeface="宋体" pitchFamily="2" charset="-122"/>
                         </a:defRPr>
                       </a:lvl6pPr>
@@ -12851,7 +12851,7 @@
                           <a:solidFill>
                             <a:schemeClr val="tx1"/>
                           </a:solidFill>
-                          <a:latin typeface="Arial" panose="020B0604020202090204" pitchFamily="34" charset="0"/>
+                          <a:latin typeface="Arial" panose="020B0704020202020204" pitchFamily="34" charset="0"/>
                           <a:ea typeface="宋体" pitchFamily="2" charset="-122"/>
                         </a:defRPr>
                       </a:lvl7pPr>
@@ -12870,7 +12870,7 @@
                           <a:solidFill>
                             <a:schemeClr val="tx1"/>
                           </a:solidFill>
-                          <a:latin typeface="Arial" panose="020B0604020202090204" pitchFamily="34" charset="0"/>
+                          <a:latin typeface="Arial" panose="020B0704020202020204" pitchFamily="34" charset="0"/>
                           <a:ea typeface="宋体" pitchFamily="2" charset="-122"/>
                         </a:defRPr>
                       </a:lvl8pPr>
@@ -12889,7 +12889,7 @@
                           <a:solidFill>
                             <a:schemeClr val="tx1"/>
                           </a:solidFill>
-                          <a:latin typeface="Arial" panose="020B0604020202090204" pitchFamily="34" charset="0"/>
+                          <a:latin typeface="Arial" panose="020B0704020202020204" pitchFamily="34" charset="0"/>
                           <a:ea typeface="宋体" pitchFamily="2" charset="-122"/>
                         </a:defRPr>
                       </a:lvl9pPr>
@@ -13036,7 +13036,7 @@
                           <a:solidFill>
                             <a:schemeClr val="tx1"/>
                           </a:solidFill>
-                          <a:latin typeface="Arial" panose="020B0604020202090204" pitchFamily="34" charset="0"/>
+                          <a:latin typeface="Arial" panose="020B0704020202020204" pitchFamily="34" charset="0"/>
                           <a:ea typeface="宋体" pitchFamily="2" charset="-122"/>
                         </a:defRPr>
                       </a:lvl1pPr>
@@ -13053,7 +13053,7 @@
                           <a:solidFill>
                             <a:schemeClr val="tx1"/>
                           </a:solidFill>
-                          <a:latin typeface="Arial" panose="020B0604020202090204" pitchFamily="34" charset="0"/>
+                          <a:latin typeface="Arial" panose="020B0704020202020204" pitchFamily="34" charset="0"/>
                           <a:ea typeface="宋体" pitchFamily="2" charset="-122"/>
                         </a:defRPr>
                       </a:lvl2pPr>
@@ -13069,7 +13069,7 @@
                           <a:solidFill>
                             <a:schemeClr val="tx1"/>
                           </a:solidFill>
-                          <a:latin typeface="Arial" panose="020B0604020202090204" pitchFamily="34" charset="0"/>
+                          <a:latin typeface="Arial" panose="020B0704020202020204" pitchFamily="34" charset="0"/>
                           <a:ea typeface="宋体" pitchFamily="2" charset="-122"/>
                         </a:defRPr>
                       </a:lvl3pPr>
@@ -13085,7 +13085,7 @@
                           <a:solidFill>
                             <a:schemeClr val="tx1"/>
                           </a:solidFill>
-                          <a:latin typeface="Arial" panose="020B0604020202090204" pitchFamily="34" charset="0"/>
+                          <a:latin typeface="Arial" panose="020B0704020202020204" pitchFamily="34" charset="0"/>
                           <a:ea typeface="宋体" pitchFamily="2" charset="-122"/>
                         </a:defRPr>
                       </a:lvl4pPr>
@@ -13101,7 +13101,7 @@
                           <a:solidFill>
                             <a:schemeClr val="tx1"/>
                           </a:solidFill>
-                          <a:latin typeface="Arial" panose="020B0604020202090204" pitchFamily="34" charset="0"/>
+                          <a:latin typeface="Arial" panose="020B0704020202020204" pitchFamily="34" charset="0"/>
                           <a:ea typeface="宋体" pitchFamily="2" charset="-122"/>
                         </a:defRPr>
                       </a:lvl5pPr>
@@ -13120,7 +13120,7 @@
                           <a:solidFill>
                             <a:schemeClr val="tx1"/>
                           </a:solidFill>
-                          <a:latin typeface="Arial" panose="020B0604020202090204" pitchFamily="34" charset="0"/>
+                          <a:latin typeface="Arial" panose="020B0704020202020204" pitchFamily="34" charset="0"/>
                           <a:ea typeface="宋体" pitchFamily="2" charset="-122"/>
                         </a:defRPr>
                       </a:lvl6pPr>
@@ -13139,7 +13139,7 @@
                           <a:solidFill>
                             <a:schemeClr val="tx1"/>
                           </a:solidFill>
-                          <a:latin typeface="Arial" panose="020B0604020202090204" pitchFamily="34" charset="0"/>
+                          <a:latin typeface="Arial" panose="020B0704020202020204" pitchFamily="34" charset="0"/>
                           <a:ea typeface="宋体" pitchFamily="2" charset="-122"/>
                         </a:defRPr>
                       </a:lvl7pPr>
@@ -13158,7 +13158,7 @@
                           <a:solidFill>
                             <a:schemeClr val="tx1"/>
                           </a:solidFill>
-                          <a:latin typeface="Arial" panose="020B0604020202090204" pitchFamily="34" charset="0"/>
+                          <a:latin typeface="Arial" panose="020B0704020202020204" pitchFamily="34" charset="0"/>
                           <a:ea typeface="宋体" pitchFamily="2" charset="-122"/>
                         </a:defRPr>
                       </a:lvl8pPr>
@@ -13177,7 +13177,7 @@
                           <a:solidFill>
                             <a:schemeClr val="tx1"/>
                           </a:solidFill>
-                          <a:latin typeface="Arial" panose="020B0604020202090204" pitchFamily="34" charset="0"/>
+                          <a:latin typeface="Arial" panose="020B0704020202020204" pitchFamily="34" charset="0"/>
                           <a:ea typeface="宋体" pitchFamily="2" charset="-122"/>
                         </a:defRPr>
                       </a:lvl9pPr>
@@ -13296,7 +13296,7 @@
                           <a:solidFill>
                             <a:schemeClr val="tx1"/>
                           </a:solidFill>
-                          <a:latin typeface="Arial" panose="020B0604020202090204" pitchFamily="34" charset="0"/>
+                          <a:latin typeface="Arial" panose="020B0704020202020204" pitchFamily="34" charset="0"/>
                           <a:ea typeface="宋体" pitchFamily="2" charset="-122"/>
                         </a:defRPr>
                       </a:lvl1pPr>
@@ -13313,7 +13313,7 @@
                           <a:solidFill>
                             <a:schemeClr val="tx1"/>
                           </a:solidFill>
-                          <a:latin typeface="Arial" panose="020B0604020202090204" pitchFamily="34" charset="0"/>
+                          <a:latin typeface="Arial" panose="020B0704020202020204" pitchFamily="34" charset="0"/>
                           <a:ea typeface="宋体" pitchFamily="2" charset="-122"/>
                         </a:defRPr>
                       </a:lvl2pPr>
@@ -13329,7 +13329,7 @@
                           <a:solidFill>
                             <a:schemeClr val="tx1"/>
                           </a:solidFill>
-                          <a:latin typeface="Arial" panose="020B0604020202090204" pitchFamily="34" charset="0"/>
+                          <a:latin typeface="Arial" panose="020B0704020202020204" pitchFamily="34" charset="0"/>
                           <a:ea typeface="宋体" pitchFamily="2" charset="-122"/>
                         </a:defRPr>
                       </a:lvl3pPr>
@@ -13345,7 +13345,7 @@
                           <a:solidFill>
                             <a:schemeClr val="tx1"/>
                           </a:solidFill>
-                          <a:latin typeface="Arial" panose="020B0604020202090204" pitchFamily="34" charset="0"/>
+                          <a:latin typeface="Arial" panose="020B0704020202020204" pitchFamily="34" charset="0"/>
                           <a:ea typeface="宋体" pitchFamily="2" charset="-122"/>
                         </a:defRPr>
                       </a:lvl4pPr>
@@ -13361,7 +13361,7 @@
                           <a:solidFill>
                             <a:schemeClr val="tx1"/>
                           </a:solidFill>
-                          <a:latin typeface="Arial" panose="020B0604020202090204" pitchFamily="34" charset="0"/>
+                          <a:latin typeface="Arial" panose="020B0704020202020204" pitchFamily="34" charset="0"/>
                           <a:ea typeface="宋体" pitchFamily="2" charset="-122"/>
                         </a:defRPr>
                       </a:lvl5pPr>
@@ -13380,7 +13380,7 @@
                           <a:solidFill>
                             <a:schemeClr val="tx1"/>
                           </a:solidFill>
-                          <a:latin typeface="Arial" panose="020B0604020202090204" pitchFamily="34" charset="0"/>
+                          <a:latin typeface="Arial" panose="020B0704020202020204" pitchFamily="34" charset="0"/>
                           <a:ea typeface="宋体" pitchFamily="2" charset="-122"/>
                         </a:defRPr>
                       </a:lvl6pPr>
@@ -13399,7 +13399,7 @@
                           <a:solidFill>
                             <a:schemeClr val="tx1"/>
                           </a:solidFill>
-                          <a:latin typeface="Arial" panose="020B0604020202090204" pitchFamily="34" charset="0"/>
+                          <a:latin typeface="Arial" panose="020B0704020202020204" pitchFamily="34" charset="0"/>
                           <a:ea typeface="宋体" pitchFamily="2" charset="-122"/>
                         </a:defRPr>
                       </a:lvl7pPr>
@@ -13418,7 +13418,7 @@
                           <a:solidFill>
                             <a:schemeClr val="tx1"/>
                           </a:solidFill>
-                          <a:latin typeface="Arial" panose="020B0604020202090204" pitchFamily="34" charset="0"/>
+                          <a:latin typeface="Arial" panose="020B0704020202020204" pitchFamily="34" charset="0"/>
                           <a:ea typeface="宋体" pitchFamily="2" charset="-122"/>
                         </a:defRPr>
                       </a:lvl8pPr>
@@ -13437,7 +13437,7 @@
                           <a:solidFill>
                             <a:schemeClr val="tx1"/>
                           </a:solidFill>
-                          <a:latin typeface="Arial" panose="020B0604020202090204" pitchFamily="34" charset="0"/>
+                          <a:latin typeface="Arial" panose="020B0704020202020204" pitchFamily="34" charset="0"/>
                           <a:ea typeface="宋体" pitchFamily="2" charset="-122"/>
                         </a:defRPr>
                       </a:lvl9pPr>
@@ -13554,7 +13554,7 @@
                           <a:solidFill>
                             <a:schemeClr val="tx1"/>
                           </a:solidFill>
-                          <a:latin typeface="Arial" panose="020B0604020202090204" pitchFamily="34" charset="0"/>
+                          <a:latin typeface="Arial" panose="020B0704020202020204" pitchFamily="34" charset="0"/>
                           <a:ea typeface="宋体" pitchFamily="2" charset="-122"/>
                         </a:defRPr>
                       </a:lvl1pPr>
@@ -13571,7 +13571,7 @@
                           <a:solidFill>
                             <a:schemeClr val="tx1"/>
                           </a:solidFill>
-                          <a:latin typeface="Arial" panose="020B0604020202090204" pitchFamily="34" charset="0"/>
+                          <a:latin typeface="Arial" panose="020B0704020202020204" pitchFamily="34" charset="0"/>
                           <a:ea typeface="宋体" pitchFamily="2" charset="-122"/>
                         </a:defRPr>
                       </a:lvl2pPr>
@@ -13587,7 +13587,7 @@
                           <a:solidFill>
                             <a:schemeClr val="tx1"/>
                           </a:solidFill>
-                          <a:latin typeface="Arial" panose="020B0604020202090204" pitchFamily="34" charset="0"/>
+                          <a:latin typeface="Arial" panose="020B0704020202020204" pitchFamily="34" charset="0"/>
                           <a:ea typeface="宋体" pitchFamily="2" charset="-122"/>
                         </a:defRPr>
                       </a:lvl3pPr>
@@ -13603,7 +13603,7 @@
                           <a:solidFill>
                             <a:schemeClr val="tx1"/>
                           </a:solidFill>
-                          <a:latin typeface="Arial" panose="020B0604020202090204" pitchFamily="34" charset="0"/>
+                          <a:latin typeface="Arial" panose="020B0704020202020204" pitchFamily="34" charset="0"/>
                           <a:ea typeface="宋体" pitchFamily="2" charset="-122"/>
                         </a:defRPr>
                       </a:lvl4pPr>
@@ -13619,7 +13619,7 @@
                           <a:solidFill>
                             <a:schemeClr val="tx1"/>
                           </a:solidFill>
-                          <a:latin typeface="Arial" panose="020B0604020202090204" pitchFamily="34" charset="0"/>
+                          <a:latin typeface="Arial" panose="020B0704020202020204" pitchFamily="34" charset="0"/>
                           <a:ea typeface="宋体" pitchFamily="2" charset="-122"/>
                         </a:defRPr>
                       </a:lvl5pPr>
@@ -13638,7 +13638,7 @@
                           <a:solidFill>
                             <a:schemeClr val="tx1"/>
                           </a:solidFill>
-                          <a:latin typeface="Arial" panose="020B0604020202090204" pitchFamily="34" charset="0"/>
+                          <a:latin typeface="Arial" panose="020B0704020202020204" pitchFamily="34" charset="0"/>
                           <a:ea typeface="宋体" pitchFamily="2" charset="-122"/>
                         </a:defRPr>
                       </a:lvl6pPr>
@@ -13657,7 +13657,7 @@
                           <a:solidFill>
                             <a:schemeClr val="tx1"/>
                           </a:solidFill>
-                          <a:latin typeface="Arial" panose="020B0604020202090204" pitchFamily="34" charset="0"/>
+                          <a:latin typeface="Arial" panose="020B0704020202020204" pitchFamily="34" charset="0"/>
                           <a:ea typeface="宋体" pitchFamily="2" charset="-122"/>
                         </a:defRPr>
                       </a:lvl7pPr>
@@ -13676,7 +13676,7 @@
                           <a:solidFill>
                             <a:schemeClr val="tx1"/>
                           </a:solidFill>
-                          <a:latin typeface="Arial" panose="020B0604020202090204" pitchFamily="34" charset="0"/>
+                          <a:latin typeface="Arial" panose="020B0704020202020204" pitchFamily="34" charset="0"/>
                           <a:ea typeface="宋体" pitchFamily="2" charset="-122"/>
                         </a:defRPr>
                       </a:lvl8pPr>
@@ -13695,7 +13695,7 @@
                           <a:solidFill>
                             <a:schemeClr val="tx1"/>
                           </a:solidFill>
-                          <a:latin typeface="Arial" panose="020B0604020202090204" pitchFamily="34" charset="0"/>
+                          <a:latin typeface="Arial" panose="020B0704020202020204" pitchFamily="34" charset="0"/>
                           <a:ea typeface="宋体" pitchFamily="2" charset="-122"/>
                         </a:defRPr>
                       </a:lvl9pPr>
@@ -13812,7 +13812,7 @@
                           <a:solidFill>
                             <a:schemeClr val="tx1"/>
                           </a:solidFill>
-                          <a:latin typeface="Arial" panose="020B0604020202090204" pitchFamily="34" charset="0"/>
+                          <a:latin typeface="Arial" panose="020B0704020202020204" pitchFamily="34" charset="0"/>
                           <a:ea typeface="宋体" pitchFamily="2" charset="-122"/>
                         </a:defRPr>
                       </a:lvl1pPr>
@@ -13829,7 +13829,7 @@
                           <a:solidFill>
                             <a:schemeClr val="tx1"/>
                           </a:solidFill>
-                          <a:latin typeface="Arial" panose="020B0604020202090204" pitchFamily="34" charset="0"/>
+                          <a:latin typeface="Arial" panose="020B0704020202020204" pitchFamily="34" charset="0"/>
                           <a:ea typeface="宋体" pitchFamily="2" charset="-122"/>
                         </a:defRPr>
                       </a:lvl2pPr>
@@ -13845,7 +13845,7 @@
                           <a:solidFill>
                             <a:schemeClr val="tx1"/>
                           </a:solidFill>
-                          <a:latin typeface="Arial" panose="020B0604020202090204" pitchFamily="34" charset="0"/>
+                          <a:latin typeface="Arial" panose="020B0704020202020204" pitchFamily="34" charset="0"/>
                           <a:ea typeface="宋体" pitchFamily="2" charset="-122"/>
                         </a:defRPr>
                       </a:lvl3pPr>
@@ -13861,7 +13861,7 @@
                           <a:solidFill>
                             <a:schemeClr val="tx1"/>
                           </a:solidFill>
-                          <a:latin typeface="Arial" panose="020B0604020202090204" pitchFamily="34" charset="0"/>
+                          <a:latin typeface="Arial" panose="020B0704020202020204" pitchFamily="34" charset="0"/>
                           <a:ea typeface="宋体" pitchFamily="2" charset="-122"/>
                         </a:defRPr>
                       </a:lvl4pPr>
@@ -13877,7 +13877,7 @@
                           <a:solidFill>
                             <a:schemeClr val="tx1"/>
                           </a:solidFill>
-                          <a:latin typeface="Arial" panose="020B0604020202090204" pitchFamily="34" charset="0"/>
+                          <a:latin typeface="Arial" panose="020B0704020202020204" pitchFamily="34" charset="0"/>
                           <a:ea typeface="宋体" pitchFamily="2" charset="-122"/>
                         </a:defRPr>
                       </a:lvl5pPr>
@@ -13896,7 +13896,7 @@
                           <a:solidFill>
                             <a:schemeClr val="tx1"/>
                           </a:solidFill>
-                          <a:latin typeface="Arial" panose="020B0604020202090204" pitchFamily="34" charset="0"/>
+                          <a:latin typeface="Arial" panose="020B0704020202020204" pitchFamily="34" charset="0"/>
                           <a:ea typeface="宋体" pitchFamily="2" charset="-122"/>
                         </a:defRPr>
                       </a:lvl6pPr>
@@ -13915,7 +13915,7 @@
                           <a:solidFill>
                             <a:schemeClr val="tx1"/>
                           </a:solidFill>
-                          <a:latin typeface="Arial" panose="020B0604020202090204" pitchFamily="34" charset="0"/>
+                          <a:latin typeface="Arial" panose="020B0704020202020204" pitchFamily="34" charset="0"/>
                           <a:ea typeface="宋体" pitchFamily="2" charset="-122"/>
                         </a:defRPr>
                       </a:lvl7pPr>
@@ -13934,7 +13934,7 @@
                           <a:solidFill>
                             <a:schemeClr val="tx1"/>
                           </a:solidFill>
-                          <a:latin typeface="Arial" panose="020B0604020202090204" pitchFamily="34" charset="0"/>
+                          <a:latin typeface="Arial" panose="020B0704020202020204" pitchFamily="34" charset="0"/>
                           <a:ea typeface="宋体" pitchFamily="2" charset="-122"/>
                         </a:defRPr>
                       </a:lvl8pPr>
@@ -13953,7 +13953,7 @@
                           <a:solidFill>
                             <a:schemeClr val="tx1"/>
                           </a:solidFill>
-                          <a:latin typeface="Arial" panose="020B0604020202090204" pitchFamily="34" charset="0"/>
+                          <a:latin typeface="Arial" panose="020B0704020202020204" pitchFamily="34" charset="0"/>
                           <a:ea typeface="宋体" pitchFamily="2" charset="-122"/>
                         </a:defRPr>
                       </a:lvl9pPr>
@@ -14100,7 +14100,7 @@
                           <a:solidFill>
                             <a:schemeClr val="tx1"/>
                           </a:solidFill>
-                          <a:latin typeface="Arial" panose="020B0604020202090204" pitchFamily="34" charset="0"/>
+                          <a:latin typeface="Arial" panose="020B0704020202020204" pitchFamily="34" charset="0"/>
                           <a:ea typeface="宋体" pitchFamily="2" charset="-122"/>
                         </a:defRPr>
                       </a:lvl1pPr>
@@ -14117,7 +14117,7 @@
                           <a:solidFill>
                             <a:schemeClr val="tx1"/>
                           </a:solidFill>
-                          <a:latin typeface="Arial" panose="020B0604020202090204" pitchFamily="34" charset="0"/>
+                          <a:latin typeface="Arial" panose="020B0704020202020204" pitchFamily="34" charset="0"/>
                           <a:ea typeface="宋体" pitchFamily="2" charset="-122"/>
                         </a:defRPr>
                       </a:lvl2pPr>
@@ -14133,7 +14133,7 @@
                           <a:solidFill>
                             <a:schemeClr val="tx1"/>
                           </a:solidFill>
-                          <a:latin typeface="Arial" panose="020B0604020202090204" pitchFamily="34" charset="0"/>
+                          <a:latin typeface="Arial" panose="020B0704020202020204" pitchFamily="34" charset="0"/>
                           <a:ea typeface="宋体" pitchFamily="2" charset="-122"/>
                         </a:defRPr>
                       </a:lvl3pPr>
@@ -14149,7 +14149,7 @@
                           <a:solidFill>
                             <a:schemeClr val="tx1"/>
                           </a:solidFill>
-                          <a:latin typeface="Arial" panose="020B0604020202090204" pitchFamily="34" charset="0"/>
+                          <a:latin typeface="Arial" panose="020B0704020202020204" pitchFamily="34" charset="0"/>
                           <a:ea typeface="宋体" pitchFamily="2" charset="-122"/>
                         </a:defRPr>
                       </a:lvl4pPr>
@@ -14165,7 +14165,7 @@
                           <a:solidFill>
                             <a:schemeClr val="tx1"/>
                           </a:solidFill>
-                          <a:latin typeface="Arial" panose="020B0604020202090204" pitchFamily="34" charset="0"/>
+                          <a:latin typeface="Arial" panose="020B0704020202020204" pitchFamily="34" charset="0"/>
                           <a:ea typeface="宋体" pitchFamily="2" charset="-122"/>
                         </a:defRPr>
                       </a:lvl5pPr>
@@ -14184,7 +14184,7 @@
                           <a:solidFill>
                             <a:schemeClr val="tx1"/>
                           </a:solidFill>
-                          <a:latin typeface="Arial" panose="020B0604020202090204" pitchFamily="34" charset="0"/>
+                          <a:latin typeface="Arial" panose="020B0704020202020204" pitchFamily="34" charset="0"/>
                           <a:ea typeface="宋体" pitchFamily="2" charset="-122"/>
                         </a:defRPr>
                       </a:lvl6pPr>
@@ -14203,7 +14203,7 @@
                           <a:solidFill>
                             <a:schemeClr val="tx1"/>
                           </a:solidFill>
-                          <a:latin typeface="Arial" panose="020B0604020202090204" pitchFamily="34" charset="0"/>
+                          <a:latin typeface="Arial" panose="020B0704020202020204" pitchFamily="34" charset="0"/>
                           <a:ea typeface="宋体" pitchFamily="2" charset="-122"/>
                         </a:defRPr>
                       </a:lvl7pPr>
@@ -14222,7 +14222,7 @@
                           <a:solidFill>
                             <a:schemeClr val="tx1"/>
                           </a:solidFill>
-                          <a:latin typeface="Arial" panose="020B0604020202090204" pitchFamily="34" charset="0"/>
+                          <a:latin typeface="Arial" panose="020B0704020202020204" pitchFamily="34" charset="0"/>
                           <a:ea typeface="宋体" pitchFamily="2" charset="-122"/>
                         </a:defRPr>
                       </a:lvl8pPr>
@@ -14241,7 +14241,7 @@
                           <a:solidFill>
                             <a:schemeClr val="tx1"/>
                           </a:solidFill>
-                          <a:latin typeface="Arial" panose="020B0604020202090204" pitchFamily="34" charset="0"/>
+                          <a:latin typeface="Arial" panose="020B0704020202020204" pitchFamily="34" charset="0"/>
                           <a:ea typeface="宋体" pitchFamily="2" charset="-122"/>
                         </a:defRPr>
                       </a:lvl9pPr>
@@ -14360,7 +14360,7 @@
                           <a:solidFill>
                             <a:schemeClr val="tx1"/>
                           </a:solidFill>
-                          <a:latin typeface="Arial" panose="020B0604020202090204" pitchFamily="34" charset="0"/>
+                          <a:latin typeface="Arial" panose="020B0704020202020204" pitchFamily="34" charset="0"/>
                           <a:ea typeface="宋体" pitchFamily="2" charset="-122"/>
                         </a:defRPr>
                       </a:lvl1pPr>
@@ -14377,7 +14377,7 @@
                           <a:solidFill>
                             <a:schemeClr val="tx1"/>
                           </a:solidFill>
-                          <a:latin typeface="Arial" panose="020B0604020202090204" pitchFamily="34" charset="0"/>
+                          <a:latin typeface="Arial" panose="020B0704020202020204" pitchFamily="34" charset="0"/>
                           <a:ea typeface="宋体" pitchFamily="2" charset="-122"/>
                         </a:defRPr>
                       </a:lvl2pPr>
@@ -14393,7 +14393,7 @@
                           <a:solidFill>
                             <a:schemeClr val="tx1"/>
                           </a:solidFill>
-                          <a:latin typeface="Arial" panose="020B0604020202090204" pitchFamily="34" charset="0"/>
+                          <a:latin typeface="Arial" panose="020B0704020202020204" pitchFamily="34" charset="0"/>
                           <a:ea typeface="宋体" pitchFamily="2" charset="-122"/>
                         </a:defRPr>
                       </a:lvl3pPr>
@@ -14409,7 +14409,7 @@
                           <a:solidFill>
                             <a:schemeClr val="tx1"/>
                           </a:solidFill>
-                          <a:latin typeface="Arial" panose="020B0604020202090204" pitchFamily="34" charset="0"/>
+                          <a:latin typeface="Arial" panose="020B0704020202020204" pitchFamily="34" charset="0"/>
                           <a:ea typeface="宋体" pitchFamily="2" charset="-122"/>
                         </a:defRPr>
                       </a:lvl4pPr>
@@ -14425,7 +14425,7 @@
                           <a:solidFill>
                             <a:schemeClr val="tx1"/>
                           </a:solidFill>
-                          <a:latin typeface="Arial" panose="020B0604020202090204" pitchFamily="34" charset="0"/>
+                          <a:latin typeface="Arial" panose="020B0704020202020204" pitchFamily="34" charset="0"/>
                           <a:ea typeface="宋体" pitchFamily="2" charset="-122"/>
                         </a:defRPr>
                       </a:lvl5pPr>
@@ -14444,7 +14444,7 @@
                           <a:solidFill>
                             <a:schemeClr val="tx1"/>
                           </a:solidFill>
-                          <a:latin typeface="Arial" panose="020B0604020202090204" pitchFamily="34" charset="0"/>
+                          <a:latin typeface="Arial" panose="020B0704020202020204" pitchFamily="34" charset="0"/>
                           <a:ea typeface="宋体" pitchFamily="2" charset="-122"/>
                         </a:defRPr>
                       </a:lvl6pPr>
@@ -14463,7 +14463,7 @@
                           <a:solidFill>
                             <a:schemeClr val="tx1"/>
                           </a:solidFill>
-                          <a:latin typeface="Arial" panose="020B0604020202090204" pitchFamily="34" charset="0"/>
+                          <a:latin typeface="Arial" panose="020B0704020202020204" pitchFamily="34" charset="0"/>
                           <a:ea typeface="宋体" pitchFamily="2" charset="-122"/>
                         </a:defRPr>
                       </a:lvl7pPr>
@@ -14482,7 +14482,7 @@
                           <a:solidFill>
                             <a:schemeClr val="tx1"/>
                           </a:solidFill>
-                          <a:latin typeface="Arial" panose="020B0604020202090204" pitchFamily="34" charset="0"/>
+                          <a:latin typeface="Arial" panose="020B0704020202020204" pitchFamily="34" charset="0"/>
                           <a:ea typeface="宋体" pitchFamily="2" charset="-122"/>
                         </a:defRPr>
                       </a:lvl8pPr>
@@ -14501,7 +14501,7 @@
                           <a:solidFill>
                             <a:schemeClr val="tx1"/>
                           </a:solidFill>
-                          <a:latin typeface="Arial" panose="020B0604020202090204" pitchFamily="34" charset="0"/>
+                          <a:latin typeface="Arial" panose="020B0704020202020204" pitchFamily="34" charset="0"/>
                           <a:ea typeface="宋体" pitchFamily="2" charset="-122"/>
                         </a:defRPr>
                       </a:lvl9pPr>
@@ -14618,7 +14618,7 @@
                           <a:solidFill>
                             <a:schemeClr val="tx1"/>
                           </a:solidFill>
-                          <a:latin typeface="Arial" panose="020B0604020202090204" pitchFamily="34" charset="0"/>
+                          <a:latin typeface="Arial" panose="020B0704020202020204" pitchFamily="34" charset="0"/>
                           <a:ea typeface="宋体" pitchFamily="2" charset="-122"/>
                         </a:defRPr>
                       </a:lvl1pPr>
@@ -14635,7 +14635,7 @@
                           <a:solidFill>
                             <a:schemeClr val="tx1"/>
                           </a:solidFill>
-                          <a:latin typeface="Arial" panose="020B0604020202090204" pitchFamily="34" charset="0"/>
+                          <a:latin typeface="Arial" panose="020B0704020202020204" pitchFamily="34" charset="0"/>
                           <a:ea typeface="宋体" pitchFamily="2" charset="-122"/>
                         </a:defRPr>
                       </a:lvl2pPr>
@@ -14651,7 +14651,7 @@
                           <a:solidFill>
                             <a:schemeClr val="tx1"/>
                           </a:solidFill>
-                          <a:latin typeface="Arial" panose="020B0604020202090204" pitchFamily="34" charset="0"/>
+                          <a:latin typeface="Arial" panose="020B0704020202020204" pitchFamily="34" charset="0"/>
                           <a:ea typeface="宋体" pitchFamily="2" charset="-122"/>
                         </a:defRPr>
                       </a:lvl3pPr>
@@ -14667,7 +14667,7 @@
                           <a:solidFill>
                             <a:schemeClr val="tx1"/>
                           </a:solidFill>
-                          <a:latin typeface="Arial" panose="020B0604020202090204" pitchFamily="34" charset="0"/>
+                          <a:latin typeface="Arial" panose="020B0704020202020204" pitchFamily="34" charset="0"/>
                           <a:ea typeface="宋体" pitchFamily="2" charset="-122"/>
                         </a:defRPr>
                       </a:lvl4pPr>
@@ -14683,7 +14683,7 @@
                           <a:solidFill>
                             <a:schemeClr val="tx1"/>
                           </a:solidFill>
-                          <a:latin typeface="Arial" panose="020B0604020202090204" pitchFamily="34" charset="0"/>
+                          <a:latin typeface="Arial" panose="020B0704020202020204" pitchFamily="34" charset="0"/>
                           <a:ea typeface="宋体" pitchFamily="2" charset="-122"/>
                         </a:defRPr>
                       </a:lvl5pPr>
@@ -14702,7 +14702,7 @@
                           <a:solidFill>
                             <a:schemeClr val="tx1"/>
                           </a:solidFill>
-                          <a:latin typeface="Arial" panose="020B0604020202090204" pitchFamily="34" charset="0"/>
+                          <a:latin typeface="Arial" panose="020B0704020202020204" pitchFamily="34" charset="0"/>
                           <a:ea typeface="宋体" pitchFamily="2" charset="-122"/>
                         </a:defRPr>
                       </a:lvl6pPr>
@@ -14721,7 +14721,7 @@
                           <a:solidFill>
                             <a:schemeClr val="tx1"/>
                           </a:solidFill>
-                          <a:latin typeface="Arial" panose="020B0604020202090204" pitchFamily="34" charset="0"/>
+                          <a:latin typeface="Arial" panose="020B0704020202020204" pitchFamily="34" charset="0"/>
                           <a:ea typeface="宋体" pitchFamily="2" charset="-122"/>
                         </a:defRPr>
                       </a:lvl7pPr>
@@ -14740,7 +14740,7 @@
                           <a:solidFill>
                             <a:schemeClr val="tx1"/>
                           </a:solidFill>
-                          <a:latin typeface="Arial" panose="020B0604020202090204" pitchFamily="34" charset="0"/>
+                          <a:latin typeface="Arial" panose="020B0704020202020204" pitchFamily="34" charset="0"/>
                           <a:ea typeface="宋体" pitchFamily="2" charset="-122"/>
                         </a:defRPr>
                       </a:lvl8pPr>
@@ -14759,7 +14759,7 @@
                           <a:solidFill>
                             <a:schemeClr val="tx1"/>
                           </a:solidFill>
-                          <a:latin typeface="Arial" panose="020B0604020202090204" pitchFamily="34" charset="0"/>
+                          <a:latin typeface="Arial" panose="020B0704020202020204" pitchFamily="34" charset="0"/>
                           <a:ea typeface="宋体" pitchFamily="2" charset="-122"/>
                         </a:defRPr>
                       </a:lvl9pPr>
@@ -14876,7 +14876,7 @@
                           <a:solidFill>
                             <a:schemeClr val="tx1"/>
                           </a:solidFill>
-                          <a:latin typeface="Arial" panose="020B0604020202090204" pitchFamily="34" charset="0"/>
+                          <a:latin typeface="Arial" panose="020B0704020202020204" pitchFamily="34" charset="0"/>
                           <a:ea typeface="宋体" pitchFamily="2" charset="-122"/>
                         </a:defRPr>
                       </a:lvl1pPr>
@@ -14893,7 +14893,7 @@
                           <a:solidFill>
                             <a:schemeClr val="tx1"/>
                           </a:solidFill>
-                          <a:latin typeface="Arial" panose="020B0604020202090204" pitchFamily="34" charset="0"/>
+                          <a:latin typeface="Arial" panose="020B0704020202020204" pitchFamily="34" charset="0"/>
                           <a:ea typeface="宋体" pitchFamily="2" charset="-122"/>
                         </a:defRPr>
                       </a:lvl2pPr>
@@ -14909,7 +14909,7 @@
                           <a:solidFill>
                             <a:schemeClr val="tx1"/>
                           </a:solidFill>
-                          <a:latin typeface="Arial" panose="020B0604020202090204" pitchFamily="34" charset="0"/>
+                          <a:latin typeface="Arial" panose="020B0704020202020204" pitchFamily="34" charset="0"/>
                           <a:ea typeface="宋体" pitchFamily="2" charset="-122"/>
                         </a:defRPr>
                       </a:lvl3pPr>
@@ -14925,7 +14925,7 @@
                           <a:solidFill>
                             <a:schemeClr val="tx1"/>
                           </a:solidFill>
-                          <a:latin typeface="Arial" panose="020B0604020202090204" pitchFamily="34" charset="0"/>
+                          <a:latin typeface="Arial" panose="020B0704020202020204" pitchFamily="34" charset="0"/>
                           <a:ea typeface="宋体" pitchFamily="2" charset="-122"/>
                         </a:defRPr>
                       </a:lvl4pPr>
@@ -14941,7 +14941,7 @@
                           <a:solidFill>
                             <a:schemeClr val="tx1"/>
                           </a:solidFill>
-                          <a:latin typeface="Arial" panose="020B0604020202090204" pitchFamily="34" charset="0"/>
+                          <a:latin typeface="Arial" panose="020B0704020202020204" pitchFamily="34" charset="0"/>
                           <a:ea typeface="宋体" pitchFamily="2" charset="-122"/>
                         </a:defRPr>
                       </a:lvl5pPr>
@@ -14960,7 +14960,7 @@
                           <a:solidFill>
                             <a:schemeClr val="tx1"/>
                           </a:solidFill>
-                          <a:latin typeface="Arial" panose="020B0604020202090204" pitchFamily="34" charset="0"/>
+                          <a:latin typeface="Arial" panose="020B0704020202020204" pitchFamily="34" charset="0"/>
                           <a:ea typeface="宋体" pitchFamily="2" charset="-122"/>
                         </a:defRPr>
                       </a:lvl6pPr>
@@ -14979,7 +14979,7 @@
                           <a:solidFill>
                             <a:schemeClr val="tx1"/>
                           </a:solidFill>
-                          <a:latin typeface="Arial" panose="020B0604020202090204" pitchFamily="34" charset="0"/>
+                          <a:latin typeface="Arial" panose="020B0704020202020204" pitchFamily="34" charset="0"/>
                           <a:ea typeface="宋体" pitchFamily="2" charset="-122"/>
                         </a:defRPr>
                       </a:lvl7pPr>
@@ -14998,7 +14998,7 @@
                           <a:solidFill>
                             <a:schemeClr val="tx1"/>
                           </a:solidFill>
-                          <a:latin typeface="Arial" panose="020B0604020202090204" pitchFamily="34" charset="0"/>
+                          <a:latin typeface="Arial" panose="020B0704020202020204" pitchFamily="34" charset="0"/>
                           <a:ea typeface="宋体" pitchFamily="2" charset="-122"/>
                         </a:defRPr>
                       </a:lvl8pPr>
@@ -15017,7 +15017,7 @@
                           <a:solidFill>
                             <a:schemeClr val="tx1"/>
                           </a:solidFill>
-                          <a:latin typeface="Arial" panose="020B0604020202090204" pitchFamily="34" charset="0"/>
+                          <a:latin typeface="Arial" panose="020B0704020202020204" pitchFamily="34" charset="0"/>
                           <a:ea typeface="宋体" pitchFamily="2" charset="-122"/>
                         </a:defRPr>
                       </a:lvl9pPr>
@@ -15164,7 +15164,7 @@
                           <a:solidFill>
                             <a:schemeClr val="tx1"/>
                           </a:solidFill>
-                          <a:latin typeface="Arial" panose="020B0604020202090204" pitchFamily="34" charset="0"/>
+                          <a:latin typeface="Arial" panose="020B0704020202020204" pitchFamily="34" charset="0"/>
                           <a:ea typeface="宋体" pitchFamily="2" charset="-122"/>
                         </a:defRPr>
                       </a:lvl1pPr>
@@ -15181,7 +15181,7 @@
                           <a:solidFill>
                             <a:schemeClr val="tx1"/>
                           </a:solidFill>
-                          <a:latin typeface="Arial" panose="020B0604020202090204" pitchFamily="34" charset="0"/>
+                          <a:latin typeface="Arial" panose="020B0704020202020204" pitchFamily="34" charset="0"/>
                           <a:ea typeface="宋体" pitchFamily="2" charset="-122"/>
                         </a:defRPr>
                       </a:lvl2pPr>
@@ -15197,7 +15197,7 @@
                           <a:solidFill>
                             <a:schemeClr val="tx1"/>
                           </a:solidFill>
-                          <a:latin typeface="Arial" panose="020B0604020202090204" pitchFamily="34" charset="0"/>
+                          <a:latin typeface="Arial" panose="020B0704020202020204" pitchFamily="34" charset="0"/>
                           <a:ea typeface="宋体" pitchFamily="2" charset="-122"/>
                         </a:defRPr>
                       </a:lvl3pPr>
@@ -15213,7 +15213,7 @@
                           <a:solidFill>
                             <a:schemeClr val="tx1"/>
                           </a:solidFill>
-                          <a:latin typeface="Arial" panose="020B0604020202090204" pitchFamily="34" charset="0"/>
+                          <a:latin typeface="Arial" panose="020B0704020202020204" pitchFamily="34" charset="0"/>
                           <a:ea typeface="宋体" pitchFamily="2" charset="-122"/>
                         </a:defRPr>
                       </a:lvl4pPr>
@@ -15229,7 +15229,7 @@
                           <a:solidFill>
                             <a:schemeClr val="tx1"/>
                           </a:solidFill>
-                          <a:latin typeface="Arial" panose="020B0604020202090204" pitchFamily="34" charset="0"/>
+                          <a:latin typeface="Arial" panose="020B0704020202020204" pitchFamily="34" charset="0"/>
                           <a:ea typeface="宋体" pitchFamily="2" charset="-122"/>
                         </a:defRPr>
                       </a:lvl5pPr>
@@ -15248,7 +15248,7 @@
                           <a:solidFill>
                             <a:schemeClr val="tx1"/>
                           </a:solidFill>
-                          <a:latin typeface="Arial" panose="020B0604020202090204" pitchFamily="34" charset="0"/>
+                          <a:latin typeface="Arial" panose="020B0704020202020204" pitchFamily="34" charset="0"/>
                           <a:ea typeface="宋体" pitchFamily="2" charset="-122"/>
                         </a:defRPr>
                       </a:lvl6pPr>
@@ -15267,7 +15267,7 @@
                           <a:solidFill>
                             <a:schemeClr val="tx1"/>
                           </a:solidFill>
-                          <a:latin typeface="Arial" panose="020B0604020202090204" pitchFamily="34" charset="0"/>
+                          <a:latin typeface="Arial" panose="020B0704020202020204" pitchFamily="34" charset="0"/>
                           <a:ea typeface="宋体" pitchFamily="2" charset="-122"/>
                         </a:defRPr>
                       </a:lvl7pPr>
@@ -15286,7 +15286,7 @@
                           <a:solidFill>
                             <a:schemeClr val="tx1"/>
                           </a:solidFill>
-                          <a:latin typeface="Arial" panose="020B0604020202090204" pitchFamily="34" charset="0"/>
+                          <a:latin typeface="Arial" panose="020B0704020202020204" pitchFamily="34" charset="0"/>
                           <a:ea typeface="宋体" pitchFamily="2" charset="-122"/>
                         </a:defRPr>
                       </a:lvl8pPr>
@@ -15305,7 +15305,7 @@
                           <a:solidFill>
                             <a:schemeClr val="tx1"/>
                           </a:solidFill>
-                          <a:latin typeface="Arial" panose="020B0604020202090204" pitchFamily="34" charset="0"/>
+                          <a:latin typeface="Arial" panose="020B0704020202020204" pitchFamily="34" charset="0"/>
                           <a:ea typeface="宋体" pitchFamily="2" charset="-122"/>
                         </a:defRPr>
                       </a:lvl9pPr>
@@ -15424,7 +15424,7 @@
                           <a:solidFill>
                             <a:schemeClr val="tx1"/>
                           </a:solidFill>
-                          <a:latin typeface="Arial" panose="020B0604020202090204" pitchFamily="34" charset="0"/>
+                          <a:latin typeface="Arial" panose="020B0704020202020204" pitchFamily="34" charset="0"/>
                           <a:ea typeface="宋体" pitchFamily="2" charset="-122"/>
                         </a:defRPr>
                       </a:lvl1pPr>
@@ -15441,7 +15441,7 @@
                           <a:solidFill>
                             <a:schemeClr val="tx1"/>
                           </a:solidFill>
-                          <a:latin typeface="Arial" panose="020B0604020202090204" pitchFamily="34" charset="0"/>
+                          <a:latin typeface="Arial" panose="020B0704020202020204" pitchFamily="34" charset="0"/>
                           <a:ea typeface="宋体" pitchFamily="2" charset="-122"/>
                         </a:defRPr>
                       </a:lvl2pPr>
@@ -15457,7 +15457,7 @@
                           <a:solidFill>
                             <a:schemeClr val="tx1"/>
                           </a:solidFill>
-                          <a:latin typeface="Arial" panose="020B0604020202090204" pitchFamily="34" charset="0"/>
+                          <a:latin typeface="Arial" panose="020B0704020202020204" pitchFamily="34" charset="0"/>
                           <a:ea typeface="宋体" pitchFamily="2" charset="-122"/>
                         </a:defRPr>
                       </a:lvl3pPr>
@@ -15473,7 +15473,7 @@
                           <a:solidFill>
                             <a:schemeClr val="tx1"/>
                           </a:solidFill>
-                          <a:latin typeface="Arial" panose="020B0604020202090204" pitchFamily="34" charset="0"/>
+                          <a:latin typeface="Arial" panose="020B0704020202020204" pitchFamily="34" charset="0"/>
                           <a:ea typeface="宋体" pitchFamily="2" charset="-122"/>
                         </a:defRPr>
                       </a:lvl4pPr>
@@ -15489,7 +15489,7 @@
                           <a:solidFill>
                             <a:schemeClr val="tx1"/>
                           </a:solidFill>
-                          <a:latin typeface="Arial" panose="020B0604020202090204" pitchFamily="34" charset="0"/>
+                          <a:latin typeface="Arial" panose="020B0704020202020204" pitchFamily="34" charset="0"/>
                           <a:ea typeface="宋体" pitchFamily="2" charset="-122"/>
                         </a:defRPr>
                       </a:lvl5pPr>
@@ -15508,7 +15508,7 @@
                           <a:solidFill>
                             <a:schemeClr val="tx1"/>
                           </a:solidFill>
-                          <a:latin typeface="Arial" panose="020B0604020202090204" pitchFamily="34" charset="0"/>
+                          <a:latin typeface="Arial" panose="020B0704020202020204" pitchFamily="34" charset="0"/>
                           <a:ea typeface="宋体" pitchFamily="2" charset="-122"/>
                         </a:defRPr>
                       </a:lvl6pPr>
@@ -15527,7 +15527,7 @@
                           <a:solidFill>
                             <a:schemeClr val="tx1"/>
                           </a:solidFill>
-                          <a:latin typeface="Arial" panose="020B0604020202090204" pitchFamily="34" charset="0"/>
+                          <a:latin typeface="Arial" panose="020B0704020202020204" pitchFamily="34" charset="0"/>
                           <a:ea typeface="宋体" pitchFamily="2" charset="-122"/>
                         </a:defRPr>
                       </a:lvl7pPr>
@@ -15546,7 +15546,7 @@
                           <a:solidFill>
                             <a:schemeClr val="tx1"/>
                           </a:solidFill>
-                          <a:latin typeface="Arial" panose="020B0604020202090204" pitchFamily="34" charset="0"/>
+                          <a:latin typeface="Arial" panose="020B0704020202020204" pitchFamily="34" charset="0"/>
                           <a:ea typeface="宋体" pitchFamily="2" charset="-122"/>
                         </a:defRPr>
                       </a:lvl8pPr>
@@ -15565,7 +15565,7 @@
                           <a:solidFill>
                             <a:schemeClr val="tx1"/>
                           </a:solidFill>
-                          <a:latin typeface="Arial" panose="020B0604020202090204" pitchFamily="34" charset="0"/>
+                          <a:latin typeface="Arial" panose="020B0704020202020204" pitchFamily="34" charset="0"/>
                           <a:ea typeface="宋体" pitchFamily="2" charset="-122"/>
                         </a:defRPr>
                       </a:lvl9pPr>
@@ -15682,7 +15682,7 @@
                           <a:solidFill>
                             <a:schemeClr val="tx1"/>
                           </a:solidFill>
-                          <a:latin typeface="Arial" panose="020B0604020202090204" pitchFamily="34" charset="0"/>
+                          <a:latin typeface="Arial" panose="020B0704020202020204" pitchFamily="34" charset="0"/>
                           <a:ea typeface="宋体" pitchFamily="2" charset="-122"/>
                         </a:defRPr>
                       </a:lvl1pPr>
@@ -15699,7 +15699,7 @@
                           <a:solidFill>
                             <a:schemeClr val="tx1"/>
                           </a:solidFill>
-                          <a:latin typeface="Arial" panose="020B0604020202090204" pitchFamily="34" charset="0"/>
+                          <a:latin typeface="Arial" panose="020B0704020202020204" pitchFamily="34" charset="0"/>
                           <a:ea typeface="宋体" pitchFamily="2" charset="-122"/>
                         </a:defRPr>
                       </a:lvl2pPr>
@@ -15715,7 +15715,7 @@
                           <a:solidFill>
                             <a:schemeClr val="tx1"/>
                           </a:solidFill>
-                          <a:latin typeface="Arial" panose="020B0604020202090204" pitchFamily="34" charset="0"/>
+                          <a:latin typeface="Arial" panose="020B0704020202020204" pitchFamily="34" charset="0"/>
                           <a:ea typeface="宋体" pitchFamily="2" charset="-122"/>
                         </a:defRPr>
                       </a:lvl3pPr>
@@ -15731,7 +15731,7 @@
                           <a:solidFill>
                             <a:schemeClr val="tx1"/>
                           </a:solidFill>
-                          <a:latin typeface="Arial" panose="020B0604020202090204" pitchFamily="34" charset="0"/>
+                          <a:latin typeface="Arial" panose="020B0704020202020204" pitchFamily="34" charset="0"/>
                           <a:ea typeface="宋体" pitchFamily="2" charset="-122"/>
                         </a:defRPr>
                       </a:lvl4pPr>
@@ -15747,7 +15747,7 @@
                           <a:solidFill>
                             <a:schemeClr val="tx1"/>
                           </a:solidFill>
-                          <a:latin typeface="Arial" panose="020B0604020202090204" pitchFamily="34" charset="0"/>
+                          <a:latin typeface="Arial" panose="020B0704020202020204" pitchFamily="34" charset="0"/>
                           <a:ea typeface="宋体" pitchFamily="2" charset="-122"/>
                         </a:defRPr>
                       </a:lvl5pPr>
@@ -15766,7 +15766,7 @@
                           <a:solidFill>
                             <a:schemeClr val="tx1"/>
                           </a:solidFill>
-                          <a:latin typeface="Arial" panose="020B0604020202090204" pitchFamily="34" charset="0"/>
+                          <a:latin typeface="Arial" panose="020B0704020202020204" pitchFamily="34" charset="0"/>
                           <a:ea typeface="宋体" pitchFamily="2" charset="-122"/>
                         </a:defRPr>
                       </a:lvl6pPr>
@@ -15785,7 +15785,7 @@
                           <a:solidFill>
                             <a:schemeClr val="tx1"/>
                           </a:solidFill>
-                          <a:latin typeface="Arial" panose="020B0604020202090204" pitchFamily="34" charset="0"/>
+                          <a:latin typeface="Arial" panose="020B0704020202020204" pitchFamily="34" charset="0"/>
                           <a:ea typeface="宋体" pitchFamily="2" charset="-122"/>
                         </a:defRPr>
                       </a:lvl7pPr>
@@ -15804,7 +15804,7 @@
                           <a:solidFill>
                             <a:schemeClr val="tx1"/>
                           </a:solidFill>
-                          <a:latin typeface="Arial" panose="020B0604020202090204" pitchFamily="34" charset="0"/>
+                          <a:latin typeface="Arial" panose="020B0704020202020204" pitchFamily="34" charset="0"/>
                           <a:ea typeface="宋体" pitchFamily="2" charset="-122"/>
                         </a:defRPr>
                       </a:lvl8pPr>
@@ -15823,7 +15823,7 @@
                           <a:solidFill>
                             <a:schemeClr val="tx1"/>
                           </a:solidFill>
-                          <a:latin typeface="Arial" panose="020B0604020202090204" pitchFamily="34" charset="0"/>
+                          <a:latin typeface="Arial" panose="020B0704020202020204" pitchFamily="34" charset="0"/>
                           <a:ea typeface="宋体" pitchFamily="2" charset="-122"/>
                         </a:defRPr>
                       </a:lvl9pPr>
@@ -15970,7 +15970,7 @@
                           <a:solidFill>
                             <a:schemeClr val="tx1"/>
                           </a:solidFill>
-                          <a:latin typeface="Arial" panose="020B0604020202090204" pitchFamily="34" charset="0"/>
+                          <a:latin typeface="Arial" panose="020B0704020202020204" pitchFamily="34" charset="0"/>
                           <a:ea typeface="宋体" pitchFamily="2" charset="-122"/>
                         </a:defRPr>
                       </a:lvl1pPr>
@@ -15987,7 +15987,7 @@
                           <a:solidFill>
                             <a:schemeClr val="tx1"/>
                           </a:solidFill>
-                          <a:latin typeface="Arial" panose="020B0604020202090204" pitchFamily="34" charset="0"/>
+                          <a:latin typeface="Arial" panose="020B0704020202020204" pitchFamily="34" charset="0"/>
                           <a:ea typeface="宋体" pitchFamily="2" charset="-122"/>
                         </a:defRPr>
                       </a:lvl2pPr>
@@ -16003,7 +16003,7 @@
                           <a:solidFill>
                             <a:schemeClr val="tx1"/>
                           </a:solidFill>
-                          <a:latin typeface="Arial" panose="020B0604020202090204" pitchFamily="34" charset="0"/>
+                          <a:latin typeface="Arial" panose="020B0704020202020204" pitchFamily="34" charset="0"/>
                           <a:ea typeface="宋体" pitchFamily="2" charset="-122"/>
                         </a:defRPr>
                       </a:lvl3pPr>
@@ -16019,7 +16019,7 @@
                           <a:solidFill>
                             <a:schemeClr val="tx1"/>
                           </a:solidFill>
-                          <a:latin typeface="Arial" panose="020B0604020202090204" pitchFamily="34" charset="0"/>
+                          <a:latin typeface="Arial" panose="020B0704020202020204" pitchFamily="34" charset="0"/>
                           <a:ea typeface="宋体" pitchFamily="2" charset="-122"/>
                         </a:defRPr>
                       </a:lvl4pPr>
@@ -16035,7 +16035,7 @@
                           <a:solidFill>
                             <a:schemeClr val="tx1"/>
                           </a:solidFill>
-                          <a:latin typeface="Arial" panose="020B0604020202090204" pitchFamily="34" charset="0"/>
+                          <a:latin typeface="Arial" panose="020B0704020202020204" pitchFamily="34" charset="0"/>
                           <a:ea typeface="宋体" pitchFamily="2" charset="-122"/>
                         </a:defRPr>
                       </a:lvl5pPr>
@@ -16054,7 +16054,7 @@
                           <a:solidFill>
                             <a:schemeClr val="tx1"/>
                           </a:solidFill>
-                          <a:latin typeface="Arial" panose="020B0604020202090204" pitchFamily="34" charset="0"/>
+                          <a:latin typeface="Arial" panose="020B0704020202020204" pitchFamily="34" charset="0"/>
                           <a:ea typeface="宋体" pitchFamily="2" charset="-122"/>
                         </a:defRPr>
                       </a:lvl6pPr>
@@ -16073,7 +16073,7 @@
                           <a:solidFill>
                             <a:schemeClr val="tx1"/>
                           </a:solidFill>
-                          <a:latin typeface="Arial" panose="020B0604020202090204" pitchFamily="34" charset="0"/>
+                          <a:latin typeface="Arial" panose="020B0704020202020204" pitchFamily="34" charset="0"/>
                           <a:ea typeface="宋体" pitchFamily="2" charset="-122"/>
                         </a:defRPr>
                       </a:lvl7pPr>
@@ -16092,7 +16092,7 @@
                           <a:solidFill>
                             <a:schemeClr val="tx1"/>
                           </a:solidFill>
-                          <a:latin typeface="Arial" panose="020B0604020202090204" pitchFamily="34" charset="0"/>
+                          <a:latin typeface="Arial" panose="020B0704020202020204" pitchFamily="34" charset="0"/>
                           <a:ea typeface="宋体" pitchFamily="2" charset="-122"/>
                         </a:defRPr>
                       </a:lvl8pPr>
@@ -16111,7 +16111,7 @@
                           <a:solidFill>
                             <a:schemeClr val="tx1"/>
                           </a:solidFill>
-                          <a:latin typeface="Arial" panose="020B0604020202090204" pitchFamily="34" charset="0"/>
+                          <a:latin typeface="Arial" panose="020B0704020202020204" pitchFamily="34" charset="0"/>
                           <a:ea typeface="宋体" pitchFamily="2" charset="-122"/>
                         </a:defRPr>
                       </a:lvl9pPr>
@@ -16288,7 +16288,7 @@
                           <a:solidFill>
                             <a:schemeClr val="tx1"/>
                           </a:solidFill>
-                          <a:latin typeface="Arial" panose="020B0604020202090204" pitchFamily="34" charset="0"/>
+                          <a:latin typeface="Arial" panose="020B0704020202020204" pitchFamily="34" charset="0"/>
                           <a:ea typeface="宋体" pitchFamily="2" charset="-122"/>
                         </a:defRPr>
                       </a:lvl1pPr>
@@ -16305,7 +16305,7 @@
                           <a:solidFill>
                             <a:schemeClr val="tx1"/>
                           </a:solidFill>
-                          <a:latin typeface="Arial" panose="020B0604020202090204" pitchFamily="34" charset="0"/>
+                          <a:latin typeface="Arial" panose="020B0704020202020204" pitchFamily="34" charset="0"/>
                           <a:ea typeface="宋体" pitchFamily="2" charset="-122"/>
                         </a:defRPr>
                       </a:lvl2pPr>
@@ -16321,7 +16321,7 @@
                           <a:solidFill>
                             <a:schemeClr val="tx1"/>
                           </a:solidFill>
-                          <a:latin typeface="Arial" panose="020B0604020202090204" pitchFamily="34" charset="0"/>
+                          <a:latin typeface="Arial" panose="020B0704020202020204" pitchFamily="34" charset="0"/>
                           <a:ea typeface="宋体" pitchFamily="2" charset="-122"/>
                         </a:defRPr>
                       </a:lvl3pPr>
@@ -16337,7 +16337,7 @@
                           <a:solidFill>
                             <a:schemeClr val="tx1"/>
                           </a:solidFill>
-                          <a:latin typeface="Arial" panose="020B0604020202090204" pitchFamily="34" charset="0"/>
+                          <a:latin typeface="Arial" panose="020B0704020202020204" pitchFamily="34" charset="0"/>
                           <a:ea typeface="宋体" pitchFamily="2" charset="-122"/>
                         </a:defRPr>
                       </a:lvl4pPr>
@@ -16353,7 +16353,7 @@
                           <a:solidFill>
                             <a:schemeClr val="tx1"/>
                           </a:solidFill>
-                          <a:latin typeface="Arial" panose="020B0604020202090204" pitchFamily="34" charset="0"/>
+                          <a:latin typeface="Arial" panose="020B0704020202020204" pitchFamily="34" charset="0"/>
                           <a:ea typeface="宋体" pitchFamily="2" charset="-122"/>
                         </a:defRPr>
                       </a:lvl5pPr>
@@ -16372,7 +16372,7 @@
                           <a:solidFill>
                             <a:schemeClr val="tx1"/>
                           </a:solidFill>
-                          <a:latin typeface="Arial" panose="020B0604020202090204" pitchFamily="34" charset="0"/>
+                          <a:latin typeface="Arial" panose="020B0704020202020204" pitchFamily="34" charset="0"/>
                           <a:ea typeface="宋体" pitchFamily="2" charset="-122"/>
                         </a:defRPr>
                       </a:lvl6pPr>
@@ -16391,7 +16391,7 @@
                           <a:solidFill>
                             <a:schemeClr val="tx1"/>
                           </a:solidFill>
-                          <a:latin typeface="Arial" panose="020B0604020202090204" pitchFamily="34" charset="0"/>
+                          <a:latin typeface="Arial" panose="020B0704020202020204" pitchFamily="34" charset="0"/>
                           <a:ea typeface="宋体" pitchFamily="2" charset="-122"/>
                         </a:defRPr>
                       </a:lvl7pPr>
@@ -16410,7 +16410,7 @@
                           <a:solidFill>
                             <a:schemeClr val="tx1"/>
                           </a:solidFill>
-                          <a:latin typeface="Arial" panose="020B0604020202090204" pitchFamily="34" charset="0"/>
+                          <a:latin typeface="Arial" panose="020B0704020202020204" pitchFamily="34" charset="0"/>
                           <a:ea typeface="宋体" pitchFamily="2" charset="-122"/>
                         </a:defRPr>
                       </a:lvl8pPr>
@@ -16429,7 +16429,7 @@
                           <a:solidFill>
                             <a:schemeClr val="tx1"/>
                           </a:solidFill>
-                          <a:latin typeface="Arial" panose="020B0604020202090204" pitchFamily="34" charset="0"/>
+                          <a:latin typeface="Arial" panose="020B0704020202020204" pitchFamily="34" charset="0"/>
                           <a:ea typeface="宋体" pitchFamily="2" charset="-122"/>
                         </a:defRPr>
                       </a:lvl9pPr>
@@ -16594,7 +16594,7 @@
                           <a:solidFill>
                             <a:schemeClr val="tx1"/>
                           </a:solidFill>
-                          <a:latin typeface="Arial" panose="020B0604020202090204" pitchFamily="34" charset="0"/>
+                          <a:latin typeface="Arial" panose="020B0704020202020204" pitchFamily="34" charset="0"/>
                           <a:ea typeface="宋体" pitchFamily="2" charset="-122"/>
                         </a:defRPr>
                       </a:lvl1pPr>
@@ -16611,7 +16611,7 @@
                           <a:solidFill>
                             <a:schemeClr val="tx1"/>
                           </a:solidFill>
-                          <a:latin typeface="Arial" panose="020B0604020202090204" pitchFamily="34" charset="0"/>
+                          <a:latin typeface="Arial" panose="020B0704020202020204" pitchFamily="34" charset="0"/>
                           <a:ea typeface="宋体" pitchFamily="2" charset="-122"/>
                         </a:defRPr>
                       </a:lvl2pPr>
@@ -16627,7 +16627,7 @@
                           <a:solidFill>
                             <a:schemeClr val="tx1"/>
                           </a:solidFill>
-                          <a:latin typeface="Arial" panose="020B0604020202090204" pitchFamily="34" charset="0"/>
+                          <a:latin typeface="Arial" panose="020B0704020202020204" pitchFamily="34" charset="0"/>
                           <a:ea typeface="宋体" pitchFamily="2" charset="-122"/>
                         </a:defRPr>
                       </a:lvl3pPr>
@@ -16643,7 +16643,7 @@
                           <a:solidFill>
                             <a:schemeClr val="tx1"/>
                           </a:solidFill>
-                          <a:latin typeface="Arial" panose="020B0604020202090204" pitchFamily="34" charset="0"/>
+                          <a:latin typeface="Arial" panose="020B0704020202020204" pitchFamily="34" charset="0"/>
                           <a:ea typeface="宋体" pitchFamily="2" charset="-122"/>
                         </a:defRPr>
                       </a:lvl4pPr>
@@ -16659,7 +16659,7 @@
                           <a:solidFill>
                             <a:schemeClr val="tx1"/>
                           </a:solidFill>
-                          <a:latin typeface="Arial" panose="020B0604020202090204" pitchFamily="34" charset="0"/>
+                          <a:latin typeface="Arial" panose="020B0704020202020204" pitchFamily="34" charset="0"/>
                           <a:ea typeface="宋体" pitchFamily="2" charset="-122"/>
                         </a:defRPr>
                       </a:lvl5pPr>
@@ -16678,7 +16678,7 @@
                           <a:solidFill>
                             <a:schemeClr val="tx1"/>
                           </a:solidFill>
-                          <a:latin typeface="Arial" panose="020B0604020202090204" pitchFamily="34" charset="0"/>
+                          <a:latin typeface="Arial" panose="020B0704020202020204" pitchFamily="34" charset="0"/>
                           <a:ea typeface="宋体" pitchFamily="2" charset="-122"/>
                         </a:defRPr>
                       </a:lvl6pPr>
@@ -16697,7 +16697,7 @@
                           <a:solidFill>
                             <a:schemeClr val="tx1"/>
                           </a:solidFill>
-                          <a:latin typeface="Arial" panose="020B0604020202090204" pitchFamily="34" charset="0"/>
+                          <a:latin typeface="Arial" panose="020B0704020202020204" pitchFamily="34" charset="0"/>
                           <a:ea typeface="宋体" pitchFamily="2" charset="-122"/>
                         </a:defRPr>
                       </a:lvl7pPr>
@@ -16716,7 +16716,7 @@
                           <a:solidFill>
                             <a:schemeClr val="tx1"/>
                           </a:solidFill>
-                          <a:latin typeface="Arial" panose="020B0604020202090204" pitchFamily="34" charset="0"/>
+                          <a:latin typeface="Arial" panose="020B0704020202020204" pitchFamily="34" charset="0"/>
                           <a:ea typeface="宋体" pitchFamily="2" charset="-122"/>
                         </a:defRPr>
                       </a:lvl8pPr>
@@ -16735,7 +16735,7 @@
                           <a:solidFill>
                             <a:schemeClr val="tx1"/>
                           </a:solidFill>
-                          <a:latin typeface="Arial" panose="020B0604020202090204" pitchFamily="34" charset="0"/>
+                          <a:latin typeface="Arial" panose="020B0704020202020204" pitchFamily="34" charset="0"/>
                           <a:ea typeface="宋体" pitchFamily="2" charset="-122"/>
                         </a:defRPr>
                       </a:lvl9pPr>
@@ -16852,7 +16852,7 @@
                           <a:solidFill>
                             <a:schemeClr val="tx1"/>
                           </a:solidFill>
-                          <a:latin typeface="Arial" panose="020B0604020202090204" pitchFamily="34" charset="0"/>
+                          <a:latin typeface="Arial" panose="020B0704020202020204" pitchFamily="34" charset="0"/>
                           <a:ea typeface="宋体" pitchFamily="2" charset="-122"/>
                         </a:defRPr>
                       </a:lvl1pPr>
@@ -16869,7 +16869,7 @@
                           <a:solidFill>
                             <a:schemeClr val="tx1"/>
                           </a:solidFill>
-                          <a:latin typeface="Arial" panose="020B0604020202090204" pitchFamily="34" charset="0"/>
+                          <a:latin typeface="Arial" panose="020B0704020202020204" pitchFamily="34" charset="0"/>
                           <a:ea typeface="宋体" pitchFamily="2" charset="-122"/>
                         </a:defRPr>
                       </a:lvl2pPr>
@@ -16885,7 +16885,7 @@
                           <a:solidFill>
                             <a:schemeClr val="tx1"/>
                           </a:solidFill>
-                          <a:latin typeface="Arial" panose="020B0604020202090204" pitchFamily="34" charset="0"/>
+                          <a:latin typeface="Arial" panose="020B0704020202020204" pitchFamily="34" charset="0"/>
                           <a:ea typeface="宋体" pitchFamily="2" charset="-122"/>
                         </a:defRPr>
                       </a:lvl3pPr>
@@ -16901,7 +16901,7 @@
                           <a:solidFill>
                             <a:schemeClr val="tx1"/>
                           </a:solidFill>
-                          <a:latin typeface="Arial" panose="020B0604020202090204" pitchFamily="34" charset="0"/>
+                          <a:latin typeface="Arial" panose="020B0704020202020204" pitchFamily="34" charset="0"/>
                           <a:ea typeface="宋体" pitchFamily="2" charset="-122"/>
                         </a:defRPr>
                       </a:lvl4pPr>
@@ -16917,7 +16917,7 @@
                           <a:solidFill>
                             <a:schemeClr val="tx1"/>
                           </a:solidFill>
-                          <a:latin typeface="Arial" panose="020B0604020202090204" pitchFamily="34" charset="0"/>
+                          <a:latin typeface="Arial" panose="020B0704020202020204" pitchFamily="34" charset="0"/>
                           <a:ea typeface="宋体" pitchFamily="2" charset="-122"/>
                         </a:defRPr>
                       </a:lvl5pPr>
@@ -16936,7 +16936,7 @@
                           <a:solidFill>
                             <a:schemeClr val="tx1"/>
                           </a:solidFill>
-                          <a:latin typeface="Arial" panose="020B0604020202090204" pitchFamily="34" charset="0"/>
+                          <a:latin typeface="Arial" panose="020B0704020202020204" pitchFamily="34" charset="0"/>
                           <a:ea typeface="宋体" pitchFamily="2" charset="-122"/>
                         </a:defRPr>
                       </a:lvl6pPr>
@@ -16955,7 +16955,7 @@
                           <a:solidFill>
                             <a:schemeClr val="tx1"/>
                           </a:solidFill>
-                          <a:latin typeface="Arial" panose="020B0604020202090204" pitchFamily="34" charset="0"/>
+                          <a:latin typeface="Arial" panose="020B0704020202020204" pitchFamily="34" charset="0"/>
                           <a:ea typeface="宋体" pitchFamily="2" charset="-122"/>
                         </a:defRPr>
                       </a:lvl7pPr>
@@ -16974,7 +16974,7 @@
                           <a:solidFill>
                             <a:schemeClr val="tx1"/>
                           </a:solidFill>
-                          <a:latin typeface="Arial" panose="020B0604020202090204" pitchFamily="34" charset="0"/>
+                          <a:latin typeface="Arial" panose="020B0704020202020204" pitchFamily="34" charset="0"/>
                           <a:ea typeface="宋体" pitchFamily="2" charset="-122"/>
                         </a:defRPr>
                       </a:lvl8pPr>
@@ -16993,7 +16993,7 @@
                           <a:solidFill>
                             <a:schemeClr val="tx1"/>
                           </a:solidFill>
-                          <a:latin typeface="Arial" panose="020B0604020202090204" pitchFamily="34" charset="0"/>
+                          <a:latin typeface="Arial" panose="020B0704020202020204" pitchFamily="34" charset="0"/>
                           <a:ea typeface="宋体" pitchFamily="2" charset="-122"/>
                         </a:defRPr>
                       </a:lvl9pPr>
@@ -17110,7 +17110,7 @@
                           <a:solidFill>
                             <a:schemeClr val="tx1"/>
                           </a:solidFill>
-                          <a:latin typeface="Arial" panose="020B0604020202090204" pitchFamily="34" charset="0"/>
+                          <a:latin typeface="Arial" panose="020B0704020202020204" pitchFamily="34" charset="0"/>
                           <a:ea typeface="宋体" pitchFamily="2" charset="-122"/>
                         </a:defRPr>
                       </a:lvl1pPr>
@@ -17127,7 +17127,7 @@
                           <a:solidFill>
                             <a:schemeClr val="tx1"/>
                           </a:solidFill>
-                          <a:latin typeface="Arial" panose="020B0604020202090204" pitchFamily="34" charset="0"/>
+                          <a:latin typeface="Arial" panose="020B0704020202020204" pitchFamily="34" charset="0"/>
                           <a:ea typeface="宋体" pitchFamily="2" charset="-122"/>
                         </a:defRPr>
                       </a:lvl2pPr>
@@ -17143,7 +17143,7 @@
                           <a:solidFill>
                             <a:schemeClr val="tx1"/>
                           </a:solidFill>
-                          <a:latin typeface="Arial" panose="020B0604020202090204" pitchFamily="34" charset="0"/>
+                          <a:latin typeface="Arial" panose="020B0704020202020204" pitchFamily="34" charset="0"/>
                           <a:ea typeface="宋体" pitchFamily="2" charset="-122"/>
                         </a:defRPr>
                       </a:lvl3pPr>
@@ -17159,7 +17159,7 @@
                           <a:solidFill>
                             <a:schemeClr val="tx1"/>
                           </a:solidFill>
-                          <a:latin typeface="Arial" panose="020B0604020202090204" pitchFamily="34" charset="0"/>
+                          <a:latin typeface="Arial" panose="020B0704020202020204" pitchFamily="34" charset="0"/>
                           <a:ea typeface="宋体" pitchFamily="2" charset="-122"/>
                         </a:defRPr>
                       </a:lvl4pPr>
@@ -17175,7 +17175,7 @@
                           <a:solidFill>
                             <a:schemeClr val="tx1"/>
                           </a:solidFill>
-                          <a:latin typeface="Arial" panose="020B0604020202090204" pitchFamily="34" charset="0"/>
+                          <a:latin typeface="Arial" panose="020B0704020202020204" pitchFamily="34" charset="0"/>
                           <a:ea typeface="宋体" pitchFamily="2" charset="-122"/>
                         </a:defRPr>
                       </a:lvl5pPr>
@@ -17194,7 +17194,7 @@
                           <a:solidFill>
                             <a:schemeClr val="tx1"/>
                           </a:solidFill>
-                          <a:latin typeface="Arial" panose="020B0604020202090204" pitchFamily="34" charset="0"/>
+                          <a:latin typeface="Arial" panose="020B0704020202020204" pitchFamily="34" charset="0"/>
                           <a:ea typeface="宋体" pitchFamily="2" charset="-122"/>
                         </a:defRPr>
                       </a:lvl6pPr>
@@ -17213,7 +17213,7 @@
                           <a:solidFill>
                             <a:schemeClr val="tx1"/>
                           </a:solidFill>
-                          <a:latin typeface="Arial" panose="020B0604020202090204" pitchFamily="34" charset="0"/>
+                          <a:latin typeface="Arial" panose="020B0704020202020204" pitchFamily="34" charset="0"/>
                           <a:ea typeface="宋体" pitchFamily="2" charset="-122"/>
                         </a:defRPr>
                       </a:lvl7pPr>
@@ -17232,7 +17232,7 @@
                           <a:solidFill>
                             <a:schemeClr val="tx1"/>
                           </a:solidFill>
-                          <a:latin typeface="Arial" panose="020B0604020202090204" pitchFamily="34" charset="0"/>
+                          <a:latin typeface="Arial" panose="020B0704020202020204" pitchFamily="34" charset="0"/>
                           <a:ea typeface="宋体" pitchFamily="2" charset="-122"/>
                         </a:defRPr>
                       </a:lvl8pPr>
@@ -17251,7 +17251,7 @@
                           <a:solidFill>
                             <a:schemeClr val="tx1"/>
                           </a:solidFill>
-                          <a:latin typeface="Arial" panose="020B0604020202090204" pitchFamily="34" charset="0"/>
+                          <a:latin typeface="Arial" panose="020B0704020202020204" pitchFamily="34" charset="0"/>
                           <a:ea typeface="宋体" pitchFamily="2" charset="-122"/>
                         </a:defRPr>
                       </a:lvl9pPr>
@@ -17428,7 +17428,7 @@
                           <a:solidFill>
                             <a:schemeClr val="tx1"/>
                           </a:solidFill>
-                          <a:latin typeface="Arial" panose="020B0604020202090204" pitchFamily="34" charset="0"/>
+                          <a:latin typeface="Arial" panose="020B0704020202020204" pitchFamily="34" charset="0"/>
                           <a:ea typeface="宋体" pitchFamily="2" charset="-122"/>
                         </a:defRPr>
                       </a:lvl1pPr>
@@ -17445,7 +17445,7 @@
                           <a:solidFill>
                             <a:schemeClr val="tx1"/>
                           </a:solidFill>
-                          <a:latin typeface="Arial" panose="020B0604020202090204" pitchFamily="34" charset="0"/>
+                          <a:latin typeface="Arial" panose="020B0704020202020204" pitchFamily="34" charset="0"/>
                           <a:ea typeface="宋体" pitchFamily="2" charset="-122"/>
                         </a:defRPr>
                       </a:lvl2pPr>
@@ -17461,7 +17461,7 @@
                           <a:solidFill>
                             <a:schemeClr val="tx1"/>
                           </a:solidFill>
-                          <a:latin typeface="Arial" panose="020B0604020202090204" pitchFamily="34" charset="0"/>
+                          <a:latin typeface="Arial" panose="020B0704020202020204" pitchFamily="34" charset="0"/>
                           <a:ea typeface="宋体" pitchFamily="2" charset="-122"/>
                         </a:defRPr>
                       </a:lvl3pPr>
@@ -17477,7 +17477,7 @@
                           <a:solidFill>
                             <a:schemeClr val="tx1"/>
                           </a:solidFill>
-                          <a:latin typeface="Arial" panose="020B0604020202090204" pitchFamily="34" charset="0"/>
+                          <a:latin typeface="Arial" panose="020B0704020202020204" pitchFamily="34" charset="0"/>
                           <a:ea typeface="宋体" pitchFamily="2" charset="-122"/>
                         </a:defRPr>
                       </a:lvl4pPr>
@@ -17493,7 +17493,7 @@
                           <a:solidFill>
                             <a:schemeClr val="tx1"/>
                           </a:solidFill>
-                          <a:latin typeface="Arial" panose="020B0604020202090204" pitchFamily="34" charset="0"/>
+                          <a:latin typeface="Arial" panose="020B0704020202020204" pitchFamily="34" charset="0"/>
                           <a:ea typeface="宋体" pitchFamily="2" charset="-122"/>
                         </a:defRPr>
                       </a:lvl5pPr>
@@ -17512,7 +17512,7 @@
                           <a:solidFill>
                             <a:schemeClr val="tx1"/>
                           </a:solidFill>
-                          <a:latin typeface="Arial" panose="020B0604020202090204" pitchFamily="34" charset="0"/>
+                          <a:latin typeface="Arial" panose="020B0704020202020204" pitchFamily="34" charset="0"/>
                           <a:ea typeface="宋体" pitchFamily="2" charset="-122"/>
                         </a:defRPr>
                       </a:lvl6pPr>
@@ -17531,7 +17531,7 @@
                           <a:solidFill>
                             <a:schemeClr val="tx1"/>
                           </a:solidFill>
-                          <a:latin typeface="Arial" panose="020B0604020202090204" pitchFamily="34" charset="0"/>
+                          <a:latin typeface="Arial" panose="020B0704020202020204" pitchFamily="34" charset="0"/>
                           <a:ea typeface="宋体" pitchFamily="2" charset="-122"/>
                         </a:defRPr>
                       </a:lvl7pPr>
@@ -17550,7 +17550,7 @@
                           <a:solidFill>
                             <a:schemeClr val="tx1"/>
                           </a:solidFill>
-                          <a:latin typeface="Arial" panose="020B0604020202090204" pitchFamily="34" charset="0"/>
+                          <a:latin typeface="Arial" panose="020B0704020202020204" pitchFamily="34" charset="0"/>
                           <a:ea typeface="宋体" pitchFamily="2" charset="-122"/>
                         </a:defRPr>
                       </a:lvl8pPr>
@@ -17569,7 +17569,7 @@
                           <a:solidFill>
                             <a:schemeClr val="tx1"/>
                           </a:solidFill>
-                          <a:latin typeface="Arial" panose="020B0604020202090204" pitchFamily="34" charset="0"/>
+                          <a:latin typeface="Arial" panose="020B0704020202020204" pitchFamily="34" charset="0"/>
                           <a:ea typeface="宋体" pitchFamily="2" charset="-122"/>
                         </a:defRPr>
                       </a:lvl9pPr>
@@ -17601,7 +17601,7 @@
                             <a:srgbClr val="002060"/>
                           </a:solidFill>
                           <a:effectLst/>
-                          <a:latin typeface="Arial" panose="020B0604020202090204" pitchFamily="34" charset="0"/>
+                          <a:latin typeface="Arial" panose="020B0704020202020204" pitchFamily="34" charset="0"/>
                           <a:ea typeface="宋体" pitchFamily="2" charset="-122"/>
                         </a:rPr>
                         <a:t>rand()</a:t>
@@ -17614,7 +17614,7 @@
                           <a:srgbClr val="002060"/>
                         </a:solidFill>
                         <a:effectLst/>
-                        <a:latin typeface="Arial" panose="020B0604020202090204" pitchFamily="34" charset="0"/>
+                        <a:latin typeface="Arial" panose="020B0704020202020204" pitchFamily="34" charset="0"/>
                         <a:ea typeface="宋体" pitchFamily="2" charset="-122"/>
                       </a:endParaRPr>
                     </a:p>
@@ -17686,7 +17686,7 @@
                           <a:solidFill>
                             <a:schemeClr val="tx1"/>
                           </a:solidFill>
-                          <a:latin typeface="Arial" panose="020B0604020202090204" pitchFamily="34" charset="0"/>
+                          <a:latin typeface="Arial" panose="020B0704020202020204" pitchFamily="34" charset="0"/>
                           <a:ea typeface="宋体" pitchFamily="2" charset="-122"/>
                         </a:defRPr>
                       </a:lvl1pPr>
@@ -17703,7 +17703,7 @@
                           <a:solidFill>
                             <a:schemeClr val="tx1"/>
                           </a:solidFill>
-                          <a:latin typeface="Arial" panose="020B0604020202090204" pitchFamily="34" charset="0"/>
+                          <a:latin typeface="Arial" panose="020B0704020202020204" pitchFamily="34" charset="0"/>
                           <a:ea typeface="宋体" pitchFamily="2" charset="-122"/>
                         </a:defRPr>
                       </a:lvl2pPr>
@@ -17719,7 +17719,7 @@
                           <a:solidFill>
                             <a:schemeClr val="tx1"/>
                           </a:solidFill>
-                          <a:latin typeface="Arial" panose="020B0604020202090204" pitchFamily="34" charset="0"/>
+                          <a:latin typeface="Arial" panose="020B0704020202020204" pitchFamily="34" charset="0"/>
                           <a:ea typeface="宋体" pitchFamily="2" charset="-122"/>
                         </a:defRPr>
                       </a:lvl3pPr>
@@ -17735,7 +17735,7 @@
                           <a:solidFill>
                             <a:schemeClr val="tx1"/>
                           </a:solidFill>
-                          <a:latin typeface="Arial" panose="020B0604020202090204" pitchFamily="34" charset="0"/>
+                          <a:latin typeface="Arial" panose="020B0704020202020204" pitchFamily="34" charset="0"/>
                           <a:ea typeface="宋体" pitchFamily="2" charset="-122"/>
                         </a:defRPr>
                       </a:lvl4pPr>
@@ -17751,7 +17751,7 @@
                           <a:solidFill>
                             <a:schemeClr val="tx1"/>
                           </a:solidFill>
-                          <a:latin typeface="Arial" panose="020B0604020202090204" pitchFamily="34" charset="0"/>
+                          <a:latin typeface="Arial" panose="020B0704020202020204" pitchFamily="34" charset="0"/>
                           <a:ea typeface="宋体" pitchFamily="2" charset="-122"/>
                         </a:defRPr>
                       </a:lvl5pPr>
@@ -17770,7 +17770,7 @@
                           <a:solidFill>
                             <a:schemeClr val="tx1"/>
                           </a:solidFill>
-                          <a:latin typeface="Arial" panose="020B0604020202090204" pitchFamily="34" charset="0"/>
+                          <a:latin typeface="Arial" panose="020B0704020202020204" pitchFamily="34" charset="0"/>
                           <a:ea typeface="宋体" pitchFamily="2" charset="-122"/>
                         </a:defRPr>
                       </a:lvl6pPr>
@@ -17789,7 +17789,7 @@
                           <a:solidFill>
                             <a:schemeClr val="tx1"/>
                           </a:solidFill>
-                          <a:latin typeface="Arial" panose="020B0604020202090204" pitchFamily="34" charset="0"/>
+                          <a:latin typeface="Arial" panose="020B0704020202020204" pitchFamily="34" charset="0"/>
                           <a:ea typeface="宋体" pitchFamily="2" charset="-122"/>
                         </a:defRPr>
                       </a:lvl7pPr>
@@ -17808,7 +17808,7 @@
                           <a:solidFill>
                             <a:schemeClr val="tx1"/>
                           </a:solidFill>
-                          <a:latin typeface="Arial" panose="020B0604020202090204" pitchFamily="34" charset="0"/>
+                          <a:latin typeface="Arial" panose="020B0704020202020204" pitchFamily="34" charset="0"/>
                           <a:ea typeface="宋体" pitchFamily="2" charset="-122"/>
                         </a:defRPr>
                       </a:lvl8pPr>
@@ -17827,7 +17827,7 @@
                           <a:solidFill>
                             <a:schemeClr val="tx1"/>
                           </a:solidFill>
-                          <a:latin typeface="Arial" panose="020B0604020202090204" pitchFamily="34" charset="0"/>
+                          <a:latin typeface="Arial" panose="020B0704020202020204" pitchFamily="34" charset="0"/>
                           <a:ea typeface="宋体" pitchFamily="2" charset="-122"/>
                         </a:defRPr>
                       </a:lvl9pPr>
@@ -17944,7 +17944,7 @@
                           <a:solidFill>
                             <a:schemeClr val="tx1"/>
                           </a:solidFill>
-                          <a:latin typeface="Arial" panose="020B0604020202090204" pitchFamily="34" charset="0"/>
+                          <a:latin typeface="Arial" panose="020B0704020202020204" pitchFamily="34" charset="0"/>
                           <a:ea typeface="宋体" pitchFamily="2" charset="-122"/>
                         </a:defRPr>
                       </a:lvl1pPr>
@@ -17961,7 +17961,7 @@
                           <a:solidFill>
                             <a:schemeClr val="tx1"/>
                           </a:solidFill>
-                          <a:latin typeface="Arial" panose="020B0604020202090204" pitchFamily="34" charset="0"/>
+                          <a:latin typeface="Arial" panose="020B0704020202020204" pitchFamily="34" charset="0"/>
                           <a:ea typeface="宋体" pitchFamily="2" charset="-122"/>
                         </a:defRPr>
                       </a:lvl2pPr>
@@ -17977,7 +17977,7 @@
                           <a:solidFill>
                             <a:schemeClr val="tx1"/>
                           </a:solidFill>
-                          <a:latin typeface="Arial" panose="020B0604020202090204" pitchFamily="34" charset="0"/>
+                          <a:latin typeface="Arial" panose="020B0704020202020204" pitchFamily="34" charset="0"/>
                           <a:ea typeface="宋体" pitchFamily="2" charset="-122"/>
                         </a:defRPr>
                       </a:lvl3pPr>
@@ -17993,7 +17993,7 @@
                           <a:solidFill>
                             <a:schemeClr val="tx1"/>
                           </a:solidFill>
-                          <a:latin typeface="Arial" panose="020B0604020202090204" pitchFamily="34" charset="0"/>
+                          <a:latin typeface="Arial" panose="020B0704020202020204" pitchFamily="34" charset="0"/>
                           <a:ea typeface="宋体" pitchFamily="2" charset="-122"/>
                         </a:defRPr>
                       </a:lvl4pPr>
@@ -18009,7 +18009,7 @@
                           <a:solidFill>
                             <a:schemeClr val="tx1"/>
                           </a:solidFill>
-                          <a:latin typeface="Arial" panose="020B0604020202090204" pitchFamily="34" charset="0"/>
+                          <a:latin typeface="Arial" panose="020B0704020202020204" pitchFamily="34" charset="0"/>
                           <a:ea typeface="宋体" pitchFamily="2" charset="-122"/>
                         </a:defRPr>
                       </a:lvl5pPr>
@@ -18028,7 +18028,7 @@
                           <a:solidFill>
                             <a:schemeClr val="tx1"/>
                           </a:solidFill>
-                          <a:latin typeface="Arial" panose="020B0604020202090204" pitchFamily="34" charset="0"/>
+                          <a:latin typeface="Arial" panose="020B0704020202020204" pitchFamily="34" charset="0"/>
                           <a:ea typeface="宋体" pitchFamily="2" charset="-122"/>
                         </a:defRPr>
                       </a:lvl6pPr>
@@ -18047,7 +18047,7 @@
                           <a:solidFill>
                             <a:schemeClr val="tx1"/>
                           </a:solidFill>
-                          <a:latin typeface="Arial" panose="020B0604020202090204" pitchFamily="34" charset="0"/>
+                          <a:latin typeface="Arial" panose="020B0704020202020204" pitchFamily="34" charset="0"/>
                           <a:ea typeface="宋体" pitchFamily="2" charset="-122"/>
                         </a:defRPr>
                       </a:lvl7pPr>
@@ -18066,7 +18066,7 @@
                           <a:solidFill>
                             <a:schemeClr val="tx1"/>
                           </a:solidFill>
-                          <a:latin typeface="Arial" panose="020B0604020202090204" pitchFamily="34" charset="0"/>
+                          <a:latin typeface="Arial" panose="020B0704020202020204" pitchFamily="34" charset="0"/>
                           <a:ea typeface="宋体" pitchFamily="2" charset="-122"/>
                         </a:defRPr>
                       </a:lvl8pPr>
@@ -18085,7 +18085,7 @@
                           <a:solidFill>
                             <a:schemeClr val="tx1"/>
                           </a:solidFill>
-                          <a:latin typeface="Arial" panose="020B0604020202090204" pitchFamily="34" charset="0"/>
+                          <a:latin typeface="Arial" panose="020B0704020202020204" pitchFamily="34" charset="0"/>
                           <a:ea typeface="宋体" pitchFamily="2" charset="-122"/>
                         </a:defRPr>
                       </a:lvl9pPr>
@@ -18217,7 +18217,7 @@
                           <a:solidFill>
                             <a:schemeClr val="tx1"/>
                           </a:solidFill>
-                          <a:latin typeface="Arial" panose="020B0604020202090204" pitchFamily="34" charset="0"/>
+                          <a:latin typeface="Arial" panose="020B0704020202020204" pitchFamily="34" charset="0"/>
                           <a:ea typeface="宋体" pitchFamily="2" charset="-122"/>
                         </a:defRPr>
                       </a:lvl1pPr>
@@ -18234,7 +18234,7 @@
                           <a:solidFill>
                             <a:schemeClr val="tx1"/>
                           </a:solidFill>
-                          <a:latin typeface="Arial" panose="020B0604020202090204" pitchFamily="34" charset="0"/>
+                          <a:latin typeface="Arial" panose="020B0704020202020204" pitchFamily="34" charset="0"/>
                           <a:ea typeface="宋体" pitchFamily="2" charset="-122"/>
                         </a:defRPr>
                       </a:lvl2pPr>
@@ -18250,7 +18250,7 @@
                           <a:solidFill>
                             <a:schemeClr val="tx1"/>
                           </a:solidFill>
-                          <a:latin typeface="Arial" panose="020B0604020202090204" pitchFamily="34" charset="0"/>
+                          <a:latin typeface="Arial" panose="020B0704020202020204" pitchFamily="34" charset="0"/>
                           <a:ea typeface="宋体" pitchFamily="2" charset="-122"/>
                         </a:defRPr>
                       </a:lvl3pPr>
@@ -18266,7 +18266,7 @@
                           <a:solidFill>
                             <a:schemeClr val="tx1"/>
                           </a:solidFill>
-                          <a:latin typeface="Arial" panose="020B0604020202090204" pitchFamily="34" charset="0"/>
+                          <a:latin typeface="Arial" panose="020B0704020202020204" pitchFamily="34" charset="0"/>
                           <a:ea typeface="宋体" pitchFamily="2" charset="-122"/>
                         </a:defRPr>
                       </a:lvl4pPr>
@@ -18282,7 +18282,7 @@
                           <a:solidFill>
                             <a:schemeClr val="tx1"/>
                           </a:solidFill>
-                          <a:latin typeface="Arial" panose="020B0604020202090204" pitchFamily="34" charset="0"/>
+                          <a:latin typeface="Arial" panose="020B0704020202020204" pitchFamily="34" charset="0"/>
                           <a:ea typeface="宋体" pitchFamily="2" charset="-122"/>
                         </a:defRPr>
                       </a:lvl5pPr>
@@ -18301,7 +18301,7 @@
                           <a:solidFill>
                             <a:schemeClr val="tx1"/>
                           </a:solidFill>
-                          <a:latin typeface="Arial" panose="020B0604020202090204" pitchFamily="34" charset="0"/>
+                          <a:latin typeface="Arial" panose="020B0704020202020204" pitchFamily="34" charset="0"/>
                           <a:ea typeface="宋体" pitchFamily="2" charset="-122"/>
                         </a:defRPr>
                       </a:lvl6pPr>
@@ -18320,7 +18320,7 @@
                           <a:solidFill>
                             <a:schemeClr val="tx1"/>
                           </a:solidFill>
-                          <a:latin typeface="Arial" panose="020B0604020202090204" pitchFamily="34" charset="0"/>
+                          <a:latin typeface="Arial" panose="020B0704020202020204" pitchFamily="34" charset="0"/>
                           <a:ea typeface="宋体" pitchFamily="2" charset="-122"/>
                         </a:defRPr>
                       </a:lvl7pPr>
@@ -18339,7 +18339,7 @@
                           <a:solidFill>
                             <a:schemeClr val="tx1"/>
                           </a:solidFill>
-                          <a:latin typeface="Arial" panose="020B0604020202090204" pitchFamily="34" charset="0"/>
+                          <a:latin typeface="Arial" panose="020B0704020202020204" pitchFamily="34" charset="0"/>
                           <a:ea typeface="宋体" pitchFamily="2" charset="-122"/>
                         </a:defRPr>
                       </a:lvl8pPr>
@@ -18358,7 +18358,7 @@
                           <a:solidFill>
                             <a:schemeClr val="tx1"/>
                           </a:solidFill>
-                          <a:latin typeface="Arial" panose="020B0604020202090204" pitchFamily="34" charset="0"/>
+                          <a:latin typeface="Arial" panose="020B0704020202020204" pitchFamily="34" charset="0"/>
                           <a:ea typeface="宋体" pitchFamily="2" charset="-122"/>
                         </a:defRPr>
                       </a:lvl9pPr>
@@ -18505,7 +18505,7 @@
                           <a:solidFill>
                             <a:schemeClr val="tx1"/>
                           </a:solidFill>
-                          <a:latin typeface="Arial" panose="020B0604020202090204" pitchFamily="34" charset="0"/>
+                          <a:latin typeface="Arial" panose="020B0704020202020204" pitchFamily="34" charset="0"/>
                           <a:ea typeface="宋体" pitchFamily="2" charset="-122"/>
                         </a:defRPr>
                       </a:lvl1pPr>
@@ -18522,7 +18522,7 @@
                           <a:solidFill>
                             <a:schemeClr val="tx1"/>
                           </a:solidFill>
-                          <a:latin typeface="Arial" panose="020B0604020202090204" pitchFamily="34" charset="0"/>
+                          <a:latin typeface="Arial" panose="020B0704020202020204" pitchFamily="34" charset="0"/>
                           <a:ea typeface="宋体" pitchFamily="2" charset="-122"/>
                         </a:defRPr>
                       </a:lvl2pPr>
@@ -18538,7 +18538,7 @@
                           <a:solidFill>
                             <a:schemeClr val="tx1"/>
                           </a:solidFill>
-                          <a:latin typeface="Arial" panose="020B0604020202090204" pitchFamily="34" charset="0"/>
+                          <a:latin typeface="Arial" panose="020B0704020202020204" pitchFamily="34" charset="0"/>
                           <a:ea typeface="宋体" pitchFamily="2" charset="-122"/>
                         </a:defRPr>
                       </a:lvl3pPr>
@@ -18554,7 +18554,7 @@
                           <a:solidFill>
                             <a:schemeClr val="tx1"/>
                           </a:solidFill>
-                          <a:latin typeface="Arial" panose="020B0604020202090204" pitchFamily="34" charset="0"/>
+                          <a:latin typeface="Arial" panose="020B0704020202020204" pitchFamily="34" charset="0"/>
                           <a:ea typeface="宋体" pitchFamily="2" charset="-122"/>
                         </a:defRPr>
                       </a:lvl4pPr>
@@ -18570,7 +18570,7 @@
                           <a:solidFill>
                             <a:schemeClr val="tx1"/>
                           </a:solidFill>
-                          <a:latin typeface="Arial" panose="020B0604020202090204" pitchFamily="34" charset="0"/>
+                          <a:latin typeface="Arial" panose="020B0704020202020204" pitchFamily="34" charset="0"/>
                           <a:ea typeface="宋体" pitchFamily="2" charset="-122"/>
                         </a:defRPr>
                       </a:lvl5pPr>
@@ -18589,7 +18589,7 @@
                           <a:solidFill>
                             <a:schemeClr val="tx1"/>
                           </a:solidFill>
-                          <a:latin typeface="Arial" panose="020B0604020202090204" pitchFamily="34" charset="0"/>
+                          <a:latin typeface="Arial" panose="020B0704020202020204" pitchFamily="34" charset="0"/>
                           <a:ea typeface="宋体" pitchFamily="2" charset="-122"/>
                         </a:defRPr>
                       </a:lvl6pPr>
@@ -18608,7 +18608,7 @@
                           <a:solidFill>
                             <a:schemeClr val="tx1"/>
                           </a:solidFill>
-                          <a:latin typeface="Arial" panose="020B0604020202090204" pitchFamily="34" charset="0"/>
+                          <a:latin typeface="Arial" panose="020B0704020202020204" pitchFamily="34" charset="0"/>
                           <a:ea typeface="宋体" pitchFamily="2" charset="-122"/>
                         </a:defRPr>
                       </a:lvl7pPr>
@@ -18627,7 +18627,7 @@
                           <a:solidFill>
                             <a:schemeClr val="tx1"/>
                           </a:solidFill>
-                          <a:latin typeface="Arial" panose="020B0604020202090204" pitchFamily="34" charset="0"/>
+                          <a:latin typeface="Arial" panose="020B0704020202020204" pitchFamily="34" charset="0"/>
                           <a:ea typeface="宋体" pitchFamily="2" charset="-122"/>
                         </a:defRPr>
                       </a:lvl8pPr>
@@ -18646,7 +18646,7 @@
                           <a:solidFill>
                             <a:schemeClr val="tx1"/>
                           </a:solidFill>
-                          <a:latin typeface="Arial" panose="020B0604020202090204" pitchFamily="34" charset="0"/>
+                          <a:latin typeface="Arial" panose="020B0704020202020204" pitchFamily="34" charset="0"/>
                           <a:ea typeface="宋体" pitchFamily="2" charset="-122"/>
                         </a:defRPr>
                       </a:lvl9pPr>
@@ -22083,7 +22083,7 @@
                   <a:srgbClr val="FF0000"/>
                 </a:solidFill>
               </a:rPr>
-              <a:t>A</a:t>
+              <a:t>B</a:t>
             </a:r>
             <a:endParaRPr lang="en-US" altLang="zh-CN" sz="3200" b="1">
               <a:solidFill>
@@ -22924,7 +22924,7 @@
                 <a:solidFill>
                   <a:schemeClr val="tx1"/>
                 </a:solidFill>
-                <a:latin typeface="Arial" panose="020B0604020202090204" pitchFamily="34" charset="0"/>
+                <a:latin typeface="Arial" panose="020B0704020202020204" pitchFamily="34" charset="0"/>
                 <a:ea typeface="宋体" pitchFamily="2" charset="-122"/>
               </a:defRPr>
             </a:lvl1pPr>
@@ -22942,7 +22942,7 @@
                 <a:solidFill>
                   <a:schemeClr val="tx1"/>
                 </a:solidFill>
-                <a:latin typeface="Arial" panose="020B0604020202090204" pitchFamily="34" charset="0"/>
+                <a:latin typeface="Arial" panose="020B0704020202020204" pitchFamily="34" charset="0"/>
                 <a:ea typeface="宋体" pitchFamily="2" charset="-122"/>
               </a:defRPr>
             </a:lvl2pPr>
@@ -22959,7 +22959,7 @@
                 <a:solidFill>
                   <a:schemeClr val="tx1"/>
                 </a:solidFill>
-                <a:latin typeface="Arial" panose="020B0604020202090204" pitchFamily="34" charset="0"/>
+                <a:latin typeface="Arial" panose="020B0704020202020204" pitchFamily="34" charset="0"/>
                 <a:ea typeface="宋体" pitchFamily="2" charset="-122"/>
               </a:defRPr>
             </a:lvl3pPr>
@@ -22976,7 +22976,7 @@
                 <a:solidFill>
                   <a:schemeClr val="tx1"/>
                 </a:solidFill>
-                <a:latin typeface="Arial" panose="020B0604020202090204" pitchFamily="34" charset="0"/>
+                <a:latin typeface="Arial" panose="020B0704020202020204" pitchFamily="34" charset="0"/>
                 <a:ea typeface="宋体" pitchFamily="2" charset="-122"/>
               </a:defRPr>
             </a:lvl4pPr>
@@ -22993,7 +22993,7 @@
                 <a:solidFill>
                   <a:schemeClr val="tx1"/>
                 </a:solidFill>
-                <a:latin typeface="Arial" panose="020B0604020202090204" pitchFamily="34" charset="0"/>
+                <a:latin typeface="Arial" panose="020B0704020202020204" pitchFamily="34" charset="0"/>
                 <a:ea typeface="宋体" pitchFamily="2" charset="-122"/>
               </a:defRPr>
             </a:lvl5pPr>
@@ -23013,7 +23013,7 @@
                 <a:solidFill>
                   <a:schemeClr val="tx1"/>
                 </a:solidFill>
-                <a:latin typeface="Arial" panose="020B0604020202090204" pitchFamily="34" charset="0"/>
+                <a:latin typeface="Arial" panose="020B0704020202020204" pitchFamily="34" charset="0"/>
                 <a:ea typeface="宋体" pitchFamily="2" charset="-122"/>
               </a:defRPr>
             </a:lvl6pPr>
@@ -23033,7 +23033,7 @@
                 <a:solidFill>
                   <a:schemeClr val="tx1"/>
                 </a:solidFill>
-                <a:latin typeface="Arial" panose="020B0604020202090204" pitchFamily="34" charset="0"/>
+                <a:latin typeface="Arial" panose="020B0704020202020204" pitchFamily="34" charset="0"/>
                 <a:ea typeface="宋体" pitchFamily="2" charset="-122"/>
               </a:defRPr>
             </a:lvl7pPr>
@@ -23053,7 +23053,7 @@
                 <a:solidFill>
                   <a:schemeClr val="tx1"/>
                 </a:solidFill>
-                <a:latin typeface="Arial" panose="020B0604020202090204" pitchFamily="34" charset="0"/>
+                <a:latin typeface="Arial" panose="020B0704020202020204" pitchFamily="34" charset="0"/>
                 <a:ea typeface="宋体" pitchFamily="2" charset="-122"/>
               </a:defRPr>
             </a:lvl8pPr>
@@ -23073,7 +23073,7 @@
                 <a:solidFill>
                   <a:schemeClr val="tx1"/>
                 </a:solidFill>
-                <a:latin typeface="Arial" panose="020B0604020202090204" pitchFamily="34" charset="0"/>
+                <a:latin typeface="Arial" panose="020B0704020202020204" pitchFamily="34" charset="0"/>
                 <a:ea typeface="宋体" pitchFamily="2" charset="-122"/>
               </a:defRPr>
             </a:lvl9pPr>
@@ -26793,7 +26793,7 @@
                 <a:solidFill>
                   <a:schemeClr val="tx1"/>
                 </a:solidFill>
-                <a:latin typeface="Arial" panose="020B0604020202090204" pitchFamily="34" charset="0"/>
+                <a:latin typeface="Arial" panose="020B0704020202020204" pitchFamily="34" charset="0"/>
                 <a:ea typeface="宋体" pitchFamily="2" charset="-122"/>
               </a:defRPr>
             </a:lvl1pPr>
@@ -26811,7 +26811,7 @@
                 <a:solidFill>
                   <a:schemeClr val="tx1"/>
                 </a:solidFill>
-                <a:latin typeface="Arial" panose="020B0604020202090204" pitchFamily="34" charset="0"/>
+                <a:latin typeface="Arial" panose="020B0704020202020204" pitchFamily="34" charset="0"/>
                 <a:ea typeface="宋体" pitchFamily="2" charset="-122"/>
               </a:defRPr>
             </a:lvl2pPr>
@@ -26828,7 +26828,7 @@
                 <a:solidFill>
                   <a:schemeClr val="tx1"/>
                 </a:solidFill>
-                <a:latin typeface="Arial" panose="020B0604020202090204" pitchFamily="34" charset="0"/>
+                <a:latin typeface="Arial" panose="020B0704020202020204" pitchFamily="34" charset="0"/>
                 <a:ea typeface="宋体" pitchFamily="2" charset="-122"/>
               </a:defRPr>
             </a:lvl3pPr>
@@ -26845,7 +26845,7 @@
                 <a:solidFill>
                   <a:schemeClr val="tx1"/>
                 </a:solidFill>
-                <a:latin typeface="Arial" panose="020B0604020202090204" pitchFamily="34" charset="0"/>
+                <a:latin typeface="Arial" panose="020B0704020202020204" pitchFamily="34" charset="0"/>
                 <a:ea typeface="宋体" pitchFamily="2" charset="-122"/>
               </a:defRPr>
             </a:lvl4pPr>
@@ -26862,7 +26862,7 @@
                 <a:solidFill>
                   <a:schemeClr val="tx1"/>
                 </a:solidFill>
-                <a:latin typeface="Arial" panose="020B0604020202090204" pitchFamily="34" charset="0"/>
+                <a:latin typeface="Arial" panose="020B0704020202020204" pitchFamily="34" charset="0"/>
                 <a:ea typeface="宋体" pitchFamily="2" charset="-122"/>
               </a:defRPr>
             </a:lvl5pPr>
@@ -26882,7 +26882,7 @@
                 <a:solidFill>
                   <a:schemeClr val="tx1"/>
                 </a:solidFill>
-                <a:latin typeface="Arial" panose="020B0604020202090204" pitchFamily="34" charset="0"/>
+                <a:latin typeface="Arial" panose="020B0704020202020204" pitchFamily="34" charset="0"/>
                 <a:ea typeface="宋体" pitchFamily="2" charset="-122"/>
               </a:defRPr>
             </a:lvl6pPr>
@@ -26902,7 +26902,7 @@
                 <a:solidFill>
                   <a:schemeClr val="tx1"/>
                 </a:solidFill>
-                <a:latin typeface="Arial" panose="020B0604020202090204" pitchFamily="34" charset="0"/>
+                <a:latin typeface="Arial" panose="020B0704020202020204" pitchFamily="34" charset="0"/>
                 <a:ea typeface="宋体" pitchFamily="2" charset="-122"/>
               </a:defRPr>
             </a:lvl7pPr>
@@ -26922,7 +26922,7 @@
                 <a:solidFill>
                   <a:schemeClr val="tx1"/>
                 </a:solidFill>
-                <a:latin typeface="Arial" panose="020B0604020202090204" pitchFamily="34" charset="0"/>
+                <a:latin typeface="Arial" panose="020B0704020202020204" pitchFamily="34" charset="0"/>
                 <a:ea typeface="宋体" pitchFamily="2" charset="-122"/>
               </a:defRPr>
             </a:lvl8pPr>
@@ -26942,7 +26942,7 @@
                 <a:solidFill>
                   <a:schemeClr val="tx1"/>
                 </a:solidFill>
-                <a:latin typeface="Arial" panose="020B0604020202090204" pitchFamily="34" charset="0"/>
+                <a:latin typeface="Arial" panose="020B0704020202020204" pitchFamily="34" charset="0"/>
                 <a:ea typeface="宋体" pitchFamily="2" charset="-122"/>
               </a:defRPr>
             </a:lvl9pPr>
@@ -27024,9 +27024,9 @@
                           <a:schemeClr val="tx1"/>
                         </a:solidFill>
                         <a:effectLst/>
-                        <a:latin typeface="Arial" panose="020B0604020202090204" pitchFamily="34" charset="0"/>
+                        <a:latin typeface="Arial" panose="020B0704020202020204" pitchFamily="34" charset="0"/>
                         <a:ea typeface="黑体" panose="02010609060101010101" pitchFamily="49" charset="-122"/>
-                        <a:cs typeface="Arial" panose="020B0604020202090204" pitchFamily="34" charset="0"/>
+                        <a:cs typeface="Arial" panose="020B0704020202020204" pitchFamily="34" charset="0"/>
                       </a:endParaRPr>
                     </a:p>
                     <a:p>
@@ -27054,9 +27054,9 @@
                             <a:schemeClr val="tx1"/>
                           </a:solidFill>
                           <a:effectLst/>
-                          <a:latin typeface="Arial" panose="020B0604020202090204" pitchFamily="34" charset="0"/>
+                          <a:latin typeface="Arial" panose="020B0704020202020204" pitchFamily="34" charset="0"/>
                           <a:ea typeface="黑体" panose="02010609060101010101" pitchFamily="49" charset="-122"/>
-                          <a:cs typeface="Arial" panose="020B0604020202090204" pitchFamily="34" charset="0"/>
+                          <a:cs typeface="Arial" panose="020B0704020202020204" pitchFamily="34" charset="0"/>
                         </a:rPr>
                         <a:t>进位制</a:t>
                       </a:r>
@@ -27068,9 +27068,9 @@
                           <a:schemeClr val="tx1"/>
                         </a:solidFill>
                         <a:effectLst/>
-                        <a:latin typeface="Arial" panose="020B0604020202090204" pitchFamily="34" charset="0"/>
+                        <a:latin typeface="Arial" panose="020B0704020202020204" pitchFamily="34" charset="0"/>
                         <a:ea typeface="宋体" pitchFamily="2" charset="-122"/>
-                        <a:cs typeface="Arial" panose="020B0604020202090204" pitchFamily="34" charset="0"/>
+                        <a:cs typeface="Arial" panose="020B0704020202020204" pitchFamily="34" charset="0"/>
                       </a:endParaRPr>
                     </a:p>
                   </a:txBody>
@@ -27152,9 +27152,9 @@
                           <a:schemeClr val="tx1"/>
                         </a:solidFill>
                         <a:effectLst/>
-                        <a:latin typeface="Arial" panose="020B0604020202090204" pitchFamily="34" charset="0"/>
+                        <a:latin typeface="Arial" panose="020B0704020202020204" pitchFamily="34" charset="0"/>
                         <a:ea typeface="黑体" panose="02010609060101010101" pitchFamily="49" charset="-122"/>
-                        <a:cs typeface="Arial" panose="020B0604020202090204" pitchFamily="34" charset="0"/>
+                        <a:cs typeface="Arial" panose="020B0704020202020204" pitchFamily="34" charset="0"/>
                       </a:endParaRPr>
                     </a:p>
                     <a:p>
@@ -27182,9 +27182,9 @@
                             <a:schemeClr val="tx1"/>
                           </a:solidFill>
                           <a:effectLst/>
-                          <a:latin typeface="Arial" panose="020B0604020202090204" pitchFamily="34" charset="0"/>
+                          <a:latin typeface="Arial" panose="020B0704020202020204" pitchFamily="34" charset="0"/>
                           <a:ea typeface="黑体" panose="02010609060101010101" pitchFamily="49" charset="-122"/>
-                          <a:cs typeface="Arial" panose="020B0604020202090204" pitchFamily="34" charset="0"/>
+                          <a:cs typeface="Arial" panose="020B0704020202020204" pitchFamily="34" charset="0"/>
                         </a:rPr>
                         <a:t>计数规则</a:t>
                       </a:r>
@@ -27196,9 +27196,9 @@
                           <a:schemeClr val="tx1"/>
                         </a:solidFill>
                         <a:effectLst/>
-                        <a:latin typeface="Arial" panose="020B0604020202090204" pitchFamily="34" charset="0"/>
+                        <a:latin typeface="Arial" panose="020B0704020202020204" pitchFamily="34" charset="0"/>
                         <a:ea typeface="宋体" pitchFamily="2" charset="-122"/>
-                        <a:cs typeface="Arial" panose="020B0604020202090204" pitchFamily="34" charset="0"/>
+                        <a:cs typeface="Arial" panose="020B0704020202020204" pitchFamily="34" charset="0"/>
                       </a:endParaRPr>
                     </a:p>
                   </a:txBody>
@@ -27280,9 +27280,9 @@
                           <a:schemeClr val="tx1"/>
                         </a:solidFill>
                         <a:effectLst/>
-                        <a:latin typeface="Arial" panose="020B0604020202090204" pitchFamily="34" charset="0"/>
+                        <a:latin typeface="Arial" panose="020B0704020202020204" pitchFamily="34" charset="0"/>
                         <a:ea typeface="黑体" panose="02010609060101010101" pitchFamily="49" charset="-122"/>
-                        <a:cs typeface="Arial" panose="020B0604020202090204" pitchFamily="34" charset="0"/>
+                        <a:cs typeface="Arial" panose="020B0704020202020204" pitchFamily="34" charset="0"/>
                       </a:endParaRPr>
                     </a:p>
                     <a:p>
@@ -27310,9 +27310,9 @@
                             <a:schemeClr val="tx1"/>
                           </a:solidFill>
                           <a:effectLst/>
-                          <a:latin typeface="Arial" panose="020B0604020202090204" pitchFamily="34" charset="0"/>
+                          <a:latin typeface="Arial" panose="020B0704020202020204" pitchFamily="34" charset="0"/>
                           <a:ea typeface="黑体" panose="02010609060101010101" pitchFamily="49" charset="-122"/>
-                          <a:cs typeface="Arial" panose="020B0604020202090204" pitchFamily="34" charset="0"/>
+                          <a:cs typeface="Arial" panose="020B0704020202020204" pitchFamily="34" charset="0"/>
                         </a:rPr>
                         <a:t>基数</a:t>
                       </a:r>
@@ -27324,9 +27324,9 @@
                           <a:schemeClr val="tx1"/>
                         </a:solidFill>
                         <a:effectLst/>
-                        <a:latin typeface="Arial" panose="020B0604020202090204" pitchFamily="34" charset="0"/>
+                        <a:latin typeface="Arial" panose="020B0704020202020204" pitchFamily="34" charset="0"/>
                         <a:ea typeface="宋体" pitchFamily="2" charset="-122"/>
-                        <a:cs typeface="Arial" panose="020B0604020202090204" pitchFamily="34" charset="0"/>
+                        <a:cs typeface="Arial" panose="020B0704020202020204" pitchFamily="34" charset="0"/>
                       </a:endParaRPr>
                     </a:p>
                   </a:txBody>
@@ -27408,9 +27408,9 @@
                           <a:schemeClr val="tx1"/>
                         </a:solidFill>
                         <a:effectLst/>
-                        <a:latin typeface="Arial" panose="020B0604020202090204" pitchFamily="34" charset="0"/>
+                        <a:latin typeface="Arial" panose="020B0704020202020204" pitchFamily="34" charset="0"/>
                         <a:ea typeface="黑体" panose="02010609060101010101" pitchFamily="49" charset="-122"/>
-                        <a:cs typeface="Arial" panose="020B0604020202090204" pitchFamily="34" charset="0"/>
+                        <a:cs typeface="Arial" panose="020B0704020202020204" pitchFamily="34" charset="0"/>
                       </a:endParaRPr>
                     </a:p>
                     <a:p>
@@ -27438,9 +27438,9 @@
                             <a:schemeClr val="tx1"/>
                           </a:solidFill>
                           <a:effectLst/>
-                          <a:latin typeface="Arial" panose="020B0604020202090204" pitchFamily="34" charset="0"/>
+                          <a:latin typeface="Arial" panose="020B0704020202020204" pitchFamily="34" charset="0"/>
                           <a:ea typeface="黑体" panose="02010609060101010101" pitchFamily="49" charset="-122"/>
-                          <a:cs typeface="Arial" panose="020B0604020202090204" pitchFamily="34" charset="0"/>
+                          <a:cs typeface="Arial" panose="020B0704020202020204" pitchFamily="34" charset="0"/>
                         </a:rPr>
                         <a:t>可用数符</a:t>
                       </a:r>
@@ -27452,9 +27452,9 @@
                           <a:schemeClr val="tx1"/>
                         </a:solidFill>
                         <a:effectLst/>
-                        <a:latin typeface="Arial" panose="020B0604020202090204" pitchFamily="34" charset="0"/>
+                        <a:latin typeface="Arial" panose="020B0704020202020204" pitchFamily="34" charset="0"/>
                         <a:ea typeface="宋体" pitchFamily="2" charset="-122"/>
-                        <a:cs typeface="Arial" panose="020B0604020202090204" pitchFamily="34" charset="0"/>
+                        <a:cs typeface="Arial" panose="020B0704020202020204" pitchFamily="34" charset="0"/>
                       </a:endParaRPr>
                     </a:p>
                   </a:txBody>
@@ -27536,9 +27536,9 @@
                           <a:schemeClr val="tx1"/>
                         </a:solidFill>
                         <a:effectLst/>
-                        <a:latin typeface="Arial" panose="020B0604020202090204" pitchFamily="34" charset="0"/>
+                        <a:latin typeface="Arial" panose="020B0704020202020204" pitchFamily="34" charset="0"/>
                         <a:ea typeface="黑体" panose="02010609060101010101" pitchFamily="49" charset="-122"/>
-                        <a:cs typeface="Arial" panose="020B0604020202090204" pitchFamily="34" charset="0"/>
+                        <a:cs typeface="Arial" panose="020B0704020202020204" pitchFamily="34" charset="0"/>
                       </a:endParaRPr>
                     </a:p>
                     <a:p>
@@ -27566,9 +27566,9 @@
                             <a:schemeClr val="tx1"/>
                           </a:solidFill>
                           <a:effectLst/>
-                          <a:latin typeface="Arial" panose="020B0604020202090204" pitchFamily="34" charset="0"/>
+                          <a:latin typeface="Arial" panose="020B0704020202020204" pitchFamily="34" charset="0"/>
                           <a:ea typeface="黑体" panose="02010609060101010101" pitchFamily="49" charset="-122"/>
-                          <a:cs typeface="Arial" panose="020B0604020202090204" pitchFamily="34" charset="0"/>
+                          <a:cs typeface="Arial" panose="020B0704020202020204" pitchFamily="34" charset="0"/>
                         </a:rPr>
                         <a:t>后缀字符标识</a:t>
                       </a:r>
@@ -27580,9 +27580,9 @@
                           <a:schemeClr val="tx1"/>
                         </a:solidFill>
                         <a:effectLst/>
-                        <a:latin typeface="Arial" panose="020B0604020202090204" pitchFamily="34" charset="0"/>
+                        <a:latin typeface="Arial" panose="020B0704020202020204" pitchFamily="34" charset="0"/>
                         <a:ea typeface="宋体" pitchFamily="2" charset="-122"/>
-                        <a:cs typeface="Arial" panose="020B0604020202090204" pitchFamily="34" charset="0"/>
+                        <a:cs typeface="Arial" panose="020B0704020202020204" pitchFamily="34" charset="0"/>
                       </a:endParaRPr>
                     </a:p>
                   </a:txBody>
@@ -27667,7 +27667,7 @@
                             <a:schemeClr val="tx1"/>
                           </a:solidFill>
                           <a:effectLst/>
-                          <a:latin typeface="Times New Roman" panose="02020503050405090304" pitchFamily="18" charset="0"/>
+                          <a:latin typeface="Times New Roman" panose="02020603050405020304" pitchFamily="18" charset="0"/>
                           <a:ea typeface="宋体" pitchFamily="2" charset="-122"/>
                         </a:rPr>
                         <a:t>二进制</a:t>
@@ -27680,9 +27680,9 @@
                           <a:schemeClr val="tx1"/>
                         </a:solidFill>
                         <a:effectLst/>
-                        <a:latin typeface="Times New Roman" panose="02020503050405090304" pitchFamily="18" charset="0"/>
+                        <a:latin typeface="Times New Roman" panose="02020603050405020304" pitchFamily="18" charset="0"/>
                         <a:ea typeface="华文行楷" panose="02010800040101010101" pitchFamily="2" charset="-122"/>
-                        <a:cs typeface="Times New Roman" panose="02020503050405090304" pitchFamily="18" charset="0"/>
+                        <a:cs typeface="Times New Roman" panose="02020603050405020304" pitchFamily="18" charset="0"/>
                       </a:endParaRPr>
                     </a:p>
                     <a:p>
@@ -27710,7 +27710,7 @@
                             <a:schemeClr val="tx1"/>
                           </a:solidFill>
                           <a:effectLst/>
-                          <a:latin typeface="Times New Roman" panose="02020503050405090304" pitchFamily="18" charset="0"/>
+                          <a:latin typeface="Times New Roman" panose="02020603050405020304" pitchFamily="18" charset="0"/>
                           <a:ea typeface="宋体" pitchFamily="2" charset="-122"/>
                         </a:rPr>
                         <a:t>八进制</a:t>
@@ -27723,9 +27723,9 @@
                           <a:schemeClr val="tx1"/>
                         </a:solidFill>
                         <a:effectLst/>
-                        <a:latin typeface="Times New Roman" panose="02020503050405090304" pitchFamily="18" charset="0"/>
+                        <a:latin typeface="Times New Roman" panose="02020603050405020304" pitchFamily="18" charset="0"/>
                         <a:ea typeface="华文行楷" panose="02010800040101010101" pitchFamily="2" charset="-122"/>
-                        <a:cs typeface="Times New Roman" panose="02020503050405090304" pitchFamily="18" charset="0"/>
+                        <a:cs typeface="Times New Roman" panose="02020603050405020304" pitchFamily="18" charset="0"/>
                       </a:endParaRPr>
                     </a:p>
                     <a:p>
@@ -27753,7 +27753,7 @@
                             <a:schemeClr val="tx1"/>
                           </a:solidFill>
                           <a:effectLst/>
-                          <a:latin typeface="Times New Roman" panose="02020503050405090304" pitchFamily="18" charset="0"/>
+                          <a:latin typeface="Times New Roman" panose="02020603050405020304" pitchFamily="18" charset="0"/>
                           <a:ea typeface="宋体" pitchFamily="2" charset="-122"/>
                         </a:rPr>
                         <a:t>十进制</a:t>
@@ -27766,9 +27766,9 @@
                           <a:schemeClr val="tx1"/>
                         </a:solidFill>
                         <a:effectLst/>
-                        <a:latin typeface="Times New Roman" panose="02020503050405090304" pitchFamily="18" charset="0"/>
+                        <a:latin typeface="Times New Roman" panose="02020603050405020304" pitchFamily="18" charset="0"/>
                         <a:ea typeface="华文行楷" panose="02010800040101010101" pitchFamily="2" charset="-122"/>
-                        <a:cs typeface="Times New Roman" panose="02020503050405090304" pitchFamily="18" charset="0"/>
+                        <a:cs typeface="Times New Roman" panose="02020603050405020304" pitchFamily="18" charset="0"/>
                       </a:endParaRPr>
                     </a:p>
                     <a:p>
@@ -27796,7 +27796,7 @@
                             <a:schemeClr val="tx1"/>
                           </a:solidFill>
                           <a:effectLst/>
-                          <a:latin typeface="Times New Roman" panose="02020503050405090304" pitchFamily="18" charset="0"/>
+                          <a:latin typeface="Times New Roman" panose="02020603050405020304" pitchFamily="18" charset="0"/>
                           <a:ea typeface="宋体" pitchFamily="2" charset="-122"/>
                         </a:rPr>
                         <a:t>十六进制</a:t>
@@ -27809,7 +27809,7 @@
                           <a:schemeClr val="tx1"/>
                         </a:solidFill>
                         <a:effectLst/>
-                        <a:latin typeface="Arial" panose="020B0604020202090204" pitchFamily="34" charset="0"/>
+                        <a:latin typeface="Arial" panose="020B0704020202020204" pitchFamily="34" charset="0"/>
                         <a:ea typeface="宋体" pitchFamily="2" charset="-122"/>
                       </a:endParaRPr>
                     </a:p>
@@ -27893,7 +27893,7 @@
                             <a:schemeClr val="tx1"/>
                           </a:solidFill>
                           <a:effectLst/>
-                          <a:latin typeface="Times New Roman" panose="02020503050405090304" pitchFamily="18" charset="0"/>
+                          <a:latin typeface="Times New Roman" panose="02020603050405020304" pitchFamily="18" charset="0"/>
                           <a:ea typeface="宋体" pitchFamily="2" charset="-122"/>
                         </a:rPr>
                         <a:t>逢</a:t>
@@ -27907,7 +27907,7 @@
                             <a:schemeClr val="tx1"/>
                           </a:solidFill>
                           <a:effectLst/>
-                          <a:latin typeface="Times New Roman" panose="02020503050405090304" pitchFamily="18" charset="0"/>
+                          <a:latin typeface="Times New Roman" panose="02020603050405020304" pitchFamily="18" charset="0"/>
                           <a:ea typeface="宋体" pitchFamily="2" charset="-122"/>
                         </a:rPr>
                         <a:t>2</a:t>
@@ -27921,7 +27921,7 @@
                             <a:schemeClr val="tx1"/>
                           </a:solidFill>
                           <a:effectLst/>
-                          <a:latin typeface="Times New Roman" panose="02020503050405090304" pitchFamily="18" charset="0"/>
+                          <a:latin typeface="Times New Roman" panose="02020603050405020304" pitchFamily="18" charset="0"/>
                           <a:ea typeface="宋体" pitchFamily="2" charset="-122"/>
                         </a:rPr>
                         <a:t>进</a:t>
@@ -27935,7 +27935,7 @@
                             <a:schemeClr val="tx1"/>
                           </a:solidFill>
                           <a:effectLst/>
-                          <a:latin typeface="Times New Roman" panose="02020503050405090304" pitchFamily="18" charset="0"/>
+                          <a:latin typeface="Times New Roman" panose="02020603050405020304" pitchFamily="18" charset="0"/>
                           <a:ea typeface="宋体" pitchFamily="2" charset="-122"/>
                         </a:rPr>
                         <a:t>1</a:t>
@@ -27948,9 +27948,9 @@
                           <a:schemeClr val="tx1"/>
                         </a:solidFill>
                         <a:effectLst/>
-                        <a:latin typeface="Arial" panose="020B0604020202090204" pitchFamily="34" charset="0"/>
+                        <a:latin typeface="Arial" panose="020B0704020202020204" pitchFamily="34" charset="0"/>
                         <a:ea typeface="华文行楷" panose="02010800040101010101" pitchFamily="2" charset="-122"/>
-                        <a:cs typeface="Times New Roman" panose="02020503050405090304" pitchFamily="18" charset="0"/>
+                        <a:cs typeface="Times New Roman" panose="02020603050405020304" pitchFamily="18" charset="0"/>
                       </a:endParaRPr>
                     </a:p>
                     <a:p>
@@ -27978,7 +27978,7 @@
                             <a:schemeClr val="tx1"/>
                           </a:solidFill>
                           <a:effectLst/>
-                          <a:latin typeface="Times New Roman" panose="02020503050405090304" pitchFamily="18" charset="0"/>
+                          <a:latin typeface="Times New Roman" panose="02020603050405020304" pitchFamily="18" charset="0"/>
                           <a:ea typeface="宋体" pitchFamily="2" charset="-122"/>
                         </a:rPr>
                         <a:t>逢</a:t>
@@ -27992,7 +27992,7 @@
                             <a:schemeClr val="tx1"/>
                           </a:solidFill>
                           <a:effectLst/>
-                          <a:latin typeface="Times New Roman" panose="02020503050405090304" pitchFamily="18" charset="0"/>
+                          <a:latin typeface="Times New Roman" panose="02020603050405020304" pitchFamily="18" charset="0"/>
                           <a:ea typeface="宋体" pitchFamily="2" charset="-122"/>
                         </a:rPr>
                         <a:t>8</a:t>
@@ -28006,7 +28006,7 @@
                             <a:schemeClr val="tx1"/>
                           </a:solidFill>
                           <a:effectLst/>
-                          <a:latin typeface="Times New Roman" panose="02020503050405090304" pitchFamily="18" charset="0"/>
+                          <a:latin typeface="Times New Roman" panose="02020603050405020304" pitchFamily="18" charset="0"/>
                           <a:ea typeface="宋体" pitchFamily="2" charset="-122"/>
                         </a:rPr>
                         <a:t>进</a:t>
@@ -28020,7 +28020,7 @@
                             <a:schemeClr val="tx1"/>
                           </a:solidFill>
                           <a:effectLst/>
-                          <a:latin typeface="Times New Roman" panose="02020503050405090304" pitchFamily="18" charset="0"/>
+                          <a:latin typeface="Times New Roman" panose="02020603050405020304" pitchFamily="18" charset="0"/>
                           <a:ea typeface="宋体" pitchFamily="2" charset="-122"/>
                         </a:rPr>
                         <a:t>1</a:t>
@@ -28033,9 +28033,9 @@
                           <a:schemeClr val="tx1"/>
                         </a:solidFill>
                         <a:effectLst/>
-                        <a:latin typeface="Arial" panose="020B0604020202090204" pitchFamily="34" charset="0"/>
+                        <a:latin typeface="Arial" panose="020B0704020202020204" pitchFamily="34" charset="0"/>
                         <a:ea typeface="华文行楷" panose="02010800040101010101" pitchFamily="2" charset="-122"/>
-                        <a:cs typeface="Times New Roman" panose="02020503050405090304" pitchFamily="18" charset="0"/>
+                        <a:cs typeface="Times New Roman" panose="02020603050405020304" pitchFamily="18" charset="0"/>
                       </a:endParaRPr>
                     </a:p>
                     <a:p>
@@ -28063,7 +28063,7 @@
                             <a:schemeClr val="tx1"/>
                           </a:solidFill>
                           <a:effectLst/>
-                          <a:latin typeface="Times New Roman" panose="02020503050405090304" pitchFamily="18" charset="0"/>
+                          <a:latin typeface="Times New Roman" panose="02020603050405020304" pitchFamily="18" charset="0"/>
                           <a:ea typeface="宋体" pitchFamily="2" charset="-122"/>
                         </a:rPr>
                         <a:t>逢</a:t>
@@ -28077,7 +28077,7 @@
                             <a:schemeClr val="tx1"/>
                           </a:solidFill>
                           <a:effectLst/>
-                          <a:latin typeface="Times New Roman" panose="02020503050405090304" pitchFamily="18" charset="0"/>
+                          <a:latin typeface="Times New Roman" panose="02020603050405020304" pitchFamily="18" charset="0"/>
                           <a:ea typeface="宋体" pitchFamily="2" charset="-122"/>
                         </a:rPr>
                         <a:t>10</a:t>
@@ -28091,7 +28091,7 @@
                             <a:schemeClr val="tx1"/>
                           </a:solidFill>
                           <a:effectLst/>
-                          <a:latin typeface="Times New Roman" panose="02020503050405090304" pitchFamily="18" charset="0"/>
+                          <a:latin typeface="Times New Roman" panose="02020603050405020304" pitchFamily="18" charset="0"/>
                           <a:ea typeface="宋体" pitchFamily="2" charset="-122"/>
                         </a:rPr>
                         <a:t>进</a:t>
@@ -28105,7 +28105,7 @@
                             <a:schemeClr val="tx1"/>
                           </a:solidFill>
                           <a:effectLst/>
-                          <a:latin typeface="Times New Roman" panose="02020503050405090304" pitchFamily="18" charset="0"/>
+                          <a:latin typeface="Times New Roman" panose="02020603050405020304" pitchFamily="18" charset="0"/>
                           <a:ea typeface="宋体" pitchFamily="2" charset="-122"/>
                         </a:rPr>
                         <a:t>1</a:t>
@@ -28118,9 +28118,9 @@
                           <a:schemeClr val="tx1"/>
                         </a:solidFill>
                         <a:effectLst/>
-                        <a:latin typeface="Arial" panose="020B0604020202090204" pitchFamily="34" charset="0"/>
+                        <a:latin typeface="Arial" panose="020B0704020202020204" pitchFamily="34" charset="0"/>
                         <a:ea typeface="华文行楷" panose="02010800040101010101" pitchFamily="2" charset="-122"/>
-                        <a:cs typeface="Times New Roman" panose="02020503050405090304" pitchFamily="18" charset="0"/>
+                        <a:cs typeface="Times New Roman" panose="02020603050405020304" pitchFamily="18" charset="0"/>
                       </a:endParaRPr>
                     </a:p>
                     <a:p>
@@ -28148,7 +28148,7 @@
                             <a:schemeClr val="tx1"/>
                           </a:solidFill>
                           <a:effectLst/>
-                          <a:latin typeface="Times New Roman" panose="02020503050405090304" pitchFamily="18" charset="0"/>
+                          <a:latin typeface="Times New Roman" panose="02020603050405020304" pitchFamily="18" charset="0"/>
                           <a:ea typeface="宋体" pitchFamily="2" charset="-122"/>
                         </a:rPr>
                         <a:t>逢</a:t>
@@ -28162,7 +28162,7 @@
                             <a:schemeClr val="tx1"/>
                           </a:solidFill>
                           <a:effectLst/>
-                          <a:latin typeface="Times New Roman" panose="02020503050405090304" pitchFamily="18" charset="0"/>
+                          <a:latin typeface="Times New Roman" panose="02020603050405020304" pitchFamily="18" charset="0"/>
                           <a:ea typeface="宋体" pitchFamily="2" charset="-122"/>
                         </a:rPr>
                         <a:t>16</a:t>
@@ -28176,7 +28176,7 @@
                             <a:schemeClr val="tx1"/>
                           </a:solidFill>
                           <a:effectLst/>
-                          <a:latin typeface="Times New Roman" panose="02020503050405090304" pitchFamily="18" charset="0"/>
+                          <a:latin typeface="Times New Roman" panose="02020603050405020304" pitchFamily="18" charset="0"/>
                           <a:ea typeface="宋体" pitchFamily="2" charset="-122"/>
                         </a:rPr>
                         <a:t>进</a:t>
@@ -28190,7 +28190,7 @@
                             <a:schemeClr val="tx1"/>
                           </a:solidFill>
                           <a:effectLst/>
-                          <a:latin typeface="Times New Roman" panose="02020503050405090304" pitchFamily="18" charset="0"/>
+                          <a:latin typeface="Times New Roman" panose="02020603050405020304" pitchFamily="18" charset="0"/>
                           <a:ea typeface="宋体" pitchFamily="2" charset="-122"/>
                         </a:rPr>
                         <a:t>1</a:t>
@@ -28203,7 +28203,7 @@
                           <a:schemeClr val="tx1"/>
                         </a:solidFill>
                         <a:effectLst/>
-                        <a:latin typeface="Arial" panose="020B0604020202090204" pitchFamily="34" charset="0"/>
+                        <a:latin typeface="Arial" panose="020B0704020202020204" pitchFamily="34" charset="0"/>
                         <a:ea typeface="宋体" pitchFamily="2" charset="-122"/>
                       </a:endParaRPr>
                     </a:p>
@@ -28287,7 +28287,7 @@
                             <a:schemeClr val="tx1"/>
                           </a:solidFill>
                           <a:effectLst/>
-                          <a:latin typeface="Arial" panose="020B0604020202090204" pitchFamily="34" charset="0"/>
+                          <a:latin typeface="Arial" panose="020B0704020202020204" pitchFamily="34" charset="0"/>
                           <a:ea typeface="宋体" pitchFamily="2" charset="-122"/>
                         </a:rPr>
                         <a:t>2</a:t>
@@ -28300,9 +28300,9 @@
                           <a:schemeClr val="tx1"/>
                         </a:solidFill>
                         <a:effectLst/>
-                        <a:latin typeface="Arial" panose="020B0604020202090204" pitchFamily="34" charset="0"/>
+                        <a:latin typeface="Arial" panose="020B0704020202020204" pitchFamily="34" charset="0"/>
                         <a:ea typeface="华文行楷" panose="02010800040101010101" pitchFamily="2" charset="-122"/>
-                        <a:cs typeface="Times New Roman" panose="02020503050405090304" pitchFamily="18" charset="0"/>
+                        <a:cs typeface="Times New Roman" panose="02020603050405020304" pitchFamily="18" charset="0"/>
                       </a:endParaRPr>
                     </a:p>
                     <a:p>
@@ -28330,7 +28330,7 @@
                             <a:schemeClr val="tx1"/>
                           </a:solidFill>
                           <a:effectLst/>
-                          <a:latin typeface="Arial" panose="020B0604020202090204" pitchFamily="34" charset="0"/>
+                          <a:latin typeface="Arial" panose="020B0704020202020204" pitchFamily="34" charset="0"/>
                           <a:ea typeface="宋体" pitchFamily="2" charset="-122"/>
                         </a:rPr>
                         <a:t>8</a:t>
@@ -28343,9 +28343,9 @@
                           <a:schemeClr val="tx1"/>
                         </a:solidFill>
                         <a:effectLst/>
-                        <a:latin typeface="Arial" panose="020B0604020202090204" pitchFamily="34" charset="0"/>
+                        <a:latin typeface="Arial" panose="020B0704020202020204" pitchFamily="34" charset="0"/>
                         <a:ea typeface="华文行楷" panose="02010800040101010101" pitchFamily="2" charset="-122"/>
-                        <a:cs typeface="Times New Roman" panose="02020503050405090304" pitchFamily="18" charset="0"/>
+                        <a:cs typeface="Times New Roman" panose="02020603050405020304" pitchFamily="18" charset="0"/>
                       </a:endParaRPr>
                     </a:p>
                     <a:p>
@@ -28373,7 +28373,7 @@
                             <a:schemeClr val="tx1"/>
                           </a:solidFill>
                           <a:effectLst/>
-                          <a:latin typeface="Arial" panose="020B0604020202090204" pitchFamily="34" charset="0"/>
+                          <a:latin typeface="Arial" panose="020B0704020202020204" pitchFamily="34" charset="0"/>
                           <a:ea typeface="宋体" pitchFamily="2" charset="-122"/>
                         </a:rPr>
                         <a:t>10</a:t>
@@ -28386,9 +28386,9 @@
                           <a:schemeClr val="tx1"/>
                         </a:solidFill>
                         <a:effectLst/>
-                        <a:latin typeface="Arial" panose="020B0604020202090204" pitchFamily="34" charset="0"/>
+                        <a:latin typeface="Arial" panose="020B0704020202020204" pitchFamily="34" charset="0"/>
                         <a:ea typeface="华文行楷" panose="02010800040101010101" pitchFamily="2" charset="-122"/>
-                        <a:cs typeface="Times New Roman" panose="02020503050405090304" pitchFamily="18" charset="0"/>
+                        <a:cs typeface="Times New Roman" panose="02020603050405020304" pitchFamily="18" charset="0"/>
                       </a:endParaRPr>
                     </a:p>
                     <a:p>
@@ -28416,7 +28416,7 @@
                             <a:schemeClr val="tx1"/>
                           </a:solidFill>
                           <a:effectLst/>
-                          <a:latin typeface="Arial" panose="020B0604020202090204" pitchFamily="34" charset="0"/>
+                          <a:latin typeface="Arial" panose="020B0704020202020204" pitchFamily="34" charset="0"/>
                           <a:ea typeface="宋体" pitchFamily="2" charset="-122"/>
                         </a:rPr>
                         <a:t>16</a:t>
@@ -28429,7 +28429,7 @@
                           <a:schemeClr val="tx1"/>
                         </a:solidFill>
                         <a:effectLst/>
-                        <a:latin typeface="Arial" panose="020B0604020202090204" pitchFamily="34" charset="0"/>
+                        <a:latin typeface="Arial" panose="020B0704020202020204" pitchFamily="34" charset="0"/>
                         <a:ea typeface="宋体" pitchFamily="2" charset="-122"/>
                       </a:endParaRPr>
                     </a:p>
@@ -28513,7 +28513,7 @@
                             <a:schemeClr val="tx1"/>
                           </a:solidFill>
                           <a:effectLst/>
-                          <a:latin typeface="Arial" panose="020B0604020202090204" pitchFamily="34" charset="0"/>
+                          <a:latin typeface="Arial" panose="020B0704020202020204" pitchFamily="34" charset="0"/>
                           <a:ea typeface="宋体" pitchFamily="2" charset="-122"/>
                         </a:rPr>
                         <a:t>0,1</a:t>
@@ -28526,9 +28526,9 @@
                           <a:schemeClr val="tx1"/>
                         </a:solidFill>
                         <a:effectLst/>
-                        <a:latin typeface="Arial" panose="020B0604020202090204" pitchFamily="34" charset="0"/>
+                        <a:latin typeface="Arial" panose="020B0704020202020204" pitchFamily="34" charset="0"/>
                         <a:ea typeface="华文行楷" panose="02010800040101010101" pitchFamily="2" charset="-122"/>
-                        <a:cs typeface="Times New Roman" panose="02020503050405090304" pitchFamily="18" charset="0"/>
+                        <a:cs typeface="Times New Roman" panose="02020603050405020304" pitchFamily="18" charset="0"/>
                       </a:endParaRPr>
                     </a:p>
                     <a:p>
@@ -28556,7 +28556,7 @@
                             <a:schemeClr val="tx1"/>
                           </a:solidFill>
                           <a:effectLst/>
-                          <a:latin typeface="Arial" panose="020B0604020202090204" pitchFamily="34" charset="0"/>
+                          <a:latin typeface="Arial" panose="020B0704020202020204" pitchFamily="34" charset="0"/>
                           <a:ea typeface="宋体" pitchFamily="2" charset="-122"/>
                         </a:rPr>
                         <a:t>0,1,…,7</a:t>
@@ -28569,9 +28569,9 @@
                           <a:schemeClr val="tx1"/>
                         </a:solidFill>
                         <a:effectLst/>
-                        <a:latin typeface="Arial" panose="020B0604020202090204" pitchFamily="34" charset="0"/>
+                        <a:latin typeface="Arial" panose="020B0704020202020204" pitchFamily="34" charset="0"/>
                         <a:ea typeface="华文行楷" panose="02010800040101010101" pitchFamily="2" charset="-122"/>
-                        <a:cs typeface="Times New Roman" panose="02020503050405090304" pitchFamily="18" charset="0"/>
+                        <a:cs typeface="Times New Roman" panose="02020603050405020304" pitchFamily="18" charset="0"/>
                       </a:endParaRPr>
                     </a:p>
                     <a:p>
@@ -28599,7 +28599,7 @@
                             <a:schemeClr val="tx1"/>
                           </a:solidFill>
                           <a:effectLst/>
-                          <a:latin typeface="Arial" panose="020B0604020202090204" pitchFamily="34" charset="0"/>
+                          <a:latin typeface="Arial" panose="020B0704020202020204" pitchFamily="34" charset="0"/>
                           <a:ea typeface="宋体" pitchFamily="2" charset="-122"/>
                         </a:rPr>
                         <a:t>0,1,…,9</a:t>
@@ -28612,9 +28612,9 @@
                           <a:schemeClr val="tx1"/>
                         </a:solidFill>
                         <a:effectLst/>
-                        <a:latin typeface="Arial" panose="020B0604020202090204" pitchFamily="34" charset="0"/>
+                        <a:latin typeface="Arial" panose="020B0704020202020204" pitchFamily="34" charset="0"/>
                         <a:ea typeface="华文行楷" panose="02010800040101010101" pitchFamily="2" charset="-122"/>
-                        <a:cs typeface="Times New Roman" panose="02020503050405090304" pitchFamily="18" charset="0"/>
+                        <a:cs typeface="Times New Roman" panose="02020603050405020304" pitchFamily="18" charset="0"/>
                       </a:endParaRPr>
                     </a:p>
                     <a:p>
@@ -28642,7 +28642,7 @@
                             <a:schemeClr val="tx1"/>
                           </a:solidFill>
                           <a:effectLst/>
-                          <a:latin typeface="Arial" panose="020B0604020202090204" pitchFamily="34" charset="0"/>
+                          <a:latin typeface="Arial" panose="020B0704020202020204" pitchFamily="34" charset="0"/>
                           <a:ea typeface="宋体" pitchFamily="2" charset="-122"/>
                         </a:rPr>
                         <a:t>0,1,…,9,A,B,C,D,E,F</a:t>
@@ -28655,7 +28655,7 @@
                           <a:schemeClr val="tx1"/>
                         </a:solidFill>
                         <a:effectLst/>
-                        <a:latin typeface="Arial" panose="020B0604020202090204" pitchFamily="34" charset="0"/>
+                        <a:latin typeface="Arial" panose="020B0704020202020204" pitchFamily="34" charset="0"/>
                         <a:ea typeface="宋体" pitchFamily="2" charset="-122"/>
                       </a:endParaRPr>
                     </a:p>
@@ -28739,7 +28739,7 @@
                             <a:schemeClr val="tx1"/>
                           </a:solidFill>
                           <a:effectLst/>
-                          <a:latin typeface="Arial" panose="020B0604020202090204" pitchFamily="34" charset="0"/>
+                          <a:latin typeface="Arial" panose="020B0704020202020204" pitchFamily="34" charset="0"/>
                           <a:ea typeface="宋体" pitchFamily="2" charset="-122"/>
                         </a:rPr>
                         <a:t>B</a:t>
@@ -28752,9 +28752,9 @@
                           <a:schemeClr val="tx1"/>
                         </a:solidFill>
                         <a:effectLst/>
-                        <a:latin typeface="Arial" panose="020B0604020202090204" pitchFamily="34" charset="0"/>
+                        <a:latin typeface="Arial" panose="020B0704020202020204" pitchFamily="34" charset="0"/>
                         <a:ea typeface="华文行楷" panose="02010800040101010101" pitchFamily="2" charset="-122"/>
-                        <a:cs typeface="Times New Roman" panose="02020503050405090304" pitchFamily="18" charset="0"/>
+                        <a:cs typeface="Times New Roman" panose="02020603050405020304" pitchFamily="18" charset="0"/>
                       </a:endParaRPr>
                     </a:p>
                     <a:p>
@@ -28782,9 +28782,9 @@
                             <a:schemeClr val="tx1"/>
                           </a:solidFill>
                           <a:effectLst/>
-                          <a:latin typeface="Arial" panose="020B0604020202090204" pitchFamily="34" charset="0"/>
+                          <a:latin typeface="Arial" panose="020B0704020202020204" pitchFamily="34" charset="0"/>
                           <a:ea typeface="华文行楷" panose="02010800040101010101" pitchFamily="2" charset="-122"/>
-                          <a:cs typeface="Times New Roman" panose="02020503050405090304" pitchFamily="18" charset="0"/>
+                          <a:cs typeface="Times New Roman" panose="02020603050405020304" pitchFamily="18" charset="0"/>
                         </a:rPr>
                         <a:t>O</a:t>
                       </a:r>
@@ -28796,9 +28796,9 @@
                           <a:schemeClr val="tx1"/>
                         </a:solidFill>
                         <a:effectLst/>
-                        <a:latin typeface="Arial" panose="020B0604020202090204" pitchFamily="34" charset="0"/>
+                        <a:latin typeface="Arial" panose="020B0704020202020204" pitchFamily="34" charset="0"/>
                         <a:ea typeface="华文行楷" panose="02010800040101010101" pitchFamily="2" charset="-122"/>
-                        <a:cs typeface="Times New Roman" panose="02020503050405090304" pitchFamily="18" charset="0"/>
+                        <a:cs typeface="Times New Roman" panose="02020603050405020304" pitchFamily="18" charset="0"/>
                       </a:endParaRPr>
                     </a:p>
                     <a:p>
@@ -28826,7 +28826,7 @@
                             <a:schemeClr val="tx1"/>
                           </a:solidFill>
                           <a:effectLst/>
-                          <a:latin typeface="Arial" panose="020B0604020202090204" pitchFamily="34" charset="0"/>
+                          <a:latin typeface="Arial" panose="020B0704020202020204" pitchFamily="34" charset="0"/>
                           <a:ea typeface="宋体" pitchFamily="2" charset="-122"/>
                         </a:rPr>
                         <a:t>D</a:t>
@@ -28839,9 +28839,9 @@
                           <a:schemeClr val="tx1"/>
                         </a:solidFill>
                         <a:effectLst/>
-                        <a:latin typeface="Arial" panose="020B0604020202090204" pitchFamily="34" charset="0"/>
+                        <a:latin typeface="Arial" panose="020B0704020202020204" pitchFamily="34" charset="0"/>
                         <a:ea typeface="华文行楷" panose="02010800040101010101" pitchFamily="2" charset="-122"/>
-                        <a:cs typeface="Times New Roman" panose="02020503050405090304" pitchFamily="18" charset="0"/>
+                        <a:cs typeface="Times New Roman" panose="02020603050405020304" pitchFamily="18" charset="0"/>
                       </a:endParaRPr>
                     </a:p>
                     <a:p>
@@ -28869,7 +28869,7 @@
                             <a:schemeClr val="tx1"/>
                           </a:solidFill>
                           <a:effectLst/>
-                          <a:latin typeface="Arial" panose="020B0604020202090204" pitchFamily="34" charset="0"/>
+                          <a:latin typeface="Arial" panose="020B0704020202020204" pitchFamily="34" charset="0"/>
                           <a:ea typeface="宋体" pitchFamily="2" charset="-122"/>
                         </a:rPr>
                         <a:t>H</a:t>
@@ -28882,7 +28882,7 @@
                           <a:schemeClr val="tx1"/>
                         </a:solidFill>
                         <a:effectLst/>
-                        <a:latin typeface="Arial" panose="020B0604020202090204" pitchFamily="34" charset="0"/>
+                        <a:latin typeface="Arial" panose="020B0704020202020204" pitchFamily="34" charset="0"/>
                         <a:ea typeface="宋体" pitchFamily="2" charset="-122"/>
                       </a:endParaRPr>
                     </a:p>
@@ -33201,7 +33201,7 @@
                 <a:solidFill>
                   <a:schemeClr val="tx1"/>
                 </a:solidFill>
-                <a:latin typeface="Arial" panose="020B0604020202090204" pitchFamily="34" charset="0"/>
+                <a:latin typeface="Arial" panose="020B0704020202020204" pitchFamily="34" charset="0"/>
                 <a:ea typeface="宋体" pitchFamily="2" charset="-122"/>
               </a:defRPr>
             </a:lvl1pPr>
@@ -33219,7 +33219,7 @@
                 <a:solidFill>
                   <a:schemeClr val="tx1"/>
                 </a:solidFill>
-                <a:latin typeface="Arial" panose="020B0604020202090204" pitchFamily="34" charset="0"/>
+                <a:latin typeface="Arial" panose="020B0704020202020204" pitchFamily="34" charset="0"/>
                 <a:ea typeface="宋体" pitchFamily="2" charset="-122"/>
               </a:defRPr>
             </a:lvl2pPr>
@@ -33236,7 +33236,7 @@
                 <a:solidFill>
                   <a:schemeClr val="tx1"/>
                 </a:solidFill>
-                <a:latin typeface="Arial" panose="020B0604020202090204" pitchFamily="34" charset="0"/>
+                <a:latin typeface="Arial" panose="020B0704020202020204" pitchFamily="34" charset="0"/>
                 <a:ea typeface="宋体" pitchFamily="2" charset="-122"/>
               </a:defRPr>
             </a:lvl3pPr>
@@ -33253,7 +33253,7 @@
                 <a:solidFill>
                   <a:schemeClr val="tx1"/>
                 </a:solidFill>
-                <a:latin typeface="Arial" panose="020B0604020202090204" pitchFamily="34" charset="0"/>
+                <a:latin typeface="Arial" panose="020B0704020202020204" pitchFamily="34" charset="0"/>
                 <a:ea typeface="宋体" pitchFamily="2" charset="-122"/>
               </a:defRPr>
             </a:lvl4pPr>
@@ -33270,7 +33270,7 @@
                 <a:solidFill>
                   <a:schemeClr val="tx1"/>
                 </a:solidFill>
-                <a:latin typeface="Arial" panose="020B0604020202090204" pitchFamily="34" charset="0"/>
+                <a:latin typeface="Arial" panose="020B0704020202020204" pitchFamily="34" charset="0"/>
                 <a:ea typeface="宋体" pitchFamily="2" charset="-122"/>
               </a:defRPr>
             </a:lvl5pPr>
@@ -33290,7 +33290,7 @@
                 <a:solidFill>
                   <a:schemeClr val="tx1"/>
                 </a:solidFill>
-                <a:latin typeface="Arial" panose="020B0604020202090204" pitchFamily="34" charset="0"/>
+                <a:latin typeface="Arial" panose="020B0704020202020204" pitchFamily="34" charset="0"/>
                 <a:ea typeface="宋体" pitchFamily="2" charset="-122"/>
               </a:defRPr>
             </a:lvl6pPr>
@@ -33310,7 +33310,7 @@
                 <a:solidFill>
                   <a:schemeClr val="tx1"/>
                 </a:solidFill>
-                <a:latin typeface="Arial" panose="020B0604020202090204" pitchFamily="34" charset="0"/>
+                <a:latin typeface="Arial" panose="020B0704020202020204" pitchFamily="34" charset="0"/>
                 <a:ea typeface="宋体" pitchFamily="2" charset="-122"/>
               </a:defRPr>
             </a:lvl7pPr>
@@ -33330,7 +33330,7 @@
                 <a:solidFill>
                   <a:schemeClr val="tx1"/>
                 </a:solidFill>
-                <a:latin typeface="Arial" panose="020B0604020202090204" pitchFamily="34" charset="0"/>
+                <a:latin typeface="Arial" panose="020B0704020202020204" pitchFamily="34" charset="0"/>
                 <a:ea typeface="宋体" pitchFamily="2" charset="-122"/>
               </a:defRPr>
             </a:lvl8pPr>
@@ -33350,7 +33350,7 @@
                 <a:solidFill>
                   <a:schemeClr val="tx1"/>
                 </a:solidFill>
-                <a:latin typeface="Arial" panose="020B0604020202090204" pitchFamily="34" charset="0"/>
+                <a:latin typeface="Arial" panose="020B0704020202020204" pitchFamily="34" charset="0"/>
                 <a:ea typeface="宋体" pitchFamily="2" charset="-122"/>
               </a:defRPr>
             </a:lvl9pPr>
@@ -33446,7 +33446,7 @@
                     <a:srgbClr val="C0C0C0"/>
                   </a:outerShdw>
                 </a:effectLst>
-                <a:latin typeface="Times New Roman" panose="02020503050405090304" pitchFamily="18" charset="0"/>
+                <a:latin typeface="Times New Roman" panose="02020603050405020304" pitchFamily="18" charset="0"/>
               </a:rPr>
               <a:t>可使用</a:t>
             </a:r>
@@ -33457,7 +33457,7 @@
                     <a:srgbClr val="C0C0C0"/>
                   </a:outerShdw>
                 </a:effectLst>
-                <a:latin typeface="Times New Roman" panose="02020503050405090304" pitchFamily="18" charset="0"/>
+                <a:latin typeface="Times New Roman" panose="02020603050405020304" pitchFamily="18" charset="0"/>
               </a:rPr>
               <a:t>0</a:t>
             </a:r>
@@ -33468,7 +33468,7 @@
                     <a:srgbClr val="C0C0C0"/>
                   </a:outerShdw>
                 </a:effectLst>
-                <a:latin typeface="Times New Roman" panose="02020503050405090304" pitchFamily="18" charset="0"/>
+                <a:latin typeface="Times New Roman" panose="02020603050405020304" pitchFamily="18" charset="0"/>
               </a:rPr>
               <a:t>、</a:t>
             </a:r>
@@ -33479,7 +33479,7 @@
                     <a:srgbClr val="C0C0C0"/>
                   </a:outerShdw>
                 </a:effectLst>
-                <a:latin typeface="Times New Roman" panose="02020503050405090304" pitchFamily="18" charset="0"/>
+                <a:latin typeface="Times New Roman" panose="02020603050405020304" pitchFamily="18" charset="0"/>
               </a:rPr>
               <a:t>1…9</a:t>
             </a:r>
@@ -33490,7 +33490,7 @@
                     <a:srgbClr val="C0C0C0"/>
                   </a:outerShdw>
                 </a:effectLst>
-                <a:latin typeface="Times New Roman" panose="02020503050405090304" pitchFamily="18" charset="0"/>
+                <a:latin typeface="Times New Roman" panose="02020603050405020304" pitchFamily="18" charset="0"/>
               </a:rPr>
               <a:t>，共</a:t>
             </a:r>
@@ -33501,7 +33501,7 @@
                     <a:srgbClr val="C0C0C0"/>
                   </a:outerShdw>
                 </a:effectLst>
-                <a:latin typeface="Times New Roman" panose="02020503050405090304" pitchFamily="18" charset="0"/>
+                <a:latin typeface="Times New Roman" panose="02020603050405020304" pitchFamily="18" charset="0"/>
               </a:rPr>
               <a:t>10</a:t>
             </a:r>
@@ -33512,7 +33512,7 @@
                     <a:srgbClr val="C0C0C0"/>
                   </a:outerShdw>
                 </a:effectLst>
-                <a:latin typeface="Times New Roman" panose="02020503050405090304" pitchFamily="18" charset="0"/>
+                <a:latin typeface="Times New Roman" panose="02020603050405020304" pitchFamily="18" charset="0"/>
               </a:rPr>
               <a:t>个数</a:t>
             </a:r>
@@ -33522,7 +33522,7 @@
                   <a:srgbClr val="C0C0C0"/>
                 </a:outerShdw>
               </a:effectLst>
-              <a:latin typeface="Times New Roman" panose="02020503050405090304" pitchFamily="18" charset="0"/>
+              <a:latin typeface="Times New Roman" panose="02020603050405020304" pitchFamily="18" charset="0"/>
             </a:endParaRPr>
           </a:p>
         </p:txBody>
@@ -33589,7 +33589,7 @@
                     <a:srgbClr val="000000"/>
                   </a:outerShdw>
                 </a:effectLst>
-                <a:latin typeface="Times New Roman" panose="02020503050405090304" pitchFamily="18" charset="0"/>
+                <a:latin typeface="Times New Roman" panose="02020603050405020304" pitchFamily="18" charset="0"/>
               </a:rPr>
               <a:t>十进制</a:t>
             </a:r>
@@ -33602,7 +33602,7 @@
                   <a:srgbClr val="000000"/>
                 </a:outerShdw>
               </a:effectLst>
-              <a:latin typeface="Times New Roman" panose="02020503050405090304" pitchFamily="18" charset="0"/>
+              <a:latin typeface="Times New Roman" panose="02020603050405020304" pitchFamily="18" charset="0"/>
             </a:endParaRPr>
           </a:p>
         </p:txBody>
@@ -33722,7 +33722,7 @@
                     <a:srgbClr val="000000"/>
                   </a:outerShdw>
                 </a:effectLst>
-                <a:latin typeface="Times New Roman" panose="02020503050405090304" pitchFamily="18" charset="0"/>
+                <a:latin typeface="Times New Roman" panose="02020603050405020304" pitchFamily="18" charset="0"/>
               </a:rPr>
               <a:t>基数为</a:t>
             </a:r>
@@ -33736,7 +33736,7 @@
                     <a:srgbClr val="000000"/>
                   </a:outerShdw>
                 </a:effectLst>
-                <a:latin typeface="Times New Roman" panose="02020503050405090304" pitchFamily="18" charset="0"/>
+                <a:latin typeface="Times New Roman" panose="02020603050405020304" pitchFamily="18" charset="0"/>
               </a:rPr>
               <a:t>10</a:t>
             </a:r>
@@ -33749,7 +33749,7 @@
                   <a:srgbClr val="000000"/>
                 </a:outerShdw>
               </a:effectLst>
-              <a:latin typeface="Times New Roman" panose="02020503050405090304" pitchFamily="18" charset="0"/>
+              <a:latin typeface="Times New Roman" panose="02020603050405020304" pitchFamily="18" charset="0"/>
             </a:endParaRPr>
           </a:p>
         </p:txBody>
@@ -33869,7 +33869,7 @@
                     <a:srgbClr val="000000"/>
                   </a:outerShdw>
                 </a:effectLst>
-                <a:latin typeface="Times New Roman" panose="02020503050405090304" pitchFamily="18" charset="0"/>
+                <a:latin typeface="Times New Roman" panose="02020603050405020304" pitchFamily="18" charset="0"/>
               </a:rPr>
               <a:t>逢十进一</a:t>
             </a:r>
@@ -33882,7 +33882,7 @@
                   <a:srgbClr val="000000"/>
                 </a:outerShdw>
               </a:effectLst>
-              <a:latin typeface="Times New Roman" panose="02020503050405090304" pitchFamily="18" charset="0"/>
+              <a:latin typeface="Times New Roman" panose="02020603050405020304" pitchFamily="18" charset="0"/>
             </a:endParaRPr>
           </a:p>
         </p:txBody>
@@ -33954,7 +33954,7 @@
                     <a:srgbClr val="C0C0C0"/>
                   </a:outerShdw>
                 </a:effectLst>
-                <a:latin typeface="Times New Roman" panose="02020503050405090304" pitchFamily="18" charset="0"/>
+                <a:latin typeface="Times New Roman" panose="02020603050405020304" pitchFamily="18" charset="0"/>
               </a:rPr>
               <a:t>可使用</a:t>
             </a:r>
@@ -33965,7 +33965,7 @@
                     <a:srgbClr val="C0C0C0"/>
                   </a:outerShdw>
                 </a:effectLst>
-                <a:latin typeface="Times New Roman" panose="02020503050405090304" pitchFamily="18" charset="0"/>
+                <a:latin typeface="Times New Roman" panose="02020603050405020304" pitchFamily="18" charset="0"/>
               </a:rPr>
               <a:t>0</a:t>
             </a:r>
@@ -33976,7 +33976,7 @@
                     <a:srgbClr val="C0C0C0"/>
                   </a:outerShdw>
                 </a:effectLst>
-                <a:latin typeface="Times New Roman" panose="02020503050405090304" pitchFamily="18" charset="0"/>
+                <a:latin typeface="Times New Roman" panose="02020603050405020304" pitchFamily="18" charset="0"/>
               </a:rPr>
               <a:t>、</a:t>
             </a:r>
@@ -33987,7 +33987,7 @@
                     <a:srgbClr val="C0C0C0"/>
                   </a:outerShdw>
                 </a:effectLst>
-                <a:latin typeface="Times New Roman" panose="02020503050405090304" pitchFamily="18" charset="0"/>
+                <a:latin typeface="Times New Roman" panose="02020603050405020304" pitchFamily="18" charset="0"/>
               </a:rPr>
               <a:t>1</a:t>
             </a:r>
@@ -33998,7 +33998,7 @@
                     <a:srgbClr val="C0C0C0"/>
                   </a:outerShdw>
                 </a:effectLst>
-                <a:latin typeface="Times New Roman" panose="02020503050405090304" pitchFamily="18" charset="0"/>
+                <a:latin typeface="Times New Roman" panose="02020603050405020304" pitchFamily="18" charset="0"/>
               </a:rPr>
               <a:t>，共</a:t>
             </a:r>
@@ -34009,7 +34009,7 @@
                     <a:srgbClr val="C0C0C0"/>
                   </a:outerShdw>
                 </a:effectLst>
-                <a:latin typeface="Times New Roman" panose="02020503050405090304" pitchFamily="18" charset="0"/>
+                <a:latin typeface="Times New Roman" panose="02020603050405020304" pitchFamily="18" charset="0"/>
               </a:rPr>
               <a:t>2</a:t>
             </a:r>
@@ -34020,7 +34020,7 @@
                     <a:srgbClr val="C0C0C0"/>
                   </a:outerShdw>
                 </a:effectLst>
-                <a:latin typeface="Times New Roman" panose="02020503050405090304" pitchFamily="18" charset="0"/>
+                <a:latin typeface="Times New Roman" panose="02020603050405020304" pitchFamily="18" charset="0"/>
               </a:rPr>
               <a:t>个数</a:t>
             </a:r>
@@ -34030,7 +34030,7 @@
                   <a:srgbClr val="C0C0C0"/>
                 </a:outerShdw>
               </a:effectLst>
-              <a:latin typeface="Times New Roman" panose="02020503050405090304" pitchFamily="18" charset="0"/>
+              <a:latin typeface="Times New Roman" panose="02020603050405020304" pitchFamily="18" charset="0"/>
             </a:endParaRPr>
           </a:p>
         </p:txBody>
@@ -34097,7 +34097,7 @@
                     <a:srgbClr val="000000"/>
                   </a:outerShdw>
                 </a:effectLst>
-                <a:latin typeface="Times New Roman" panose="02020503050405090304" pitchFamily="18" charset="0"/>
+                <a:latin typeface="Times New Roman" panose="02020603050405020304" pitchFamily="18" charset="0"/>
               </a:rPr>
               <a:t>二进制</a:t>
             </a:r>
@@ -34110,7 +34110,7 @@
                   <a:srgbClr val="000000"/>
                 </a:outerShdw>
               </a:effectLst>
-              <a:latin typeface="Times New Roman" panose="02020503050405090304" pitchFamily="18" charset="0"/>
+              <a:latin typeface="Times New Roman" panose="02020603050405020304" pitchFamily="18" charset="0"/>
             </a:endParaRPr>
           </a:p>
         </p:txBody>
@@ -34230,7 +34230,7 @@
                     <a:srgbClr val="000000"/>
                   </a:outerShdw>
                 </a:effectLst>
-                <a:latin typeface="Times New Roman" panose="02020503050405090304" pitchFamily="18" charset="0"/>
+                <a:latin typeface="Times New Roman" panose="02020603050405020304" pitchFamily="18" charset="0"/>
               </a:rPr>
               <a:t>基数为</a:t>
             </a:r>
@@ -34244,7 +34244,7 @@
                     <a:srgbClr val="000000"/>
                   </a:outerShdw>
                 </a:effectLst>
-                <a:latin typeface="Times New Roman" panose="02020503050405090304" pitchFamily="18" charset="0"/>
+                <a:latin typeface="Times New Roman" panose="02020603050405020304" pitchFamily="18" charset="0"/>
               </a:rPr>
               <a:t>2</a:t>
             </a:r>
@@ -34257,7 +34257,7 @@
                   <a:srgbClr val="000000"/>
                 </a:outerShdw>
               </a:effectLst>
-              <a:latin typeface="Times New Roman" panose="02020503050405090304" pitchFamily="18" charset="0"/>
+              <a:latin typeface="Times New Roman" panose="02020603050405020304" pitchFamily="18" charset="0"/>
             </a:endParaRPr>
           </a:p>
         </p:txBody>
@@ -34377,7 +34377,7 @@
                     <a:srgbClr val="000000"/>
                   </a:outerShdw>
                 </a:effectLst>
-                <a:latin typeface="Times New Roman" panose="02020503050405090304" pitchFamily="18" charset="0"/>
+                <a:latin typeface="Times New Roman" panose="02020603050405020304" pitchFamily="18" charset="0"/>
               </a:rPr>
               <a:t>逢二进一</a:t>
             </a:r>
@@ -34390,7 +34390,7 @@
                   <a:srgbClr val="000000"/>
                 </a:outerShdw>
               </a:effectLst>
-              <a:latin typeface="Times New Roman" panose="02020503050405090304" pitchFamily="18" charset="0"/>
+              <a:latin typeface="Times New Roman" panose="02020603050405020304" pitchFamily="18" charset="0"/>
             </a:endParaRPr>
           </a:p>
         </p:txBody>
@@ -34462,7 +34462,7 @@
                     <a:srgbClr val="C0C0C0"/>
                   </a:outerShdw>
                 </a:effectLst>
-                <a:latin typeface="Times New Roman" panose="02020503050405090304" pitchFamily="18" charset="0"/>
+                <a:latin typeface="Times New Roman" panose="02020603050405020304" pitchFamily="18" charset="0"/>
               </a:rPr>
               <a:t>可使用</a:t>
             </a:r>
@@ -34473,7 +34473,7 @@
                     <a:srgbClr val="C0C0C0"/>
                   </a:outerShdw>
                 </a:effectLst>
-                <a:latin typeface="Times New Roman" panose="02020503050405090304" pitchFamily="18" charset="0"/>
+                <a:latin typeface="Times New Roman" panose="02020603050405020304" pitchFamily="18" charset="0"/>
               </a:rPr>
               <a:t>0</a:t>
             </a:r>
@@ -34484,7 +34484,7 @@
                     <a:srgbClr val="C0C0C0"/>
                   </a:outerShdw>
                 </a:effectLst>
-                <a:latin typeface="Times New Roman" panose="02020503050405090304" pitchFamily="18" charset="0"/>
+                <a:latin typeface="Times New Roman" panose="02020603050405020304" pitchFamily="18" charset="0"/>
               </a:rPr>
               <a:t>、</a:t>
             </a:r>
@@ -34495,7 +34495,7 @@
                     <a:srgbClr val="C0C0C0"/>
                   </a:outerShdw>
                 </a:effectLst>
-                <a:latin typeface="Times New Roman" panose="02020503050405090304" pitchFamily="18" charset="0"/>
+                <a:latin typeface="Times New Roman" panose="02020603050405020304" pitchFamily="18" charset="0"/>
               </a:rPr>
               <a:t>1……7</a:t>
             </a:r>
@@ -34506,7 +34506,7 @@
                     <a:srgbClr val="C0C0C0"/>
                   </a:outerShdw>
                 </a:effectLst>
-                <a:latin typeface="Times New Roman" panose="02020503050405090304" pitchFamily="18" charset="0"/>
+                <a:latin typeface="Times New Roman" panose="02020603050405020304" pitchFamily="18" charset="0"/>
               </a:rPr>
               <a:t>，共</a:t>
             </a:r>
@@ -34517,7 +34517,7 @@
                     <a:srgbClr val="C0C0C0"/>
                   </a:outerShdw>
                 </a:effectLst>
-                <a:latin typeface="Times New Roman" panose="02020503050405090304" pitchFamily="18" charset="0"/>
+                <a:latin typeface="Times New Roman" panose="02020603050405020304" pitchFamily="18" charset="0"/>
               </a:rPr>
               <a:t>8</a:t>
             </a:r>
@@ -34528,7 +34528,7 @@
                     <a:srgbClr val="C0C0C0"/>
                   </a:outerShdw>
                 </a:effectLst>
-                <a:latin typeface="Times New Roman" panose="02020503050405090304" pitchFamily="18" charset="0"/>
+                <a:latin typeface="Times New Roman" panose="02020603050405020304" pitchFamily="18" charset="0"/>
               </a:rPr>
               <a:t>个数</a:t>
             </a:r>
@@ -34538,7 +34538,7 @@
                   <a:srgbClr val="C0C0C0"/>
                 </a:outerShdw>
               </a:effectLst>
-              <a:latin typeface="Times New Roman" panose="02020503050405090304" pitchFamily="18" charset="0"/>
+              <a:latin typeface="Times New Roman" panose="02020603050405020304" pitchFamily="18" charset="0"/>
             </a:endParaRPr>
           </a:p>
         </p:txBody>
@@ -34605,7 +34605,7 @@
                     <a:srgbClr val="000000"/>
                   </a:outerShdw>
                 </a:effectLst>
-                <a:latin typeface="Times New Roman" panose="02020503050405090304" pitchFamily="18" charset="0"/>
+                <a:latin typeface="Times New Roman" panose="02020603050405020304" pitchFamily="18" charset="0"/>
               </a:rPr>
               <a:t>八进制</a:t>
             </a:r>
@@ -34618,7 +34618,7 @@
                   <a:srgbClr val="000000"/>
                 </a:outerShdw>
               </a:effectLst>
-              <a:latin typeface="Times New Roman" panose="02020503050405090304" pitchFamily="18" charset="0"/>
+              <a:latin typeface="Times New Roman" panose="02020603050405020304" pitchFamily="18" charset="0"/>
             </a:endParaRPr>
           </a:p>
         </p:txBody>
@@ -34738,7 +34738,7 @@
                     <a:srgbClr val="000000"/>
                   </a:outerShdw>
                 </a:effectLst>
-                <a:latin typeface="Times New Roman" panose="02020503050405090304" pitchFamily="18" charset="0"/>
+                <a:latin typeface="Times New Roman" panose="02020603050405020304" pitchFamily="18" charset="0"/>
               </a:rPr>
               <a:t>基数为</a:t>
             </a:r>
@@ -34752,7 +34752,7 @@
                     <a:srgbClr val="000000"/>
                   </a:outerShdw>
                 </a:effectLst>
-                <a:latin typeface="Times New Roman" panose="02020503050405090304" pitchFamily="18" charset="0"/>
+                <a:latin typeface="Times New Roman" panose="02020603050405020304" pitchFamily="18" charset="0"/>
               </a:rPr>
               <a:t>8</a:t>
             </a:r>
@@ -34765,7 +34765,7 @@
                   <a:srgbClr val="000000"/>
                 </a:outerShdw>
               </a:effectLst>
-              <a:latin typeface="Times New Roman" panose="02020503050405090304" pitchFamily="18" charset="0"/>
+              <a:latin typeface="Times New Roman" panose="02020603050405020304" pitchFamily="18" charset="0"/>
             </a:endParaRPr>
           </a:p>
         </p:txBody>
@@ -34885,7 +34885,7 @@
                     <a:srgbClr val="000000"/>
                   </a:outerShdw>
                 </a:effectLst>
-                <a:latin typeface="Times New Roman" panose="02020503050405090304" pitchFamily="18" charset="0"/>
+                <a:latin typeface="Times New Roman" panose="02020603050405020304" pitchFamily="18" charset="0"/>
               </a:rPr>
               <a:t>逢八进一</a:t>
             </a:r>
@@ -34898,7 +34898,7 @@
                   <a:srgbClr val="000000"/>
                 </a:outerShdw>
               </a:effectLst>
-              <a:latin typeface="Times New Roman" panose="02020503050405090304" pitchFamily="18" charset="0"/>
+              <a:latin typeface="Times New Roman" panose="02020603050405020304" pitchFamily="18" charset="0"/>
             </a:endParaRPr>
           </a:p>
         </p:txBody>
@@ -34970,7 +34970,7 @@
                     <a:srgbClr val="C0C0C0"/>
                   </a:outerShdw>
                 </a:effectLst>
-                <a:latin typeface="Times New Roman" panose="02020503050405090304" pitchFamily="18" charset="0"/>
+                <a:latin typeface="Times New Roman" panose="02020603050405020304" pitchFamily="18" charset="0"/>
               </a:rPr>
               <a:t>可使用</a:t>
             </a:r>
@@ -34981,7 +34981,7 @@
                     <a:srgbClr val="C0C0C0"/>
                   </a:outerShdw>
                 </a:effectLst>
-                <a:latin typeface="Times New Roman" panose="02020503050405090304" pitchFamily="18" charset="0"/>
+                <a:latin typeface="Times New Roman" panose="02020603050405020304" pitchFamily="18" charset="0"/>
               </a:rPr>
               <a:t>0</a:t>
             </a:r>
@@ -34992,7 +34992,7 @@
                     <a:srgbClr val="C0C0C0"/>
                   </a:outerShdw>
                 </a:effectLst>
-                <a:latin typeface="Times New Roman" panose="02020503050405090304" pitchFamily="18" charset="0"/>
+                <a:latin typeface="Times New Roman" panose="02020603050405020304" pitchFamily="18" charset="0"/>
               </a:rPr>
               <a:t>、</a:t>
             </a:r>
@@ -35003,7 +35003,7 @@
                     <a:srgbClr val="C0C0C0"/>
                   </a:outerShdw>
                 </a:effectLst>
-                <a:latin typeface="Times New Roman" panose="02020503050405090304" pitchFamily="18" charset="0"/>
+                <a:latin typeface="Times New Roman" panose="02020603050405020304" pitchFamily="18" charset="0"/>
               </a:rPr>
               <a:t>1…9</a:t>
             </a:r>
@@ -35014,7 +35014,7 @@
                     <a:srgbClr val="C0C0C0"/>
                   </a:outerShdw>
                 </a:effectLst>
-                <a:latin typeface="Times New Roman" panose="02020503050405090304" pitchFamily="18" charset="0"/>
+                <a:latin typeface="Times New Roman" panose="02020603050405020304" pitchFamily="18" charset="0"/>
               </a:rPr>
               <a:t>、</a:t>
             </a:r>
@@ -35025,7 +35025,7 @@
                     <a:srgbClr val="C0C0C0"/>
                   </a:outerShdw>
                 </a:effectLst>
-                <a:latin typeface="Times New Roman" panose="02020503050405090304" pitchFamily="18" charset="0"/>
+                <a:latin typeface="Times New Roman" panose="02020603050405020304" pitchFamily="18" charset="0"/>
               </a:rPr>
               <a:t>A…F</a:t>
             </a:r>
@@ -35036,7 +35036,7 @@
                     <a:srgbClr val="C0C0C0"/>
                   </a:outerShdw>
                 </a:effectLst>
-                <a:latin typeface="Times New Roman" panose="02020503050405090304" pitchFamily="18" charset="0"/>
+                <a:latin typeface="Times New Roman" panose="02020603050405020304" pitchFamily="18" charset="0"/>
               </a:rPr>
               <a:t>，共</a:t>
             </a:r>
@@ -35047,7 +35047,7 @@
                     <a:srgbClr val="C0C0C0"/>
                   </a:outerShdw>
                 </a:effectLst>
-                <a:latin typeface="Times New Roman" panose="02020503050405090304" pitchFamily="18" charset="0"/>
+                <a:latin typeface="Times New Roman" panose="02020603050405020304" pitchFamily="18" charset="0"/>
               </a:rPr>
               <a:t>16</a:t>
             </a:r>
@@ -35058,7 +35058,7 @@
                     <a:srgbClr val="C0C0C0"/>
                   </a:outerShdw>
                 </a:effectLst>
-                <a:latin typeface="Times New Roman" panose="02020503050405090304" pitchFamily="18" charset="0"/>
+                <a:latin typeface="Times New Roman" panose="02020603050405020304" pitchFamily="18" charset="0"/>
               </a:rPr>
               <a:t>个数</a:t>
             </a:r>
@@ -35068,7 +35068,7 @@
                   <a:srgbClr val="C0C0C0"/>
                 </a:outerShdw>
               </a:effectLst>
-              <a:latin typeface="Times New Roman" panose="02020503050405090304" pitchFamily="18" charset="0"/>
+              <a:latin typeface="Times New Roman" panose="02020603050405020304" pitchFamily="18" charset="0"/>
             </a:endParaRPr>
           </a:p>
         </p:txBody>
@@ -35135,7 +35135,7 @@
                     <a:srgbClr val="000000"/>
                   </a:outerShdw>
                 </a:effectLst>
-                <a:latin typeface="Times New Roman" panose="02020503050405090304" pitchFamily="18" charset="0"/>
+                <a:latin typeface="Times New Roman" panose="02020603050405020304" pitchFamily="18" charset="0"/>
               </a:rPr>
               <a:t>十六进制</a:t>
             </a:r>
@@ -35148,7 +35148,7 @@
                   <a:srgbClr val="000000"/>
                 </a:outerShdw>
               </a:effectLst>
-              <a:latin typeface="Times New Roman" panose="02020503050405090304" pitchFamily="18" charset="0"/>
+              <a:latin typeface="Times New Roman" panose="02020603050405020304" pitchFamily="18" charset="0"/>
             </a:endParaRPr>
           </a:p>
         </p:txBody>
@@ -35268,7 +35268,7 @@
                     <a:srgbClr val="000000"/>
                   </a:outerShdw>
                 </a:effectLst>
-                <a:latin typeface="Times New Roman" panose="02020503050405090304" pitchFamily="18" charset="0"/>
+                <a:latin typeface="Times New Roman" panose="02020603050405020304" pitchFamily="18" charset="0"/>
               </a:rPr>
               <a:t>基数为</a:t>
             </a:r>
@@ -35282,7 +35282,7 @@
                     <a:srgbClr val="000000"/>
                   </a:outerShdw>
                 </a:effectLst>
-                <a:latin typeface="Times New Roman" panose="02020503050405090304" pitchFamily="18" charset="0"/>
+                <a:latin typeface="Times New Roman" panose="02020603050405020304" pitchFamily="18" charset="0"/>
               </a:rPr>
               <a:t>16</a:t>
             </a:r>
@@ -35295,7 +35295,7 @@
                   <a:srgbClr val="000000"/>
                 </a:outerShdw>
               </a:effectLst>
-              <a:latin typeface="Times New Roman" panose="02020503050405090304" pitchFamily="18" charset="0"/>
+              <a:latin typeface="Times New Roman" panose="02020603050405020304" pitchFamily="18" charset="0"/>
             </a:endParaRPr>
           </a:p>
         </p:txBody>
@@ -35415,7 +35415,7 @@
                     <a:srgbClr val="000000"/>
                   </a:outerShdw>
                 </a:effectLst>
-                <a:latin typeface="Times New Roman" panose="02020503050405090304" pitchFamily="18" charset="0"/>
+                <a:latin typeface="Times New Roman" panose="02020603050405020304" pitchFamily="18" charset="0"/>
               </a:rPr>
               <a:t>逢十六进一</a:t>
             </a:r>
@@ -35428,7 +35428,7 @@
                   <a:srgbClr val="000000"/>
                 </a:outerShdw>
               </a:effectLst>
-              <a:latin typeface="Times New Roman" panose="02020503050405090304" pitchFamily="18" charset="0"/>
+              <a:latin typeface="Times New Roman" panose="02020603050405020304" pitchFamily="18" charset="0"/>
             </a:endParaRPr>
           </a:p>
         </p:txBody>
@@ -36775,246 +36775,246 @@
           <a:p>
             <a:r>
               <a:rPr lang="zh-CN" altLang="en-US">
-                <a:latin typeface="Times New Roman Regular" panose="02020503050405090304" charset="0"/>
-                <a:cs typeface="Times New Roman Regular" panose="02020503050405090304" charset="0"/>
+                <a:latin typeface="Times New Roman Regular" panose="02020603050405020304" charset="0"/>
+                <a:cs typeface="Times New Roman Regular" panose="02020603050405020304" charset="0"/>
               </a:rPr>
               <a:t>#include &lt;iostream&gt;</a:t>
             </a:r>
             <a:endParaRPr lang="zh-CN" altLang="en-US">
-              <a:latin typeface="Times New Roman Regular" panose="02020503050405090304" charset="0"/>
-              <a:cs typeface="Times New Roman Regular" panose="02020503050405090304" charset="0"/>
+              <a:latin typeface="Times New Roman Regular" panose="02020603050405020304" charset="0"/>
+              <a:cs typeface="Times New Roman Regular" panose="02020603050405020304" charset="0"/>
             </a:endParaRPr>
           </a:p>
           <a:p>
             <a:r>
               <a:rPr lang="zh-CN" altLang="en-US">
-                <a:latin typeface="Times New Roman Regular" panose="02020503050405090304" charset="0"/>
-                <a:cs typeface="Times New Roman Regular" panose="02020503050405090304" charset="0"/>
+                <a:latin typeface="Times New Roman Regular" panose="02020603050405020304" charset="0"/>
+                <a:cs typeface="Times New Roman Regular" panose="02020603050405020304" charset="0"/>
               </a:rPr>
               <a:t>using namespace std;</a:t>
             </a:r>
             <a:endParaRPr lang="zh-CN" altLang="en-US">
-              <a:latin typeface="Times New Roman Regular" panose="02020503050405090304" charset="0"/>
-              <a:cs typeface="Times New Roman Regular" panose="02020503050405090304" charset="0"/>
+              <a:latin typeface="Times New Roman Regular" panose="02020603050405020304" charset="0"/>
+              <a:cs typeface="Times New Roman Regular" panose="02020603050405020304" charset="0"/>
             </a:endParaRPr>
           </a:p>
           <a:p>
             <a:endParaRPr lang="zh-CN" altLang="en-US">
-              <a:latin typeface="Times New Roman Regular" panose="02020503050405090304" charset="0"/>
-              <a:cs typeface="Times New Roman Regular" panose="02020503050405090304" charset="0"/>
+              <a:latin typeface="Times New Roman Regular" panose="02020603050405020304" charset="0"/>
+              <a:cs typeface="Times New Roman Regular" panose="02020603050405020304" charset="0"/>
             </a:endParaRPr>
           </a:p>
           <a:p>
             <a:r>
               <a:rPr lang="zh-CN" altLang="en-US">
-                <a:latin typeface="Times New Roman Regular" panose="02020503050405090304" charset="0"/>
-                <a:cs typeface="Times New Roman Regular" panose="02020503050405090304" charset="0"/>
+                <a:latin typeface="Times New Roman Regular" panose="02020603050405020304" charset="0"/>
+                <a:cs typeface="Times New Roman Regular" panose="02020603050405020304" charset="0"/>
               </a:rPr>
               <a:t>int main() {</a:t>
             </a:r>
             <a:endParaRPr lang="zh-CN" altLang="en-US">
-              <a:latin typeface="Times New Roman Regular" panose="02020503050405090304" charset="0"/>
-              <a:cs typeface="Times New Roman Regular" panose="02020503050405090304" charset="0"/>
+              <a:latin typeface="Times New Roman Regular" panose="02020603050405020304" charset="0"/>
+              <a:cs typeface="Times New Roman Regular" panose="02020603050405020304" charset="0"/>
             </a:endParaRPr>
           </a:p>
           <a:p>
             <a:r>
               <a:rPr lang="zh-CN" altLang="en-US">
-                <a:latin typeface="Times New Roman Regular" panose="02020503050405090304" charset="0"/>
-                <a:cs typeface="Times New Roman Regular" panose="02020503050405090304" charset="0"/>
+                <a:latin typeface="Times New Roman Regular" panose="02020603050405020304" charset="0"/>
+                <a:cs typeface="Times New Roman Regular" panose="02020603050405020304" charset="0"/>
               </a:rPr>
               <a:t>    int n, k;</a:t>
             </a:r>
             <a:endParaRPr lang="zh-CN" altLang="en-US">
-              <a:latin typeface="Times New Roman Regular" panose="02020503050405090304" charset="0"/>
-              <a:cs typeface="Times New Roman Regular" panose="02020503050405090304" charset="0"/>
+              <a:latin typeface="Times New Roman Regular" panose="02020603050405020304" charset="0"/>
+              <a:cs typeface="Times New Roman Regular" panose="02020603050405020304" charset="0"/>
             </a:endParaRPr>
           </a:p>
           <a:p>
             <a:r>
               <a:rPr lang="zh-CN" altLang="en-US">
-                <a:latin typeface="Times New Roman Regular" panose="02020503050405090304" charset="0"/>
-                <a:cs typeface="Times New Roman Regular" panose="02020503050405090304" charset="0"/>
+                <a:latin typeface="Times New Roman Regular" panose="02020603050405020304" charset="0"/>
+                <a:cs typeface="Times New Roman Regular" panose="02020603050405020304" charset="0"/>
               </a:rPr>
               <a:t>    cin &gt;&gt; n &gt;&gt; k;</a:t>
             </a:r>
             <a:endParaRPr lang="zh-CN" altLang="en-US">
-              <a:latin typeface="Times New Roman Regular" panose="02020503050405090304" charset="0"/>
-              <a:cs typeface="Times New Roman Regular" panose="02020503050405090304" charset="0"/>
+              <a:latin typeface="Times New Roman Regular" panose="02020603050405020304" charset="0"/>
+              <a:cs typeface="Times New Roman Regular" panose="02020603050405020304" charset="0"/>
             </a:endParaRPr>
           </a:p>
           <a:p>
             <a:r>
               <a:rPr lang="zh-CN" altLang="en-US">
-                <a:latin typeface="Times New Roman Regular" panose="02020503050405090304" charset="0"/>
-                <a:cs typeface="Times New Roman Regular" panose="02020503050405090304" charset="0"/>
+                <a:latin typeface="Times New Roman Regular" panose="02020603050405020304" charset="0"/>
+                <a:cs typeface="Times New Roman Regular" panose="02020603050405020304" charset="0"/>
               </a:rPr>
               <a:t>    int nums[n];</a:t>
             </a:r>
             <a:endParaRPr lang="zh-CN" altLang="en-US">
-              <a:latin typeface="Times New Roman Regular" panose="02020503050405090304" charset="0"/>
-              <a:cs typeface="Times New Roman Regular" panose="02020503050405090304" charset="0"/>
+              <a:latin typeface="Times New Roman Regular" panose="02020603050405020304" charset="0"/>
+              <a:cs typeface="Times New Roman Regular" panose="02020603050405020304" charset="0"/>
             </a:endParaRPr>
           </a:p>
           <a:p>
             <a:endParaRPr lang="zh-CN" altLang="en-US">
-              <a:latin typeface="Times New Roman Regular" panose="02020503050405090304" charset="0"/>
-              <a:cs typeface="Times New Roman Regular" panose="02020503050405090304" charset="0"/>
+              <a:latin typeface="Times New Roman Regular" panose="02020603050405020304" charset="0"/>
+              <a:cs typeface="Times New Roman Regular" panose="02020603050405020304" charset="0"/>
             </a:endParaRPr>
           </a:p>
           <a:p>
             <a:r>
               <a:rPr lang="zh-CN" altLang="en-US">
-                <a:latin typeface="Times New Roman Regular" panose="02020503050405090304" charset="0"/>
-                <a:cs typeface="Times New Roman Regular" panose="02020503050405090304" charset="0"/>
+                <a:latin typeface="Times New Roman Regular" panose="02020603050405020304" charset="0"/>
+                <a:cs typeface="Times New Roman Regular" panose="02020603050405020304" charset="0"/>
               </a:rPr>
               <a:t>    for (int i = 0; i &lt; n; ++i) {</a:t>
             </a:r>
             <a:endParaRPr lang="zh-CN" altLang="en-US">
-              <a:latin typeface="Times New Roman Regular" panose="02020503050405090304" charset="0"/>
-              <a:cs typeface="Times New Roman Regular" panose="02020503050405090304" charset="0"/>
+              <a:latin typeface="Times New Roman Regular" panose="02020603050405020304" charset="0"/>
+              <a:cs typeface="Times New Roman Regular" panose="02020603050405020304" charset="0"/>
             </a:endParaRPr>
           </a:p>
           <a:p>
             <a:r>
               <a:rPr lang="zh-CN" altLang="en-US">
-                <a:latin typeface="Times New Roman Regular" panose="02020503050405090304" charset="0"/>
-                <a:cs typeface="Times New Roman Regular" panose="02020503050405090304" charset="0"/>
+                <a:latin typeface="Times New Roman Regular" panose="02020603050405020304" charset="0"/>
+                <a:cs typeface="Times New Roman Regular" panose="02020603050405020304" charset="0"/>
               </a:rPr>
               <a:t>        cin &gt;&gt; nums[i];</a:t>
             </a:r>
             <a:endParaRPr lang="zh-CN" altLang="en-US">
-              <a:latin typeface="Times New Roman Regular" panose="02020503050405090304" charset="0"/>
-              <a:cs typeface="Times New Roman Regular" panose="02020503050405090304" charset="0"/>
+              <a:latin typeface="Times New Roman Regular" panose="02020603050405020304" charset="0"/>
+              <a:cs typeface="Times New Roman Regular" panose="02020603050405020304" charset="0"/>
             </a:endParaRPr>
           </a:p>
           <a:p>
             <a:r>
               <a:rPr lang="zh-CN" altLang="en-US">
-                <a:latin typeface="Times New Roman Regular" panose="02020503050405090304" charset="0"/>
-                <a:cs typeface="Times New Roman Regular" panose="02020503050405090304" charset="0"/>
+                <a:latin typeface="Times New Roman Regular" panose="02020603050405020304" charset="0"/>
+                <a:cs typeface="Times New Roman Regular" panose="02020603050405020304" charset="0"/>
               </a:rPr>
               <a:t>    }</a:t>
             </a:r>
             <a:endParaRPr lang="zh-CN" altLang="en-US">
-              <a:latin typeface="Times New Roman Regular" panose="02020503050405090304" charset="0"/>
-              <a:cs typeface="Times New Roman Regular" panose="02020503050405090304" charset="0"/>
+              <a:latin typeface="Times New Roman Regular" panose="02020603050405020304" charset="0"/>
+              <a:cs typeface="Times New Roman Regular" panose="02020603050405020304" charset="0"/>
             </a:endParaRPr>
           </a:p>
           <a:p>
             <a:r>
               <a:rPr lang="zh-CN" altLang="en-US">
-                <a:latin typeface="Times New Roman Regular" panose="02020503050405090304" charset="0"/>
-                <a:cs typeface="Times New Roman Regular" panose="02020503050405090304" charset="0"/>
+                <a:latin typeface="Times New Roman Regular" panose="02020603050405020304" charset="0"/>
+                <a:cs typeface="Times New Roman Regular" panose="02020603050405020304" charset="0"/>
               </a:rPr>
               <a:t>    // 装载最大以及最小值</a:t>
             </a:r>
             <a:endParaRPr lang="zh-CN" altLang="en-US">
-              <a:latin typeface="Times New Roman Regular" panose="02020503050405090304" charset="0"/>
-              <a:cs typeface="Times New Roman Regular" panose="02020503050405090304" charset="0"/>
+              <a:latin typeface="Times New Roman Regular" panose="02020603050405020304" charset="0"/>
+              <a:cs typeface="Times New Roman Regular" panose="02020603050405020304" charset="0"/>
             </a:endParaRPr>
           </a:p>
           <a:p>
             <a:r>
               <a:rPr lang="zh-CN" altLang="en-US">
-                <a:latin typeface="Times New Roman Regular" panose="02020503050405090304" charset="0"/>
-                <a:cs typeface="Times New Roman Regular" panose="02020503050405090304" charset="0"/>
+                <a:latin typeface="Times New Roman Regular" panose="02020603050405020304" charset="0"/>
+                <a:cs typeface="Times New Roman Regular" panose="02020603050405020304" charset="0"/>
               </a:rPr>
               <a:t>    int minValues[n - k + 1];</a:t>
             </a:r>
             <a:endParaRPr lang="zh-CN" altLang="en-US">
-              <a:latin typeface="Times New Roman Regular" panose="02020503050405090304" charset="0"/>
-              <a:cs typeface="Times New Roman Regular" panose="02020503050405090304" charset="0"/>
+              <a:latin typeface="Times New Roman Regular" panose="02020603050405020304" charset="0"/>
+              <a:cs typeface="Times New Roman Regular" panose="02020603050405020304" charset="0"/>
             </a:endParaRPr>
           </a:p>
           <a:p>
             <a:r>
               <a:rPr lang="zh-CN" altLang="en-US">
-                <a:latin typeface="Times New Roman Regular" panose="02020503050405090304" charset="0"/>
-                <a:cs typeface="Times New Roman Regular" panose="02020503050405090304" charset="0"/>
+                <a:latin typeface="Times New Roman Regular" panose="02020603050405020304" charset="0"/>
+                <a:cs typeface="Times New Roman Regular" panose="02020603050405020304" charset="0"/>
               </a:rPr>
               <a:t>    int maxValues[n - k + 1];</a:t>
             </a:r>
             <a:endParaRPr lang="zh-CN" altLang="en-US">
-              <a:latin typeface="Times New Roman Regular" panose="02020503050405090304" charset="0"/>
-              <a:cs typeface="Times New Roman Regular" panose="02020503050405090304" charset="0"/>
+              <a:latin typeface="Times New Roman Regular" panose="02020603050405020304" charset="0"/>
+              <a:cs typeface="Times New Roman Regular" panose="02020603050405020304" charset="0"/>
             </a:endParaRPr>
           </a:p>
           <a:p>
             <a:endParaRPr lang="zh-CN" altLang="en-US">
-              <a:latin typeface="Times New Roman Regular" panose="02020503050405090304" charset="0"/>
-              <a:cs typeface="Times New Roman Regular" panose="02020503050405090304" charset="0"/>
+              <a:latin typeface="Times New Roman Regular" panose="02020603050405020304" charset="0"/>
+              <a:cs typeface="Times New Roman Regular" panose="02020603050405020304" charset="0"/>
             </a:endParaRPr>
           </a:p>
           <a:p>
             <a:r>
               <a:rPr lang="zh-CN" altLang="en-US">
-                <a:latin typeface="Times New Roman Regular" panose="02020503050405090304" charset="0"/>
-                <a:cs typeface="Times New Roman Regular" panose="02020503050405090304" charset="0"/>
+                <a:latin typeface="Times New Roman Regular" panose="02020603050405020304" charset="0"/>
+                <a:cs typeface="Times New Roman Regular" panose="02020603050405020304" charset="0"/>
               </a:rPr>
               <a:t>    // 遍历每个窗口</a:t>
             </a:r>
             <a:endParaRPr lang="zh-CN" altLang="en-US">
-              <a:latin typeface="Times New Roman Regular" panose="02020503050405090304" charset="0"/>
-              <a:cs typeface="Times New Roman Regular" panose="02020503050405090304" charset="0"/>
+              <a:latin typeface="Times New Roman Regular" panose="02020603050405020304" charset="0"/>
+              <a:cs typeface="Times New Roman Regular" panose="02020603050405020304" charset="0"/>
             </a:endParaRPr>
           </a:p>
           <a:p>
             <a:r>
               <a:rPr lang="zh-CN" altLang="en-US">
-                <a:latin typeface="Times New Roman Regular" panose="02020503050405090304" charset="0"/>
-                <a:cs typeface="Times New Roman Regular" panose="02020503050405090304" charset="0"/>
+                <a:latin typeface="Times New Roman Regular" panose="02020603050405020304" charset="0"/>
+                <a:cs typeface="Times New Roman Regular" panose="02020603050405020304" charset="0"/>
               </a:rPr>
               <a:t>    for (int i = 0; i &lt;= n - k; ++i) {</a:t>
             </a:r>
             <a:endParaRPr lang="zh-CN" altLang="en-US">
-              <a:latin typeface="Times New Roman Regular" panose="02020503050405090304" charset="0"/>
-              <a:cs typeface="Times New Roman Regular" panose="02020503050405090304" charset="0"/>
+              <a:latin typeface="Times New Roman Regular" panose="02020603050405020304" charset="0"/>
+              <a:cs typeface="Times New Roman Regular" panose="02020603050405020304" charset="0"/>
             </a:endParaRPr>
           </a:p>
           <a:p>
             <a:r>
               <a:rPr lang="zh-CN" altLang="en-US">
-                <a:latin typeface="Times New Roman Regular" panose="02020503050405090304" charset="0"/>
-                <a:cs typeface="Times New Roman Regular" panose="02020503050405090304" charset="0"/>
+                <a:latin typeface="Times New Roman Regular" panose="02020603050405020304" charset="0"/>
+                <a:cs typeface="Times New Roman Regular" panose="02020603050405020304" charset="0"/>
               </a:rPr>
               <a:t>        int maxVal = INT_MIN;</a:t>
             </a:r>
             <a:endParaRPr lang="zh-CN" altLang="en-US">
-              <a:latin typeface="Times New Roman Regular" panose="02020503050405090304" charset="0"/>
-              <a:cs typeface="Times New Roman Regular" panose="02020503050405090304" charset="0"/>
+              <a:latin typeface="Times New Roman Regular" panose="02020603050405020304" charset="0"/>
+              <a:cs typeface="Times New Roman Regular" panose="02020603050405020304" charset="0"/>
             </a:endParaRPr>
           </a:p>
           <a:p>
             <a:r>
               <a:rPr lang="zh-CN" altLang="en-US">
-                <a:latin typeface="Times New Roman Regular" panose="02020503050405090304" charset="0"/>
-                <a:cs typeface="Times New Roman Regular" panose="02020503050405090304" charset="0"/>
+                <a:latin typeface="Times New Roman Regular" panose="02020603050405020304" charset="0"/>
+                <a:cs typeface="Times New Roman Regular" panose="02020603050405020304" charset="0"/>
               </a:rPr>
               <a:t>        int minVal = INT_MAX;</a:t>
             </a:r>
             <a:endParaRPr lang="zh-CN" altLang="en-US">
-              <a:latin typeface="Times New Roman Regular" panose="02020503050405090304" charset="0"/>
-              <a:cs typeface="Times New Roman Regular" panose="02020503050405090304" charset="0"/>
+              <a:latin typeface="Times New Roman Regular" panose="02020603050405020304" charset="0"/>
+              <a:cs typeface="Times New Roman Regular" panose="02020603050405020304" charset="0"/>
             </a:endParaRPr>
           </a:p>
           <a:p>
             <a:endParaRPr lang="zh-CN" altLang="en-US">
-              <a:latin typeface="Times New Roman Regular" panose="02020503050405090304" charset="0"/>
-              <a:cs typeface="Times New Roman Regular" panose="02020503050405090304" charset="0"/>
+              <a:latin typeface="Times New Roman Regular" panose="02020603050405020304" charset="0"/>
+              <a:cs typeface="Times New Roman Regular" panose="02020603050405020304" charset="0"/>
             </a:endParaRPr>
           </a:p>
           <a:p>
             <a:r>
               <a:rPr lang="zh-CN" altLang="en-US">
-                <a:latin typeface="Times New Roman Regular" panose="02020503050405090304" charset="0"/>
-                <a:cs typeface="Times New Roman Regular" panose="02020503050405090304" charset="0"/>
+                <a:latin typeface="Times New Roman Regular" panose="02020603050405020304" charset="0"/>
+                <a:cs typeface="Times New Roman Regular" panose="02020603050405020304" charset="0"/>
               </a:rPr>
               <a:t>      </a:t>
             </a:r>
             <a:endParaRPr lang="zh-CN" altLang="en-US">
-              <a:latin typeface="Times New Roman Regular" panose="02020503050405090304" charset="0"/>
-              <a:cs typeface="Times New Roman Regular" panose="02020503050405090304" charset="0"/>
+              <a:latin typeface="Times New Roman Regular" panose="02020603050405020304" charset="0"/>
+              <a:cs typeface="Times New Roman Regular" panose="02020603050405020304" charset="0"/>
             </a:endParaRPr>
           </a:p>
         </p:txBody>
@@ -37042,317 +37042,317 @@
           <a:p>
             <a:r>
               <a:rPr lang="zh-CN" altLang="en-US">
-                <a:latin typeface="Times New Roman Regular" panose="02020503050405090304" charset="0"/>
-                <a:cs typeface="Times New Roman Regular" panose="02020503050405090304" charset="0"/>
+                <a:latin typeface="Times New Roman Regular" panose="02020603050405020304" charset="0"/>
+                <a:cs typeface="Times New Roman Regular" panose="02020603050405020304" charset="0"/>
                 <a:sym typeface="+mn-ea"/>
               </a:rPr>
               <a:t>  // 在当前窗口找最大值和最小值</a:t>
             </a:r>
             <a:endParaRPr lang="zh-CN" altLang="en-US">
-              <a:latin typeface="Times New Roman Regular" panose="02020503050405090304" charset="0"/>
-              <a:cs typeface="Times New Roman Regular" panose="02020503050405090304" charset="0"/>
+              <a:latin typeface="Times New Roman Regular" panose="02020603050405020304" charset="0"/>
+              <a:cs typeface="Times New Roman Regular" panose="02020603050405020304" charset="0"/>
             </a:endParaRPr>
           </a:p>
           <a:p>
             <a:r>
               <a:rPr lang="zh-CN" altLang="en-US">
-                <a:latin typeface="Times New Roman Regular" panose="02020503050405090304" charset="0"/>
-                <a:cs typeface="Times New Roman Regular" panose="02020503050405090304" charset="0"/>
+                <a:latin typeface="Times New Roman Regular" panose="02020603050405020304" charset="0"/>
+                <a:cs typeface="Times New Roman Regular" panose="02020603050405020304" charset="0"/>
                 <a:sym typeface="+mn-ea"/>
               </a:rPr>
               <a:t>        for (int j = i; j &lt; i + k; ++j) {</a:t>
             </a:r>
             <a:endParaRPr lang="zh-CN" altLang="en-US">
-              <a:latin typeface="Times New Roman Regular" panose="02020503050405090304" charset="0"/>
-              <a:cs typeface="Times New Roman Regular" panose="02020503050405090304" charset="0"/>
+              <a:latin typeface="Times New Roman Regular" panose="02020603050405020304" charset="0"/>
+              <a:cs typeface="Times New Roman Regular" panose="02020603050405020304" charset="0"/>
             </a:endParaRPr>
           </a:p>
           <a:p>
             <a:r>
               <a:rPr lang="zh-CN" altLang="en-US">
-                <a:latin typeface="Times New Roman Regular" panose="02020503050405090304" charset="0"/>
-                <a:cs typeface="Times New Roman Regular" panose="02020503050405090304" charset="0"/>
+                <a:latin typeface="Times New Roman Regular" panose="02020603050405020304" charset="0"/>
+                <a:cs typeface="Times New Roman Regular" panose="02020603050405020304" charset="0"/>
                 <a:sym typeface="+mn-ea"/>
               </a:rPr>
               <a:t>            maxVal = max(maxVal, nums[j]);</a:t>
             </a:r>
             <a:endParaRPr lang="zh-CN" altLang="en-US">
-              <a:latin typeface="Times New Roman Regular" panose="02020503050405090304" charset="0"/>
-              <a:cs typeface="Times New Roman Regular" panose="02020503050405090304" charset="0"/>
+              <a:latin typeface="Times New Roman Regular" panose="02020603050405020304" charset="0"/>
+              <a:cs typeface="Times New Roman Regular" panose="02020603050405020304" charset="0"/>
             </a:endParaRPr>
           </a:p>
           <a:p>
             <a:r>
               <a:rPr lang="zh-CN" altLang="en-US">
-                <a:latin typeface="Times New Roman Regular" panose="02020503050405090304" charset="0"/>
-                <a:cs typeface="Times New Roman Regular" panose="02020503050405090304" charset="0"/>
+                <a:latin typeface="Times New Roman Regular" panose="02020603050405020304" charset="0"/>
+                <a:cs typeface="Times New Roman Regular" panose="02020603050405020304" charset="0"/>
                 <a:sym typeface="+mn-ea"/>
               </a:rPr>
               <a:t>            minVal = min(minVal, nums[j]);</a:t>
             </a:r>
             <a:endParaRPr lang="zh-CN" altLang="en-US">
-              <a:latin typeface="Times New Roman Regular" panose="02020503050405090304" charset="0"/>
-              <a:cs typeface="Times New Roman Regular" panose="02020503050405090304" charset="0"/>
+              <a:latin typeface="Times New Roman Regular" panose="02020603050405020304" charset="0"/>
+              <a:cs typeface="Times New Roman Regular" panose="02020603050405020304" charset="0"/>
             </a:endParaRPr>
           </a:p>
           <a:p>
             <a:r>
               <a:rPr lang="zh-CN" altLang="en-US">
-                <a:latin typeface="Times New Roman Regular" panose="02020503050405090304" charset="0"/>
-                <a:cs typeface="Times New Roman Regular" panose="02020503050405090304" charset="0"/>
+                <a:latin typeface="Times New Roman Regular" panose="02020603050405020304" charset="0"/>
+                <a:cs typeface="Times New Roman Regular" panose="02020603050405020304" charset="0"/>
                 <a:sym typeface="+mn-ea"/>
               </a:rPr>
               <a:t>        }</a:t>
             </a:r>
             <a:endParaRPr lang="zh-CN" altLang="en-US">
-              <a:latin typeface="Times New Roman Regular" panose="02020503050405090304" charset="0"/>
-              <a:cs typeface="Times New Roman Regular" panose="02020503050405090304" charset="0"/>
+              <a:latin typeface="Times New Roman Regular" panose="02020603050405020304" charset="0"/>
+              <a:cs typeface="Times New Roman Regular" panose="02020603050405020304" charset="0"/>
             </a:endParaRPr>
           </a:p>
           <a:p>
             <a:endParaRPr lang="zh-CN" altLang="en-US">
-              <a:latin typeface="Times New Roman Regular" panose="02020503050405090304" charset="0"/>
-              <a:cs typeface="Times New Roman Regular" panose="02020503050405090304" charset="0"/>
+              <a:latin typeface="Times New Roman Regular" panose="02020603050405020304" charset="0"/>
+              <a:cs typeface="Times New Roman Regular" panose="02020603050405020304" charset="0"/>
             </a:endParaRPr>
           </a:p>
           <a:p>
             <a:r>
               <a:rPr lang="zh-CN" altLang="en-US">
-                <a:latin typeface="Times New Roman Regular" panose="02020503050405090304" charset="0"/>
-                <a:cs typeface="Times New Roman Regular" panose="02020503050405090304" charset="0"/>
+                <a:latin typeface="Times New Roman Regular" panose="02020603050405020304" charset="0"/>
+                <a:cs typeface="Times New Roman Regular" panose="02020603050405020304" charset="0"/>
                 <a:sym typeface="+mn-ea"/>
               </a:rPr>
               <a:t>        minValues[i] = minVal;</a:t>
             </a:r>
             <a:endParaRPr lang="zh-CN" altLang="en-US">
-              <a:latin typeface="Times New Roman Regular" panose="02020503050405090304" charset="0"/>
-              <a:cs typeface="Times New Roman Regular" panose="02020503050405090304" charset="0"/>
+              <a:latin typeface="Times New Roman Regular" panose="02020603050405020304" charset="0"/>
+              <a:cs typeface="Times New Roman Regular" panose="02020603050405020304" charset="0"/>
             </a:endParaRPr>
           </a:p>
           <a:p>
             <a:r>
               <a:rPr lang="zh-CN" altLang="en-US">
-                <a:latin typeface="Times New Roman Regular" panose="02020503050405090304" charset="0"/>
-                <a:cs typeface="Times New Roman Regular" panose="02020503050405090304" charset="0"/>
+                <a:latin typeface="Times New Roman Regular" panose="02020603050405020304" charset="0"/>
+                <a:cs typeface="Times New Roman Regular" panose="02020603050405020304" charset="0"/>
                 <a:sym typeface="+mn-ea"/>
               </a:rPr>
               <a:t>        maxValues[i] = maxVal;</a:t>
             </a:r>
             <a:endParaRPr lang="zh-CN" altLang="en-US">
-              <a:latin typeface="Times New Roman Regular" panose="02020503050405090304" charset="0"/>
-              <a:cs typeface="Times New Roman Regular" panose="02020503050405090304" charset="0"/>
+              <a:latin typeface="Times New Roman Regular" panose="02020603050405020304" charset="0"/>
+              <a:cs typeface="Times New Roman Regular" panose="02020603050405020304" charset="0"/>
             </a:endParaRPr>
           </a:p>
           <a:p>
             <a:r>
               <a:rPr lang="zh-CN" altLang="en-US">
-                <a:latin typeface="Times New Roman Regular" panose="02020503050405090304" charset="0"/>
-                <a:cs typeface="Times New Roman Regular" panose="02020503050405090304" charset="0"/>
+                <a:latin typeface="Times New Roman Regular" panose="02020603050405020304" charset="0"/>
+                <a:cs typeface="Times New Roman Regular" panose="02020603050405020304" charset="0"/>
                 <a:sym typeface="+mn-ea"/>
               </a:rPr>
               <a:t>    }</a:t>
             </a:r>
             <a:endParaRPr lang="zh-CN" altLang="en-US">
-              <a:latin typeface="Times New Roman Regular" panose="02020503050405090304" charset="0"/>
-              <a:cs typeface="Times New Roman Regular" panose="02020503050405090304" charset="0"/>
+              <a:latin typeface="Times New Roman Regular" panose="02020603050405020304" charset="0"/>
+              <a:cs typeface="Times New Roman Regular" panose="02020603050405020304" charset="0"/>
             </a:endParaRPr>
           </a:p>
           <a:p>
             <a:endParaRPr lang="zh-CN" altLang="en-US">
-              <a:latin typeface="Times New Roman Regular" panose="02020503050405090304" charset="0"/>
-              <a:cs typeface="Times New Roman Regular" panose="02020503050405090304" charset="0"/>
+              <a:latin typeface="Times New Roman Regular" panose="02020603050405020304" charset="0"/>
+              <a:cs typeface="Times New Roman Regular" panose="02020603050405020304" charset="0"/>
             </a:endParaRPr>
           </a:p>
           <a:p>
             <a:r>
               <a:rPr lang="zh-CN" altLang="en-US">
-                <a:latin typeface="Times New Roman Regular" panose="02020503050405090304" charset="0"/>
-                <a:cs typeface="Times New Roman Regular" panose="02020503050405090304" charset="0"/>
+                <a:latin typeface="Times New Roman Regular" panose="02020603050405020304" charset="0"/>
+                <a:cs typeface="Times New Roman Regular" panose="02020603050405020304" charset="0"/>
                 <a:sym typeface="+mn-ea"/>
               </a:rPr>
               <a:t>    // 输出所有窗口的最小值</a:t>
             </a:r>
             <a:endParaRPr lang="zh-CN" altLang="en-US">
-              <a:latin typeface="Times New Roman Regular" panose="02020503050405090304" charset="0"/>
-              <a:cs typeface="Times New Roman Regular" panose="02020503050405090304" charset="0"/>
+              <a:latin typeface="Times New Roman Regular" panose="02020603050405020304" charset="0"/>
+              <a:cs typeface="Times New Roman Regular" panose="02020603050405020304" charset="0"/>
             </a:endParaRPr>
           </a:p>
           <a:p>
             <a:r>
               <a:rPr lang="zh-CN" altLang="en-US">
-                <a:latin typeface="Times New Roman Regular" panose="02020503050405090304" charset="0"/>
-                <a:cs typeface="Times New Roman Regular" panose="02020503050405090304" charset="0"/>
+                <a:latin typeface="Times New Roman Regular" panose="02020603050405020304" charset="0"/>
+                <a:cs typeface="Times New Roman Regular" panose="02020603050405020304" charset="0"/>
                 <a:sym typeface="+mn-ea"/>
               </a:rPr>
               <a:t>    for (int i = 0; i &lt; n - k + 1; ++i) {</a:t>
             </a:r>
             <a:endParaRPr lang="zh-CN" altLang="en-US">
-              <a:latin typeface="Times New Roman Regular" panose="02020503050405090304" charset="0"/>
-              <a:cs typeface="Times New Roman Regular" panose="02020503050405090304" charset="0"/>
+              <a:latin typeface="Times New Roman Regular" panose="02020603050405020304" charset="0"/>
+              <a:cs typeface="Times New Roman Regular" panose="02020603050405020304" charset="0"/>
             </a:endParaRPr>
           </a:p>
           <a:p>
             <a:r>
               <a:rPr lang="zh-CN" altLang="en-US">
-                <a:latin typeface="Times New Roman Regular" panose="02020503050405090304" charset="0"/>
-                <a:cs typeface="Times New Roman Regular" panose="02020503050405090304" charset="0"/>
+                <a:latin typeface="Times New Roman Regular" panose="02020603050405020304" charset="0"/>
+                <a:cs typeface="Times New Roman Regular" panose="02020603050405020304" charset="0"/>
                 <a:sym typeface="+mn-ea"/>
               </a:rPr>
               <a:t>        cout &lt;&lt; minValues[i] &lt;&lt; " ";</a:t>
             </a:r>
             <a:endParaRPr lang="zh-CN" altLang="en-US">
-              <a:latin typeface="Times New Roman Regular" panose="02020503050405090304" charset="0"/>
-              <a:cs typeface="Times New Roman Regular" panose="02020503050405090304" charset="0"/>
+              <a:latin typeface="Times New Roman Regular" panose="02020603050405020304" charset="0"/>
+              <a:cs typeface="Times New Roman Regular" panose="02020603050405020304" charset="0"/>
             </a:endParaRPr>
           </a:p>
           <a:p>
             <a:r>
               <a:rPr lang="zh-CN" altLang="en-US">
-                <a:latin typeface="Times New Roman Regular" panose="02020503050405090304" charset="0"/>
-                <a:cs typeface="Times New Roman Regular" panose="02020503050405090304" charset="0"/>
+                <a:latin typeface="Times New Roman Regular" panose="02020603050405020304" charset="0"/>
+                <a:cs typeface="Times New Roman Regular" panose="02020603050405020304" charset="0"/>
                 <a:sym typeface="+mn-ea"/>
               </a:rPr>
               <a:t>    }</a:t>
             </a:r>
             <a:endParaRPr lang="zh-CN" altLang="en-US">
-              <a:latin typeface="Times New Roman Regular" panose="02020503050405090304" charset="0"/>
-              <a:cs typeface="Times New Roman Regular" panose="02020503050405090304" charset="0"/>
+              <a:latin typeface="Times New Roman Regular" panose="02020603050405020304" charset="0"/>
+              <a:cs typeface="Times New Roman Regular" panose="02020603050405020304" charset="0"/>
             </a:endParaRPr>
           </a:p>
           <a:p>
             <a:r>
               <a:rPr lang="zh-CN" altLang="en-US">
-                <a:latin typeface="Times New Roman Regular" panose="02020503050405090304" charset="0"/>
-                <a:cs typeface="Times New Roman Regular" panose="02020503050405090304" charset="0"/>
+                <a:latin typeface="Times New Roman Regular" panose="02020603050405020304" charset="0"/>
+                <a:cs typeface="Times New Roman Regular" panose="02020603050405020304" charset="0"/>
                 <a:sym typeface="+mn-ea"/>
               </a:rPr>
               <a:t>    cout &lt;&lt; endl;</a:t>
             </a:r>
             <a:endParaRPr lang="zh-CN" altLang="en-US">
-              <a:latin typeface="Times New Roman Regular" panose="02020503050405090304" charset="0"/>
-              <a:cs typeface="Times New Roman Regular" panose="02020503050405090304" charset="0"/>
+              <a:latin typeface="Times New Roman Regular" panose="02020603050405020304" charset="0"/>
+              <a:cs typeface="Times New Roman Regular" panose="02020603050405020304" charset="0"/>
             </a:endParaRPr>
           </a:p>
           <a:p>
             <a:endParaRPr lang="zh-CN" altLang="en-US">
-              <a:latin typeface="Times New Roman Regular" panose="02020503050405090304" charset="0"/>
-              <a:cs typeface="Times New Roman Regular" panose="02020503050405090304" charset="0"/>
+              <a:latin typeface="Times New Roman Regular" panose="02020603050405020304" charset="0"/>
+              <a:cs typeface="Times New Roman Regular" panose="02020603050405020304" charset="0"/>
             </a:endParaRPr>
           </a:p>
           <a:p>
             <a:r>
               <a:rPr lang="zh-CN" altLang="en-US">
-                <a:latin typeface="Times New Roman Regular" panose="02020503050405090304" charset="0"/>
-                <a:cs typeface="Times New Roman Regular" panose="02020503050405090304" charset="0"/>
+                <a:latin typeface="Times New Roman Regular" panose="02020603050405020304" charset="0"/>
+                <a:cs typeface="Times New Roman Regular" panose="02020603050405020304" charset="0"/>
                 <a:sym typeface="+mn-ea"/>
               </a:rPr>
               <a:t>    // 输出所有窗口的最大值</a:t>
             </a:r>
             <a:endParaRPr lang="zh-CN" altLang="en-US">
-              <a:latin typeface="Times New Roman Regular" panose="02020503050405090304" charset="0"/>
-              <a:cs typeface="Times New Roman Regular" panose="02020503050405090304" charset="0"/>
+              <a:latin typeface="Times New Roman Regular" panose="02020603050405020304" charset="0"/>
+              <a:cs typeface="Times New Roman Regular" panose="02020603050405020304" charset="0"/>
             </a:endParaRPr>
           </a:p>
           <a:p>
             <a:r>
               <a:rPr lang="zh-CN" altLang="en-US">
-                <a:latin typeface="Times New Roman Regular" panose="02020503050405090304" charset="0"/>
-                <a:cs typeface="Times New Roman Regular" panose="02020503050405090304" charset="0"/>
+                <a:latin typeface="Times New Roman Regular" panose="02020603050405020304" charset="0"/>
+                <a:cs typeface="Times New Roman Regular" panose="02020603050405020304" charset="0"/>
                 <a:sym typeface="+mn-ea"/>
               </a:rPr>
               <a:t>    for (int i = 0; i &lt; n - k + 1; ++i) {</a:t>
             </a:r>
             <a:endParaRPr lang="zh-CN" altLang="en-US">
-              <a:latin typeface="Times New Roman Regular" panose="02020503050405090304" charset="0"/>
-              <a:cs typeface="Times New Roman Regular" panose="02020503050405090304" charset="0"/>
+              <a:latin typeface="Times New Roman Regular" panose="02020603050405020304" charset="0"/>
+              <a:cs typeface="Times New Roman Regular" panose="02020603050405020304" charset="0"/>
             </a:endParaRPr>
           </a:p>
           <a:p>
             <a:r>
               <a:rPr lang="zh-CN" altLang="en-US">
-                <a:latin typeface="Times New Roman Regular" panose="02020503050405090304" charset="0"/>
-                <a:cs typeface="Times New Roman Regular" panose="02020503050405090304" charset="0"/>
+                <a:latin typeface="Times New Roman Regular" panose="02020603050405020304" charset="0"/>
+                <a:cs typeface="Times New Roman Regular" panose="02020603050405020304" charset="0"/>
                 <a:sym typeface="+mn-ea"/>
               </a:rPr>
               <a:t>        cout &lt;&lt; maxValues[i] &lt;&lt; " ";</a:t>
             </a:r>
             <a:endParaRPr lang="zh-CN" altLang="en-US">
-              <a:latin typeface="Times New Roman Regular" panose="02020503050405090304" charset="0"/>
-              <a:cs typeface="Times New Roman Regular" panose="02020503050405090304" charset="0"/>
+              <a:latin typeface="Times New Roman Regular" panose="02020603050405020304" charset="0"/>
+              <a:cs typeface="Times New Roman Regular" panose="02020603050405020304" charset="0"/>
             </a:endParaRPr>
           </a:p>
           <a:p>
             <a:r>
               <a:rPr lang="zh-CN" altLang="en-US">
-                <a:latin typeface="Times New Roman Regular" panose="02020503050405090304" charset="0"/>
-                <a:cs typeface="Times New Roman Regular" panose="02020503050405090304" charset="0"/>
+                <a:latin typeface="Times New Roman Regular" panose="02020603050405020304" charset="0"/>
+                <a:cs typeface="Times New Roman Regular" panose="02020603050405020304" charset="0"/>
                 <a:sym typeface="+mn-ea"/>
               </a:rPr>
               <a:t>    }</a:t>
             </a:r>
             <a:endParaRPr lang="zh-CN" altLang="en-US">
-              <a:latin typeface="Times New Roman Regular" panose="02020503050405090304" charset="0"/>
-              <a:cs typeface="Times New Roman Regular" panose="02020503050405090304" charset="0"/>
+              <a:latin typeface="Times New Roman Regular" panose="02020603050405020304" charset="0"/>
+              <a:cs typeface="Times New Roman Regular" panose="02020603050405020304" charset="0"/>
             </a:endParaRPr>
           </a:p>
           <a:p>
             <a:r>
               <a:rPr lang="zh-CN" altLang="en-US">
-                <a:latin typeface="Times New Roman Regular" panose="02020503050405090304" charset="0"/>
-                <a:cs typeface="Times New Roman Regular" panose="02020503050405090304" charset="0"/>
+                <a:latin typeface="Times New Roman Regular" panose="02020603050405020304" charset="0"/>
+                <a:cs typeface="Times New Roman Regular" panose="02020603050405020304" charset="0"/>
                 <a:sym typeface="+mn-ea"/>
               </a:rPr>
               <a:t>    cout &lt;&lt; endl;</a:t>
             </a:r>
             <a:endParaRPr lang="zh-CN" altLang="en-US">
-              <a:latin typeface="Times New Roman Regular" panose="02020503050405090304" charset="0"/>
-              <a:cs typeface="Times New Roman Regular" panose="02020503050405090304" charset="0"/>
+              <a:latin typeface="Times New Roman Regular" panose="02020603050405020304" charset="0"/>
+              <a:cs typeface="Times New Roman Regular" panose="02020603050405020304" charset="0"/>
             </a:endParaRPr>
           </a:p>
           <a:p>
             <a:endParaRPr lang="zh-CN" altLang="en-US">
-              <a:latin typeface="Times New Roman Regular" panose="02020503050405090304" charset="0"/>
-              <a:cs typeface="Times New Roman Regular" panose="02020503050405090304" charset="0"/>
+              <a:latin typeface="Times New Roman Regular" panose="02020603050405020304" charset="0"/>
+              <a:cs typeface="Times New Roman Regular" panose="02020603050405020304" charset="0"/>
             </a:endParaRPr>
           </a:p>
           <a:p>
             <a:r>
               <a:rPr lang="zh-CN" altLang="en-US">
-                <a:latin typeface="Times New Roman Regular" panose="02020503050405090304" charset="0"/>
-                <a:cs typeface="Times New Roman Regular" panose="02020503050405090304" charset="0"/>
+                <a:latin typeface="Times New Roman Regular" panose="02020603050405020304" charset="0"/>
+                <a:cs typeface="Times New Roman Regular" panose="02020603050405020304" charset="0"/>
                 <a:sym typeface="+mn-ea"/>
               </a:rPr>
               <a:t>    return 0;</a:t>
             </a:r>
             <a:endParaRPr lang="zh-CN" altLang="en-US">
-              <a:latin typeface="Times New Roman Regular" panose="02020503050405090304" charset="0"/>
-              <a:cs typeface="Times New Roman Regular" panose="02020503050405090304" charset="0"/>
+              <a:latin typeface="Times New Roman Regular" panose="02020603050405020304" charset="0"/>
+              <a:cs typeface="Times New Roman Regular" panose="02020603050405020304" charset="0"/>
             </a:endParaRPr>
           </a:p>
           <a:p>
             <a:r>
               <a:rPr lang="zh-CN" altLang="en-US">
-                <a:latin typeface="Times New Roman Regular" panose="02020503050405090304" charset="0"/>
-                <a:cs typeface="Times New Roman Regular" panose="02020503050405090304" charset="0"/>
+                <a:latin typeface="Times New Roman Regular" panose="02020603050405020304" charset="0"/>
+                <a:cs typeface="Times New Roman Regular" panose="02020603050405020304" charset="0"/>
                 <a:sym typeface="+mn-ea"/>
               </a:rPr>
               <a:t>}</a:t>
             </a:r>
             <a:endParaRPr lang="zh-CN" altLang="en-US">
-              <a:latin typeface="Times New Roman Regular" panose="02020503050405090304" charset="0"/>
-              <a:cs typeface="Times New Roman Regular" panose="02020503050405090304" charset="0"/>
+              <a:latin typeface="Times New Roman Regular" panose="02020603050405020304" charset="0"/>
+              <a:cs typeface="Times New Roman Regular" panose="02020603050405020304" charset="0"/>
             </a:endParaRPr>
           </a:p>
           <a:p>
             <a:endParaRPr lang="zh-CN" altLang="en-US">
-              <a:latin typeface="Times New Roman Regular" panose="02020503050405090304" charset="0"/>
-              <a:cs typeface="Times New Roman Regular" panose="02020503050405090304" charset="0"/>
+              <a:latin typeface="Times New Roman Regular" panose="02020603050405020304" charset="0"/>
+              <a:cs typeface="Times New Roman Regular" panose="02020603050405020304" charset="0"/>
             </a:endParaRPr>
           </a:p>
           <a:p>
             <a:endParaRPr lang="zh-CN" altLang="en-US">
-              <a:latin typeface="Times New Roman Regular" panose="02020503050405090304" charset="0"/>
-              <a:cs typeface="Times New Roman Regular" panose="02020503050405090304" charset="0"/>
+              <a:latin typeface="Times New Roman Regular" panose="02020603050405020304" charset="0"/>
+              <a:cs typeface="Times New Roman Regular" panose="02020603050405020304" charset="0"/>
             </a:endParaRPr>
           </a:p>
         </p:txBody>
@@ -37499,7 +37499,7 @@
                 <a:solidFill>
                   <a:schemeClr val="tx1"/>
                 </a:solidFill>
-                <a:latin typeface="Arial" panose="020B0604020202090204" pitchFamily="34" charset="0"/>
+                <a:latin typeface="Arial" panose="020B0704020202020204" pitchFamily="34" charset="0"/>
                 <a:ea typeface="宋体" pitchFamily="2" charset="-122"/>
               </a:defRPr>
             </a:lvl1pPr>
@@ -37517,7 +37517,7 @@
                 <a:solidFill>
                   <a:schemeClr val="tx1"/>
                 </a:solidFill>
-                <a:latin typeface="Arial" panose="020B0604020202090204" pitchFamily="34" charset="0"/>
+                <a:latin typeface="Arial" panose="020B0704020202020204" pitchFamily="34" charset="0"/>
                 <a:ea typeface="宋体" pitchFamily="2" charset="-122"/>
               </a:defRPr>
             </a:lvl2pPr>
@@ -37534,7 +37534,7 @@
                 <a:solidFill>
                   <a:schemeClr val="tx1"/>
                 </a:solidFill>
-                <a:latin typeface="Arial" panose="020B0604020202090204" pitchFamily="34" charset="0"/>
+                <a:latin typeface="Arial" panose="020B0704020202020204" pitchFamily="34" charset="0"/>
                 <a:ea typeface="宋体" pitchFamily="2" charset="-122"/>
               </a:defRPr>
             </a:lvl3pPr>
@@ -37551,7 +37551,7 @@
                 <a:solidFill>
                   <a:schemeClr val="tx1"/>
                 </a:solidFill>
-                <a:latin typeface="Arial" panose="020B0604020202090204" pitchFamily="34" charset="0"/>
+                <a:latin typeface="Arial" panose="020B0704020202020204" pitchFamily="34" charset="0"/>
                 <a:ea typeface="宋体" pitchFamily="2" charset="-122"/>
               </a:defRPr>
             </a:lvl4pPr>
@@ -37568,7 +37568,7 @@
                 <a:solidFill>
                   <a:schemeClr val="tx1"/>
                 </a:solidFill>
-                <a:latin typeface="Arial" panose="020B0604020202090204" pitchFamily="34" charset="0"/>
+                <a:latin typeface="Arial" panose="020B0704020202020204" pitchFamily="34" charset="0"/>
                 <a:ea typeface="宋体" pitchFamily="2" charset="-122"/>
               </a:defRPr>
             </a:lvl5pPr>
@@ -37588,7 +37588,7 @@
                 <a:solidFill>
                   <a:schemeClr val="tx1"/>
                 </a:solidFill>
-                <a:latin typeface="Arial" panose="020B0604020202090204" pitchFamily="34" charset="0"/>
+                <a:latin typeface="Arial" panose="020B0704020202020204" pitchFamily="34" charset="0"/>
                 <a:ea typeface="宋体" pitchFamily="2" charset="-122"/>
               </a:defRPr>
             </a:lvl6pPr>
@@ -37608,7 +37608,7 @@
                 <a:solidFill>
                   <a:schemeClr val="tx1"/>
                 </a:solidFill>
-                <a:latin typeface="Arial" panose="020B0604020202090204" pitchFamily="34" charset="0"/>
+                <a:latin typeface="Arial" panose="020B0704020202020204" pitchFamily="34" charset="0"/>
                 <a:ea typeface="宋体" pitchFamily="2" charset="-122"/>
               </a:defRPr>
             </a:lvl7pPr>
@@ -37628,7 +37628,7 @@
                 <a:solidFill>
                   <a:schemeClr val="tx1"/>
                 </a:solidFill>
-                <a:latin typeface="Arial" panose="020B0604020202090204" pitchFamily="34" charset="0"/>
+                <a:latin typeface="Arial" panose="020B0704020202020204" pitchFamily="34" charset="0"/>
                 <a:ea typeface="宋体" pitchFamily="2" charset="-122"/>
               </a:defRPr>
             </a:lvl8pPr>
@@ -37648,7 +37648,7 @@
                 <a:solidFill>
                   <a:schemeClr val="tx1"/>
                 </a:solidFill>
-                <a:latin typeface="Arial" panose="020B0604020202090204" pitchFamily="34" charset="0"/>
+                <a:latin typeface="Arial" panose="020B0704020202020204" pitchFamily="34" charset="0"/>
                 <a:ea typeface="宋体" pitchFamily="2" charset="-122"/>
               </a:defRPr>
             </a:lvl9pPr>
@@ -37748,7 +37748,7 @@
                       <a:srgbClr val="000000"/>
                     </a:outerShdw>
                   </a:effectLst>
-                  <a:latin typeface="Times New Roman" panose="02020503050405090304" pitchFamily="18" charset="0"/>
+                  <a:latin typeface="Times New Roman" panose="02020603050405020304" pitchFamily="18" charset="0"/>
                 </a:rPr>
                 <a:t>十进制</a:t>
               </a:r>
@@ -37761,7 +37761,7 @@
                     <a:srgbClr val="000000"/>
                   </a:outerShdw>
                 </a:effectLst>
-                <a:latin typeface="Times New Roman" panose="02020503050405090304" pitchFamily="18" charset="0"/>
+                <a:latin typeface="Times New Roman" panose="02020603050405020304" pitchFamily="18" charset="0"/>
               </a:endParaRPr>
             </a:p>
           </p:txBody>
@@ -37820,7 +37820,7 @@
                       <a:srgbClr val="000000"/>
                     </a:outerShdw>
                   </a:effectLst>
-                  <a:latin typeface="Times New Roman" panose="02020503050405090304" pitchFamily="18" charset="0"/>
+                  <a:latin typeface="Times New Roman" panose="02020603050405020304" pitchFamily="18" charset="0"/>
                 </a:rPr>
                 <a:t>二进制</a:t>
               </a:r>
@@ -37833,7 +37833,7 @@
                     <a:srgbClr val="000000"/>
                   </a:outerShdw>
                 </a:effectLst>
-                <a:latin typeface="Times New Roman" panose="02020503050405090304" pitchFamily="18" charset="0"/>
+                <a:latin typeface="Times New Roman" panose="02020603050405020304" pitchFamily="18" charset="0"/>
               </a:endParaRPr>
             </a:p>
           </p:txBody>
@@ -37960,7 +37960,7 @@
                     <a:srgbClr val="C0C0C0"/>
                   </a:outerShdw>
                 </a:effectLst>
-                <a:latin typeface="Times New Roman" panose="02020503050405090304" pitchFamily="18" charset="0"/>
+                <a:latin typeface="Times New Roman" panose="02020603050405020304" pitchFamily="18" charset="0"/>
               </a:rPr>
               <a:t>[</a:t>
             </a:r>
@@ -37971,7 +37971,7 @@
                     <a:srgbClr val="C0C0C0"/>
                   </a:outerShdw>
                 </a:effectLst>
-                <a:latin typeface="Times New Roman" panose="02020503050405090304" pitchFamily="18" charset="0"/>
+                <a:latin typeface="Times New Roman" panose="02020603050405020304" pitchFamily="18" charset="0"/>
               </a:rPr>
               <a:t>例</a:t>
             </a:r>
@@ -37982,7 +37982,7 @@
                     <a:srgbClr val="C0C0C0"/>
                   </a:outerShdw>
                 </a:effectLst>
-                <a:latin typeface="Times New Roman" panose="02020503050405090304" pitchFamily="18" charset="0"/>
+                <a:latin typeface="Times New Roman" panose="02020603050405020304" pitchFamily="18" charset="0"/>
               </a:rPr>
               <a:t>]  </a:t>
             </a:r>
@@ -37993,7 +37993,7 @@
                     <a:srgbClr val="C0C0C0"/>
                   </a:outerShdw>
                 </a:effectLst>
-                <a:latin typeface="Times New Roman" panose="02020503050405090304" pitchFamily="18" charset="0"/>
+                <a:latin typeface="Times New Roman" panose="02020603050405020304" pitchFamily="18" charset="0"/>
               </a:rPr>
               <a:t>（</a:t>
             </a:r>
@@ -38004,7 +38004,7 @@
                     <a:srgbClr val="C0C0C0"/>
                   </a:outerShdw>
                 </a:effectLst>
-                <a:latin typeface="Times New Roman" panose="02020503050405090304" pitchFamily="18" charset="0"/>
+                <a:latin typeface="Times New Roman" panose="02020603050405020304" pitchFamily="18" charset="0"/>
               </a:rPr>
               <a:t>18.8125</a:t>
             </a:r>
@@ -38015,7 +38015,7 @@
                     <a:srgbClr val="C0C0C0"/>
                   </a:outerShdw>
                 </a:effectLst>
-                <a:latin typeface="Times New Roman" panose="02020503050405090304" pitchFamily="18" charset="0"/>
+                <a:latin typeface="Times New Roman" panose="02020603050405020304" pitchFamily="18" charset="0"/>
               </a:rPr>
               <a:t>）</a:t>
             </a:r>
@@ -38026,7 +38026,7 @@
                     <a:srgbClr val="C0C0C0"/>
                   </a:outerShdw>
                 </a:effectLst>
-                <a:latin typeface="Times New Roman" panose="02020503050405090304" pitchFamily="18" charset="0"/>
+                <a:latin typeface="Times New Roman" panose="02020603050405020304" pitchFamily="18" charset="0"/>
               </a:rPr>
               <a:t>10 </a:t>
             </a:r>
@@ -38037,7 +38037,7 @@
                     <a:srgbClr val="C0C0C0"/>
                   </a:outerShdw>
                 </a:effectLst>
-                <a:latin typeface="Times New Roman" panose="02020503050405090304" pitchFamily="18" charset="0"/>
+                <a:latin typeface="Times New Roman" panose="02020603050405020304" pitchFamily="18" charset="0"/>
               </a:rPr>
               <a:t>=</a:t>
             </a:r>
@@ -38048,7 +38048,7 @@
                     <a:srgbClr val="C0C0C0"/>
                   </a:outerShdw>
                 </a:effectLst>
-                <a:latin typeface="Times New Roman" panose="02020503050405090304" pitchFamily="18" charset="0"/>
+                <a:latin typeface="Times New Roman" panose="02020603050405020304" pitchFamily="18" charset="0"/>
               </a:rPr>
               <a:t>10010.1101</a:t>
             </a:r>
@@ -38058,7 +38058,7 @@
                   <a:srgbClr val="C0C0C0"/>
                 </a:outerShdw>
               </a:effectLst>
-              <a:latin typeface="Times New Roman" panose="02020503050405090304" pitchFamily="18" charset="0"/>
+              <a:latin typeface="Times New Roman" panose="02020603050405020304" pitchFamily="18" charset="0"/>
             </a:endParaRPr>
           </a:p>
         </p:txBody>
@@ -38248,7 +38248,7 @@
                       <a:srgbClr val="C0C0C0"/>
                     </a:outerShdw>
                   </a:effectLst>
-                  <a:latin typeface="Times New Roman" panose="02020503050405090304" pitchFamily="18" charset="0"/>
+                  <a:latin typeface="Times New Roman" panose="02020603050405020304" pitchFamily="18" charset="0"/>
                 </a:rPr>
                 <a:t>整数部分</a:t>
               </a:r>
@@ -38262,7 +38262,7 @@
                       <a:srgbClr val="C0C0C0"/>
                     </a:outerShdw>
                   </a:effectLst>
-                  <a:latin typeface="Times New Roman" panose="02020503050405090304" pitchFamily="18" charset="0"/>
+                  <a:latin typeface="Times New Roman" panose="02020603050405020304" pitchFamily="18" charset="0"/>
                 </a:rPr>
                 <a:t> </a:t>
               </a:r>
@@ -38276,7 +38276,7 @@
                       <a:srgbClr val="C0C0C0"/>
                     </a:outerShdw>
                   </a:effectLst>
-                  <a:latin typeface="Times New Roman" panose="02020503050405090304" pitchFamily="18" charset="0"/>
+                  <a:latin typeface="Times New Roman" panose="02020603050405020304" pitchFamily="18" charset="0"/>
                 </a:rPr>
                 <a:t>（除</a:t>
               </a:r>
@@ -38290,7 +38290,7 @@
                       <a:srgbClr val="C0C0C0"/>
                     </a:outerShdw>
                   </a:effectLst>
-                  <a:latin typeface="Times New Roman" panose="02020503050405090304" pitchFamily="18" charset="0"/>
+                  <a:latin typeface="Times New Roman" panose="02020603050405020304" pitchFamily="18" charset="0"/>
                 </a:rPr>
                 <a:t>2</a:t>
               </a:r>
@@ -38304,7 +38304,7 @@
                       <a:srgbClr val="C0C0C0"/>
                     </a:outerShdw>
                   </a:effectLst>
-                  <a:latin typeface="Times New Roman" panose="02020503050405090304" pitchFamily="18" charset="0"/>
+                  <a:latin typeface="Times New Roman" panose="02020603050405020304" pitchFamily="18" charset="0"/>
                 </a:rPr>
                 <a:t>取余法）</a:t>
               </a:r>
@@ -38318,7 +38318,7 @@
                       <a:srgbClr val="C0C0C0"/>
                     </a:outerShdw>
                   </a:effectLst>
-                  <a:latin typeface="Times New Roman" panose="02020503050405090304" pitchFamily="18" charset="0"/>
+                  <a:latin typeface="Times New Roman" panose="02020603050405020304" pitchFamily="18" charset="0"/>
                 </a:rPr>
                 <a:t>                 </a:t>
               </a:r>
@@ -38329,7 +38329,7 @@
                       <a:srgbClr val="C0C0C0"/>
                     </a:outerShdw>
                   </a:effectLst>
-                  <a:latin typeface="Times New Roman" panose="02020503050405090304" pitchFamily="18" charset="0"/>
+                  <a:latin typeface="Times New Roman" panose="02020603050405020304" pitchFamily="18" charset="0"/>
                 </a:rPr>
                 <a:t>小数部分</a:t>
               </a:r>
@@ -38343,7 +38343,7 @@
                       <a:srgbClr val="C0C0C0"/>
                     </a:outerShdw>
                   </a:effectLst>
-                  <a:latin typeface="Times New Roman" panose="02020503050405090304" pitchFamily="18" charset="0"/>
+                  <a:latin typeface="Times New Roman" panose="02020603050405020304" pitchFamily="18" charset="0"/>
                 </a:rPr>
                 <a:t> </a:t>
               </a:r>
@@ -38357,7 +38357,7 @@
                       <a:srgbClr val="C0C0C0"/>
                     </a:outerShdw>
                   </a:effectLst>
-                  <a:latin typeface="Times New Roman" panose="02020503050405090304" pitchFamily="18" charset="0"/>
+                  <a:latin typeface="Times New Roman" panose="02020603050405020304" pitchFamily="18" charset="0"/>
                 </a:rPr>
                 <a:t>（乘</a:t>
               </a:r>
@@ -38371,7 +38371,7 @@
                       <a:srgbClr val="C0C0C0"/>
                     </a:outerShdw>
                   </a:effectLst>
-                  <a:latin typeface="Times New Roman" panose="02020503050405090304" pitchFamily="18" charset="0"/>
+                  <a:latin typeface="Times New Roman" panose="02020603050405020304" pitchFamily="18" charset="0"/>
                 </a:rPr>
                 <a:t>2</a:t>
               </a:r>
@@ -38385,7 +38385,7 @@
                       <a:srgbClr val="C0C0C0"/>
                     </a:outerShdw>
                   </a:effectLst>
-                  <a:latin typeface="Times New Roman" panose="02020503050405090304" pitchFamily="18" charset="0"/>
+                  <a:latin typeface="Times New Roman" panose="02020603050405020304" pitchFamily="18" charset="0"/>
                 </a:rPr>
                 <a:t>取整法）</a:t>
               </a:r>
@@ -38398,7 +38398,7 @@
                     <a:srgbClr val="C0C0C0"/>
                   </a:outerShdw>
                 </a:effectLst>
-                <a:latin typeface="Times New Roman" panose="02020503050405090304" pitchFamily="18" charset="0"/>
+                <a:latin typeface="Times New Roman" panose="02020603050405020304" pitchFamily="18" charset="0"/>
               </a:endParaRPr>
             </a:p>
           </p:txBody>
@@ -38489,7 +38489,7 @@
                       <a:srgbClr val="C0C0C0"/>
                     </a:outerShdw>
                   </a:effectLst>
-                  <a:latin typeface="Times New Roman" panose="02020503050405090304" pitchFamily="18" charset="0"/>
+                  <a:latin typeface="Times New Roman" panose="02020603050405020304" pitchFamily="18" charset="0"/>
                 </a:rPr>
                 <a:t>2        18       ...... </a:t>
               </a:r>
@@ -38500,7 +38500,7 @@
                       <a:srgbClr val="C0C0C0"/>
                     </a:outerShdw>
                   </a:effectLst>
-                  <a:latin typeface="Times New Roman" panose="02020503050405090304" pitchFamily="18" charset="0"/>
+                  <a:latin typeface="Times New Roman" panose="02020603050405020304" pitchFamily="18" charset="0"/>
                 </a:rPr>
                 <a:t>余</a:t>
               </a:r>
@@ -38511,7 +38511,7 @@
                       <a:srgbClr val="C0C0C0"/>
                     </a:outerShdw>
                   </a:effectLst>
-                  <a:latin typeface="Times New Roman" panose="02020503050405090304" pitchFamily="18" charset="0"/>
+                  <a:latin typeface="Times New Roman" panose="02020603050405020304" pitchFamily="18" charset="0"/>
                 </a:rPr>
                 <a:t>0</a:t>
               </a:r>
@@ -38521,7 +38521,7 @@
                     <a:srgbClr val="C0C0C0"/>
                   </a:outerShdw>
                 </a:effectLst>
-                <a:latin typeface="Times New Roman" panose="02020503050405090304" pitchFamily="18" charset="0"/>
+                <a:latin typeface="Times New Roman" panose="02020603050405020304" pitchFamily="18" charset="0"/>
               </a:endParaRPr>
             </a:p>
             <a:p>
@@ -38537,7 +38537,7 @@
                       <a:srgbClr val="C0C0C0"/>
                     </a:outerShdw>
                   </a:effectLst>
-                  <a:latin typeface="Times New Roman" panose="02020503050405090304" pitchFamily="18" charset="0"/>
+                  <a:latin typeface="Times New Roman" panose="02020603050405020304" pitchFamily="18" charset="0"/>
                 </a:rPr>
                 <a:t>            9</a:t>
               </a:r>
@@ -38547,7 +38547,7 @@
                     <a:srgbClr val="C0C0C0"/>
                   </a:outerShdw>
                 </a:effectLst>
-                <a:latin typeface="Times New Roman" panose="02020503050405090304" pitchFamily="18" charset="0"/>
+                <a:latin typeface="Times New Roman" panose="02020603050405020304" pitchFamily="18" charset="0"/>
               </a:endParaRPr>
             </a:p>
           </p:txBody>
@@ -38738,7 +38738,7 @@
                       <a:srgbClr val="C0C0C0"/>
                     </a:outerShdw>
                   </a:effectLst>
-                  <a:latin typeface="Times New Roman" panose="02020503050405090304" pitchFamily="18" charset="0"/>
+                  <a:latin typeface="Times New Roman" panose="02020603050405020304" pitchFamily="18" charset="0"/>
                 </a:rPr>
                 <a:t>2                ...... </a:t>
               </a:r>
@@ -38749,7 +38749,7 @@
                       <a:srgbClr val="C0C0C0"/>
                     </a:outerShdw>
                   </a:effectLst>
-                  <a:latin typeface="Times New Roman" panose="02020503050405090304" pitchFamily="18" charset="0"/>
+                  <a:latin typeface="Times New Roman" panose="02020603050405020304" pitchFamily="18" charset="0"/>
                 </a:rPr>
                 <a:t>余</a:t>
               </a:r>
@@ -38760,7 +38760,7 @@
                       <a:srgbClr val="C0C0C0"/>
                     </a:outerShdw>
                   </a:effectLst>
-                  <a:latin typeface="Times New Roman" panose="02020503050405090304" pitchFamily="18" charset="0"/>
+                  <a:latin typeface="Times New Roman" panose="02020603050405020304" pitchFamily="18" charset="0"/>
                 </a:rPr>
                 <a:t>1</a:t>
               </a:r>
@@ -38770,7 +38770,7 @@
                     <a:srgbClr val="C0C0C0"/>
                   </a:outerShdw>
                 </a:effectLst>
-                <a:latin typeface="Times New Roman" panose="02020503050405090304" pitchFamily="18" charset="0"/>
+                <a:latin typeface="Times New Roman" panose="02020603050405020304" pitchFamily="18" charset="0"/>
               </a:endParaRPr>
             </a:p>
             <a:p>
@@ -38782,7 +38782,7 @@
                       <a:srgbClr val="C0C0C0"/>
                     </a:outerShdw>
                   </a:effectLst>
-                  <a:latin typeface="Times New Roman" panose="02020503050405090304" pitchFamily="18" charset="0"/>
+                  <a:latin typeface="Times New Roman" panose="02020603050405020304" pitchFamily="18" charset="0"/>
                 </a:rPr>
                 <a:t>         4</a:t>
               </a:r>
@@ -38792,7 +38792,7 @@
                     <a:srgbClr val="C0C0C0"/>
                   </a:outerShdw>
                 </a:effectLst>
-                <a:latin typeface="Times New Roman" panose="02020503050405090304" pitchFamily="18" charset="0"/>
+                <a:latin typeface="Times New Roman" panose="02020603050405020304" pitchFamily="18" charset="0"/>
               </a:endParaRPr>
             </a:p>
           </p:txBody>
@@ -38983,7 +38983,7 @@
                       <a:srgbClr val="C0C0C0"/>
                     </a:outerShdw>
                   </a:effectLst>
-                  <a:latin typeface="Times New Roman" panose="02020503050405090304" pitchFamily="18" charset="0"/>
+                  <a:latin typeface="Times New Roman" panose="02020603050405020304" pitchFamily="18" charset="0"/>
                 </a:rPr>
                 <a:t>2              ...... </a:t>
               </a:r>
@@ -38994,7 +38994,7 @@
                       <a:srgbClr val="C0C0C0"/>
                     </a:outerShdw>
                   </a:effectLst>
-                  <a:latin typeface="Times New Roman" panose="02020503050405090304" pitchFamily="18" charset="0"/>
+                  <a:latin typeface="Times New Roman" panose="02020603050405020304" pitchFamily="18" charset="0"/>
                 </a:rPr>
                 <a:t>余</a:t>
               </a:r>
@@ -39005,7 +39005,7 @@
                       <a:srgbClr val="C0C0C0"/>
                     </a:outerShdw>
                   </a:effectLst>
-                  <a:latin typeface="Times New Roman" panose="02020503050405090304" pitchFamily="18" charset="0"/>
+                  <a:latin typeface="Times New Roman" panose="02020603050405020304" pitchFamily="18" charset="0"/>
                 </a:rPr>
                 <a:t>0</a:t>
               </a:r>
@@ -39015,7 +39015,7 @@
                     <a:srgbClr val="C0C0C0"/>
                   </a:outerShdw>
                 </a:effectLst>
-                <a:latin typeface="Times New Roman" panose="02020503050405090304" pitchFamily="18" charset="0"/>
+                <a:latin typeface="Times New Roman" panose="02020603050405020304" pitchFamily="18" charset="0"/>
               </a:endParaRPr>
             </a:p>
             <a:p>
@@ -39027,7 +39027,7 @@
                       <a:srgbClr val="C0C0C0"/>
                     </a:outerShdw>
                   </a:effectLst>
-                  <a:latin typeface="Times New Roman" panose="02020503050405090304" pitchFamily="18" charset="0"/>
+                  <a:latin typeface="Times New Roman" panose="02020603050405020304" pitchFamily="18" charset="0"/>
                 </a:rPr>
                 <a:t>       2</a:t>
               </a:r>
@@ -39037,7 +39037,7 @@
                     <a:srgbClr val="C0C0C0"/>
                   </a:outerShdw>
                 </a:effectLst>
-                <a:latin typeface="Times New Roman" panose="02020503050405090304" pitchFamily="18" charset="0"/>
+                <a:latin typeface="Times New Roman" panose="02020603050405020304" pitchFamily="18" charset="0"/>
               </a:endParaRPr>
             </a:p>
           </p:txBody>
@@ -39228,7 +39228,7 @@
                       <a:srgbClr val="C0C0C0"/>
                     </a:outerShdw>
                   </a:effectLst>
-                  <a:latin typeface="Times New Roman" panose="02020503050405090304" pitchFamily="18" charset="0"/>
+                  <a:latin typeface="Times New Roman" panose="02020603050405020304" pitchFamily="18" charset="0"/>
                 </a:rPr>
                 <a:t>2            ...... </a:t>
               </a:r>
@@ -39239,7 +39239,7 @@
                       <a:srgbClr val="C0C0C0"/>
                     </a:outerShdw>
                   </a:effectLst>
-                  <a:latin typeface="Times New Roman" panose="02020503050405090304" pitchFamily="18" charset="0"/>
+                  <a:latin typeface="Times New Roman" panose="02020603050405020304" pitchFamily="18" charset="0"/>
                 </a:rPr>
                 <a:t>余</a:t>
               </a:r>
@@ -39250,7 +39250,7 @@
                       <a:srgbClr val="C0C0C0"/>
                     </a:outerShdw>
                   </a:effectLst>
-                  <a:latin typeface="Times New Roman" panose="02020503050405090304" pitchFamily="18" charset="0"/>
+                  <a:latin typeface="Times New Roman" panose="02020603050405020304" pitchFamily="18" charset="0"/>
                 </a:rPr>
                 <a:t>0</a:t>
               </a:r>
@@ -39260,7 +39260,7 @@
                     <a:srgbClr val="C0C0C0"/>
                   </a:outerShdw>
                 </a:effectLst>
-                <a:latin typeface="Times New Roman" panose="02020503050405090304" pitchFamily="18" charset="0"/>
+                <a:latin typeface="Times New Roman" panose="02020603050405020304" pitchFamily="18" charset="0"/>
               </a:endParaRPr>
             </a:p>
             <a:p>
@@ -39272,7 +39272,7 @@
                       <a:srgbClr val="C0C0C0"/>
                     </a:outerShdw>
                   </a:effectLst>
-                  <a:latin typeface="Times New Roman" panose="02020503050405090304" pitchFamily="18" charset="0"/>
+                  <a:latin typeface="Times New Roman" panose="02020603050405020304" pitchFamily="18" charset="0"/>
                 </a:rPr>
                 <a:t>     1</a:t>
               </a:r>
@@ -39282,7 +39282,7 @@
                     <a:srgbClr val="C0C0C0"/>
                   </a:outerShdw>
                 </a:effectLst>
-                <a:latin typeface="Times New Roman" panose="02020503050405090304" pitchFamily="18" charset="0"/>
+                <a:latin typeface="Times New Roman" panose="02020603050405020304" pitchFamily="18" charset="0"/>
               </a:endParaRPr>
             </a:p>
           </p:txBody>
@@ -39459,7 +39459,7 @@
                     <a:srgbClr val="C0C0C0"/>
                   </a:outerShdw>
                 </a:effectLst>
-                <a:latin typeface="Times New Roman" panose="02020503050405090304" pitchFamily="18" charset="0"/>
+                <a:latin typeface="Times New Roman" panose="02020603050405020304" pitchFamily="18" charset="0"/>
               </a:rPr>
               <a:t>         ...... </a:t>
             </a:r>
@@ -39470,7 +39470,7 @@
                     <a:srgbClr val="C0C0C0"/>
                   </a:outerShdw>
                 </a:effectLst>
-                <a:latin typeface="Times New Roman" panose="02020503050405090304" pitchFamily="18" charset="0"/>
+                <a:latin typeface="Times New Roman" panose="02020603050405020304" pitchFamily="18" charset="0"/>
               </a:rPr>
               <a:t>余</a:t>
             </a:r>
@@ -39481,7 +39481,7 @@
                     <a:srgbClr val="C0C0C0"/>
                   </a:outerShdw>
                 </a:effectLst>
-                <a:latin typeface="Times New Roman" panose="02020503050405090304" pitchFamily="18" charset="0"/>
+                <a:latin typeface="Times New Roman" panose="02020603050405020304" pitchFamily="18" charset="0"/>
               </a:rPr>
               <a:t>1</a:t>
             </a:r>
@@ -39491,7 +39491,7 @@
                   <a:srgbClr val="C0C0C0"/>
                 </a:outerShdw>
               </a:effectLst>
-              <a:latin typeface="Times New Roman" panose="02020503050405090304" pitchFamily="18" charset="0"/>
+              <a:latin typeface="Times New Roman" panose="02020603050405020304" pitchFamily="18" charset="0"/>
             </a:endParaRPr>
           </a:p>
         </p:txBody>
@@ -39630,7 +39630,7 @@
                       <a:srgbClr val="C0C0C0"/>
                     </a:outerShdw>
                   </a:effectLst>
-                  <a:latin typeface="Times New Roman" panose="02020503050405090304" pitchFamily="18" charset="0"/>
+                  <a:latin typeface="Times New Roman" panose="02020603050405020304" pitchFamily="18" charset="0"/>
                 </a:rPr>
                 <a:t>10010</a:t>
               </a:r>
@@ -39640,7 +39640,7 @@
                     <a:srgbClr val="C0C0C0"/>
                   </a:outerShdw>
                 </a:effectLst>
-                <a:latin typeface="Times New Roman" panose="02020503050405090304" pitchFamily="18" charset="0"/>
+                <a:latin typeface="Times New Roman" panose="02020603050405020304" pitchFamily="18" charset="0"/>
               </a:endParaRPr>
             </a:p>
           </p:txBody>
@@ -39712,7 +39712,7 @@
                     <a:srgbClr val="C0C0C0"/>
                   </a:outerShdw>
                 </a:effectLst>
-                <a:latin typeface="Times New Roman" panose="02020503050405090304" pitchFamily="18" charset="0"/>
+                <a:latin typeface="Times New Roman" panose="02020603050405020304" pitchFamily="18" charset="0"/>
               </a:rPr>
               <a:t>0.8125</a:t>
             </a:r>
@@ -39722,7 +39722,7 @@
                   <a:srgbClr val="C0C0C0"/>
                 </a:outerShdw>
               </a:effectLst>
-              <a:latin typeface="Times New Roman" panose="02020503050405090304" pitchFamily="18" charset="0"/>
+              <a:latin typeface="Times New Roman" panose="02020603050405020304" pitchFamily="18" charset="0"/>
             </a:endParaRPr>
           </a:p>
           <a:p>
@@ -39733,7 +39733,7 @@
                     <a:srgbClr val="C0C0C0"/>
                   </a:outerShdw>
                 </a:effectLst>
-                <a:latin typeface="Times New Roman" panose="02020503050405090304" pitchFamily="18" charset="0"/>
+                <a:latin typeface="Times New Roman" panose="02020603050405020304" pitchFamily="18" charset="0"/>
               </a:rPr>
               <a:t>×     2</a:t>
             </a:r>
@@ -39743,7 +39743,7 @@
                   <a:srgbClr val="C0C0C0"/>
                 </a:outerShdw>
               </a:effectLst>
-              <a:latin typeface="Times New Roman" panose="02020503050405090304" pitchFamily="18" charset="0"/>
+              <a:latin typeface="Times New Roman" panose="02020603050405020304" pitchFamily="18" charset="0"/>
             </a:endParaRPr>
           </a:p>
         </p:txBody>
@@ -39880,7 +39880,7 @@
                       <a:srgbClr val="C0C0C0"/>
                     </a:outerShdw>
                   </a:effectLst>
-                  <a:latin typeface="Times New Roman" panose="02020503050405090304" pitchFamily="18" charset="0"/>
+                  <a:latin typeface="Times New Roman" panose="02020603050405020304" pitchFamily="18" charset="0"/>
                 </a:rPr>
                 <a:t>  1.625     ...... </a:t>
               </a:r>
@@ -39891,7 +39891,7 @@
                       <a:srgbClr val="C0C0C0"/>
                     </a:outerShdw>
                   </a:effectLst>
-                  <a:latin typeface="Times New Roman" panose="02020503050405090304" pitchFamily="18" charset="0"/>
+                  <a:latin typeface="Times New Roman" panose="02020603050405020304" pitchFamily="18" charset="0"/>
                 </a:rPr>
                 <a:t>整数部分</a:t>
               </a:r>
@@ -39902,7 +39902,7 @@
                       <a:srgbClr val="C0C0C0"/>
                     </a:outerShdw>
                   </a:effectLst>
-                  <a:latin typeface="Times New Roman" panose="02020503050405090304" pitchFamily="18" charset="0"/>
+                  <a:latin typeface="Times New Roman" panose="02020603050405020304" pitchFamily="18" charset="0"/>
                 </a:rPr>
                 <a:t>=1</a:t>
               </a:r>
@@ -39912,7 +39912,7 @@
                     <a:srgbClr val="C0C0C0"/>
                   </a:outerShdw>
                 </a:effectLst>
-                <a:latin typeface="Times New Roman" panose="02020503050405090304" pitchFamily="18" charset="0"/>
+                <a:latin typeface="Times New Roman" panose="02020603050405020304" pitchFamily="18" charset="0"/>
               </a:endParaRPr>
             </a:p>
           </p:txBody>
@@ -40050,7 +40050,7 @@
                       <a:srgbClr val="C0C0C0"/>
                     </a:outerShdw>
                   </a:effectLst>
-                  <a:latin typeface="Times New Roman" panose="02020503050405090304" pitchFamily="18" charset="0"/>
+                  <a:latin typeface="Times New Roman" panose="02020603050405020304" pitchFamily="18" charset="0"/>
                 </a:rPr>
                 <a:t>×     2</a:t>
               </a:r>
@@ -40060,7 +40060,7 @@
                     <a:srgbClr val="C0C0C0"/>
                   </a:outerShdw>
                 </a:effectLst>
-                <a:latin typeface="Times New Roman" panose="02020503050405090304" pitchFamily="18" charset="0"/>
+                <a:latin typeface="Times New Roman" panose="02020603050405020304" pitchFamily="18" charset="0"/>
               </a:endParaRPr>
             </a:p>
             <a:p>
@@ -40071,7 +40071,7 @@
                       <a:srgbClr val="C0C0C0"/>
                     </a:outerShdw>
                   </a:effectLst>
-                  <a:latin typeface="Times New Roman" panose="02020503050405090304" pitchFamily="18" charset="0"/>
+                  <a:latin typeface="Times New Roman" panose="02020603050405020304" pitchFamily="18" charset="0"/>
                 </a:rPr>
                 <a:t>    1.25     ...... </a:t>
               </a:r>
@@ -40082,7 +40082,7 @@
                       <a:srgbClr val="C0C0C0"/>
                     </a:outerShdw>
                   </a:effectLst>
-                  <a:latin typeface="Times New Roman" panose="02020503050405090304" pitchFamily="18" charset="0"/>
+                  <a:latin typeface="Times New Roman" panose="02020603050405020304" pitchFamily="18" charset="0"/>
                 </a:rPr>
                 <a:t>整数部分</a:t>
               </a:r>
@@ -40093,7 +40093,7 @@
                       <a:srgbClr val="C0C0C0"/>
                     </a:outerShdw>
                   </a:effectLst>
-                  <a:latin typeface="Times New Roman" panose="02020503050405090304" pitchFamily="18" charset="0"/>
+                  <a:latin typeface="Times New Roman" panose="02020603050405020304" pitchFamily="18" charset="0"/>
                 </a:rPr>
                 <a:t>=1</a:t>
               </a:r>
@@ -40103,7 +40103,7 @@
                     <a:srgbClr val="C0C0C0"/>
                   </a:outerShdw>
                 </a:effectLst>
-                <a:latin typeface="Times New Roman" panose="02020503050405090304" pitchFamily="18" charset="0"/>
+                <a:latin typeface="Times New Roman" panose="02020603050405020304" pitchFamily="18" charset="0"/>
               </a:endParaRPr>
             </a:p>
           </p:txBody>
@@ -40241,7 +40241,7 @@
                       <a:srgbClr val="C0C0C0"/>
                     </a:outerShdw>
                   </a:effectLst>
-                  <a:latin typeface="Times New Roman" panose="02020503050405090304" pitchFamily="18" charset="0"/>
+                  <a:latin typeface="Times New Roman" panose="02020603050405020304" pitchFamily="18" charset="0"/>
                 </a:rPr>
                 <a:t>×     2</a:t>
               </a:r>
@@ -40251,7 +40251,7 @@
                     <a:srgbClr val="C0C0C0"/>
                   </a:outerShdw>
                 </a:effectLst>
-                <a:latin typeface="Times New Roman" panose="02020503050405090304" pitchFamily="18" charset="0"/>
+                <a:latin typeface="Times New Roman" panose="02020603050405020304" pitchFamily="18" charset="0"/>
               </a:endParaRPr>
             </a:p>
             <a:p>
@@ -40262,7 +40262,7 @@
                       <a:srgbClr val="C0C0C0"/>
                     </a:outerShdw>
                   </a:effectLst>
-                  <a:latin typeface="Times New Roman" panose="02020503050405090304" pitchFamily="18" charset="0"/>
+                  <a:latin typeface="Times New Roman" panose="02020603050405020304" pitchFamily="18" charset="0"/>
                 </a:rPr>
                 <a:t>      0.5     ...... </a:t>
               </a:r>
@@ -40273,7 +40273,7 @@
                       <a:srgbClr val="C0C0C0"/>
                     </a:outerShdw>
                   </a:effectLst>
-                  <a:latin typeface="Times New Roman" panose="02020503050405090304" pitchFamily="18" charset="0"/>
+                  <a:latin typeface="Times New Roman" panose="02020603050405020304" pitchFamily="18" charset="0"/>
                 </a:rPr>
                 <a:t>整数部分</a:t>
               </a:r>
@@ -40284,7 +40284,7 @@
                       <a:srgbClr val="C0C0C0"/>
                     </a:outerShdw>
                   </a:effectLst>
-                  <a:latin typeface="Times New Roman" panose="02020503050405090304" pitchFamily="18" charset="0"/>
+                  <a:latin typeface="Times New Roman" panose="02020603050405020304" pitchFamily="18" charset="0"/>
                 </a:rPr>
                 <a:t>=0</a:t>
               </a:r>
@@ -40294,7 +40294,7 @@
                     <a:srgbClr val="C0C0C0"/>
                   </a:outerShdw>
                 </a:effectLst>
-                <a:latin typeface="Times New Roman" panose="02020503050405090304" pitchFamily="18" charset="0"/>
+                <a:latin typeface="Times New Roman" panose="02020603050405020304" pitchFamily="18" charset="0"/>
               </a:endParaRPr>
             </a:p>
           </p:txBody>
@@ -40434,7 +40434,7 @@
                       <a:srgbClr val="C0C0C0"/>
                     </a:outerShdw>
                   </a:effectLst>
-                  <a:latin typeface="Times New Roman" panose="02020503050405090304" pitchFamily="18" charset="0"/>
+                  <a:latin typeface="Times New Roman" panose="02020603050405020304" pitchFamily="18" charset="0"/>
                 </a:rPr>
                 <a:t>1101</a:t>
               </a:r>
@@ -40444,7 +40444,7 @@
                     <a:srgbClr val="C0C0C0"/>
                   </a:outerShdw>
                 </a:effectLst>
-                <a:latin typeface="Times New Roman" panose="02020503050405090304" pitchFamily="18" charset="0"/>
+                <a:latin typeface="Times New Roman" panose="02020603050405020304" pitchFamily="18" charset="0"/>
               </a:endParaRPr>
             </a:p>
           </p:txBody>
@@ -40582,7 +40582,7 @@
                       <a:srgbClr val="C0C0C0"/>
                     </a:outerShdw>
                   </a:effectLst>
-                  <a:latin typeface="Times New Roman" panose="02020503050405090304" pitchFamily="18" charset="0"/>
+                  <a:latin typeface="Times New Roman" panose="02020603050405020304" pitchFamily="18" charset="0"/>
                 </a:rPr>
                 <a:t>×     2</a:t>
               </a:r>
@@ -40592,7 +40592,7 @@
                     <a:srgbClr val="C0C0C0"/>
                   </a:outerShdw>
                 </a:effectLst>
-                <a:latin typeface="Times New Roman" panose="02020503050405090304" pitchFamily="18" charset="0"/>
+                <a:latin typeface="Times New Roman" panose="02020603050405020304" pitchFamily="18" charset="0"/>
               </a:endParaRPr>
             </a:p>
             <a:p>
@@ -40603,7 +40603,7 @@
                       <a:srgbClr val="C0C0C0"/>
                     </a:outerShdw>
                   </a:effectLst>
-                  <a:latin typeface="Times New Roman" panose="02020503050405090304" pitchFamily="18" charset="0"/>
+                  <a:latin typeface="Times New Roman" panose="02020603050405020304" pitchFamily="18" charset="0"/>
                 </a:rPr>
                 <a:t>      1.0     ...... </a:t>
               </a:r>
@@ -40614,7 +40614,7 @@
                       <a:srgbClr val="C0C0C0"/>
                     </a:outerShdw>
                   </a:effectLst>
-                  <a:latin typeface="Times New Roman" panose="02020503050405090304" pitchFamily="18" charset="0"/>
+                  <a:latin typeface="Times New Roman" panose="02020603050405020304" pitchFamily="18" charset="0"/>
                 </a:rPr>
                 <a:t>整数部分</a:t>
               </a:r>
@@ -40625,7 +40625,7 @@
                       <a:srgbClr val="C0C0C0"/>
                     </a:outerShdw>
                   </a:effectLst>
-                  <a:latin typeface="Times New Roman" panose="02020503050405090304" pitchFamily="18" charset="0"/>
+                  <a:latin typeface="Times New Roman" panose="02020603050405020304" pitchFamily="18" charset="0"/>
                 </a:rPr>
                 <a:t>=1</a:t>
               </a:r>
@@ -40635,7 +40635,7 @@
                     <a:srgbClr val="C0C0C0"/>
                   </a:outerShdw>
                 </a:effectLst>
-                <a:latin typeface="Times New Roman" panose="02020503050405090304" pitchFamily="18" charset="0"/>
+                <a:latin typeface="Times New Roman" panose="02020603050405020304" pitchFamily="18" charset="0"/>
               </a:endParaRPr>
             </a:p>
           </p:txBody>
@@ -40896,7 +40896,7 @@
                 <a:solidFill>
                   <a:schemeClr val="tx1"/>
                 </a:solidFill>
-                <a:latin typeface="Arial" panose="020B0604020202090204" pitchFamily="34" charset="0"/>
+                <a:latin typeface="Arial" panose="020B0704020202020204" pitchFamily="34" charset="0"/>
                 <a:ea typeface="宋体" pitchFamily="2" charset="-122"/>
               </a:defRPr>
             </a:lvl1pPr>
@@ -40914,7 +40914,7 @@
                 <a:solidFill>
                   <a:schemeClr val="tx1"/>
                 </a:solidFill>
-                <a:latin typeface="Arial" panose="020B0604020202090204" pitchFamily="34" charset="0"/>
+                <a:latin typeface="Arial" panose="020B0704020202020204" pitchFamily="34" charset="0"/>
                 <a:ea typeface="宋体" pitchFamily="2" charset="-122"/>
               </a:defRPr>
             </a:lvl2pPr>
@@ -40931,7 +40931,7 @@
                 <a:solidFill>
                   <a:schemeClr val="tx1"/>
                 </a:solidFill>
-                <a:latin typeface="Arial" panose="020B0604020202090204" pitchFamily="34" charset="0"/>
+                <a:latin typeface="Arial" panose="020B0704020202020204" pitchFamily="34" charset="0"/>
                 <a:ea typeface="宋体" pitchFamily="2" charset="-122"/>
               </a:defRPr>
             </a:lvl3pPr>
@@ -40948,7 +40948,7 @@
                 <a:solidFill>
                   <a:schemeClr val="tx1"/>
                 </a:solidFill>
-                <a:latin typeface="Arial" panose="020B0604020202090204" pitchFamily="34" charset="0"/>
+                <a:latin typeface="Arial" panose="020B0704020202020204" pitchFamily="34" charset="0"/>
                 <a:ea typeface="宋体" pitchFamily="2" charset="-122"/>
               </a:defRPr>
             </a:lvl4pPr>
@@ -40965,7 +40965,7 @@
                 <a:solidFill>
                   <a:schemeClr val="tx1"/>
                 </a:solidFill>
-                <a:latin typeface="Arial" panose="020B0604020202090204" pitchFamily="34" charset="0"/>
+                <a:latin typeface="Arial" panose="020B0704020202020204" pitchFamily="34" charset="0"/>
                 <a:ea typeface="宋体" pitchFamily="2" charset="-122"/>
               </a:defRPr>
             </a:lvl5pPr>
@@ -40985,7 +40985,7 @@
                 <a:solidFill>
                   <a:schemeClr val="tx1"/>
                 </a:solidFill>
-                <a:latin typeface="Arial" panose="020B0604020202090204" pitchFamily="34" charset="0"/>
+                <a:latin typeface="Arial" panose="020B0704020202020204" pitchFamily="34" charset="0"/>
                 <a:ea typeface="宋体" pitchFamily="2" charset="-122"/>
               </a:defRPr>
             </a:lvl6pPr>
@@ -41005,7 +41005,7 @@
                 <a:solidFill>
                   <a:schemeClr val="tx1"/>
                 </a:solidFill>
-                <a:latin typeface="Arial" panose="020B0604020202090204" pitchFamily="34" charset="0"/>
+                <a:latin typeface="Arial" panose="020B0704020202020204" pitchFamily="34" charset="0"/>
                 <a:ea typeface="宋体" pitchFamily="2" charset="-122"/>
               </a:defRPr>
             </a:lvl7pPr>
@@ -41025,7 +41025,7 @@
                 <a:solidFill>
                   <a:schemeClr val="tx1"/>
                 </a:solidFill>
-                <a:latin typeface="Arial" panose="020B0604020202090204" pitchFamily="34" charset="0"/>
+                <a:latin typeface="Arial" panose="020B0704020202020204" pitchFamily="34" charset="0"/>
                 <a:ea typeface="宋体" pitchFamily="2" charset="-122"/>
               </a:defRPr>
             </a:lvl8pPr>
@@ -41045,7 +41045,7 @@
                 <a:solidFill>
                   <a:schemeClr val="tx1"/>
                 </a:solidFill>
-                <a:latin typeface="Arial" panose="020B0604020202090204" pitchFamily="34" charset="0"/>
+                <a:latin typeface="Arial" panose="020B0704020202020204" pitchFamily="34" charset="0"/>
                 <a:ea typeface="宋体" pitchFamily="2" charset="-122"/>
               </a:defRPr>
             </a:lvl9pPr>
@@ -41130,7 +41130,7 @@
                     <a:srgbClr val="000000"/>
                   </a:outerShdw>
                 </a:effectLst>
-                <a:latin typeface="Times New Roman" panose="02020503050405090304" pitchFamily="18" charset="0"/>
+                <a:latin typeface="Times New Roman" panose="02020603050405020304" pitchFamily="18" charset="0"/>
               </a:rPr>
               <a:t>十进制</a:t>
             </a:r>
@@ -41143,7 +41143,7 @@
                   <a:srgbClr val="000000"/>
                 </a:outerShdw>
               </a:effectLst>
-              <a:latin typeface="Times New Roman" panose="02020503050405090304" pitchFamily="18" charset="0"/>
+              <a:latin typeface="Times New Roman" panose="02020603050405020304" pitchFamily="18" charset="0"/>
             </a:endParaRPr>
           </a:p>
         </p:txBody>
@@ -41204,7 +41204,7 @@
                     <a:srgbClr val="000000"/>
                   </a:outerShdw>
                 </a:effectLst>
-                <a:latin typeface="Times New Roman" panose="02020503050405090304" pitchFamily="18" charset="0"/>
+                <a:latin typeface="Times New Roman" panose="02020603050405020304" pitchFamily="18" charset="0"/>
               </a:rPr>
               <a:t>二进制</a:t>
             </a:r>
@@ -41217,7 +41217,7 @@
                   <a:srgbClr val="000000"/>
                 </a:outerShdw>
               </a:effectLst>
-              <a:latin typeface="Times New Roman" panose="02020503050405090304" pitchFamily="18" charset="0"/>
+              <a:latin typeface="Times New Roman" panose="02020603050405020304" pitchFamily="18" charset="0"/>
             </a:endParaRPr>
           </a:p>
         </p:txBody>
@@ -41289,7 +41289,7 @@
                     <a:srgbClr val="C0C0C0"/>
                   </a:outerShdw>
                 </a:effectLst>
-                <a:latin typeface="Times New Roman" panose="02020503050405090304" pitchFamily="18" charset="0"/>
+                <a:latin typeface="Times New Roman" panose="02020603050405020304" pitchFamily="18" charset="0"/>
               </a:rPr>
               <a:t>27.25</a:t>
             </a:r>
@@ -41299,7 +41299,7 @@
                   <a:srgbClr val="C0C0C0"/>
                 </a:outerShdw>
               </a:effectLst>
-              <a:latin typeface="Times New Roman" panose="02020503050405090304" pitchFamily="18" charset="0"/>
+              <a:latin typeface="Times New Roman" panose="02020603050405020304" pitchFamily="18" charset="0"/>
             </a:endParaRPr>
           </a:p>
         </p:txBody>
@@ -41392,7 +41392,7 @@
                       <a:srgbClr val="C0C0C0"/>
                     </a:outerShdw>
                   </a:effectLst>
-                  <a:latin typeface="Times New Roman" panose="02020503050405090304" pitchFamily="18" charset="0"/>
+                  <a:latin typeface="Times New Roman" panose="02020603050405020304" pitchFamily="18" charset="0"/>
                 </a:rPr>
                 <a:t>二进制                                   十进制</a:t>
               </a:r>
@@ -41405,7 +41405,7 @@
                     <a:srgbClr val="C0C0C0"/>
                   </a:outerShdw>
                 </a:effectLst>
-                <a:latin typeface="Times New Roman" panose="02020503050405090304" pitchFamily="18" charset="0"/>
+                <a:latin typeface="Times New Roman" panose="02020603050405020304" pitchFamily="18" charset="0"/>
               </a:endParaRPr>
             </a:p>
             <a:p>
@@ -41424,7 +41424,7 @@
                       <a:srgbClr val="C0C0C0"/>
                     </a:outerShdw>
                   </a:effectLst>
-                  <a:latin typeface="Times New Roman" panose="02020503050405090304" pitchFamily="18" charset="0"/>
+                  <a:latin typeface="Times New Roman" panose="02020603050405020304" pitchFamily="18" charset="0"/>
                 </a:rPr>
                 <a:t>11011.01    </a:t>
               </a:r>
@@ -41438,7 +41438,7 @@
                       <a:srgbClr val="C0C0C0"/>
                     </a:outerShdw>
                   </a:effectLst>
-                  <a:latin typeface="Times New Roman" panose="02020503050405090304" pitchFamily="18" charset="0"/>
+                  <a:latin typeface="Times New Roman" panose="02020603050405020304" pitchFamily="18" charset="0"/>
                 </a:rPr>
                 <a:t>1           1           0            1             1            0           1</a:t>
               </a:r>
@@ -41451,7 +41451,7 @@
                     <a:srgbClr val="C0C0C0"/>
                   </a:outerShdw>
                 </a:effectLst>
-                <a:latin typeface="Times New Roman" panose="02020503050405090304" pitchFamily="18" charset="0"/>
+                <a:latin typeface="Times New Roman" panose="02020603050405020304" pitchFamily="18" charset="0"/>
               </a:endParaRPr>
             </a:p>
           </p:txBody>
@@ -41692,7 +41692,7 @@
                         <a:srgbClr val="C0C0C0"/>
                       </a:outerShdw>
                     </a:effectLst>
-                    <a:latin typeface="Times New Roman" panose="02020503050405090304" pitchFamily="18" charset="0"/>
+                    <a:latin typeface="Times New Roman" panose="02020603050405020304" pitchFamily="18" charset="0"/>
                   </a:rPr>
                   <a:t>个位</a:t>
                 </a:r>
@@ -41702,7 +41702,7 @@
                       <a:srgbClr val="C0C0C0"/>
                     </a:outerShdw>
                   </a:effectLst>
-                  <a:latin typeface="Times New Roman" panose="02020503050405090304" pitchFamily="18" charset="0"/>
+                  <a:latin typeface="Times New Roman" panose="02020603050405020304" pitchFamily="18" charset="0"/>
                 </a:endParaRPr>
               </a:p>
             </p:txBody>
@@ -41835,7 +41835,7 @@
                     <a:srgbClr val="C0C0C0"/>
                   </a:outerShdw>
                 </a:effectLst>
-                <a:latin typeface="Times New Roman" panose="02020503050405090304" pitchFamily="18" charset="0"/>
+                <a:latin typeface="Times New Roman" panose="02020603050405020304" pitchFamily="18" charset="0"/>
               </a:rPr>
               <a:t>×2</a:t>
             </a:r>
@@ -41849,7 +41849,7 @@
                     <a:srgbClr val="C0C0C0"/>
                   </a:outerShdw>
                 </a:effectLst>
-                <a:latin typeface="Times New Roman" panose="02020503050405090304" pitchFamily="18" charset="0"/>
+                <a:latin typeface="Times New Roman" panose="02020603050405020304" pitchFamily="18" charset="0"/>
               </a:rPr>
               <a:t>4</a:t>
             </a:r>
@@ -41863,7 +41863,7 @@
                     <a:srgbClr val="C0C0C0"/>
                   </a:outerShdw>
                 </a:effectLst>
-                <a:latin typeface="Times New Roman" panose="02020503050405090304" pitchFamily="18" charset="0"/>
+                <a:latin typeface="Times New Roman" panose="02020603050405020304" pitchFamily="18" charset="0"/>
               </a:rPr>
               <a:t>     ×2</a:t>
             </a:r>
@@ -41877,7 +41877,7 @@
                     <a:srgbClr val="C0C0C0"/>
                   </a:outerShdw>
                 </a:effectLst>
-                <a:latin typeface="Times New Roman" panose="02020503050405090304" pitchFamily="18" charset="0"/>
+                <a:latin typeface="Times New Roman" panose="02020603050405020304" pitchFamily="18" charset="0"/>
               </a:rPr>
               <a:t>3 </a:t>
             </a:r>
@@ -41891,7 +41891,7 @@
                     <a:srgbClr val="C0C0C0"/>
                   </a:outerShdw>
                 </a:effectLst>
-                <a:latin typeface="Times New Roman" panose="02020503050405090304" pitchFamily="18" charset="0"/>
+                <a:latin typeface="Times New Roman" panose="02020603050405020304" pitchFamily="18" charset="0"/>
               </a:rPr>
               <a:t>       ×2</a:t>
             </a:r>
@@ -41905,7 +41905,7 @@
                     <a:srgbClr val="C0C0C0"/>
                   </a:outerShdw>
                 </a:effectLst>
-                <a:latin typeface="Times New Roman" panose="02020503050405090304" pitchFamily="18" charset="0"/>
+                <a:latin typeface="Times New Roman" panose="02020603050405020304" pitchFamily="18" charset="0"/>
               </a:rPr>
               <a:t>2</a:t>
             </a:r>
@@ -41919,7 +41919,7 @@
                     <a:srgbClr val="C0C0C0"/>
                   </a:outerShdw>
                 </a:effectLst>
-                <a:latin typeface="Times New Roman" panose="02020503050405090304" pitchFamily="18" charset="0"/>
+                <a:latin typeface="Times New Roman" panose="02020603050405020304" pitchFamily="18" charset="0"/>
               </a:rPr>
               <a:t>      ×2</a:t>
             </a:r>
@@ -41933,7 +41933,7 @@
                     <a:srgbClr val="C0C0C0"/>
                   </a:outerShdw>
                 </a:effectLst>
-                <a:latin typeface="Times New Roman" panose="02020503050405090304" pitchFamily="18" charset="0"/>
+                <a:latin typeface="Times New Roman" panose="02020603050405020304" pitchFamily="18" charset="0"/>
               </a:rPr>
               <a:t>1</a:t>
             </a:r>
@@ -41947,7 +41947,7 @@
                     <a:srgbClr val="C0C0C0"/>
                   </a:outerShdw>
                 </a:effectLst>
-                <a:latin typeface="Times New Roman" panose="02020503050405090304" pitchFamily="18" charset="0"/>
+                <a:latin typeface="Times New Roman" panose="02020603050405020304" pitchFamily="18" charset="0"/>
               </a:rPr>
               <a:t>       ×2</a:t>
             </a:r>
@@ -41961,7 +41961,7 @@
                     <a:srgbClr val="C0C0C0"/>
                   </a:outerShdw>
                 </a:effectLst>
-                <a:latin typeface="Times New Roman" panose="02020503050405090304" pitchFamily="18" charset="0"/>
+                <a:latin typeface="Times New Roman" panose="02020603050405020304" pitchFamily="18" charset="0"/>
               </a:rPr>
               <a:t>0 </a:t>
             </a:r>
@@ -41975,7 +41975,7 @@
                     <a:srgbClr val="C0C0C0"/>
                   </a:outerShdw>
                 </a:effectLst>
-                <a:latin typeface="Times New Roman" panose="02020503050405090304" pitchFamily="18" charset="0"/>
+                <a:latin typeface="Times New Roman" panose="02020603050405020304" pitchFamily="18" charset="0"/>
               </a:rPr>
               <a:t>      ×2</a:t>
             </a:r>
@@ -41989,7 +41989,7 @@
                     <a:srgbClr val="C0C0C0"/>
                   </a:outerShdw>
                 </a:effectLst>
-                <a:latin typeface="Times New Roman" panose="02020503050405090304" pitchFamily="18" charset="0"/>
+                <a:latin typeface="Times New Roman" panose="02020603050405020304" pitchFamily="18" charset="0"/>
               </a:rPr>
               <a:t>-1</a:t>
             </a:r>
@@ -42003,7 +42003,7 @@
                     <a:srgbClr val="C0C0C0"/>
                   </a:outerShdw>
                 </a:effectLst>
-                <a:latin typeface="Times New Roman" panose="02020503050405090304" pitchFamily="18" charset="0"/>
+                <a:latin typeface="Times New Roman" panose="02020603050405020304" pitchFamily="18" charset="0"/>
               </a:rPr>
               <a:t>      ×2</a:t>
             </a:r>
@@ -42017,7 +42017,7 @@
                     <a:srgbClr val="C0C0C0"/>
                   </a:outerShdw>
                 </a:effectLst>
-                <a:latin typeface="Times New Roman" panose="02020503050405090304" pitchFamily="18" charset="0"/>
+                <a:latin typeface="Times New Roman" panose="02020603050405020304" pitchFamily="18" charset="0"/>
               </a:rPr>
               <a:t>-2</a:t>
             </a:r>
@@ -42030,7 +42030,7 @@
                   <a:srgbClr val="C0C0C0"/>
                 </a:outerShdw>
               </a:effectLst>
-              <a:latin typeface="Times New Roman" panose="02020503050405090304" pitchFamily="18" charset="0"/>
+              <a:latin typeface="Times New Roman" panose="02020603050405020304" pitchFamily="18" charset="0"/>
             </a:endParaRPr>
           </a:p>
         </p:txBody>
@@ -42109,7 +42109,7 @@
                     <a:srgbClr val="C0C0C0"/>
                   </a:outerShdw>
                 </a:effectLst>
-                <a:latin typeface="Times New Roman" panose="02020503050405090304" pitchFamily="18" charset="0"/>
+                <a:latin typeface="Times New Roman" panose="02020603050405020304" pitchFamily="18" charset="0"/>
               </a:rPr>
               <a:t>+           +             +          +              +            + </a:t>
             </a:r>
@@ -42122,7 +42122,7 @@
                   <a:srgbClr val="C0C0C0"/>
                 </a:outerShdw>
               </a:effectLst>
-              <a:latin typeface="Times New Roman" panose="02020503050405090304" pitchFamily="18" charset="0"/>
+              <a:latin typeface="Times New Roman" panose="02020603050405020304" pitchFamily="18" charset="0"/>
             </a:endParaRPr>
           </a:p>
         </p:txBody>
@@ -42198,7 +42198,7 @@
                     <a:srgbClr val="C0C0C0"/>
                   </a:outerShdw>
                 </a:effectLst>
-                <a:latin typeface="Times New Roman" panose="02020503050405090304" pitchFamily="18" charset="0"/>
+                <a:latin typeface="Times New Roman" panose="02020603050405020304" pitchFamily="18" charset="0"/>
               </a:rPr>
               <a:t>[</a:t>
             </a:r>
@@ -42209,7 +42209,7 @@
                     <a:srgbClr val="C0C0C0"/>
                   </a:outerShdw>
                 </a:effectLst>
-                <a:latin typeface="Times New Roman" panose="02020503050405090304" pitchFamily="18" charset="0"/>
+                <a:latin typeface="Times New Roman" panose="02020603050405020304" pitchFamily="18" charset="0"/>
               </a:rPr>
               <a:t>例</a:t>
             </a:r>
@@ -42220,7 +42220,7 @@
                     <a:srgbClr val="C0C0C0"/>
                   </a:outerShdw>
                 </a:effectLst>
-                <a:latin typeface="Times New Roman" panose="02020503050405090304" pitchFamily="18" charset="0"/>
+                <a:latin typeface="Times New Roman" panose="02020603050405020304" pitchFamily="18" charset="0"/>
               </a:rPr>
               <a:t>]</a:t>
             </a:r>
@@ -42234,7 +42234,7 @@
                     <a:srgbClr val="C0C0C0"/>
                   </a:outerShdw>
                 </a:effectLst>
-                <a:latin typeface="Times New Roman" panose="02020503050405090304" pitchFamily="18" charset="0"/>
+                <a:latin typeface="Times New Roman" panose="02020603050405020304" pitchFamily="18" charset="0"/>
               </a:rPr>
               <a:t> </a:t>
             </a:r>
@@ -42248,7 +42248,7 @@
                     <a:srgbClr val="C0C0C0"/>
                   </a:outerShdw>
                 </a:effectLst>
-                <a:latin typeface="Times New Roman" panose="02020503050405090304" pitchFamily="18" charset="0"/>
+                <a:latin typeface="Times New Roman" panose="02020603050405020304" pitchFamily="18" charset="0"/>
               </a:rPr>
               <a:t> </a:t>
             </a:r>
@@ -42259,7 +42259,7 @@
                     <a:srgbClr val="C0C0C0"/>
                   </a:outerShdw>
                 </a:effectLst>
-                <a:latin typeface="Times New Roman" panose="02020503050405090304" pitchFamily="18" charset="0"/>
+                <a:latin typeface="Times New Roman" panose="02020603050405020304" pitchFamily="18" charset="0"/>
               </a:rPr>
               <a:t>（</a:t>
             </a:r>
@@ -42270,7 +42270,7 @@
                     <a:srgbClr val="C0C0C0"/>
                   </a:outerShdw>
                 </a:effectLst>
-                <a:latin typeface="Times New Roman" panose="02020503050405090304" pitchFamily="18" charset="0"/>
+                <a:latin typeface="Times New Roman" panose="02020603050405020304" pitchFamily="18" charset="0"/>
               </a:rPr>
               <a:t>11011.01</a:t>
             </a:r>
@@ -42281,7 +42281,7 @@
                     <a:srgbClr val="C0C0C0"/>
                   </a:outerShdw>
                 </a:effectLst>
-                <a:latin typeface="Times New Roman" panose="02020503050405090304" pitchFamily="18" charset="0"/>
+                <a:latin typeface="Times New Roman" panose="02020603050405020304" pitchFamily="18" charset="0"/>
               </a:rPr>
               <a:t>）</a:t>
             </a:r>
@@ -42292,7 +42292,7 @@
                     <a:srgbClr val="C0C0C0"/>
                   </a:outerShdw>
                 </a:effectLst>
-                <a:latin typeface="Times New Roman" panose="02020503050405090304" pitchFamily="18" charset="0"/>
+                <a:latin typeface="Times New Roman" panose="02020603050405020304" pitchFamily="18" charset="0"/>
               </a:rPr>
               <a:t>2 </a:t>
             </a:r>
@@ -42303,7 +42303,7 @@
                     <a:srgbClr val="C0C0C0"/>
                   </a:outerShdw>
                 </a:effectLst>
-                <a:latin typeface="Times New Roman" panose="02020503050405090304" pitchFamily="18" charset="0"/>
+                <a:latin typeface="Times New Roman" panose="02020603050405020304" pitchFamily="18" charset="0"/>
               </a:rPr>
               <a:t>=</a:t>
             </a:r>
@@ -42313,7 +42313,7 @@
                   <a:srgbClr val="C0C0C0"/>
                 </a:outerShdw>
               </a:effectLst>
-              <a:latin typeface="Times New Roman" panose="02020503050405090304" pitchFamily="18" charset="0"/>
+              <a:latin typeface="Times New Roman" panose="02020603050405020304" pitchFamily="18" charset="0"/>
             </a:endParaRPr>
           </a:p>
         </p:txBody>
@@ -42507,7 +42507,7 @@
                 <a:solidFill>
                   <a:schemeClr val="tx1"/>
                 </a:solidFill>
-                <a:latin typeface="Arial" panose="020B0604020202090204" pitchFamily="34" charset="0"/>
+                <a:latin typeface="Arial" panose="020B0704020202020204" pitchFamily="34" charset="0"/>
                 <a:ea typeface="宋体" pitchFamily="2" charset="-122"/>
               </a:defRPr>
             </a:lvl1pPr>
@@ -42525,7 +42525,7 @@
                 <a:solidFill>
                   <a:schemeClr val="tx1"/>
                 </a:solidFill>
-                <a:latin typeface="Arial" panose="020B0604020202090204" pitchFamily="34" charset="0"/>
+                <a:latin typeface="Arial" panose="020B0704020202020204" pitchFamily="34" charset="0"/>
                 <a:ea typeface="宋体" pitchFamily="2" charset="-122"/>
               </a:defRPr>
             </a:lvl2pPr>
@@ -42542,7 +42542,7 @@
                 <a:solidFill>
                   <a:schemeClr val="tx1"/>
                 </a:solidFill>
-                <a:latin typeface="Arial" panose="020B0604020202090204" pitchFamily="34" charset="0"/>
+                <a:latin typeface="Arial" panose="020B0704020202020204" pitchFamily="34" charset="0"/>
                 <a:ea typeface="宋体" pitchFamily="2" charset="-122"/>
               </a:defRPr>
             </a:lvl3pPr>
@@ -42559,7 +42559,7 @@
                 <a:solidFill>
                   <a:schemeClr val="tx1"/>
                 </a:solidFill>
-                <a:latin typeface="Arial" panose="020B0604020202090204" pitchFamily="34" charset="0"/>
+                <a:latin typeface="Arial" panose="020B0704020202020204" pitchFamily="34" charset="0"/>
                 <a:ea typeface="宋体" pitchFamily="2" charset="-122"/>
               </a:defRPr>
             </a:lvl4pPr>
@@ -42576,7 +42576,7 @@
                 <a:solidFill>
                   <a:schemeClr val="tx1"/>
                 </a:solidFill>
-                <a:latin typeface="Arial" panose="020B0604020202090204" pitchFamily="34" charset="0"/>
+                <a:latin typeface="Arial" panose="020B0704020202020204" pitchFamily="34" charset="0"/>
                 <a:ea typeface="宋体" pitchFamily="2" charset="-122"/>
               </a:defRPr>
             </a:lvl5pPr>
@@ -42596,7 +42596,7 @@
                 <a:solidFill>
                   <a:schemeClr val="tx1"/>
                 </a:solidFill>
-                <a:latin typeface="Arial" panose="020B0604020202090204" pitchFamily="34" charset="0"/>
+                <a:latin typeface="Arial" panose="020B0704020202020204" pitchFamily="34" charset="0"/>
                 <a:ea typeface="宋体" pitchFamily="2" charset="-122"/>
               </a:defRPr>
             </a:lvl6pPr>
@@ -42616,7 +42616,7 @@
                 <a:solidFill>
                   <a:schemeClr val="tx1"/>
                 </a:solidFill>
-                <a:latin typeface="Arial" panose="020B0604020202090204" pitchFamily="34" charset="0"/>
+                <a:latin typeface="Arial" panose="020B0704020202020204" pitchFamily="34" charset="0"/>
                 <a:ea typeface="宋体" pitchFamily="2" charset="-122"/>
               </a:defRPr>
             </a:lvl7pPr>
@@ -42636,7 +42636,7 @@
                 <a:solidFill>
                   <a:schemeClr val="tx1"/>
                 </a:solidFill>
-                <a:latin typeface="Arial" panose="020B0604020202090204" pitchFamily="34" charset="0"/>
+                <a:latin typeface="Arial" panose="020B0704020202020204" pitchFamily="34" charset="0"/>
                 <a:ea typeface="宋体" pitchFamily="2" charset="-122"/>
               </a:defRPr>
             </a:lvl8pPr>
@@ -42656,7 +42656,7 @@
                 <a:solidFill>
                   <a:schemeClr val="tx1"/>
                 </a:solidFill>
-                <a:latin typeface="Arial" panose="020B0604020202090204" pitchFamily="34" charset="0"/>
+                <a:latin typeface="Arial" panose="020B0704020202020204" pitchFamily="34" charset="0"/>
                 <a:ea typeface="宋体" pitchFamily="2" charset="-122"/>
               </a:defRPr>
             </a:lvl9pPr>
@@ -44085,7 +44085,7 @@
                 <a:solidFill>
                   <a:schemeClr val="tx1"/>
                 </a:solidFill>
-                <a:latin typeface="Arial" panose="020B0604020202090204" pitchFamily="34" charset="0"/>
+                <a:latin typeface="Arial" panose="020B0704020202020204" pitchFamily="34" charset="0"/>
                 <a:ea typeface="宋体" pitchFamily="2" charset="-122"/>
               </a:defRPr>
             </a:lvl1pPr>
@@ -44103,7 +44103,7 @@
                 <a:solidFill>
                   <a:schemeClr val="tx1"/>
                 </a:solidFill>
-                <a:latin typeface="Arial" panose="020B0604020202090204" pitchFamily="34" charset="0"/>
+                <a:latin typeface="Arial" panose="020B0704020202020204" pitchFamily="34" charset="0"/>
                 <a:ea typeface="宋体" pitchFamily="2" charset="-122"/>
               </a:defRPr>
             </a:lvl2pPr>
@@ -44120,7 +44120,7 @@
                 <a:solidFill>
                   <a:schemeClr val="tx1"/>
                 </a:solidFill>
-                <a:latin typeface="Arial" panose="020B0604020202090204" pitchFamily="34" charset="0"/>
+                <a:latin typeface="Arial" panose="020B0704020202020204" pitchFamily="34" charset="0"/>
                 <a:ea typeface="宋体" pitchFamily="2" charset="-122"/>
               </a:defRPr>
             </a:lvl3pPr>
@@ -44137,7 +44137,7 @@
                 <a:solidFill>
                   <a:schemeClr val="tx1"/>
                 </a:solidFill>
-                <a:latin typeface="Arial" panose="020B0604020202090204" pitchFamily="34" charset="0"/>
+                <a:latin typeface="Arial" panose="020B0704020202020204" pitchFamily="34" charset="0"/>
                 <a:ea typeface="宋体" pitchFamily="2" charset="-122"/>
               </a:defRPr>
             </a:lvl4pPr>
@@ -44154,7 +44154,7 @@
                 <a:solidFill>
                   <a:schemeClr val="tx1"/>
                 </a:solidFill>
-                <a:latin typeface="Arial" panose="020B0604020202090204" pitchFamily="34" charset="0"/>
+                <a:latin typeface="Arial" panose="020B0704020202020204" pitchFamily="34" charset="0"/>
                 <a:ea typeface="宋体" pitchFamily="2" charset="-122"/>
               </a:defRPr>
             </a:lvl5pPr>
@@ -44174,7 +44174,7 @@
                 <a:solidFill>
                   <a:schemeClr val="tx1"/>
                 </a:solidFill>
-                <a:latin typeface="Arial" panose="020B0604020202090204" pitchFamily="34" charset="0"/>
+                <a:latin typeface="Arial" panose="020B0704020202020204" pitchFamily="34" charset="0"/>
                 <a:ea typeface="宋体" pitchFamily="2" charset="-122"/>
               </a:defRPr>
             </a:lvl6pPr>
@@ -44194,7 +44194,7 @@
                 <a:solidFill>
                   <a:schemeClr val="tx1"/>
                 </a:solidFill>
-                <a:latin typeface="Arial" panose="020B0604020202090204" pitchFamily="34" charset="0"/>
+                <a:latin typeface="Arial" panose="020B0704020202020204" pitchFamily="34" charset="0"/>
                 <a:ea typeface="宋体" pitchFamily="2" charset="-122"/>
               </a:defRPr>
             </a:lvl7pPr>
@@ -44214,7 +44214,7 @@
                 <a:solidFill>
                   <a:schemeClr val="tx1"/>
                 </a:solidFill>
-                <a:latin typeface="Arial" panose="020B0604020202090204" pitchFamily="34" charset="0"/>
+                <a:latin typeface="Arial" panose="020B0704020202020204" pitchFamily="34" charset="0"/>
                 <a:ea typeface="宋体" pitchFamily="2" charset="-122"/>
               </a:defRPr>
             </a:lvl8pPr>
@@ -44234,7 +44234,7 @@
                 <a:solidFill>
                   <a:schemeClr val="tx1"/>
                 </a:solidFill>
-                <a:latin typeface="Arial" panose="020B0604020202090204" pitchFamily="34" charset="0"/>
+                <a:latin typeface="Arial" panose="020B0704020202020204" pitchFamily="34" charset="0"/>
                 <a:ea typeface="宋体" pitchFamily="2" charset="-122"/>
               </a:defRPr>
             </a:lvl9pPr>
@@ -44330,7 +44330,7 @@
                     <a:srgbClr val="C0C0C0"/>
                   </a:outerShdw>
                 </a:effectLst>
-                <a:latin typeface="Times New Roman" panose="02020503050405090304" pitchFamily="18" charset="0"/>
+                <a:latin typeface="Times New Roman" panose="02020603050405020304" pitchFamily="18" charset="0"/>
               </a:rPr>
               <a:t>13A.4F</a:t>
             </a:r>
@@ -44340,7 +44340,7 @@
                   <a:srgbClr val="C0C0C0"/>
                 </a:outerShdw>
               </a:effectLst>
-              <a:latin typeface="Times New Roman" panose="02020503050405090304" pitchFamily="18" charset="0"/>
+              <a:latin typeface="Times New Roman" panose="02020603050405020304" pitchFamily="18" charset="0"/>
             </a:endParaRPr>
           </a:p>
         </p:txBody>
@@ -44415,7 +44415,7 @@
                       <a:srgbClr val="000000"/>
                     </a:outerShdw>
                   </a:effectLst>
-                  <a:latin typeface="Times New Roman" panose="02020503050405090304" pitchFamily="18" charset="0"/>
+                  <a:latin typeface="Times New Roman" panose="02020603050405020304" pitchFamily="18" charset="0"/>
                 </a:rPr>
                 <a:t>十进制</a:t>
               </a:r>
@@ -44428,7 +44428,7 @@
                     <a:srgbClr val="000000"/>
                   </a:outerShdw>
                 </a:effectLst>
-                <a:latin typeface="Times New Roman" panose="02020503050405090304" pitchFamily="18" charset="0"/>
+                <a:latin typeface="Times New Roman" panose="02020603050405020304" pitchFamily="18" charset="0"/>
               </a:endParaRPr>
             </a:p>
           </p:txBody>
@@ -44489,7 +44489,7 @@
                       <a:srgbClr val="000000"/>
                     </a:outerShdw>
                   </a:effectLst>
-                  <a:latin typeface="Times New Roman" panose="02020503050405090304" pitchFamily="18" charset="0"/>
+                  <a:latin typeface="Times New Roman" panose="02020603050405020304" pitchFamily="18" charset="0"/>
                 </a:rPr>
                 <a:t>十六进制</a:t>
               </a:r>
@@ -44502,7 +44502,7 @@
                     <a:srgbClr val="000000"/>
                   </a:outerShdw>
                 </a:effectLst>
-                <a:latin typeface="Times New Roman" panose="02020503050405090304" pitchFamily="18" charset="0"/>
+                <a:latin typeface="Times New Roman" panose="02020603050405020304" pitchFamily="18" charset="0"/>
               </a:endParaRPr>
             </a:p>
           </p:txBody>
@@ -44630,7 +44630,7 @@
                       <a:srgbClr val="C0C0C0"/>
                     </a:outerShdw>
                   </a:effectLst>
-                  <a:latin typeface="Times New Roman" panose="02020503050405090304" pitchFamily="18" charset="0"/>
+                  <a:latin typeface="Times New Roman" panose="02020603050405020304" pitchFamily="18" charset="0"/>
                 </a:rPr>
                 <a:t>[</a:t>
               </a:r>
@@ -44641,7 +44641,7 @@
                       <a:srgbClr val="C0C0C0"/>
                     </a:outerShdw>
                   </a:effectLst>
-                  <a:latin typeface="Times New Roman" panose="02020503050405090304" pitchFamily="18" charset="0"/>
+                  <a:latin typeface="Times New Roman" panose="02020603050405020304" pitchFamily="18" charset="0"/>
                 </a:rPr>
                 <a:t>例</a:t>
               </a:r>
@@ -44652,7 +44652,7 @@
                       <a:srgbClr val="C0C0C0"/>
                     </a:outerShdw>
                   </a:effectLst>
-                  <a:latin typeface="Times New Roman" panose="02020503050405090304" pitchFamily="18" charset="0"/>
+                  <a:latin typeface="Times New Roman" panose="02020603050405020304" pitchFamily="18" charset="0"/>
                 </a:rPr>
                 <a:t>]  </a:t>
               </a:r>
@@ -44663,7 +44663,7 @@
                       <a:srgbClr val="C0C0C0"/>
                     </a:outerShdw>
                   </a:effectLst>
-                  <a:latin typeface="Times New Roman" panose="02020503050405090304" pitchFamily="18" charset="0"/>
+                  <a:latin typeface="Times New Roman" panose="02020603050405020304" pitchFamily="18" charset="0"/>
                 </a:rPr>
                 <a:t>（</a:t>
               </a:r>
@@ -44674,7 +44674,7 @@
                       <a:srgbClr val="C0C0C0"/>
                     </a:outerShdw>
                   </a:effectLst>
-                  <a:latin typeface="Times New Roman" panose="02020503050405090304" pitchFamily="18" charset="0"/>
+                  <a:latin typeface="Times New Roman" panose="02020603050405020304" pitchFamily="18" charset="0"/>
                 </a:rPr>
                 <a:t>314.31</a:t>
               </a:r>
@@ -44685,7 +44685,7 @@
                       <a:srgbClr val="C0C0C0"/>
                     </a:outerShdw>
                   </a:effectLst>
-                  <a:latin typeface="Times New Roman" panose="02020503050405090304" pitchFamily="18" charset="0"/>
+                  <a:latin typeface="Times New Roman" panose="02020603050405020304" pitchFamily="18" charset="0"/>
                 </a:rPr>
                 <a:t>）</a:t>
               </a:r>
@@ -44696,7 +44696,7 @@
                       <a:srgbClr val="C0C0C0"/>
                     </a:outerShdw>
                   </a:effectLst>
-                  <a:latin typeface="Times New Roman" panose="02020503050405090304" pitchFamily="18" charset="0"/>
+                  <a:latin typeface="Times New Roman" panose="02020603050405020304" pitchFamily="18" charset="0"/>
                 </a:rPr>
                 <a:t>10 </a:t>
               </a:r>
@@ -44707,7 +44707,7 @@
                       <a:srgbClr val="C0C0C0"/>
                     </a:outerShdw>
                   </a:effectLst>
-                  <a:latin typeface="Times New Roman" panose="02020503050405090304" pitchFamily="18" charset="0"/>
+                  <a:latin typeface="Times New Roman" panose="02020603050405020304" pitchFamily="18" charset="0"/>
                 </a:rPr>
                 <a:t>=</a:t>
               </a:r>
@@ -44717,7 +44717,7 @@
                     <a:srgbClr val="C0C0C0"/>
                   </a:outerShdw>
                 </a:effectLst>
-                <a:latin typeface="Times New Roman" panose="02020503050405090304" pitchFamily="18" charset="0"/>
+                <a:latin typeface="Times New Roman" panose="02020603050405020304" pitchFamily="18" charset="0"/>
               </a:endParaRPr>
             </a:p>
           </p:txBody>
@@ -44908,7 +44908,7 @@
                       <a:srgbClr val="C0C0C0"/>
                     </a:outerShdw>
                   </a:effectLst>
-                  <a:latin typeface="Times New Roman" panose="02020503050405090304" pitchFamily="18" charset="0"/>
+                  <a:latin typeface="Times New Roman" panose="02020603050405020304" pitchFamily="18" charset="0"/>
                 </a:rPr>
                 <a:t>整数部分</a:t>
               </a:r>
@@ -44922,7 +44922,7 @@
                       <a:srgbClr val="C0C0C0"/>
                     </a:outerShdw>
                   </a:effectLst>
-                  <a:latin typeface="Times New Roman" panose="02020503050405090304" pitchFamily="18" charset="0"/>
+                  <a:latin typeface="Times New Roman" panose="02020603050405020304" pitchFamily="18" charset="0"/>
                 </a:rPr>
                 <a:t> </a:t>
               </a:r>
@@ -44936,7 +44936,7 @@
                       <a:srgbClr val="C0C0C0"/>
                     </a:outerShdw>
                   </a:effectLst>
-                  <a:latin typeface="Times New Roman" panose="02020503050405090304" pitchFamily="18" charset="0"/>
+                  <a:latin typeface="Times New Roman" panose="02020603050405020304" pitchFamily="18" charset="0"/>
                 </a:rPr>
                 <a:t>（除</a:t>
               </a:r>
@@ -44950,7 +44950,7 @@
                       <a:srgbClr val="C0C0C0"/>
                     </a:outerShdw>
                   </a:effectLst>
-                  <a:latin typeface="Times New Roman" panose="02020503050405090304" pitchFamily="18" charset="0"/>
+                  <a:latin typeface="Times New Roman" panose="02020603050405020304" pitchFamily="18" charset="0"/>
                 </a:rPr>
                 <a:t>16</a:t>
               </a:r>
@@ -44964,7 +44964,7 @@
                       <a:srgbClr val="C0C0C0"/>
                     </a:outerShdw>
                   </a:effectLst>
-                  <a:latin typeface="Times New Roman" panose="02020503050405090304" pitchFamily="18" charset="0"/>
+                  <a:latin typeface="Times New Roman" panose="02020603050405020304" pitchFamily="18" charset="0"/>
                 </a:rPr>
                 <a:t>取余法）</a:t>
               </a:r>
@@ -44978,7 +44978,7 @@
                       <a:srgbClr val="C0C0C0"/>
                     </a:outerShdw>
                   </a:effectLst>
-                  <a:latin typeface="Times New Roman" panose="02020503050405090304" pitchFamily="18" charset="0"/>
+                  <a:latin typeface="Times New Roman" panose="02020603050405020304" pitchFamily="18" charset="0"/>
                 </a:rPr>
                 <a:t>               </a:t>
               </a:r>
@@ -44989,7 +44989,7 @@
                       <a:srgbClr val="C0C0C0"/>
                     </a:outerShdw>
                   </a:effectLst>
-                  <a:latin typeface="Times New Roman" panose="02020503050405090304" pitchFamily="18" charset="0"/>
+                  <a:latin typeface="Times New Roman" panose="02020603050405020304" pitchFamily="18" charset="0"/>
                 </a:rPr>
                 <a:t>小数部分</a:t>
               </a:r>
@@ -45003,7 +45003,7 @@
                       <a:srgbClr val="C0C0C0"/>
                     </a:outerShdw>
                   </a:effectLst>
-                  <a:latin typeface="Times New Roman" panose="02020503050405090304" pitchFamily="18" charset="0"/>
+                  <a:latin typeface="Times New Roman" panose="02020603050405020304" pitchFamily="18" charset="0"/>
                 </a:rPr>
                 <a:t> </a:t>
               </a:r>
@@ -45017,7 +45017,7 @@
                       <a:srgbClr val="C0C0C0"/>
                     </a:outerShdw>
                   </a:effectLst>
-                  <a:latin typeface="Times New Roman" panose="02020503050405090304" pitchFamily="18" charset="0"/>
+                  <a:latin typeface="Times New Roman" panose="02020603050405020304" pitchFamily="18" charset="0"/>
                 </a:rPr>
                 <a:t>（乘</a:t>
               </a:r>
@@ -45031,7 +45031,7 @@
                       <a:srgbClr val="C0C0C0"/>
                     </a:outerShdw>
                   </a:effectLst>
-                  <a:latin typeface="Times New Roman" panose="02020503050405090304" pitchFamily="18" charset="0"/>
+                  <a:latin typeface="Times New Roman" panose="02020603050405020304" pitchFamily="18" charset="0"/>
                 </a:rPr>
                 <a:t>16</a:t>
               </a:r>
@@ -45045,7 +45045,7 @@
                       <a:srgbClr val="C0C0C0"/>
                     </a:outerShdw>
                   </a:effectLst>
-                  <a:latin typeface="Times New Roman" panose="02020503050405090304" pitchFamily="18" charset="0"/>
+                  <a:latin typeface="Times New Roman" panose="02020603050405020304" pitchFamily="18" charset="0"/>
                 </a:rPr>
                 <a:t>取整法）</a:t>
               </a:r>
@@ -45058,7 +45058,7 @@
                     <a:srgbClr val="C0C0C0"/>
                   </a:outerShdw>
                 </a:effectLst>
-                <a:latin typeface="Times New Roman" panose="02020503050405090304" pitchFamily="18" charset="0"/>
+                <a:latin typeface="Times New Roman" panose="02020603050405020304" pitchFamily="18" charset="0"/>
               </a:endParaRPr>
             </a:p>
           </p:txBody>
@@ -45149,7 +45149,7 @@
                       <a:srgbClr val="C0C0C0"/>
                     </a:outerShdw>
                   </a:effectLst>
-                  <a:latin typeface="Times New Roman" panose="02020503050405090304" pitchFamily="18" charset="0"/>
+                  <a:latin typeface="Times New Roman" panose="02020603050405020304" pitchFamily="18" charset="0"/>
                 </a:rPr>
                 <a:t>16      314       ...... </a:t>
               </a:r>
@@ -45160,7 +45160,7 @@
                       <a:srgbClr val="C0C0C0"/>
                     </a:outerShdw>
                   </a:effectLst>
-                  <a:latin typeface="Times New Roman" panose="02020503050405090304" pitchFamily="18" charset="0"/>
+                  <a:latin typeface="Times New Roman" panose="02020603050405020304" pitchFamily="18" charset="0"/>
                 </a:rPr>
                 <a:t>余</a:t>
               </a:r>
@@ -45171,7 +45171,7 @@
                       <a:srgbClr val="C0C0C0"/>
                     </a:outerShdw>
                   </a:effectLst>
-                  <a:latin typeface="Times New Roman" panose="02020503050405090304" pitchFamily="18" charset="0"/>
+                  <a:latin typeface="Times New Roman" panose="02020603050405020304" pitchFamily="18" charset="0"/>
                 </a:rPr>
                 <a:t>10→A</a:t>
               </a:r>
@@ -45181,7 +45181,7 @@
                     <a:srgbClr val="C0C0C0"/>
                   </a:outerShdw>
                 </a:effectLst>
-                <a:latin typeface="Times New Roman" panose="02020503050405090304" pitchFamily="18" charset="0"/>
+                <a:latin typeface="Times New Roman" panose="02020603050405020304" pitchFamily="18" charset="0"/>
               </a:endParaRPr>
             </a:p>
             <a:p>
@@ -45197,7 +45197,7 @@
                       <a:srgbClr val="C0C0C0"/>
                     </a:outerShdw>
                   </a:effectLst>
-                  <a:latin typeface="Times New Roman" panose="02020503050405090304" pitchFamily="18" charset="0"/>
+                  <a:latin typeface="Times New Roman" panose="02020603050405020304" pitchFamily="18" charset="0"/>
                 </a:rPr>
                 <a:t>            19</a:t>
               </a:r>
@@ -45207,7 +45207,7 @@
                     <a:srgbClr val="C0C0C0"/>
                   </a:outerShdw>
                 </a:effectLst>
-                <a:latin typeface="Times New Roman" panose="02020503050405090304" pitchFamily="18" charset="0"/>
+                <a:latin typeface="Times New Roman" panose="02020603050405020304" pitchFamily="18" charset="0"/>
               </a:endParaRPr>
             </a:p>
           </p:txBody>
@@ -45398,7 +45398,7 @@
                       <a:srgbClr val="C0C0C0"/>
                     </a:outerShdw>
                   </a:effectLst>
-                  <a:latin typeface="Times New Roman" panose="02020503050405090304" pitchFamily="18" charset="0"/>
+                  <a:latin typeface="Times New Roman" panose="02020603050405020304" pitchFamily="18" charset="0"/>
                 </a:rPr>
                 <a:t>16                 ...... </a:t>
               </a:r>
@@ -45409,7 +45409,7 @@
                       <a:srgbClr val="C0C0C0"/>
                     </a:outerShdw>
                   </a:effectLst>
-                  <a:latin typeface="Times New Roman" panose="02020503050405090304" pitchFamily="18" charset="0"/>
+                  <a:latin typeface="Times New Roman" panose="02020603050405020304" pitchFamily="18" charset="0"/>
                 </a:rPr>
                 <a:t>余</a:t>
               </a:r>
@@ -45420,7 +45420,7 @@
                       <a:srgbClr val="C0C0C0"/>
                     </a:outerShdw>
                   </a:effectLst>
-                  <a:latin typeface="Times New Roman" panose="02020503050405090304" pitchFamily="18" charset="0"/>
+                  <a:latin typeface="Times New Roman" panose="02020603050405020304" pitchFamily="18" charset="0"/>
                 </a:rPr>
                 <a:t>3</a:t>
               </a:r>
@@ -45430,7 +45430,7 @@
                     <a:srgbClr val="C0C0C0"/>
                   </a:outerShdw>
                 </a:effectLst>
-                <a:latin typeface="Times New Roman" panose="02020503050405090304" pitchFamily="18" charset="0"/>
+                <a:latin typeface="Times New Roman" panose="02020603050405020304" pitchFamily="18" charset="0"/>
               </a:endParaRPr>
             </a:p>
             <a:p>
@@ -45442,7 +45442,7 @@
                       <a:srgbClr val="C0C0C0"/>
                     </a:outerShdw>
                   </a:effectLst>
-                  <a:latin typeface="Times New Roman" panose="02020503050405090304" pitchFamily="18" charset="0"/>
+                  <a:latin typeface="Times New Roman" panose="02020603050405020304" pitchFamily="18" charset="0"/>
                 </a:rPr>
                 <a:t>            1       ...... </a:t>
               </a:r>
@@ -45453,7 +45453,7 @@
                       <a:srgbClr val="C0C0C0"/>
                     </a:outerShdw>
                   </a:effectLst>
-                  <a:latin typeface="Times New Roman" panose="02020503050405090304" pitchFamily="18" charset="0"/>
+                  <a:latin typeface="Times New Roman" panose="02020603050405020304" pitchFamily="18" charset="0"/>
                 </a:rPr>
                 <a:t>余</a:t>
               </a:r>
@@ -45464,7 +45464,7 @@
                       <a:srgbClr val="C0C0C0"/>
                     </a:outerShdw>
                   </a:effectLst>
-                  <a:latin typeface="Times New Roman" panose="02020503050405090304" pitchFamily="18" charset="0"/>
+                  <a:latin typeface="Times New Roman" panose="02020603050405020304" pitchFamily="18" charset="0"/>
                 </a:rPr>
                 <a:t>1</a:t>
               </a:r>
@@ -45474,7 +45474,7 @@
                     <a:srgbClr val="C0C0C0"/>
                   </a:outerShdw>
                 </a:effectLst>
-                <a:latin typeface="Times New Roman" panose="02020503050405090304" pitchFamily="18" charset="0"/>
+                <a:latin typeface="Times New Roman" panose="02020603050405020304" pitchFamily="18" charset="0"/>
               </a:endParaRPr>
             </a:p>
           </p:txBody>
@@ -45718,7 +45718,7 @@
                       <a:srgbClr val="C0C0C0"/>
                     </a:outerShdw>
                   </a:effectLst>
-                  <a:latin typeface="Times New Roman" panose="02020503050405090304" pitchFamily="18" charset="0"/>
+                  <a:latin typeface="Times New Roman" panose="02020603050405020304" pitchFamily="18" charset="0"/>
                 </a:rPr>
                 <a:t>13A</a:t>
               </a:r>
@@ -45728,7 +45728,7 @@
                     <a:srgbClr val="C0C0C0"/>
                   </a:outerShdw>
                 </a:effectLst>
-                <a:latin typeface="Times New Roman" panose="02020503050405090304" pitchFamily="18" charset="0"/>
+                <a:latin typeface="Times New Roman" panose="02020603050405020304" pitchFamily="18" charset="0"/>
               </a:endParaRPr>
             </a:p>
           </p:txBody>
@@ -45800,7 +45800,7 @@
                     <a:srgbClr val="C0C0C0"/>
                   </a:outerShdw>
                 </a:effectLst>
-                <a:latin typeface="Times New Roman" panose="02020503050405090304" pitchFamily="18" charset="0"/>
+                <a:latin typeface="Times New Roman" panose="02020603050405020304" pitchFamily="18" charset="0"/>
               </a:rPr>
               <a:t>    0.31</a:t>
             </a:r>
@@ -45810,7 +45810,7 @@
                   <a:srgbClr val="C0C0C0"/>
                 </a:outerShdw>
               </a:effectLst>
-              <a:latin typeface="Times New Roman" panose="02020503050405090304" pitchFamily="18" charset="0"/>
+              <a:latin typeface="Times New Roman" panose="02020603050405020304" pitchFamily="18" charset="0"/>
             </a:endParaRPr>
           </a:p>
           <a:p>
@@ -45821,7 +45821,7 @@
                     <a:srgbClr val="C0C0C0"/>
                   </a:outerShdw>
                 </a:effectLst>
-                <a:latin typeface="Times New Roman" panose="02020503050405090304" pitchFamily="18" charset="0"/>
+                <a:latin typeface="Times New Roman" panose="02020603050405020304" pitchFamily="18" charset="0"/>
               </a:rPr>
               <a:t>×   16</a:t>
             </a:r>
@@ -45831,7 +45831,7 @@
                   <a:srgbClr val="C0C0C0"/>
                 </a:outerShdw>
               </a:effectLst>
-              <a:latin typeface="Times New Roman" panose="02020503050405090304" pitchFamily="18" charset="0"/>
+              <a:latin typeface="Times New Roman" panose="02020603050405020304" pitchFamily="18" charset="0"/>
             </a:endParaRPr>
           </a:p>
         </p:txBody>
@@ -45968,7 +45968,7 @@
                       <a:srgbClr val="C0C0C0"/>
                     </a:outerShdw>
                   </a:effectLst>
-                  <a:latin typeface="Times New Roman" panose="02020503050405090304" pitchFamily="18" charset="0"/>
+                  <a:latin typeface="Times New Roman" panose="02020603050405020304" pitchFamily="18" charset="0"/>
                 </a:rPr>
                 <a:t>    4.96     ...... </a:t>
               </a:r>
@@ -45979,7 +45979,7 @@
                       <a:srgbClr val="C0C0C0"/>
                     </a:outerShdw>
                   </a:effectLst>
-                  <a:latin typeface="Times New Roman" panose="02020503050405090304" pitchFamily="18" charset="0"/>
+                  <a:latin typeface="Times New Roman" panose="02020603050405020304" pitchFamily="18" charset="0"/>
                 </a:rPr>
                 <a:t>整数部分</a:t>
               </a:r>
@@ -45990,7 +45990,7 @@
                       <a:srgbClr val="C0C0C0"/>
                     </a:outerShdw>
                   </a:effectLst>
-                  <a:latin typeface="Times New Roman" panose="02020503050405090304" pitchFamily="18" charset="0"/>
+                  <a:latin typeface="Times New Roman" panose="02020603050405020304" pitchFamily="18" charset="0"/>
                 </a:rPr>
                 <a:t>=4</a:t>
               </a:r>
@@ -46000,7 +46000,7 @@
                     <a:srgbClr val="C0C0C0"/>
                   </a:outerShdw>
                 </a:effectLst>
-                <a:latin typeface="Times New Roman" panose="02020503050405090304" pitchFamily="18" charset="0"/>
+                <a:latin typeface="Times New Roman" panose="02020603050405020304" pitchFamily="18" charset="0"/>
               </a:endParaRPr>
             </a:p>
           </p:txBody>
@@ -46138,7 +46138,7 @@
                       <a:srgbClr val="C0C0C0"/>
                     </a:outerShdw>
                   </a:effectLst>
-                  <a:latin typeface="Times New Roman" panose="02020503050405090304" pitchFamily="18" charset="0"/>
+                  <a:latin typeface="Times New Roman" panose="02020603050405020304" pitchFamily="18" charset="0"/>
                 </a:rPr>
                 <a:t>×   16</a:t>
               </a:r>
@@ -46148,7 +46148,7 @@
                     <a:srgbClr val="C0C0C0"/>
                   </a:outerShdw>
                 </a:effectLst>
-                <a:latin typeface="Times New Roman" panose="02020503050405090304" pitchFamily="18" charset="0"/>
+                <a:latin typeface="Times New Roman" panose="02020603050405020304" pitchFamily="18" charset="0"/>
               </a:endParaRPr>
             </a:p>
             <a:p>
@@ -46159,7 +46159,7 @@
                       <a:srgbClr val="C0C0C0"/>
                     </a:outerShdw>
                   </a:effectLst>
-                  <a:latin typeface="Times New Roman" panose="02020503050405090304" pitchFamily="18" charset="0"/>
+                  <a:latin typeface="Times New Roman" panose="02020603050405020304" pitchFamily="18" charset="0"/>
                 </a:rPr>
                 <a:t>  15.36     ...... </a:t>
               </a:r>
@@ -46170,7 +46170,7 @@
                       <a:srgbClr val="C0C0C0"/>
                     </a:outerShdw>
                   </a:effectLst>
-                  <a:latin typeface="Times New Roman" panose="02020503050405090304" pitchFamily="18" charset="0"/>
+                  <a:latin typeface="Times New Roman" panose="02020603050405020304" pitchFamily="18" charset="0"/>
                 </a:rPr>
                 <a:t>整数部分</a:t>
               </a:r>
@@ -46181,7 +46181,7 @@
                       <a:srgbClr val="C0C0C0"/>
                     </a:outerShdw>
                   </a:effectLst>
-                  <a:latin typeface="Times New Roman" panose="02020503050405090304" pitchFamily="18" charset="0"/>
+                  <a:latin typeface="Times New Roman" panose="02020603050405020304" pitchFamily="18" charset="0"/>
                 </a:rPr>
                 <a:t>=15→F</a:t>
               </a:r>
@@ -46191,7 +46191,7 @@
                     <a:srgbClr val="C0C0C0"/>
                   </a:outerShdw>
                 </a:effectLst>
-                <a:latin typeface="Times New Roman" panose="02020503050405090304" pitchFamily="18" charset="0"/>
+                <a:latin typeface="Times New Roman" panose="02020603050405020304" pitchFamily="18" charset="0"/>
               </a:endParaRPr>
             </a:p>
           </p:txBody>
@@ -46331,7 +46331,7 @@
                       <a:srgbClr val="C0C0C0"/>
                     </a:outerShdw>
                   </a:effectLst>
-                  <a:latin typeface="Times New Roman" panose="02020503050405090304" pitchFamily="18" charset="0"/>
+                  <a:latin typeface="Times New Roman" panose="02020603050405020304" pitchFamily="18" charset="0"/>
                 </a:rPr>
                 <a:t>4F</a:t>
               </a:r>
@@ -46341,7 +46341,7 @@
                     <a:srgbClr val="C0C0C0"/>
                   </a:outerShdw>
                 </a:effectLst>
-                <a:latin typeface="Times New Roman" panose="02020503050405090304" pitchFamily="18" charset="0"/>
+                <a:latin typeface="Times New Roman" panose="02020603050405020304" pitchFamily="18" charset="0"/>
               </a:endParaRPr>
             </a:p>
           </p:txBody>
